--- a/assets/img/math/calculus/cylindrical_spherical_coordinate_system/cylindrical_spherical_coordinate_system.pptx
+++ b/assets/img/math/calculus/cylindrical_spherical_coordinate_system/cylindrical_spherical_coordinate_system.pptx
@@ -8,6 +8,7 @@
     <p:sldId id="256" r:id="rId2"/>
     <p:sldId id="257" r:id="rId3"/>
     <p:sldId id="258" r:id="rId4"/>
+    <p:sldId id="259" r:id="rId5"/>
   </p:sldIdLst>
   <p:sldSz cx="12192000" cy="6858000"/>
   <p:notesSz cx="6858000" cy="9144000"/>
@@ -109,11 +110,6 @@
   <p:extLst>
     <p:ext uri="{EFAFB233-063F-42B5-8137-9DF3F51BA10A}">
       <p15:sldGuideLst xmlns:p15="http://schemas.microsoft.com/office/powerpoint/2012/main">
-        <p15:guide id="1" orient="horz" pos="2160" userDrawn="1">
-          <p15:clr>
-            <a:srgbClr val="A4A3A4"/>
-          </p15:clr>
-        </p15:guide>
         <p15:guide id="2" pos="3840" userDrawn="1">
           <p15:clr>
             <a:srgbClr val="A4A3A4"/>
@@ -272,7 +268,7 @@
           <a:p>
             <a:fld id="{16FC7EF7-4FFB-4F3F-AE28-5603A62119AD}" type="datetimeFigureOut">
               <a:rPr lang="ko-KR" altLang="en-US" smtClean="0"/>
-              <a:t>2024-12-25</a:t>
+              <a:t>2024-12-28</a:t>
             </a:fld>
             <a:endParaRPr lang="ko-KR" altLang="en-US"/>
           </a:p>
@@ -470,7 +466,7 @@
           <a:p>
             <a:fld id="{16FC7EF7-4FFB-4F3F-AE28-5603A62119AD}" type="datetimeFigureOut">
               <a:rPr lang="ko-KR" altLang="en-US" smtClean="0"/>
-              <a:t>2024-12-25</a:t>
+              <a:t>2024-12-28</a:t>
             </a:fld>
             <a:endParaRPr lang="ko-KR" altLang="en-US"/>
           </a:p>
@@ -678,7 +674,7 @@
           <a:p>
             <a:fld id="{16FC7EF7-4FFB-4F3F-AE28-5603A62119AD}" type="datetimeFigureOut">
               <a:rPr lang="ko-KR" altLang="en-US" smtClean="0"/>
-              <a:t>2024-12-25</a:t>
+              <a:t>2024-12-28</a:t>
             </a:fld>
             <a:endParaRPr lang="ko-KR" altLang="en-US"/>
           </a:p>
@@ -876,7 +872,7 @@
           <a:p>
             <a:fld id="{16FC7EF7-4FFB-4F3F-AE28-5603A62119AD}" type="datetimeFigureOut">
               <a:rPr lang="ko-KR" altLang="en-US" smtClean="0"/>
-              <a:t>2024-12-25</a:t>
+              <a:t>2024-12-28</a:t>
             </a:fld>
             <a:endParaRPr lang="ko-KR" altLang="en-US"/>
           </a:p>
@@ -1151,7 +1147,7 @@
           <a:p>
             <a:fld id="{16FC7EF7-4FFB-4F3F-AE28-5603A62119AD}" type="datetimeFigureOut">
               <a:rPr lang="ko-KR" altLang="en-US" smtClean="0"/>
-              <a:t>2024-12-25</a:t>
+              <a:t>2024-12-28</a:t>
             </a:fld>
             <a:endParaRPr lang="ko-KR" altLang="en-US"/>
           </a:p>
@@ -1416,7 +1412,7 @@
           <a:p>
             <a:fld id="{16FC7EF7-4FFB-4F3F-AE28-5603A62119AD}" type="datetimeFigureOut">
               <a:rPr lang="ko-KR" altLang="en-US" smtClean="0"/>
-              <a:t>2024-12-25</a:t>
+              <a:t>2024-12-28</a:t>
             </a:fld>
             <a:endParaRPr lang="ko-KR" altLang="en-US"/>
           </a:p>
@@ -1828,7 +1824,7 @@
           <a:p>
             <a:fld id="{16FC7EF7-4FFB-4F3F-AE28-5603A62119AD}" type="datetimeFigureOut">
               <a:rPr lang="ko-KR" altLang="en-US" smtClean="0"/>
-              <a:t>2024-12-25</a:t>
+              <a:t>2024-12-28</a:t>
             </a:fld>
             <a:endParaRPr lang="ko-KR" altLang="en-US"/>
           </a:p>
@@ -1969,7 +1965,7 @@
           <a:p>
             <a:fld id="{16FC7EF7-4FFB-4F3F-AE28-5603A62119AD}" type="datetimeFigureOut">
               <a:rPr lang="ko-KR" altLang="en-US" smtClean="0"/>
-              <a:t>2024-12-25</a:t>
+              <a:t>2024-12-28</a:t>
             </a:fld>
             <a:endParaRPr lang="ko-KR" altLang="en-US"/>
           </a:p>
@@ -2082,7 +2078,7 @@
           <a:p>
             <a:fld id="{16FC7EF7-4FFB-4F3F-AE28-5603A62119AD}" type="datetimeFigureOut">
               <a:rPr lang="ko-KR" altLang="en-US" smtClean="0"/>
-              <a:t>2024-12-25</a:t>
+              <a:t>2024-12-28</a:t>
             </a:fld>
             <a:endParaRPr lang="ko-KR" altLang="en-US"/>
           </a:p>
@@ -2393,7 +2389,7 @@
           <a:p>
             <a:fld id="{16FC7EF7-4FFB-4F3F-AE28-5603A62119AD}" type="datetimeFigureOut">
               <a:rPr lang="ko-KR" altLang="en-US" smtClean="0"/>
-              <a:t>2024-12-25</a:t>
+              <a:t>2024-12-28</a:t>
             </a:fld>
             <a:endParaRPr lang="ko-KR" altLang="en-US"/>
           </a:p>
@@ -2681,7 +2677,7 @@
           <a:p>
             <a:fld id="{16FC7EF7-4FFB-4F3F-AE28-5603A62119AD}" type="datetimeFigureOut">
               <a:rPr lang="ko-KR" altLang="en-US" smtClean="0"/>
-              <a:t>2024-12-25</a:t>
+              <a:t>2024-12-28</a:t>
             </a:fld>
             <a:endParaRPr lang="ko-KR" altLang="en-US"/>
           </a:p>
@@ -2922,7 +2918,7 @@
           <a:p>
             <a:fld id="{16FC7EF7-4FFB-4F3F-AE28-5603A62119AD}" type="datetimeFigureOut">
               <a:rPr lang="ko-KR" altLang="en-US" smtClean="0"/>
-              <a:t>2024-12-25</a:t>
+              <a:t>2024-12-28</a:t>
             </a:fld>
             <a:endParaRPr lang="ko-KR" altLang="en-US"/>
           </a:p>
@@ -4861,6 +4857,16 @@
 <file path=ppt/slides/slide3.xml><?xml version="1.0" encoding="utf-8"?>
 <p:sld xmlns:a="http://schemas.openxmlformats.org/drawingml/2006/main" xmlns:r="http://schemas.openxmlformats.org/officeDocument/2006/relationships" xmlns:p="http://schemas.openxmlformats.org/presentationml/2006/main">
   <p:cSld>
+    <p:bg>
+      <p:bgPr>
+        <a:solidFill>
+          <a:schemeClr val="bg1">
+            <a:alpha val="30000"/>
+          </a:schemeClr>
+        </a:solidFill>
+        <a:effectLst/>
+      </p:bgPr>
+    </p:bg>
     <p:spTree>
       <p:nvGrpSpPr>
         <p:cNvPr id="1" name=""/>
@@ -4877,10 +4883,10 @@
       </p:grpSpPr>
       <p:grpSp>
         <p:nvGrpSpPr>
-          <p:cNvPr id="9" name="그룹 8">
+          <p:cNvPr id="32" name="그룹 31">
             <a:extLst>
               <a:ext uri="{FF2B5EF4-FFF2-40B4-BE49-F238E27FC236}">
-                <a16:creationId xmlns:a16="http://schemas.microsoft.com/office/drawing/2014/main" id="{065B90AA-0386-3F4A-DCB4-8CC64EAC0C8C}"/>
+                <a16:creationId xmlns:a16="http://schemas.microsoft.com/office/drawing/2014/main" id="{7ED9EFBE-ECA9-F2D2-63BD-867735051737}"/>
               </a:ext>
             </a:extLst>
           </p:cNvPr>
@@ -4889,48 +4895,2714 @@
         </p:nvGrpSpPr>
         <p:grpSpPr>
           <a:xfrm>
-            <a:off x="675870" y="430853"/>
-            <a:ext cx="5705475" cy="5295900"/>
-            <a:chOff x="390525" y="301151"/>
-            <a:chExt cx="5705475" cy="5295900"/>
+            <a:off x="919233" y="-270038"/>
+            <a:ext cx="2650431" cy="2530303"/>
+            <a:chOff x="7586733" y="1673244"/>
+            <a:chExt cx="2650431" cy="2530303"/>
           </a:xfrm>
         </p:grpSpPr>
-        <p:pic>
-          <p:nvPicPr>
-            <p:cNvPr id="5" name="그림 4">
+        <p:grpSp>
+          <p:nvGrpSpPr>
+            <p:cNvPr id="30" name="그룹 29">
               <a:extLst>
                 <a:ext uri="{FF2B5EF4-FFF2-40B4-BE49-F238E27FC236}">
-                  <a16:creationId xmlns:a16="http://schemas.microsoft.com/office/drawing/2014/main" id="{B9E01A94-4483-44C8-6695-A7A2B155A687}"/>
+                  <a16:creationId xmlns:a16="http://schemas.microsoft.com/office/drawing/2014/main" id="{18200F89-2606-C0BD-442B-A3B801AB621D}"/>
                 </a:ext>
               </a:extLst>
             </p:cNvPr>
-            <p:cNvPicPr>
-              <a:picLocks noChangeAspect="1"/>
-            </p:cNvPicPr>
+            <p:cNvGrpSpPr/>
             <p:nvPr/>
-          </p:nvPicPr>
-          <p:blipFill>
-            <a:blip r:embed="rId2"/>
-            <a:stretch>
-              <a:fillRect/>
-            </a:stretch>
-          </p:blipFill>
+          </p:nvGrpSpPr>
+          <p:grpSpPr>
+            <a:xfrm>
+              <a:off x="7586733" y="1673244"/>
+              <a:ext cx="2650431" cy="2530303"/>
+              <a:chOff x="7204112" y="1997413"/>
+              <a:chExt cx="2650431" cy="2530303"/>
+            </a:xfrm>
+          </p:grpSpPr>
+          <p:cxnSp>
+            <p:nvCxnSpPr>
+              <p:cNvPr id="2" name="직선 화살표 연결선 1">
+                <a:extLst>
+                  <a:ext uri="{FF2B5EF4-FFF2-40B4-BE49-F238E27FC236}">
+                    <a16:creationId xmlns:a16="http://schemas.microsoft.com/office/drawing/2014/main" id="{230ADBC5-4F42-CB45-65B6-1238C057D919}"/>
+                  </a:ext>
+                </a:extLst>
+              </p:cNvPr>
+              <p:cNvCxnSpPr>
+                <a:cxnSpLocks/>
+              </p:cNvCxnSpPr>
+              <p:nvPr/>
+            </p:nvCxnSpPr>
+            <p:spPr>
+              <a:xfrm>
+                <a:off x="7295744" y="3445212"/>
+                <a:ext cx="2431916" cy="0"/>
+              </a:xfrm>
+              <a:prstGeom prst="straightConnector1">
+                <a:avLst/>
+              </a:prstGeom>
+              <a:ln w="38100">
+                <a:solidFill>
+                  <a:srgbClr val="00B050"/>
+                </a:solidFill>
+                <a:tailEnd type="triangle"/>
+              </a:ln>
+            </p:spPr>
+            <p:style>
+              <a:lnRef idx="2">
+                <a:schemeClr val="accent1"/>
+              </a:lnRef>
+              <a:fillRef idx="0">
+                <a:schemeClr val="accent1"/>
+              </a:fillRef>
+              <a:effectRef idx="1">
+                <a:schemeClr val="accent1"/>
+              </a:effectRef>
+              <a:fontRef idx="minor">
+                <a:schemeClr val="tx1"/>
+              </a:fontRef>
+            </p:style>
+          </p:cxnSp>
+          <p:cxnSp>
+            <p:nvCxnSpPr>
+              <p:cNvPr id="3" name="직선 화살표 연결선 2">
+                <a:extLst>
+                  <a:ext uri="{FF2B5EF4-FFF2-40B4-BE49-F238E27FC236}">
+                    <a16:creationId xmlns:a16="http://schemas.microsoft.com/office/drawing/2014/main" id="{9832C7F2-BFBF-22D2-9446-1F9C862C85FF}"/>
+                  </a:ext>
+                </a:extLst>
+              </p:cNvPr>
+              <p:cNvCxnSpPr>
+                <a:cxnSpLocks/>
+              </p:cNvCxnSpPr>
+              <p:nvPr/>
+            </p:nvCxnSpPr>
+            <p:spPr>
+              <a:xfrm flipH="1">
+                <a:off x="7295745" y="2892328"/>
+                <a:ext cx="1504544" cy="1509049"/>
+              </a:xfrm>
+              <a:prstGeom prst="straightConnector1">
+                <a:avLst/>
+              </a:prstGeom>
+              <a:ln w="38100">
+                <a:solidFill>
+                  <a:srgbClr val="FF0000"/>
+                </a:solidFill>
+                <a:tailEnd type="triangle"/>
+              </a:ln>
+            </p:spPr>
+            <p:style>
+              <a:lnRef idx="2">
+                <a:schemeClr val="accent1"/>
+              </a:lnRef>
+              <a:fillRef idx="0">
+                <a:schemeClr val="accent1"/>
+              </a:fillRef>
+              <a:effectRef idx="1">
+                <a:schemeClr val="accent1"/>
+              </a:effectRef>
+              <a:fontRef idx="minor">
+                <a:schemeClr val="tx1"/>
+              </a:fontRef>
+            </p:style>
+          </p:cxnSp>
+          <p:cxnSp>
+            <p:nvCxnSpPr>
+              <p:cNvPr id="4" name="직선 화살표 연결선 3">
+                <a:extLst>
+                  <a:ext uri="{FF2B5EF4-FFF2-40B4-BE49-F238E27FC236}">
+                    <a16:creationId xmlns:a16="http://schemas.microsoft.com/office/drawing/2014/main" id="{60D4C222-7921-152A-05EC-769BF969024E}"/>
+                  </a:ext>
+                </a:extLst>
+              </p:cNvPr>
+              <p:cNvCxnSpPr>
+                <a:cxnSpLocks/>
+              </p:cNvCxnSpPr>
+              <p:nvPr/>
+            </p:nvCxnSpPr>
+            <p:spPr>
+              <a:xfrm flipV="1">
+                <a:off x="8249055" y="1997413"/>
+                <a:ext cx="0" cy="2403964"/>
+              </a:xfrm>
+              <a:prstGeom prst="straightConnector1">
+                <a:avLst/>
+              </a:prstGeom>
+              <a:ln w="38100">
+                <a:solidFill>
+                  <a:srgbClr val="0000FF"/>
+                </a:solidFill>
+                <a:tailEnd type="triangle"/>
+              </a:ln>
+            </p:spPr>
+            <p:style>
+              <a:lnRef idx="2">
+                <a:schemeClr val="accent1"/>
+              </a:lnRef>
+              <a:fillRef idx="0">
+                <a:schemeClr val="accent1"/>
+              </a:fillRef>
+              <a:effectRef idx="1">
+                <a:schemeClr val="accent1"/>
+              </a:effectRef>
+              <a:fontRef idx="minor">
+                <a:schemeClr val="tx1"/>
+              </a:fontRef>
+            </p:style>
+          </p:cxnSp>
+          <p:sp>
+            <p:nvSpPr>
+              <p:cNvPr id="19" name="TextBox 18">
+                <a:extLst>
+                  <a:ext uri="{FF2B5EF4-FFF2-40B4-BE49-F238E27FC236}">
+                    <a16:creationId xmlns:a16="http://schemas.microsoft.com/office/drawing/2014/main" id="{92C241CE-59BA-2B75-EB9A-6DB4BA05CAC7}"/>
+                  </a:ext>
+                </a:extLst>
+              </p:cNvPr>
+              <p:cNvSpPr txBox="1"/>
+              <p:nvPr/>
+            </p:nvSpPr>
+            <p:spPr>
+              <a:xfrm>
+                <a:off x="8269501" y="2085332"/>
+                <a:ext cx="276038" cy="276999"/>
+              </a:xfrm>
+              <a:prstGeom prst="rect">
+                <a:avLst/>
+              </a:prstGeom>
+              <a:noFill/>
+            </p:spPr>
+            <p:txBody>
+              <a:bodyPr wrap="none" rtlCol="0">
+                <a:spAutoFit/>
+              </a:bodyPr>
+              <a:lstStyle/>
+              <a:p>
+                <a:r>
+                  <a:rPr lang="en-US" altLang="ko-KR" sz="1200" b="1">
+                    <a:solidFill>
+                      <a:srgbClr val="0000FF"/>
+                    </a:solidFill>
+                    <a:latin typeface="나눔바른고딕" panose="020B0603020101020101" pitchFamily="50" charset="-127"/>
+                    <a:ea typeface="나눔바른고딕" panose="020B0603020101020101" pitchFamily="50" charset="-127"/>
+                  </a:rPr>
+                  <a:t>Z</a:t>
+                </a:r>
+                <a:endParaRPr lang="ko-KR" altLang="en-US" sz="1200" b="1">
+                  <a:solidFill>
+                    <a:srgbClr val="0000FF"/>
+                  </a:solidFill>
+                  <a:latin typeface="나눔바른고딕" panose="020B0603020101020101" pitchFamily="50" charset="-127"/>
+                  <a:ea typeface="나눔바른고딕" panose="020B0603020101020101" pitchFamily="50" charset="-127"/>
+                </a:endParaRPr>
+              </a:p>
+            </p:txBody>
+          </p:sp>
+          <p:sp>
+            <p:nvSpPr>
+              <p:cNvPr id="20" name="TextBox 19">
+                <a:extLst>
+                  <a:ext uri="{FF2B5EF4-FFF2-40B4-BE49-F238E27FC236}">
+                    <a16:creationId xmlns:a16="http://schemas.microsoft.com/office/drawing/2014/main" id="{4BF70E13-C09C-C009-A8D2-3DD00398F7B3}"/>
+                  </a:ext>
+                </a:extLst>
+              </p:cNvPr>
+              <p:cNvSpPr txBox="1"/>
+              <p:nvPr/>
+            </p:nvSpPr>
+            <p:spPr>
+              <a:xfrm>
+                <a:off x="7204112" y="3975210"/>
+                <a:ext cx="276038" cy="276999"/>
+              </a:xfrm>
+              <a:prstGeom prst="rect">
+                <a:avLst/>
+              </a:prstGeom>
+              <a:noFill/>
+            </p:spPr>
+            <p:txBody>
+              <a:bodyPr wrap="square" rtlCol="0">
+                <a:spAutoFit/>
+              </a:bodyPr>
+              <a:lstStyle/>
+              <a:p>
+                <a:r>
+                  <a:rPr lang="en-US" altLang="ko-KR" sz="1200" b="1">
+                    <a:solidFill>
+                      <a:srgbClr val="FF0000"/>
+                    </a:solidFill>
+                    <a:latin typeface="나눔바른고딕" panose="020B0603020101020101" pitchFamily="50" charset="-127"/>
+                    <a:ea typeface="나눔바른고딕" panose="020B0603020101020101" pitchFamily="50" charset="-127"/>
+                  </a:rPr>
+                  <a:t>X</a:t>
+                </a:r>
+                <a:endParaRPr lang="ko-KR" altLang="en-US" sz="1200" b="1">
+                  <a:solidFill>
+                    <a:srgbClr val="FF0000"/>
+                  </a:solidFill>
+                  <a:latin typeface="나눔바른고딕" panose="020B0603020101020101" pitchFamily="50" charset="-127"/>
+                  <a:ea typeface="나눔바른고딕" panose="020B0603020101020101" pitchFamily="50" charset="-127"/>
+                </a:endParaRPr>
+              </a:p>
+            </p:txBody>
+          </p:sp>
+          <p:sp>
+            <p:nvSpPr>
+              <p:cNvPr id="21" name="TextBox 20">
+                <a:extLst>
+                  <a:ext uri="{FF2B5EF4-FFF2-40B4-BE49-F238E27FC236}">
+                    <a16:creationId xmlns:a16="http://schemas.microsoft.com/office/drawing/2014/main" id="{9057E908-6277-6915-EEDE-644EC722E68B}"/>
+                  </a:ext>
+                </a:extLst>
+              </p:cNvPr>
+              <p:cNvSpPr txBox="1"/>
+              <p:nvPr/>
+            </p:nvSpPr>
+            <p:spPr>
+              <a:xfrm>
+                <a:off x="9393678" y="3174094"/>
+                <a:ext cx="276038" cy="276999"/>
+              </a:xfrm>
+              <a:prstGeom prst="rect">
+                <a:avLst/>
+              </a:prstGeom>
+              <a:noFill/>
+            </p:spPr>
+            <p:txBody>
+              <a:bodyPr wrap="square" rtlCol="0">
+                <a:spAutoFit/>
+              </a:bodyPr>
+              <a:lstStyle/>
+              <a:p>
+                <a:r>
+                  <a:rPr lang="en-US" altLang="ko-KR" sz="1200" b="1">
+                    <a:solidFill>
+                      <a:srgbClr val="00B050"/>
+                    </a:solidFill>
+                    <a:latin typeface="나눔바른고딕" panose="020B0603020101020101" pitchFamily="50" charset="-127"/>
+                    <a:ea typeface="나눔바른고딕" panose="020B0603020101020101" pitchFamily="50" charset="-127"/>
+                  </a:rPr>
+                  <a:t>Y</a:t>
+                </a:r>
+                <a:endParaRPr lang="ko-KR" altLang="en-US" sz="1200" b="1">
+                  <a:solidFill>
+                    <a:srgbClr val="00B050"/>
+                  </a:solidFill>
+                  <a:latin typeface="나눔바른고딕" panose="020B0603020101020101" pitchFamily="50" charset="-127"/>
+                  <a:ea typeface="나눔바른고딕" panose="020B0603020101020101" pitchFamily="50" charset="-127"/>
+                </a:endParaRPr>
+              </a:p>
+            </p:txBody>
+          </p:sp>
+          <p:sp>
+            <p:nvSpPr>
+              <p:cNvPr id="27" name="TextBox 26">
+                <a:extLst>
+                  <a:ext uri="{FF2B5EF4-FFF2-40B4-BE49-F238E27FC236}">
+                    <a16:creationId xmlns:a16="http://schemas.microsoft.com/office/drawing/2014/main" id="{66D96B6D-B384-A62A-5EE2-B28410F432E2}"/>
+                  </a:ext>
+                </a:extLst>
+              </p:cNvPr>
+              <p:cNvSpPr txBox="1"/>
+              <p:nvPr/>
+            </p:nvSpPr>
+            <p:spPr>
+              <a:xfrm>
+                <a:off x="7321684" y="4250717"/>
+                <a:ext cx="645692" cy="276999"/>
+              </a:xfrm>
+              <a:prstGeom prst="rect">
+                <a:avLst/>
+              </a:prstGeom>
+              <a:noFill/>
+            </p:spPr>
+            <p:txBody>
+              <a:bodyPr wrap="square" rtlCol="0">
+                <a:spAutoFit/>
+              </a:bodyPr>
+              <a:lstStyle/>
+              <a:p>
+                <a:pPr algn="ctr"/>
+                <a:r>
+                  <a:rPr lang="en-US" altLang="ko-KR" sz="1200" b="1">
+                    <a:solidFill>
+                      <a:srgbClr val="FF0000"/>
+                    </a:solidFill>
+                    <a:latin typeface="나눔바른고딕" panose="020B0603020101020101" pitchFamily="50" charset="-127"/>
+                    <a:ea typeface="나눔바른고딕" panose="020B0603020101020101" pitchFamily="50" charset="-127"/>
+                  </a:rPr>
+                  <a:t>Roll</a:t>
+                </a:r>
+                <a:endParaRPr lang="ko-KR" altLang="en-US" sz="1200" b="1">
+                  <a:solidFill>
+                    <a:srgbClr val="FF0000"/>
+                  </a:solidFill>
+                  <a:latin typeface="나눔바른고딕" panose="020B0603020101020101" pitchFamily="50" charset="-127"/>
+                  <a:ea typeface="나눔바른고딕" panose="020B0603020101020101" pitchFamily="50" charset="-127"/>
+                </a:endParaRPr>
+              </a:p>
+            </p:txBody>
+          </p:sp>
+          <p:sp>
+            <p:nvSpPr>
+              <p:cNvPr id="28" name="TextBox 27">
+                <a:extLst>
+                  <a:ext uri="{FF2B5EF4-FFF2-40B4-BE49-F238E27FC236}">
+                    <a16:creationId xmlns:a16="http://schemas.microsoft.com/office/drawing/2014/main" id="{1570E428-2E4A-96DB-2D45-096086A2C617}"/>
+                  </a:ext>
+                </a:extLst>
+              </p:cNvPr>
+              <p:cNvSpPr txBox="1"/>
+              <p:nvPr/>
+            </p:nvSpPr>
+            <p:spPr>
+              <a:xfrm>
+                <a:off x="9208851" y="3476170"/>
+                <a:ext cx="645692" cy="276999"/>
+              </a:xfrm>
+              <a:prstGeom prst="rect">
+                <a:avLst/>
+              </a:prstGeom>
+              <a:noFill/>
+            </p:spPr>
+            <p:txBody>
+              <a:bodyPr wrap="square" rtlCol="0">
+                <a:spAutoFit/>
+              </a:bodyPr>
+              <a:lstStyle/>
+              <a:p>
+                <a:pPr algn="ctr"/>
+                <a:r>
+                  <a:rPr lang="en-US" altLang="ko-KR" sz="1200" b="1">
+                    <a:solidFill>
+                      <a:srgbClr val="00B050"/>
+                    </a:solidFill>
+                    <a:latin typeface="나눔바른고딕" panose="020B0603020101020101" pitchFamily="50" charset="-127"/>
+                    <a:ea typeface="나눔바른고딕" panose="020B0603020101020101" pitchFamily="50" charset="-127"/>
+                  </a:rPr>
+                  <a:t>Pitch</a:t>
+                </a:r>
+                <a:endParaRPr lang="ko-KR" altLang="en-US" sz="1200" b="1">
+                  <a:solidFill>
+                    <a:srgbClr val="00B050"/>
+                  </a:solidFill>
+                  <a:latin typeface="나눔바른고딕" panose="020B0603020101020101" pitchFamily="50" charset="-127"/>
+                  <a:ea typeface="나눔바른고딕" panose="020B0603020101020101" pitchFamily="50" charset="-127"/>
+                </a:endParaRPr>
+              </a:p>
+            </p:txBody>
+          </p:sp>
+          <p:sp>
+            <p:nvSpPr>
+              <p:cNvPr id="29" name="TextBox 28">
+                <a:extLst>
+                  <a:ext uri="{FF2B5EF4-FFF2-40B4-BE49-F238E27FC236}">
+                    <a16:creationId xmlns:a16="http://schemas.microsoft.com/office/drawing/2014/main" id="{5E71BCEB-BB70-DB90-4FA5-A6A47CA3002B}"/>
+                  </a:ext>
+                </a:extLst>
+              </p:cNvPr>
+              <p:cNvSpPr txBox="1"/>
+              <p:nvPr/>
+            </p:nvSpPr>
+            <p:spPr>
+              <a:xfrm>
+                <a:off x="7681183" y="2085332"/>
+                <a:ext cx="645692" cy="276999"/>
+              </a:xfrm>
+              <a:prstGeom prst="rect">
+                <a:avLst/>
+              </a:prstGeom>
+              <a:noFill/>
+            </p:spPr>
+            <p:txBody>
+              <a:bodyPr wrap="square" rtlCol="0">
+                <a:spAutoFit/>
+              </a:bodyPr>
+              <a:lstStyle/>
+              <a:p>
+                <a:pPr algn="ctr"/>
+                <a:r>
+                  <a:rPr lang="en-US" altLang="ko-KR" sz="1200" b="1">
+                    <a:solidFill>
+                      <a:srgbClr val="0000FF"/>
+                    </a:solidFill>
+                    <a:latin typeface="나눔바른고딕" panose="020B0603020101020101" pitchFamily="50" charset="-127"/>
+                    <a:ea typeface="나눔바른고딕" panose="020B0603020101020101" pitchFamily="50" charset="-127"/>
+                  </a:rPr>
+                  <a:t>Yaw</a:t>
+                </a:r>
+                <a:endParaRPr lang="ko-KR" altLang="en-US" sz="1200" b="1">
+                  <a:solidFill>
+                    <a:srgbClr val="0000FF"/>
+                  </a:solidFill>
+                  <a:latin typeface="나눔바른고딕" panose="020B0603020101020101" pitchFamily="50" charset="-127"/>
+                  <a:ea typeface="나눔바른고딕" panose="020B0603020101020101" pitchFamily="50" charset="-127"/>
+                </a:endParaRPr>
+              </a:p>
+            </p:txBody>
+          </p:sp>
+        </p:grpSp>
+        <p:sp>
+          <p:nvSpPr>
+            <p:cNvPr id="31" name="타원 30">
+              <a:extLst>
+                <a:ext uri="{FF2B5EF4-FFF2-40B4-BE49-F238E27FC236}">
+                  <a16:creationId xmlns:a16="http://schemas.microsoft.com/office/drawing/2014/main" id="{DAFF0C81-8A17-240C-A173-41058B34310A}"/>
+                </a:ext>
+              </a:extLst>
+            </p:cNvPr>
+            <p:cNvSpPr/>
+            <p:nvPr/>
+          </p:nvSpPr>
           <p:spPr>
             <a:xfrm>
-              <a:off x="390525" y="301151"/>
-              <a:ext cx="5705475" cy="5295900"/>
+              <a:off x="8589027" y="3078394"/>
+              <a:ext cx="85297" cy="85297"/>
             </a:xfrm>
-            <a:prstGeom prst="rect">
+            <a:prstGeom prst="ellipse">
               <a:avLst/>
             </a:prstGeom>
+            <a:solidFill>
+              <a:schemeClr val="tx1"/>
+            </a:solidFill>
+            <a:ln>
+              <a:solidFill>
+                <a:schemeClr val="tx1"/>
+              </a:solidFill>
+            </a:ln>
           </p:spPr>
-        </p:pic>
+          <p:style>
+            <a:lnRef idx="2">
+              <a:schemeClr val="accent1">
+                <a:shade val="15000"/>
+              </a:schemeClr>
+            </a:lnRef>
+            <a:fillRef idx="1">
+              <a:schemeClr val="accent1"/>
+            </a:fillRef>
+            <a:effectRef idx="0">
+              <a:schemeClr val="accent1"/>
+            </a:effectRef>
+            <a:fontRef idx="minor">
+              <a:schemeClr val="lt1"/>
+            </a:fontRef>
+          </p:style>
+          <p:txBody>
+            <a:bodyPr rtlCol="0" anchor="ctr"/>
+            <a:lstStyle/>
+            <a:p>
+              <a:pPr algn="ctr"/>
+              <a:endParaRPr lang="ko-KR" altLang="en-US"/>
+            </a:p>
+          </p:txBody>
+        </p:sp>
+      </p:grpSp>
+      <p:grpSp>
+        <p:nvGrpSpPr>
+          <p:cNvPr id="108" name="그룹 107">
+            <a:extLst>
+              <a:ext uri="{FF2B5EF4-FFF2-40B4-BE49-F238E27FC236}">
+                <a16:creationId xmlns:a16="http://schemas.microsoft.com/office/drawing/2014/main" id="{FA451255-FD28-51F1-F618-995FC8A9E459}"/>
+              </a:ext>
+            </a:extLst>
+          </p:cNvPr>
+          <p:cNvGrpSpPr/>
+          <p:nvPr/>
+        </p:nvGrpSpPr>
+        <p:grpSpPr>
+          <a:xfrm>
+            <a:off x="734406" y="2913045"/>
+            <a:ext cx="6933303" cy="3046258"/>
+            <a:chOff x="734406" y="2913045"/>
+            <a:chExt cx="6933303" cy="3046258"/>
+          </a:xfrm>
+        </p:grpSpPr>
+        <p:grpSp>
+          <p:nvGrpSpPr>
+            <p:cNvPr id="104" name="그룹 103">
+              <a:extLst>
+                <a:ext uri="{FF2B5EF4-FFF2-40B4-BE49-F238E27FC236}">
+                  <a16:creationId xmlns:a16="http://schemas.microsoft.com/office/drawing/2014/main" id="{3B889473-5360-3516-E646-BC51F300A7AC}"/>
+                </a:ext>
+              </a:extLst>
+            </p:cNvPr>
+            <p:cNvGrpSpPr/>
+            <p:nvPr/>
+          </p:nvGrpSpPr>
+          <p:grpSpPr>
+            <a:xfrm>
+              <a:off x="734406" y="3429000"/>
+              <a:ext cx="2650431" cy="2530303"/>
+              <a:chOff x="734406" y="3429000"/>
+              <a:chExt cx="2650431" cy="2530303"/>
+            </a:xfrm>
+          </p:grpSpPr>
+          <p:grpSp>
+            <p:nvGrpSpPr>
+              <p:cNvPr id="70" name="그룹 69">
+                <a:extLst>
+                  <a:ext uri="{FF2B5EF4-FFF2-40B4-BE49-F238E27FC236}">
+                    <a16:creationId xmlns:a16="http://schemas.microsoft.com/office/drawing/2014/main" id="{0025522E-4CF6-BD74-0747-6BEC5EA6F8F9}"/>
+                  </a:ext>
+                </a:extLst>
+              </p:cNvPr>
+              <p:cNvGrpSpPr/>
+              <p:nvPr/>
+            </p:nvGrpSpPr>
+            <p:grpSpPr>
+              <a:xfrm>
+                <a:off x="734406" y="3429000"/>
+                <a:ext cx="2650431" cy="2530303"/>
+                <a:chOff x="734406" y="3429000"/>
+                <a:chExt cx="2650431" cy="2530303"/>
+              </a:xfrm>
+            </p:grpSpPr>
+            <p:grpSp>
+              <p:nvGrpSpPr>
+                <p:cNvPr id="34" name="그룹 33">
+                  <a:extLst>
+                    <a:ext uri="{FF2B5EF4-FFF2-40B4-BE49-F238E27FC236}">
+                      <a16:creationId xmlns:a16="http://schemas.microsoft.com/office/drawing/2014/main" id="{41FB0446-BCD6-E4EB-62B6-62512A2255E0}"/>
+                    </a:ext>
+                  </a:extLst>
+                </p:cNvPr>
+                <p:cNvGrpSpPr/>
+                <p:nvPr/>
+              </p:nvGrpSpPr>
+              <p:grpSpPr>
+                <a:xfrm>
+                  <a:off x="734406" y="3429000"/>
+                  <a:ext cx="2650431" cy="2530303"/>
+                  <a:chOff x="7204112" y="1997413"/>
+                  <a:chExt cx="2650431" cy="2530303"/>
+                </a:xfrm>
+              </p:grpSpPr>
+              <p:cxnSp>
+                <p:nvCxnSpPr>
+                  <p:cNvPr id="36" name="직선 화살표 연결선 35">
+                    <a:extLst>
+                      <a:ext uri="{FF2B5EF4-FFF2-40B4-BE49-F238E27FC236}">
+                        <a16:creationId xmlns:a16="http://schemas.microsoft.com/office/drawing/2014/main" id="{4DEA2C5B-57D2-471D-621C-F9C65E307A48}"/>
+                      </a:ext>
+                    </a:extLst>
+                  </p:cNvPr>
+                  <p:cNvCxnSpPr>
+                    <a:cxnSpLocks/>
+                  </p:cNvCxnSpPr>
+                  <p:nvPr/>
+                </p:nvCxnSpPr>
+                <p:spPr>
+                  <a:xfrm>
+                    <a:off x="7295744" y="3445212"/>
+                    <a:ext cx="2431916" cy="0"/>
+                  </a:xfrm>
+                  <a:prstGeom prst="straightConnector1">
+                    <a:avLst/>
+                  </a:prstGeom>
+                  <a:ln w="38100">
+                    <a:solidFill>
+                      <a:srgbClr val="00B050"/>
+                    </a:solidFill>
+                    <a:tailEnd type="triangle"/>
+                  </a:ln>
+                </p:spPr>
+                <p:style>
+                  <a:lnRef idx="2">
+                    <a:schemeClr val="accent1"/>
+                  </a:lnRef>
+                  <a:fillRef idx="0">
+                    <a:schemeClr val="accent1"/>
+                  </a:fillRef>
+                  <a:effectRef idx="1">
+                    <a:schemeClr val="accent1"/>
+                  </a:effectRef>
+                  <a:fontRef idx="minor">
+                    <a:schemeClr val="tx1"/>
+                  </a:fontRef>
+                </p:style>
+              </p:cxnSp>
+              <p:cxnSp>
+                <p:nvCxnSpPr>
+                  <p:cNvPr id="37" name="직선 화살표 연결선 36">
+                    <a:extLst>
+                      <a:ext uri="{FF2B5EF4-FFF2-40B4-BE49-F238E27FC236}">
+                        <a16:creationId xmlns:a16="http://schemas.microsoft.com/office/drawing/2014/main" id="{9B4D810D-B2E9-32EE-B681-63044B0A6758}"/>
+                      </a:ext>
+                    </a:extLst>
+                  </p:cNvPr>
+                  <p:cNvCxnSpPr>
+                    <a:cxnSpLocks/>
+                  </p:cNvCxnSpPr>
+                  <p:nvPr/>
+                </p:nvCxnSpPr>
+                <p:spPr>
+                  <a:xfrm flipH="1">
+                    <a:off x="7295745" y="2892328"/>
+                    <a:ext cx="1504544" cy="1509049"/>
+                  </a:xfrm>
+                  <a:prstGeom prst="straightConnector1">
+                    <a:avLst/>
+                  </a:prstGeom>
+                  <a:ln w="38100">
+                    <a:solidFill>
+                      <a:srgbClr val="FF0000"/>
+                    </a:solidFill>
+                    <a:tailEnd type="triangle"/>
+                  </a:ln>
+                </p:spPr>
+                <p:style>
+                  <a:lnRef idx="2">
+                    <a:schemeClr val="accent1"/>
+                  </a:lnRef>
+                  <a:fillRef idx="0">
+                    <a:schemeClr val="accent1"/>
+                  </a:fillRef>
+                  <a:effectRef idx="1">
+                    <a:schemeClr val="accent1"/>
+                  </a:effectRef>
+                  <a:fontRef idx="minor">
+                    <a:schemeClr val="tx1"/>
+                  </a:fontRef>
+                </p:style>
+              </p:cxnSp>
+              <p:cxnSp>
+                <p:nvCxnSpPr>
+                  <p:cNvPr id="38" name="직선 화살표 연결선 37">
+                    <a:extLst>
+                      <a:ext uri="{FF2B5EF4-FFF2-40B4-BE49-F238E27FC236}">
+                        <a16:creationId xmlns:a16="http://schemas.microsoft.com/office/drawing/2014/main" id="{E76658E9-4C0D-3ABA-890E-628C5AC126FF}"/>
+                      </a:ext>
+                    </a:extLst>
+                  </p:cNvPr>
+                  <p:cNvCxnSpPr>
+                    <a:cxnSpLocks/>
+                  </p:cNvCxnSpPr>
+                  <p:nvPr/>
+                </p:nvCxnSpPr>
+                <p:spPr>
+                  <a:xfrm flipV="1">
+                    <a:off x="8249055" y="1997413"/>
+                    <a:ext cx="0" cy="2403964"/>
+                  </a:xfrm>
+                  <a:prstGeom prst="straightConnector1">
+                    <a:avLst/>
+                  </a:prstGeom>
+                  <a:ln w="38100">
+                    <a:solidFill>
+                      <a:srgbClr val="0000FF"/>
+                    </a:solidFill>
+                    <a:tailEnd type="triangle"/>
+                  </a:ln>
+                </p:spPr>
+                <p:style>
+                  <a:lnRef idx="2">
+                    <a:schemeClr val="accent1"/>
+                  </a:lnRef>
+                  <a:fillRef idx="0">
+                    <a:schemeClr val="accent1"/>
+                  </a:fillRef>
+                  <a:effectRef idx="1">
+                    <a:schemeClr val="accent1"/>
+                  </a:effectRef>
+                  <a:fontRef idx="minor">
+                    <a:schemeClr val="tx1"/>
+                  </a:fontRef>
+                </p:style>
+              </p:cxnSp>
+              <p:sp>
+                <p:nvSpPr>
+                  <p:cNvPr id="39" name="TextBox 38">
+                    <a:extLst>
+                      <a:ext uri="{FF2B5EF4-FFF2-40B4-BE49-F238E27FC236}">
+                        <a16:creationId xmlns:a16="http://schemas.microsoft.com/office/drawing/2014/main" id="{0B074CB5-5A86-57D6-E2D9-063318ADEDB7}"/>
+                      </a:ext>
+                    </a:extLst>
+                  </p:cNvPr>
+                  <p:cNvSpPr txBox="1"/>
+                  <p:nvPr/>
+                </p:nvSpPr>
+                <p:spPr>
+                  <a:xfrm>
+                    <a:off x="8269501" y="2085332"/>
+                    <a:ext cx="276038" cy="276999"/>
+                  </a:xfrm>
+                  <a:prstGeom prst="rect">
+                    <a:avLst/>
+                  </a:prstGeom>
+                  <a:noFill/>
+                </p:spPr>
+                <p:txBody>
+                  <a:bodyPr wrap="none" rtlCol="0">
+                    <a:spAutoFit/>
+                  </a:bodyPr>
+                  <a:lstStyle/>
+                  <a:p>
+                    <a:r>
+                      <a:rPr lang="en-US" altLang="ko-KR" sz="1200" b="1">
+                        <a:solidFill>
+                          <a:srgbClr val="0000FF"/>
+                        </a:solidFill>
+                        <a:latin typeface="나눔바른고딕" panose="020B0603020101020101" pitchFamily="50" charset="-127"/>
+                        <a:ea typeface="나눔바른고딕" panose="020B0603020101020101" pitchFamily="50" charset="-127"/>
+                      </a:rPr>
+                      <a:t>Z</a:t>
+                    </a:r>
+                    <a:endParaRPr lang="ko-KR" altLang="en-US" sz="1200" b="1">
+                      <a:solidFill>
+                        <a:srgbClr val="0000FF"/>
+                      </a:solidFill>
+                      <a:latin typeface="나눔바른고딕" panose="020B0603020101020101" pitchFamily="50" charset="-127"/>
+                      <a:ea typeface="나눔바른고딕" panose="020B0603020101020101" pitchFamily="50" charset="-127"/>
+                    </a:endParaRPr>
+                  </a:p>
+                </p:txBody>
+              </p:sp>
+              <p:sp>
+                <p:nvSpPr>
+                  <p:cNvPr id="40" name="TextBox 39">
+                    <a:extLst>
+                      <a:ext uri="{FF2B5EF4-FFF2-40B4-BE49-F238E27FC236}">
+                        <a16:creationId xmlns:a16="http://schemas.microsoft.com/office/drawing/2014/main" id="{E27ADD5B-F9A7-ED82-CE88-330B5FEB42D7}"/>
+                      </a:ext>
+                    </a:extLst>
+                  </p:cNvPr>
+                  <p:cNvSpPr txBox="1"/>
+                  <p:nvPr/>
+                </p:nvSpPr>
+                <p:spPr>
+                  <a:xfrm>
+                    <a:off x="7204112" y="3975210"/>
+                    <a:ext cx="276038" cy="276999"/>
+                  </a:xfrm>
+                  <a:prstGeom prst="rect">
+                    <a:avLst/>
+                  </a:prstGeom>
+                  <a:noFill/>
+                </p:spPr>
+                <p:txBody>
+                  <a:bodyPr wrap="square" rtlCol="0">
+                    <a:spAutoFit/>
+                  </a:bodyPr>
+                  <a:lstStyle/>
+                  <a:p>
+                    <a:r>
+                      <a:rPr lang="en-US" altLang="ko-KR" sz="1200" b="1">
+                        <a:solidFill>
+                          <a:srgbClr val="FF0000"/>
+                        </a:solidFill>
+                        <a:latin typeface="나눔바른고딕" panose="020B0603020101020101" pitchFamily="50" charset="-127"/>
+                        <a:ea typeface="나눔바른고딕" panose="020B0603020101020101" pitchFamily="50" charset="-127"/>
+                      </a:rPr>
+                      <a:t>X</a:t>
+                    </a:r>
+                    <a:endParaRPr lang="ko-KR" altLang="en-US" sz="1200" b="1">
+                      <a:solidFill>
+                        <a:srgbClr val="FF0000"/>
+                      </a:solidFill>
+                      <a:latin typeface="나눔바른고딕" panose="020B0603020101020101" pitchFamily="50" charset="-127"/>
+                      <a:ea typeface="나눔바른고딕" panose="020B0603020101020101" pitchFamily="50" charset="-127"/>
+                    </a:endParaRPr>
+                  </a:p>
+                </p:txBody>
+              </p:sp>
+              <p:sp>
+                <p:nvSpPr>
+                  <p:cNvPr id="41" name="TextBox 40">
+                    <a:extLst>
+                      <a:ext uri="{FF2B5EF4-FFF2-40B4-BE49-F238E27FC236}">
+                        <a16:creationId xmlns:a16="http://schemas.microsoft.com/office/drawing/2014/main" id="{32508F7A-2BB4-0F74-8B70-EBA4275D6110}"/>
+                      </a:ext>
+                    </a:extLst>
+                  </p:cNvPr>
+                  <p:cNvSpPr txBox="1"/>
+                  <p:nvPr/>
+                </p:nvSpPr>
+                <p:spPr>
+                  <a:xfrm>
+                    <a:off x="9393678" y="3174094"/>
+                    <a:ext cx="276038" cy="276999"/>
+                  </a:xfrm>
+                  <a:prstGeom prst="rect">
+                    <a:avLst/>
+                  </a:prstGeom>
+                  <a:noFill/>
+                </p:spPr>
+                <p:txBody>
+                  <a:bodyPr wrap="square" rtlCol="0">
+                    <a:spAutoFit/>
+                  </a:bodyPr>
+                  <a:lstStyle/>
+                  <a:p>
+                    <a:r>
+                      <a:rPr lang="en-US" altLang="ko-KR" sz="1200" b="1">
+                        <a:solidFill>
+                          <a:srgbClr val="00B050"/>
+                        </a:solidFill>
+                        <a:latin typeface="나눔바른고딕" panose="020B0603020101020101" pitchFamily="50" charset="-127"/>
+                        <a:ea typeface="나눔바른고딕" panose="020B0603020101020101" pitchFamily="50" charset="-127"/>
+                      </a:rPr>
+                      <a:t>Y</a:t>
+                    </a:r>
+                    <a:endParaRPr lang="ko-KR" altLang="en-US" sz="1200" b="1">
+                      <a:solidFill>
+                        <a:srgbClr val="00B050"/>
+                      </a:solidFill>
+                      <a:latin typeface="나눔바른고딕" panose="020B0603020101020101" pitchFamily="50" charset="-127"/>
+                      <a:ea typeface="나눔바른고딕" panose="020B0603020101020101" pitchFamily="50" charset="-127"/>
+                    </a:endParaRPr>
+                  </a:p>
+                </p:txBody>
+              </p:sp>
+              <p:sp>
+                <p:nvSpPr>
+                  <p:cNvPr id="42" name="TextBox 41">
+                    <a:extLst>
+                      <a:ext uri="{FF2B5EF4-FFF2-40B4-BE49-F238E27FC236}">
+                        <a16:creationId xmlns:a16="http://schemas.microsoft.com/office/drawing/2014/main" id="{F86681BA-6C60-7FC0-D2FD-6F107FD5494C}"/>
+                      </a:ext>
+                    </a:extLst>
+                  </p:cNvPr>
+                  <p:cNvSpPr txBox="1"/>
+                  <p:nvPr/>
+                </p:nvSpPr>
+                <p:spPr>
+                  <a:xfrm>
+                    <a:off x="7321684" y="4250717"/>
+                    <a:ext cx="645692" cy="276999"/>
+                  </a:xfrm>
+                  <a:prstGeom prst="rect">
+                    <a:avLst/>
+                  </a:prstGeom>
+                  <a:noFill/>
+                </p:spPr>
+                <p:txBody>
+                  <a:bodyPr wrap="square" rtlCol="0">
+                    <a:spAutoFit/>
+                  </a:bodyPr>
+                  <a:lstStyle/>
+                  <a:p>
+                    <a:pPr algn="ctr"/>
+                    <a:r>
+                      <a:rPr lang="en-US" altLang="ko-KR" sz="1200" b="1">
+                        <a:solidFill>
+                          <a:srgbClr val="FF0000"/>
+                        </a:solidFill>
+                        <a:latin typeface="나눔바른고딕" panose="020B0603020101020101" pitchFamily="50" charset="-127"/>
+                        <a:ea typeface="나눔바른고딕" panose="020B0603020101020101" pitchFamily="50" charset="-127"/>
+                      </a:rPr>
+                      <a:t>Roll</a:t>
+                    </a:r>
+                    <a:endParaRPr lang="ko-KR" altLang="en-US" sz="1200" b="1">
+                      <a:solidFill>
+                        <a:srgbClr val="FF0000"/>
+                      </a:solidFill>
+                      <a:latin typeface="나눔바른고딕" panose="020B0603020101020101" pitchFamily="50" charset="-127"/>
+                      <a:ea typeface="나눔바른고딕" panose="020B0603020101020101" pitchFamily="50" charset="-127"/>
+                    </a:endParaRPr>
+                  </a:p>
+                </p:txBody>
+              </p:sp>
+              <p:sp>
+                <p:nvSpPr>
+                  <p:cNvPr id="43" name="TextBox 42">
+                    <a:extLst>
+                      <a:ext uri="{FF2B5EF4-FFF2-40B4-BE49-F238E27FC236}">
+                        <a16:creationId xmlns:a16="http://schemas.microsoft.com/office/drawing/2014/main" id="{28CC6CF0-5E7C-C469-9456-CF6C38205F92}"/>
+                      </a:ext>
+                    </a:extLst>
+                  </p:cNvPr>
+                  <p:cNvSpPr txBox="1"/>
+                  <p:nvPr/>
+                </p:nvSpPr>
+                <p:spPr>
+                  <a:xfrm>
+                    <a:off x="9208851" y="3476170"/>
+                    <a:ext cx="645692" cy="276999"/>
+                  </a:xfrm>
+                  <a:prstGeom prst="rect">
+                    <a:avLst/>
+                  </a:prstGeom>
+                  <a:noFill/>
+                </p:spPr>
+                <p:txBody>
+                  <a:bodyPr wrap="square" rtlCol="0">
+                    <a:spAutoFit/>
+                  </a:bodyPr>
+                  <a:lstStyle/>
+                  <a:p>
+                    <a:pPr algn="ctr"/>
+                    <a:r>
+                      <a:rPr lang="en-US" altLang="ko-KR" sz="1200" b="1">
+                        <a:solidFill>
+                          <a:srgbClr val="00B050"/>
+                        </a:solidFill>
+                        <a:latin typeface="나눔바른고딕" panose="020B0603020101020101" pitchFamily="50" charset="-127"/>
+                        <a:ea typeface="나눔바른고딕" panose="020B0603020101020101" pitchFamily="50" charset="-127"/>
+                      </a:rPr>
+                      <a:t>Pitch</a:t>
+                    </a:r>
+                    <a:endParaRPr lang="ko-KR" altLang="en-US" sz="1200" b="1">
+                      <a:solidFill>
+                        <a:srgbClr val="00B050"/>
+                      </a:solidFill>
+                      <a:latin typeface="나눔바른고딕" panose="020B0603020101020101" pitchFamily="50" charset="-127"/>
+                      <a:ea typeface="나눔바른고딕" panose="020B0603020101020101" pitchFamily="50" charset="-127"/>
+                    </a:endParaRPr>
+                  </a:p>
+                </p:txBody>
+              </p:sp>
+              <p:sp>
+                <p:nvSpPr>
+                  <p:cNvPr id="44" name="TextBox 43">
+                    <a:extLst>
+                      <a:ext uri="{FF2B5EF4-FFF2-40B4-BE49-F238E27FC236}">
+                        <a16:creationId xmlns:a16="http://schemas.microsoft.com/office/drawing/2014/main" id="{2D8677D4-35FC-F82E-6447-046FD08424D6}"/>
+                      </a:ext>
+                    </a:extLst>
+                  </p:cNvPr>
+                  <p:cNvSpPr txBox="1"/>
+                  <p:nvPr/>
+                </p:nvSpPr>
+                <p:spPr>
+                  <a:xfrm>
+                    <a:off x="7681183" y="2085332"/>
+                    <a:ext cx="645692" cy="276999"/>
+                  </a:xfrm>
+                  <a:prstGeom prst="rect">
+                    <a:avLst/>
+                  </a:prstGeom>
+                  <a:noFill/>
+                </p:spPr>
+                <p:txBody>
+                  <a:bodyPr wrap="square" rtlCol="0">
+                    <a:spAutoFit/>
+                  </a:bodyPr>
+                  <a:lstStyle/>
+                  <a:p>
+                    <a:pPr algn="ctr"/>
+                    <a:r>
+                      <a:rPr lang="en-US" altLang="ko-KR" sz="1200" b="1">
+                        <a:solidFill>
+                          <a:srgbClr val="0000FF"/>
+                        </a:solidFill>
+                        <a:latin typeface="나눔바른고딕" panose="020B0603020101020101" pitchFamily="50" charset="-127"/>
+                        <a:ea typeface="나눔바른고딕" panose="020B0603020101020101" pitchFamily="50" charset="-127"/>
+                      </a:rPr>
+                      <a:t>Yaw</a:t>
+                    </a:r>
+                    <a:endParaRPr lang="ko-KR" altLang="en-US" sz="1200" b="1">
+                      <a:solidFill>
+                        <a:srgbClr val="0000FF"/>
+                      </a:solidFill>
+                      <a:latin typeface="나눔바른고딕" panose="020B0603020101020101" pitchFamily="50" charset="-127"/>
+                      <a:ea typeface="나눔바른고딕" panose="020B0603020101020101" pitchFamily="50" charset="-127"/>
+                    </a:endParaRPr>
+                  </a:p>
+                </p:txBody>
+              </p:sp>
+            </p:grpSp>
+            <p:sp>
+              <p:nvSpPr>
+                <p:cNvPr id="35" name="타원 34">
+                  <a:extLst>
+                    <a:ext uri="{FF2B5EF4-FFF2-40B4-BE49-F238E27FC236}">
+                      <a16:creationId xmlns:a16="http://schemas.microsoft.com/office/drawing/2014/main" id="{30B25457-013A-5A0B-4E2E-000E4E3870BB}"/>
+                    </a:ext>
+                  </a:extLst>
+                </p:cNvPr>
+                <p:cNvSpPr/>
+                <p:nvPr/>
+              </p:nvSpPr>
+              <p:spPr>
+                <a:xfrm>
+                  <a:off x="1736700" y="4834150"/>
+                  <a:ext cx="85297" cy="85297"/>
+                </a:xfrm>
+                <a:prstGeom prst="ellipse">
+                  <a:avLst/>
+                </a:prstGeom>
+                <a:solidFill>
+                  <a:schemeClr val="tx1"/>
+                </a:solidFill>
+                <a:ln>
+                  <a:solidFill>
+                    <a:schemeClr val="tx1"/>
+                  </a:solidFill>
+                </a:ln>
+              </p:spPr>
+              <p:style>
+                <a:lnRef idx="2">
+                  <a:schemeClr val="accent1">
+                    <a:shade val="15000"/>
+                  </a:schemeClr>
+                </a:lnRef>
+                <a:fillRef idx="1">
+                  <a:schemeClr val="accent1"/>
+                </a:fillRef>
+                <a:effectRef idx="0">
+                  <a:schemeClr val="accent1"/>
+                </a:effectRef>
+                <a:fontRef idx="minor">
+                  <a:schemeClr val="lt1"/>
+                </a:fontRef>
+              </p:style>
+              <p:txBody>
+                <a:bodyPr rtlCol="0" anchor="ctr"/>
+                <a:lstStyle/>
+                <a:p>
+                  <a:pPr algn="ctr"/>
+                  <a:endParaRPr lang="ko-KR" altLang="en-US"/>
+                </a:p>
+              </p:txBody>
+            </p:sp>
+            <p:sp>
+              <p:nvSpPr>
+                <p:cNvPr id="45" name="타원 44">
+                  <a:extLst>
+                    <a:ext uri="{FF2B5EF4-FFF2-40B4-BE49-F238E27FC236}">
+                      <a16:creationId xmlns:a16="http://schemas.microsoft.com/office/drawing/2014/main" id="{9F0F354B-06D6-DE8F-E1B9-58FE8EC846E5}"/>
+                    </a:ext>
+                  </a:extLst>
+                </p:cNvPr>
+                <p:cNvSpPr/>
+                <p:nvPr/>
+              </p:nvSpPr>
+              <p:spPr>
+                <a:xfrm>
+                  <a:off x="2121151" y="4152961"/>
+                  <a:ext cx="85297" cy="85297"/>
+                </a:xfrm>
+                <a:prstGeom prst="ellipse">
+                  <a:avLst/>
+                </a:prstGeom>
+                <a:solidFill>
+                  <a:schemeClr val="tx1"/>
+                </a:solidFill>
+                <a:ln>
+                  <a:solidFill>
+                    <a:schemeClr val="tx1"/>
+                  </a:solidFill>
+                </a:ln>
+              </p:spPr>
+              <p:style>
+                <a:lnRef idx="2">
+                  <a:schemeClr val="accent1">
+                    <a:shade val="15000"/>
+                  </a:schemeClr>
+                </a:lnRef>
+                <a:fillRef idx="1">
+                  <a:schemeClr val="accent1"/>
+                </a:fillRef>
+                <a:effectRef idx="0">
+                  <a:schemeClr val="accent1"/>
+                </a:effectRef>
+                <a:fontRef idx="minor">
+                  <a:schemeClr val="lt1"/>
+                </a:fontRef>
+              </p:style>
+              <p:txBody>
+                <a:bodyPr rtlCol="0" anchor="ctr"/>
+                <a:lstStyle/>
+                <a:p>
+                  <a:pPr algn="ctr"/>
+                  <a:endParaRPr lang="ko-KR" altLang="en-US"/>
+                </a:p>
+              </p:txBody>
+            </p:sp>
+            <p:cxnSp>
+              <p:nvCxnSpPr>
+                <p:cNvPr id="47" name="직선 연결선 46">
+                  <a:extLst>
+                    <a:ext uri="{FF2B5EF4-FFF2-40B4-BE49-F238E27FC236}">
+                      <a16:creationId xmlns:a16="http://schemas.microsoft.com/office/drawing/2014/main" id="{2F9FD317-5BFE-FC5F-0945-61FE9FBB050C}"/>
+                    </a:ext>
+                  </a:extLst>
+                </p:cNvPr>
+                <p:cNvCxnSpPr>
+                  <a:cxnSpLocks/>
+                  <a:stCxn id="45" idx="4"/>
+                </p:cNvCxnSpPr>
+                <p:nvPr/>
+              </p:nvCxnSpPr>
+              <p:spPr>
+                <a:xfrm>
+                  <a:off x="2163800" y="4238258"/>
+                  <a:ext cx="0" cy="1349742"/>
+                </a:xfrm>
+                <a:prstGeom prst="line">
+                  <a:avLst/>
+                </a:prstGeom>
+                <a:ln>
+                  <a:solidFill>
+                    <a:srgbClr val="0000FF"/>
+                  </a:solidFill>
+                  <a:prstDash val="sysDash"/>
+                </a:ln>
+              </p:spPr>
+              <p:style>
+                <a:lnRef idx="2">
+                  <a:schemeClr val="accent1"/>
+                </a:lnRef>
+                <a:fillRef idx="0">
+                  <a:schemeClr val="accent1"/>
+                </a:fillRef>
+                <a:effectRef idx="1">
+                  <a:schemeClr val="accent1"/>
+                </a:effectRef>
+                <a:fontRef idx="minor">
+                  <a:schemeClr val="tx1"/>
+                </a:fontRef>
+              </p:style>
+            </p:cxnSp>
+            <p:cxnSp>
+              <p:nvCxnSpPr>
+                <p:cNvPr id="48" name="직선 연결선 47">
+                  <a:extLst>
+                    <a:ext uri="{FF2B5EF4-FFF2-40B4-BE49-F238E27FC236}">
+                      <a16:creationId xmlns:a16="http://schemas.microsoft.com/office/drawing/2014/main" id="{CA73AF1F-AA63-7D75-EC10-DEF2B66F23F1}"/>
+                    </a:ext>
+                  </a:extLst>
+                </p:cNvPr>
+                <p:cNvCxnSpPr>
+                  <a:cxnSpLocks/>
+                </p:cNvCxnSpPr>
+                <p:nvPr/>
+              </p:nvCxnSpPr>
+              <p:spPr>
+                <a:xfrm flipH="1">
+                  <a:off x="1089025" y="5588000"/>
+                  <a:ext cx="1074775" cy="0"/>
+                </a:xfrm>
+                <a:prstGeom prst="line">
+                  <a:avLst/>
+                </a:prstGeom>
+                <a:ln>
+                  <a:solidFill>
+                    <a:srgbClr val="00B050"/>
+                  </a:solidFill>
+                  <a:prstDash val="sysDash"/>
+                </a:ln>
+              </p:spPr>
+              <p:style>
+                <a:lnRef idx="2">
+                  <a:schemeClr val="accent1"/>
+                </a:lnRef>
+                <a:fillRef idx="0">
+                  <a:schemeClr val="accent1"/>
+                </a:fillRef>
+                <a:effectRef idx="1">
+                  <a:schemeClr val="accent1"/>
+                </a:effectRef>
+                <a:fontRef idx="minor">
+                  <a:schemeClr val="tx1"/>
+                </a:fontRef>
+              </p:style>
+            </p:cxnSp>
+            <p:cxnSp>
+              <p:nvCxnSpPr>
+                <p:cNvPr id="51" name="직선 연결선 50">
+                  <a:extLst>
+                    <a:ext uri="{FF2B5EF4-FFF2-40B4-BE49-F238E27FC236}">
+                      <a16:creationId xmlns:a16="http://schemas.microsoft.com/office/drawing/2014/main" id="{32D8609A-30FD-46C7-AC28-15E5DA0A3C51}"/>
+                    </a:ext>
+                  </a:extLst>
+                </p:cNvPr>
+                <p:cNvCxnSpPr>
+                  <a:cxnSpLocks/>
+                </p:cNvCxnSpPr>
+                <p:nvPr/>
+              </p:nvCxnSpPr>
+              <p:spPr>
+                <a:xfrm flipH="1">
+                  <a:off x="2176335" y="4907757"/>
+                  <a:ext cx="682191" cy="680243"/>
+                </a:xfrm>
+                <a:prstGeom prst="line">
+                  <a:avLst/>
+                </a:prstGeom>
+                <a:ln>
+                  <a:solidFill>
+                    <a:srgbClr val="FF0000"/>
+                  </a:solidFill>
+                  <a:prstDash val="sysDash"/>
+                </a:ln>
+              </p:spPr>
+              <p:style>
+                <a:lnRef idx="2">
+                  <a:schemeClr val="accent1"/>
+                </a:lnRef>
+                <a:fillRef idx="0">
+                  <a:schemeClr val="accent1"/>
+                </a:fillRef>
+                <a:effectRef idx="1">
+                  <a:schemeClr val="accent1"/>
+                </a:effectRef>
+                <a:fontRef idx="minor">
+                  <a:schemeClr val="tx1"/>
+                </a:fontRef>
+              </p:style>
+            </p:cxnSp>
+            <p:sp>
+              <p:nvSpPr>
+                <p:cNvPr id="67" name="TextBox 66">
+                  <a:extLst>
+                    <a:ext uri="{FF2B5EF4-FFF2-40B4-BE49-F238E27FC236}">
+                      <a16:creationId xmlns:a16="http://schemas.microsoft.com/office/drawing/2014/main" id="{300CDCA1-2FC4-0FB5-7528-B3F3D49891AB}"/>
+                    </a:ext>
+                  </a:extLst>
+                </p:cNvPr>
+                <p:cNvSpPr txBox="1"/>
+                <p:nvPr/>
+              </p:nvSpPr>
+              <p:spPr>
+                <a:xfrm>
+                  <a:off x="1833556" y="5603116"/>
+                  <a:ext cx="276038" cy="276999"/>
+                </a:xfrm>
+                <a:prstGeom prst="rect">
+                  <a:avLst/>
+                </a:prstGeom>
+                <a:noFill/>
+              </p:spPr>
+              <p:txBody>
+                <a:bodyPr wrap="square" rtlCol="0">
+                  <a:spAutoFit/>
+                </a:bodyPr>
+                <a:lstStyle/>
+                <a:p>
+                  <a:r>
+                    <a:rPr lang="en-US" altLang="ko-KR" sz="1200" b="1">
+                      <a:solidFill>
+                        <a:srgbClr val="00B050"/>
+                      </a:solidFill>
+                      <a:latin typeface="나눔바른고딕" panose="020B0603020101020101" pitchFamily="50" charset="-127"/>
+                      <a:ea typeface="나눔바른고딕" panose="020B0603020101020101" pitchFamily="50" charset="-127"/>
+                    </a:rPr>
+                    <a:t>y</a:t>
+                  </a:r>
+                  <a:endParaRPr lang="ko-KR" altLang="en-US" sz="1200" b="1">
+                    <a:solidFill>
+                      <a:srgbClr val="00B050"/>
+                    </a:solidFill>
+                    <a:latin typeface="나눔바른고딕" panose="020B0603020101020101" pitchFamily="50" charset="-127"/>
+                    <a:ea typeface="나눔바른고딕" panose="020B0603020101020101" pitchFamily="50" charset="-127"/>
+                  </a:endParaRPr>
+                </a:p>
+              </p:txBody>
+            </p:sp>
+            <p:sp>
+              <p:nvSpPr>
+                <p:cNvPr id="68" name="TextBox 67">
+                  <a:extLst>
+                    <a:ext uri="{FF2B5EF4-FFF2-40B4-BE49-F238E27FC236}">
+                      <a16:creationId xmlns:a16="http://schemas.microsoft.com/office/drawing/2014/main" id="{BF1F6DAF-79F2-BC99-FA31-6A7EA9F76D6E}"/>
+                    </a:ext>
+                  </a:extLst>
+                </p:cNvPr>
+                <p:cNvSpPr txBox="1"/>
+                <p:nvPr/>
+              </p:nvSpPr>
+              <p:spPr>
+                <a:xfrm>
+                  <a:off x="2551596" y="5184756"/>
+                  <a:ext cx="276038" cy="276999"/>
+                </a:xfrm>
+                <a:prstGeom prst="rect">
+                  <a:avLst/>
+                </a:prstGeom>
+                <a:noFill/>
+              </p:spPr>
+              <p:txBody>
+                <a:bodyPr wrap="square" rtlCol="0">
+                  <a:spAutoFit/>
+                </a:bodyPr>
+                <a:lstStyle/>
+                <a:p>
+                  <a:r>
+                    <a:rPr lang="en-US" altLang="ko-KR" sz="1200" b="1">
+                      <a:solidFill>
+                        <a:srgbClr val="FF0000"/>
+                      </a:solidFill>
+                      <a:latin typeface="나눔바른고딕" panose="020B0603020101020101" pitchFamily="50" charset="-127"/>
+                      <a:ea typeface="나눔바른고딕" panose="020B0603020101020101" pitchFamily="50" charset="-127"/>
+                    </a:rPr>
+                    <a:t>x</a:t>
+                  </a:r>
+                  <a:endParaRPr lang="ko-KR" altLang="en-US" sz="1200" b="1">
+                    <a:solidFill>
+                      <a:srgbClr val="FF0000"/>
+                    </a:solidFill>
+                    <a:latin typeface="나눔바른고딕" panose="020B0603020101020101" pitchFamily="50" charset="-127"/>
+                    <a:ea typeface="나눔바른고딕" panose="020B0603020101020101" pitchFamily="50" charset="-127"/>
+                  </a:endParaRPr>
+                </a:p>
+              </p:txBody>
+            </p:sp>
+            <p:sp>
+              <p:nvSpPr>
+                <p:cNvPr id="69" name="TextBox 68">
+                  <a:extLst>
+                    <a:ext uri="{FF2B5EF4-FFF2-40B4-BE49-F238E27FC236}">
+                      <a16:creationId xmlns:a16="http://schemas.microsoft.com/office/drawing/2014/main" id="{0EDB9A0E-2E7A-0E4E-021E-7273C81EFA7A}"/>
+                    </a:ext>
+                  </a:extLst>
+                </p:cNvPr>
+                <p:cNvSpPr txBox="1"/>
+                <p:nvPr/>
+              </p:nvSpPr>
+              <p:spPr>
+                <a:xfrm>
+                  <a:off x="2179686" y="4568843"/>
+                  <a:ext cx="276038" cy="276999"/>
+                </a:xfrm>
+                <a:prstGeom prst="rect">
+                  <a:avLst/>
+                </a:prstGeom>
+                <a:noFill/>
+              </p:spPr>
+              <p:txBody>
+                <a:bodyPr wrap="square" rtlCol="0">
+                  <a:spAutoFit/>
+                </a:bodyPr>
+                <a:lstStyle/>
+                <a:p>
+                  <a:r>
+                    <a:rPr lang="en-US" altLang="ko-KR" sz="1200" b="1">
+                      <a:solidFill>
+                        <a:srgbClr val="0000FF"/>
+                      </a:solidFill>
+                      <a:latin typeface="나눔바른고딕" panose="020B0603020101020101" pitchFamily="50" charset="-127"/>
+                      <a:ea typeface="나눔바른고딕" panose="020B0603020101020101" pitchFamily="50" charset="-127"/>
+                    </a:rPr>
+                    <a:t>z</a:t>
+                  </a:r>
+                  <a:endParaRPr lang="ko-KR" altLang="en-US" sz="1200" b="1">
+                    <a:solidFill>
+                      <a:srgbClr val="0000FF"/>
+                    </a:solidFill>
+                    <a:latin typeface="나눔바른고딕" panose="020B0603020101020101" pitchFamily="50" charset="-127"/>
+                    <a:ea typeface="나눔바른고딕" panose="020B0603020101020101" pitchFamily="50" charset="-127"/>
+                  </a:endParaRPr>
+                </a:p>
+              </p:txBody>
+            </p:sp>
+          </p:grpSp>
+          <mc:AlternateContent xmlns:mc="http://schemas.openxmlformats.org/markup-compatibility/2006">
+            <mc:Choice xmlns:a14="http://schemas.microsoft.com/office/drawing/2010/main" Requires="a14">
+              <p:sp>
+                <p:nvSpPr>
+                  <p:cNvPr id="101" name="TextBox 100">
+                    <a:extLst>
+                      <a:ext uri="{FF2B5EF4-FFF2-40B4-BE49-F238E27FC236}">
+                        <a16:creationId xmlns:a16="http://schemas.microsoft.com/office/drawing/2014/main" id="{CEA933F0-839A-7329-A6D4-F1006C06EBD4}"/>
+                      </a:ext>
+                    </a:extLst>
+                  </p:cNvPr>
+                  <p:cNvSpPr txBox="1"/>
+                  <p:nvPr/>
+                </p:nvSpPr>
+                <p:spPr>
+                  <a:xfrm>
+                    <a:off x="2109594" y="3822759"/>
+                    <a:ext cx="975973" cy="276999"/>
+                  </a:xfrm>
+                  <a:prstGeom prst="rect">
+                    <a:avLst/>
+                  </a:prstGeom>
+                  <a:noFill/>
+                </p:spPr>
+                <p:txBody>
+                  <a:bodyPr wrap="none" lIns="0" tIns="0" rIns="0" bIns="0" rtlCol="0">
+                    <a:spAutoFit/>
+                  </a:bodyPr>
+                  <a:lstStyle/>
+                  <a:p>
+                    <a14:m>
+                      <m:oMathPara xmlns:m="http://schemas.openxmlformats.org/officeDocument/2006/math">
+                        <m:oMathParaPr>
+                          <m:jc m:val="centerGroup"/>
+                        </m:oMathParaPr>
+                        <m:oMath xmlns:m="http://schemas.openxmlformats.org/officeDocument/2006/math">
+                          <m:r>
+                            <a:rPr lang="en-US" altLang="ko-KR" b="0" i="1" smtClean="0">
+                              <a:latin typeface="Cambria Math" panose="02040503050406030204" pitchFamily="18" charset="0"/>
+                            </a:rPr>
+                            <m:t>𝑃</m:t>
+                          </m:r>
+                          <m:r>
+                            <a:rPr lang="en-US" altLang="ko-KR" b="0" i="1" smtClean="0">
+                              <a:latin typeface="Cambria Math" panose="02040503050406030204" pitchFamily="18" charset="0"/>
+                            </a:rPr>
+                            <m:t>(</m:t>
+                          </m:r>
+                          <m:r>
+                            <a:rPr lang="en-US" altLang="ko-KR" b="0" i="1" smtClean="0">
+                              <a:latin typeface="Cambria Math" panose="02040503050406030204" pitchFamily="18" charset="0"/>
+                            </a:rPr>
+                            <m:t>𝑥</m:t>
+                          </m:r>
+                          <m:r>
+                            <a:rPr lang="en-US" altLang="ko-KR" b="0" i="1" smtClean="0">
+                              <a:latin typeface="Cambria Math" panose="02040503050406030204" pitchFamily="18" charset="0"/>
+                            </a:rPr>
+                            <m:t>, </m:t>
+                          </m:r>
+                          <m:r>
+                            <a:rPr lang="en-US" altLang="ko-KR" b="0" i="1" smtClean="0">
+                              <a:latin typeface="Cambria Math" panose="02040503050406030204" pitchFamily="18" charset="0"/>
+                            </a:rPr>
+                            <m:t>𝑦</m:t>
+                          </m:r>
+                          <m:r>
+                            <a:rPr lang="en-US" altLang="ko-KR" b="0" i="1" smtClean="0">
+                              <a:latin typeface="Cambria Math" panose="02040503050406030204" pitchFamily="18" charset="0"/>
+                            </a:rPr>
+                            <m:t>, </m:t>
+                          </m:r>
+                          <m:r>
+                            <a:rPr lang="en-US" altLang="ko-KR" b="0" i="1" smtClean="0">
+                              <a:latin typeface="Cambria Math" panose="02040503050406030204" pitchFamily="18" charset="0"/>
+                            </a:rPr>
+                            <m:t>𝑧</m:t>
+                          </m:r>
+                          <m:r>
+                            <a:rPr lang="en-US" altLang="ko-KR" b="0" i="1" smtClean="0">
+                              <a:latin typeface="Cambria Math" panose="02040503050406030204" pitchFamily="18" charset="0"/>
+                            </a:rPr>
+                            <m:t>)</m:t>
+                          </m:r>
+                        </m:oMath>
+                      </m:oMathPara>
+                    </a14:m>
+                    <a:endParaRPr lang="ko-KR" altLang="en-US"/>
+                  </a:p>
+                </p:txBody>
+              </p:sp>
+            </mc:Choice>
+            <mc:Fallback>
+              <p:sp>
+                <p:nvSpPr>
+                  <p:cNvPr id="101" name="TextBox 100">
+                    <a:extLst>
+                      <a:ext uri="{FF2B5EF4-FFF2-40B4-BE49-F238E27FC236}">
+                        <a16:creationId xmlns:a16="http://schemas.microsoft.com/office/drawing/2014/main" id="{CEA933F0-839A-7329-A6D4-F1006C06EBD4}"/>
+                      </a:ext>
+                    </a:extLst>
+                  </p:cNvPr>
+                  <p:cNvSpPr txBox="1">
+                    <a:spLocks noRot="1" noChangeAspect="1" noMove="1" noResize="1" noEditPoints="1" noAdjustHandles="1" noChangeArrowheads="1" noChangeShapeType="1" noTextEdit="1"/>
+                  </p:cNvSpPr>
+                  <p:nvPr/>
+                </p:nvSpPr>
+                <p:spPr>
+                  <a:xfrm>
+                    <a:off x="2109594" y="3822759"/>
+                    <a:ext cx="975973" cy="276999"/>
+                  </a:xfrm>
+                  <a:prstGeom prst="rect">
+                    <a:avLst/>
+                  </a:prstGeom>
+                  <a:blipFill>
+                    <a:blip r:embed="rId2"/>
+                    <a:stretch>
+                      <a:fillRect l="-3750" r="-6875" b="-36957"/>
+                    </a:stretch>
+                  </a:blipFill>
+                </p:spPr>
+                <p:txBody>
+                  <a:bodyPr/>
+                  <a:lstStyle/>
+                  <a:p>
+                    <a:r>
+                      <a:rPr lang="ko-KR" altLang="en-US">
+                        <a:noFill/>
+                      </a:rPr>
+                      <a:t> </a:t>
+                    </a:r>
+                  </a:p>
+                </p:txBody>
+              </p:sp>
+            </mc:Fallback>
+          </mc:AlternateContent>
+        </p:grpSp>
+        <p:grpSp>
+          <p:nvGrpSpPr>
+            <p:cNvPr id="103" name="그룹 102">
+              <a:extLst>
+                <a:ext uri="{FF2B5EF4-FFF2-40B4-BE49-F238E27FC236}">
+                  <a16:creationId xmlns:a16="http://schemas.microsoft.com/office/drawing/2014/main" id="{BA2861C1-DEC2-82AF-2C7C-97A4BADD3D4B}"/>
+                </a:ext>
+              </a:extLst>
+            </p:cNvPr>
+            <p:cNvGrpSpPr/>
+            <p:nvPr/>
+          </p:nvGrpSpPr>
+          <p:grpSpPr>
+            <a:xfrm>
+              <a:off x="5017278" y="3429000"/>
+              <a:ext cx="2650431" cy="2530303"/>
+              <a:chOff x="4839478" y="3429000"/>
+              <a:chExt cx="2650431" cy="2530303"/>
+            </a:xfrm>
+          </p:grpSpPr>
+          <p:grpSp>
+            <p:nvGrpSpPr>
+              <p:cNvPr id="72" name="그룹 71">
+                <a:extLst>
+                  <a:ext uri="{FF2B5EF4-FFF2-40B4-BE49-F238E27FC236}">
+                    <a16:creationId xmlns:a16="http://schemas.microsoft.com/office/drawing/2014/main" id="{264D7502-4083-3B33-B0C5-D5B6B3F22195}"/>
+                  </a:ext>
+                </a:extLst>
+              </p:cNvPr>
+              <p:cNvGrpSpPr/>
+              <p:nvPr/>
+            </p:nvGrpSpPr>
+            <p:grpSpPr>
+              <a:xfrm>
+                <a:off x="4839478" y="3429000"/>
+                <a:ext cx="2650431" cy="2530303"/>
+                <a:chOff x="7204112" y="1997413"/>
+                <a:chExt cx="2650431" cy="2530303"/>
+              </a:xfrm>
+            </p:grpSpPr>
+            <p:cxnSp>
+              <p:nvCxnSpPr>
+                <p:cNvPr id="81" name="직선 화살표 연결선 80">
+                  <a:extLst>
+                    <a:ext uri="{FF2B5EF4-FFF2-40B4-BE49-F238E27FC236}">
+                      <a16:creationId xmlns:a16="http://schemas.microsoft.com/office/drawing/2014/main" id="{E9F99421-4C16-AE6B-693A-907BB1912A18}"/>
+                    </a:ext>
+                  </a:extLst>
+                </p:cNvPr>
+                <p:cNvCxnSpPr>
+                  <a:cxnSpLocks/>
+                </p:cNvCxnSpPr>
+                <p:nvPr/>
+              </p:nvCxnSpPr>
+              <p:spPr>
+                <a:xfrm>
+                  <a:off x="7295744" y="3445212"/>
+                  <a:ext cx="2431916" cy="0"/>
+                </a:xfrm>
+                <a:prstGeom prst="straightConnector1">
+                  <a:avLst/>
+                </a:prstGeom>
+                <a:ln w="38100">
+                  <a:solidFill>
+                    <a:srgbClr val="00B050"/>
+                  </a:solidFill>
+                  <a:tailEnd type="triangle"/>
+                </a:ln>
+              </p:spPr>
+              <p:style>
+                <a:lnRef idx="2">
+                  <a:schemeClr val="accent1"/>
+                </a:lnRef>
+                <a:fillRef idx="0">
+                  <a:schemeClr val="accent1"/>
+                </a:fillRef>
+                <a:effectRef idx="1">
+                  <a:schemeClr val="accent1"/>
+                </a:effectRef>
+                <a:fontRef idx="minor">
+                  <a:schemeClr val="tx1"/>
+                </a:fontRef>
+              </p:style>
+            </p:cxnSp>
+            <p:cxnSp>
+              <p:nvCxnSpPr>
+                <p:cNvPr id="82" name="직선 화살표 연결선 81">
+                  <a:extLst>
+                    <a:ext uri="{FF2B5EF4-FFF2-40B4-BE49-F238E27FC236}">
+                      <a16:creationId xmlns:a16="http://schemas.microsoft.com/office/drawing/2014/main" id="{C2F01B4B-1C34-255A-9207-329239D92C23}"/>
+                    </a:ext>
+                  </a:extLst>
+                </p:cNvPr>
+                <p:cNvCxnSpPr>
+                  <a:cxnSpLocks/>
+                </p:cNvCxnSpPr>
+                <p:nvPr/>
+              </p:nvCxnSpPr>
+              <p:spPr>
+                <a:xfrm flipH="1">
+                  <a:off x="7295745" y="2892328"/>
+                  <a:ext cx="1504544" cy="1509049"/>
+                </a:xfrm>
+                <a:prstGeom prst="straightConnector1">
+                  <a:avLst/>
+                </a:prstGeom>
+                <a:ln w="38100">
+                  <a:solidFill>
+                    <a:srgbClr val="FF0000"/>
+                  </a:solidFill>
+                  <a:tailEnd type="triangle"/>
+                </a:ln>
+              </p:spPr>
+              <p:style>
+                <a:lnRef idx="2">
+                  <a:schemeClr val="accent1"/>
+                </a:lnRef>
+                <a:fillRef idx="0">
+                  <a:schemeClr val="accent1"/>
+                </a:fillRef>
+                <a:effectRef idx="1">
+                  <a:schemeClr val="accent1"/>
+                </a:effectRef>
+                <a:fontRef idx="minor">
+                  <a:schemeClr val="tx1"/>
+                </a:fontRef>
+              </p:style>
+            </p:cxnSp>
+            <p:cxnSp>
+              <p:nvCxnSpPr>
+                <p:cNvPr id="83" name="직선 화살표 연결선 82">
+                  <a:extLst>
+                    <a:ext uri="{FF2B5EF4-FFF2-40B4-BE49-F238E27FC236}">
+                      <a16:creationId xmlns:a16="http://schemas.microsoft.com/office/drawing/2014/main" id="{4865D85A-6FAE-38F9-32DC-5A467CFD676D}"/>
+                    </a:ext>
+                  </a:extLst>
+                </p:cNvPr>
+                <p:cNvCxnSpPr>
+                  <a:cxnSpLocks/>
+                </p:cNvCxnSpPr>
+                <p:nvPr/>
+              </p:nvCxnSpPr>
+              <p:spPr>
+                <a:xfrm flipV="1">
+                  <a:off x="8249055" y="1997413"/>
+                  <a:ext cx="0" cy="2403964"/>
+                </a:xfrm>
+                <a:prstGeom prst="straightConnector1">
+                  <a:avLst/>
+                </a:prstGeom>
+                <a:ln w="38100">
+                  <a:solidFill>
+                    <a:srgbClr val="0000FF"/>
+                  </a:solidFill>
+                  <a:tailEnd type="triangle"/>
+                </a:ln>
+              </p:spPr>
+              <p:style>
+                <a:lnRef idx="2">
+                  <a:schemeClr val="accent1"/>
+                </a:lnRef>
+                <a:fillRef idx="0">
+                  <a:schemeClr val="accent1"/>
+                </a:fillRef>
+                <a:effectRef idx="1">
+                  <a:schemeClr val="accent1"/>
+                </a:effectRef>
+                <a:fontRef idx="minor">
+                  <a:schemeClr val="tx1"/>
+                </a:fontRef>
+              </p:style>
+            </p:cxnSp>
+            <p:sp>
+              <p:nvSpPr>
+                <p:cNvPr id="84" name="TextBox 83">
+                  <a:extLst>
+                    <a:ext uri="{FF2B5EF4-FFF2-40B4-BE49-F238E27FC236}">
+                      <a16:creationId xmlns:a16="http://schemas.microsoft.com/office/drawing/2014/main" id="{F09F4BD0-60CB-6B59-8C27-831F1534EB20}"/>
+                    </a:ext>
+                  </a:extLst>
+                </p:cNvPr>
+                <p:cNvSpPr txBox="1"/>
+                <p:nvPr/>
+              </p:nvSpPr>
+              <p:spPr>
+                <a:xfrm>
+                  <a:off x="8269501" y="2085332"/>
+                  <a:ext cx="276038" cy="276999"/>
+                </a:xfrm>
+                <a:prstGeom prst="rect">
+                  <a:avLst/>
+                </a:prstGeom>
+                <a:noFill/>
+              </p:spPr>
+              <p:txBody>
+                <a:bodyPr wrap="none" rtlCol="0">
+                  <a:spAutoFit/>
+                </a:bodyPr>
+                <a:lstStyle/>
+                <a:p>
+                  <a:r>
+                    <a:rPr lang="en-US" altLang="ko-KR" sz="1200" b="1">
+                      <a:solidFill>
+                        <a:srgbClr val="0000FF"/>
+                      </a:solidFill>
+                      <a:latin typeface="나눔바른고딕" panose="020B0603020101020101" pitchFamily="50" charset="-127"/>
+                      <a:ea typeface="나눔바른고딕" panose="020B0603020101020101" pitchFamily="50" charset="-127"/>
+                    </a:rPr>
+                    <a:t>Z</a:t>
+                  </a:r>
+                  <a:endParaRPr lang="ko-KR" altLang="en-US" sz="1200" b="1">
+                    <a:solidFill>
+                      <a:srgbClr val="0000FF"/>
+                    </a:solidFill>
+                    <a:latin typeface="나눔바른고딕" panose="020B0603020101020101" pitchFamily="50" charset="-127"/>
+                    <a:ea typeface="나눔바른고딕" panose="020B0603020101020101" pitchFamily="50" charset="-127"/>
+                  </a:endParaRPr>
+                </a:p>
+              </p:txBody>
+            </p:sp>
+            <p:sp>
+              <p:nvSpPr>
+                <p:cNvPr id="85" name="TextBox 84">
+                  <a:extLst>
+                    <a:ext uri="{FF2B5EF4-FFF2-40B4-BE49-F238E27FC236}">
+                      <a16:creationId xmlns:a16="http://schemas.microsoft.com/office/drawing/2014/main" id="{D393F714-AE9D-8082-988E-DB79DC4B3536}"/>
+                    </a:ext>
+                  </a:extLst>
+                </p:cNvPr>
+                <p:cNvSpPr txBox="1"/>
+                <p:nvPr/>
+              </p:nvSpPr>
+              <p:spPr>
+                <a:xfrm>
+                  <a:off x="7204112" y="3975210"/>
+                  <a:ext cx="276038" cy="276999"/>
+                </a:xfrm>
+                <a:prstGeom prst="rect">
+                  <a:avLst/>
+                </a:prstGeom>
+                <a:noFill/>
+              </p:spPr>
+              <p:txBody>
+                <a:bodyPr wrap="square" rtlCol="0">
+                  <a:spAutoFit/>
+                </a:bodyPr>
+                <a:lstStyle/>
+                <a:p>
+                  <a:r>
+                    <a:rPr lang="en-US" altLang="ko-KR" sz="1200" b="1">
+                      <a:solidFill>
+                        <a:srgbClr val="FF0000"/>
+                      </a:solidFill>
+                      <a:latin typeface="나눔바른고딕" panose="020B0603020101020101" pitchFamily="50" charset="-127"/>
+                      <a:ea typeface="나눔바른고딕" panose="020B0603020101020101" pitchFamily="50" charset="-127"/>
+                    </a:rPr>
+                    <a:t>X</a:t>
+                  </a:r>
+                  <a:endParaRPr lang="ko-KR" altLang="en-US" sz="1200" b="1">
+                    <a:solidFill>
+                      <a:srgbClr val="FF0000"/>
+                    </a:solidFill>
+                    <a:latin typeface="나눔바른고딕" panose="020B0603020101020101" pitchFamily="50" charset="-127"/>
+                    <a:ea typeface="나눔바른고딕" panose="020B0603020101020101" pitchFamily="50" charset="-127"/>
+                  </a:endParaRPr>
+                </a:p>
+              </p:txBody>
+            </p:sp>
+            <p:sp>
+              <p:nvSpPr>
+                <p:cNvPr id="86" name="TextBox 85">
+                  <a:extLst>
+                    <a:ext uri="{FF2B5EF4-FFF2-40B4-BE49-F238E27FC236}">
+                      <a16:creationId xmlns:a16="http://schemas.microsoft.com/office/drawing/2014/main" id="{B05688C0-3D0C-E547-6933-5C8E2928FB74}"/>
+                    </a:ext>
+                  </a:extLst>
+                </p:cNvPr>
+                <p:cNvSpPr txBox="1"/>
+                <p:nvPr/>
+              </p:nvSpPr>
+              <p:spPr>
+                <a:xfrm>
+                  <a:off x="9393678" y="3174094"/>
+                  <a:ext cx="276038" cy="276999"/>
+                </a:xfrm>
+                <a:prstGeom prst="rect">
+                  <a:avLst/>
+                </a:prstGeom>
+                <a:noFill/>
+              </p:spPr>
+              <p:txBody>
+                <a:bodyPr wrap="square" rtlCol="0">
+                  <a:spAutoFit/>
+                </a:bodyPr>
+                <a:lstStyle/>
+                <a:p>
+                  <a:r>
+                    <a:rPr lang="en-US" altLang="ko-KR" sz="1200" b="1">
+                      <a:solidFill>
+                        <a:srgbClr val="00B050"/>
+                      </a:solidFill>
+                      <a:latin typeface="나눔바른고딕" panose="020B0603020101020101" pitchFamily="50" charset="-127"/>
+                      <a:ea typeface="나눔바른고딕" panose="020B0603020101020101" pitchFamily="50" charset="-127"/>
+                    </a:rPr>
+                    <a:t>Y</a:t>
+                  </a:r>
+                  <a:endParaRPr lang="ko-KR" altLang="en-US" sz="1200" b="1">
+                    <a:solidFill>
+                      <a:srgbClr val="00B050"/>
+                    </a:solidFill>
+                    <a:latin typeface="나눔바른고딕" panose="020B0603020101020101" pitchFamily="50" charset="-127"/>
+                    <a:ea typeface="나눔바른고딕" panose="020B0603020101020101" pitchFamily="50" charset="-127"/>
+                  </a:endParaRPr>
+                </a:p>
+              </p:txBody>
+            </p:sp>
+            <p:sp>
+              <p:nvSpPr>
+                <p:cNvPr id="87" name="TextBox 86">
+                  <a:extLst>
+                    <a:ext uri="{FF2B5EF4-FFF2-40B4-BE49-F238E27FC236}">
+                      <a16:creationId xmlns:a16="http://schemas.microsoft.com/office/drawing/2014/main" id="{90C60079-5FB0-ED17-E03B-2707726A539D}"/>
+                    </a:ext>
+                  </a:extLst>
+                </p:cNvPr>
+                <p:cNvSpPr txBox="1"/>
+                <p:nvPr/>
+              </p:nvSpPr>
+              <p:spPr>
+                <a:xfrm>
+                  <a:off x="7321684" y="4250717"/>
+                  <a:ext cx="645692" cy="276999"/>
+                </a:xfrm>
+                <a:prstGeom prst="rect">
+                  <a:avLst/>
+                </a:prstGeom>
+                <a:noFill/>
+              </p:spPr>
+              <p:txBody>
+                <a:bodyPr wrap="square" rtlCol="0">
+                  <a:spAutoFit/>
+                </a:bodyPr>
+                <a:lstStyle/>
+                <a:p>
+                  <a:pPr algn="ctr"/>
+                  <a:r>
+                    <a:rPr lang="en-US" altLang="ko-KR" sz="1200" b="1">
+                      <a:solidFill>
+                        <a:srgbClr val="FF0000"/>
+                      </a:solidFill>
+                      <a:latin typeface="나눔바른고딕" panose="020B0603020101020101" pitchFamily="50" charset="-127"/>
+                      <a:ea typeface="나눔바른고딕" panose="020B0603020101020101" pitchFamily="50" charset="-127"/>
+                    </a:rPr>
+                    <a:t>Roll</a:t>
+                  </a:r>
+                  <a:endParaRPr lang="ko-KR" altLang="en-US" sz="1200" b="1">
+                    <a:solidFill>
+                      <a:srgbClr val="FF0000"/>
+                    </a:solidFill>
+                    <a:latin typeface="나눔바른고딕" panose="020B0603020101020101" pitchFamily="50" charset="-127"/>
+                    <a:ea typeface="나눔바른고딕" panose="020B0603020101020101" pitchFamily="50" charset="-127"/>
+                  </a:endParaRPr>
+                </a:p>
+              </p:txBody>
+            </p:sp>
+            <p:sp>
+              <p:nvSpPr>
+                <p:cNvPr id="88" name="TextBox 87">
+                  <a:extLst>
+                    <a:ext uri="{FF2B5EF4-FFF2-40B4-BE49-F238E27FC236}">
+                      <a16:creationId xmlns:a16="http://schemas.microsoft.com/office/drawing/2014/main" id="{F77B8FF5-9CB3-3BE5-9FC5-2F5C2A050C67}"/>
+                    </a:ext>
+                  </a:extLst>
+                </p:cNvPr>
+                <p:cNvSpPr txBox="1"/>
+                <p:nvPr/>
+              </p:nvSpPr>
+              <p:spPr>
+                <a:xfrm>
+                  <a:off x="9208851" y="3476170"/>
+                  <a:ext cx="645692" cy="276999"/>
+                </a:xfrm>
+                <a:prstGeom prst="rect">
+                  <a:avLst/>
+                </a:prstGeom>
+                <a:noFill/>
+              </p:spPr>
+              <p:txBody>
+                <a:bodyPr wrap="square" rtlCol="0">
+                  <a:spAutoFit/>
+                </a:bodyPr>
+                <a:lstStyle/>
+                <a:p>
+                  <a:pPr algn="ctr"/>
+                  <a:r>
+                    <a:rPr lang="en-US" altLang="ko-KR" sz="1200" b="1">
+                      <a:solidFill>
+                        <a:srgbClr val="00B050"/>
+                      </a:solidFill>
+                      <a:latin typeface="나눔바른고딕" panose="020B0603020101020101" pitchFamily="50" charset="-127"/>
+                      <a:ea typeface="나눔바른고딕" panose="020B0603020101020101" pitchFamily="50" charset="-127"/>
+                    </a:rPr>
+                    <a:t>Pitch</a:t>
+                  </a:r>
+                  <a:endParaRPr lang="ko-KR" altLang="en-US" sz="1200" b="1">
+                    <a:solidFill>
+                      <a:srgbClr val="00B050"/>
+                    </a:solidFill>
+                    <a:latin typeface="나눔바른고딕" panose="020B0603020101020101" pitchFamily="50" charset="-127"/>
+                    <a:ea typeface="나눔바른고딕" panose="020B0603020101020101" pitchFamily="50" charset="-127"/>
+                  </a:endParaRPr>
+                </a:p>
+              </p:txBody>
+            </p:sp>
+            <p:sp>
+              <p:nvSpPr>
+                <p:cNvPr id="89" name="TextBox 88">
+                  <a:extLst>
+                    <a:ext uri="{FF2B5EF4-FFF2-40B4-BE49-F238E27FC236}">
+                      <a16:creationId xmlns:a16="http://schemas.microsoft.com/office/drawing/2014/main" id="{2FEC94F1-DD30-DC0D-4EAE-1C6C1864004D}"/>
+                    </a:ext>
+                  </a:extLst>
+                </p:cNvPr>
+                <p:cNvSpPr txBox="1"/>
+                <p:nvPr/>
+              </p:nvSpPr>
+              <p:spPr>
+                <a:xfrm>
+                  <a:off x="7681183" y="2085332"/>
+                  <a:ext cx="645692" cy="276999"/>
+                </a:xfrm>
+                <a:prstGeom prst="rect">
+                  <a:avLst/>
+                </a:prstGeom>
+                <a:noFill/>
+              </p:spPr>
+              <p:txBody>
+                <a:bodyPr wrap="square" rtlCol="0">
+                  <a:spAutoFit/>
+                </a:bodyPr>
+                <a:lstStyle/>
+                <a:p>
+                  <a:pPr algn="ctr"/>
+                  <a:r>
+                    <a:rPr lang="en-US" altLang="ko-KR" sz="1200" b="1">
+                      <a:solidFill>
+                        <a:srgbClr val="0000FF"/>
+                      </a:solidFill>
+                      <a:latin typeface="나눔바른고딕" panose="020B0603020101020101" pitchFamily="50" charset="-127"/>
+                      <a:ea typeface="나눔바른고딕" panose="020B0603020101020101" pitchFamily="50" charset="-127"/>
+                    </a:rPr>
+                    <a:t>Yaw</a:t>
+                  </a:r>
+                  <a:endParaRPr lang="ko-KR" altLang="en-US" sz="1200" b="1">
+                    <a:solidFill>
+                      <a:srgbClr val="0000FF"/>
+                    </a:solidFill>
+                    <a:latin typeface="나눔바른고딕" panose="020B0603020101020101" pitchFamily="50" charset="-127"/>
+                    <a:ea typeface="나눔바른고딕" panose="020B0603020101020101" pitchFamily="50" charset="-127"/>
+                  </a:endParaRPr>
+                </a:p>
+              </p:txBody>
+            </p:sp>
+          </p:grpSp>
+          <p:sp>
+            <p:nvSpPr>
+              <p:cNvPr id="74" name="타원 73">
+                <a:extLst>
+                  <a:ext uri="{FF2B5EF4-FFF2-40B4-BE49-F238E27FC236}">
+                    <a16:creationId xmlns:a16="http://schemas.microsoft.com/office/drawing/2014/main" id="{73B101B9-82CA-E830-77EE-513F48719CCA}"/>
+                  </a:ext>
+                </a:extLst>
+              </p:cNvPr>
+              <p:cNvSpPr/>
+              <p:nvPr/>
+            </p:nvSpPr>
+            <p:spPr>
+              <a:xfrm>
+                <a:off x="6226223" y="4152961"/>
+                <a:ext cx="85297" cy="85297"/>
+              </a:xfrm>
+              <a:prstGeom prst="ellipse">
+                <a:avLst/>
+              </a:prstGeom>
+              <a:solidFill>
+                <a:schemeClr val="tx1"/>
+              </a:solidFill>
+              <a:ln>
+                <a:solidFill>
+                  <a:schemeClr val="tx1"/>
+                </a:solidFill>
+              </a:ln>
+            </p:spPr>
+            <p:style>
+              <a:lnRef idx="2">
+                <a:schemeClr val="accent1">
+                  <a:shade val="15000"/>
+                </a:schemeClr>
+              </a:lnRef>
+              <a:fillRef idx="1">
+                <a:schemeClr val="accent1"/>
+              </a:fillRef>
+              <a:effectRef idx="0">
+                <a:schemeClr val="accent1"/>
+              </a:effectRef>
+              <a:fontRef idx="minor">
+                <a:schemeClr val="lt1"/>
+              </a:fontRef>
+            </p:style>
+            <p:txBody>
+              <a:bodyPr rtlCol="0" anchor="ctr"/>
+              <a:lstStyle/>
+              <a:p>
+                <a:pPr algn="ctr"/>
+                <a:endParaRPr lang="ko-KR" altLang="en-US"/>
+              </a:p>
+            </p:txBody>
+          </p:sp>
+          <p:cxnSp>
+            <p:nvCxnSpPr>
+              <p:cNvPr id="75" name="직선 연결선 74">
+                <a:extLst>
+                  <a:ext uri="{FF2B5EF4-FFF2-40B4-BE49-F238E27FC236}">
+                    <a16:creationId xmlns:a16="http://schemas.microsoft.com/office/drawing/2014/main" id="{80AC26B8-C806-6ED3-1139-BB85C860CA96}"/>
+                  </a:ext>
+                </a:extLst>
+              </p:cNvPr>
+              <p:cNvCxnSpPr>
+                <a:cxnSpLocks/>
+                <a:stCxn id="74" idx="4"/>
+              </p:cNvCxnSpPr>
+              <p:nvPr/>
+            </p:nvCxnSpPr>
+            <p:spPr>
+              <a:xfrm>
+                <a:off x="6268872" y="4238258"/>
+                <a:ext cx="0" cy="1349742"/>
+              </a:xfrm>
+              <a:prstGeom prst="line">
+                <a:avLst/>
+              </a:prstGeom>
+              <a:ln>
+                <a:solidFill>
+                  <a:srgbClr val="0000FF"/>
+                </a:solidFill>
+                <a:prstDash val="sysDash"/>
+              </a:ln>
+            </p:spPr>
+            <p:style>
+              <a:lnRef idx="2">
+                <a:schemeClr val="accent1"/>
+              </a:lnRef>
+              <a:fillRef idx="0">
+                <a:schemeClr val="accent1"/>
+              </a:fillRef>
+              <a:effectRef idx="1">
+                <a:schemeClr val="accent1"/>
+              </a:effectRef>
+              <a:fontRef idx="minor">
+                <a:schemeClr val="tx1"/>
+              </a:fontRef>
+            </p:style>
+          </p:cxnSp>
+          <p:sp>
+            <p:nvSpPr>
+              <p:cNvPr id="80" name="TextBox 79">
+                <a:extLst>
+                  <a:ext uri="{FF2B5EF4-FFF2-40B4-BE49-F238E27FC236}">
+                    <a16:creationId xmlns:a16="http://schemas.microsoft.com/office/drawing/2014/main" id="{B1A2BAA0-44EF-C293-F29D-E843496524C8}"/>
+                  </a:ext>
+                </a:extLst>
+              </p:cNvPr>
+              <p:cNvSpPr txBox="1"/>
+              <p:nvPr/>
+            </p:nvSpPr>
+            <p:spPr>
+              <a:xfrm>
+                <a:off x="6251250" y="4598513"/>
+                <a:ext cx="276038" cy="276999"/>
+              </a:xfrm>
+              <a:prstGeom prst="rect">
+                <a:avLst/>
+              </a:prstGeom>
+              <a:noFill/>
+            </p:spPr>
+            <p:txBody>
+              <a:bodyPr wrap="square" rtlCol="0">
+                <a:spAutoFit/>
+              </a:bodyPr>
+              <a:lstStyle/>
+              <a:p>
+                <a:r>
+                  <a:rPr lang="en-US" altLang="ko-KR" sz="1200" b="1">
+                    <a:solidFill>
+                      <a:srgbClr val="0000FF"/>
+                    </a:solidFill>
+                    <a:latin typeface="나눔바른고딕" panose="020B0603020101020101" pitchFamily="50" charset="-127"/>
+                    <a:ea typeface="나눔바른고딕" panose="020B0603020101020101" pitchFamily="50" charset="-127"/>
+                  </a:rPr>
+                  <a:t>z</a:t>
+                </a:r>
+                <a:endParaRPr lang="ko-KR" altLang="en-US" sz="1200" b="1">
+                  <a:solidFill>
+                    <a:srgbClr val="0000FF"/>
+                  </a:solidFill>
+                  <a:latin typeface="나눔바른고딕" panose="020B0603020101020101" pitchFamily="50" charset="-127"/>
+                  <a:ea typeface="나눔바른고딕" panose="020B0603020101020101" pitchFamily="50" charset="-127"/>
+                </a:endParaRPr>
+              </a:p>
+            </p:txBody>
+          </p:sp>
+          <p:cxnSp>
+            <p:nvCxnSpPr>
+              <p:cNvPr id="91" name="직선 연결선 90">
+                <a:extLst>
+                  <a:ext uri="{FF2B5EF4-FFF2-40B4-BE49-F238E27FC236}">
+                    <a16:creationId xmlns:a16="http://schemas.microsoft.com/office/drawing/2014/main" id="{0412DA05-54F2-D79C-273C-6D3F976105AF}"/>
+                  </a:ext>
+                </a:extLst>
+              </p:cNvPr>
+              <p:cNvCxnSpPr>
+                <a:stCxn id="73" idx="5"/>
+              </p:cNvCxnSpPr>
+              <p:nvPr/>
+            </p:nvCxnSpPr>
+            <p:spPr>
+              <a:xfrm>
+                <a:off x="5914578" y="4906956"/>
+                <a:ext cx="354294" cy="696160"/>
+              </a:xfrm>
+              <a:prstGeom prst="line">
+                <a:avLst/>
+              </a:prstGeom>
+              <a:ln>
+                <a:solidFill>
+                  <a:srgbClr val="FFC000"/>
+                </a:solidFill>
+                <a:prstDash val="sysDash"/>
+              </a:ln>
+            </p:spPr>
+            <p:style>
+              <a:lnRef idx="2">
+                <a:schemeClr val="accent1"/>
+              </a:lnRef>
+              <a:fillRef idx="0">
+                <a:schemeClr val="accent1"/>
+              </a:fillRef>
+              <a:effectRef idx="1">
+                <a:schemeClr val="accent1"/>
+              </a:effectRef>
+              <a:fontRef idx="minor">
+                <a:schemeClr val="tx1"/>
+              </a:fontRef>
+            </p:style>
+          </p:cxnSp>
+          <p:sp>
+            <p:nvSpPr>
+              <p:cNvPr id="92" name="부분 원형 91">
+                <a:extLst>
+                  <a:ext uri="{FF2B5EF4-FFF2-40B4-BE49-F238E27FC236}">
+                    <a16:creationId xmlns:a16="http://schemas.microsoft.com/office/drawing/2014/main" id="{F9B78E77-26E0-00A0-F94B-75D8F7D09A97}"/>
+                  </a:ext>
+                </a:extLst>
+              </p:cNvPr>
+              <p:cNvSpPr/>
+              <p:nvPr/>
+            </p:nvSpPr>
+            <p:spPr>
+              <a:xfrm>
+                <a:off x="5330539" y="4329247"/>
+                <a:ext cx="1092530" cy="1092530"/>
+              </a:xfrm>
+              <a:prstGeom prst="pie">
+                <a:avLst>
+                  <a:gd name="adj1" fmla="val 3634440"/>
+                  <a:gd name="adj2" fmla="val 8023040"/>
+                </a:avLst>
+              </a:prstGeom>
+              <a:solidFill>
+                <a:srgbClr val="FFC000">
+                  <a:alpha val="30000"/>
+                </a:srgbClr>
+              </a:solidFill>
+              <a:ln>
+                <a:noFill/>
+              </a:ln>
+            </p:spPr>
+            <p:style>
+              <a:lnRef idx="2">
+                <a:schemeClr val="accent1">
+                  <a:shade val="15000"/>
+                </a:schemeClr>
+              </a:lnRef>
+              <a:fillRef idx="1">
+                <a:schemeClr val="accent1"/>
+              </a:fillRef>
+              <a:effectRef idx="0">
+                <a:schemeClr val="accent1"/>
+              </a:effectRef>
+              <a:fontRef idx="minor">
+                <a:schemeClr val="lt1"/>
+              </a:fontRef>
+            </p:style>
+            <p:txBody>
+              <a:bodyPr rtlCol="0" anchor="ctr"/>
+              <a:lstStyle/>
+              <a:p>
+                <a:pPr algn="ctr"/>
+                <a:endParaRPr lang="ko-KR" altLang="en-US">
+                  <a:solidFill>
+                    <a:schemeClr val="tx1"/>
+                  </a:solidFill>
+                </a:endParaRPr>
+              </a:p>
+            </p:txBody>
+          </p:sp>
+          <p:sp>
+            <p:nvSpPr>
+              <p:cNvPr id="73" name="타원 72">
+                <a:extLst>
+                  <a:ext uri="{FF2B5EF4-FFF2-40B4-BE49-F238E27FC236}">
+                    <a16:creationId xmlns:a16="http://schemas.microsoft.com/office/drawing/2014/main" id="{F34899A7-BD26-B49F-A017-60DB252F8A18}"/>
+                  </a:ext>
+                </a:extLst>
+              </p:cNvPr>
+              <p:cNvSpPr/>
+              <p:nvPr/>
+            </p:nvSpPr>
+            <p:spPr>
+              <a:xfrm>
+                <a:off x="5841772" y="4834150"/>
+                <a:ext cx="85297" cy="85297"/>
+              </a:xfrm>
+              <a:prstGeom prst="ellipse">
+                <a:avLst/>
+              </a:prstGeom>
+              <a:solidFill>
+                <a:schemeClr val="tx1"/>
+              </a:solidFill>
+              <a:ln>
+                <a:solidFill>
+                  <a:schemeClr val="tx1"/>
+                </a:solidFill>
+              </a:ln>
+            </p:spPr>
+            <p:style>
+              <a:lnRef idx="2">
+                <a:schemeClr val="accent1">
+                  <a:shade val="15000"/>
+                </a:schemeClr>
+              </a:lnRef>
+              <a:fillRef idx="1">
+                <a:schemeClr val="accent1"/>
+              </a:fillRef>
+              <a:effectRef idx="0">
+                <a:schemeClr val="accent1"/>
+              </a:effectRef>
+              <a:fontRef idx="minor">
+                <a:schemeClr val="lt1"/>
+              </a:fontRef>
+            </p:style>
+            <p:txBody>
+              <a:bodyPr rtlCol="0" anchor="ctr"/>
+              <a:lstStyle/>
+              <a:p>
+                <a:pPr algn="ctr"/>
+                <a:endParaRPr lang="ko-KR" altLang="en-US"/>
+              </a:p>
+            </p:txBody>
+          </p:sp>
+          <mc:AlternateContent xmlns:mc="http://schemas.openxmlformats.org/markup-compatibility/2006">
+            <mc:Choice xmlns:a14="http://schemas.microsoft.com/office/drawing/2010/main" Requires="a14">
+              <p:sp>
+                <p:nvSpPr>
+                  <p:cNvPr id="99" name="TextBox 98">
+                    <a:extLst>
+                      <a:ext uri="{FF2B5EF4-FFF2-40B4-BE49-F238E27FC236}">
+                        <a16:creationId xmlns:a16="http://schemas.microsoft.com/office/drawing/2014/main" id="{7F8C04F4-C071-57F7-58E0-1AB921CC16E3}"/>
+                      </a:ext>
+                    </a:extLst>
+                  </p:cNvPr>
+                  <p:cNvSpPr txBox="1"/>
+                  <p:nvPr/>
+                </p:nvSpPr>
+                <p:spPr>
+                  <a:xfrm>
+                    <a:off x="5560753" y="5364791"/>
+                    <a:ext cx="245260" cy="276999"/>
+                  </a:xfrm>
+                  <a:prstGeom prst="rect">
+                    <a:avLst/>
+                  </a:prstGeom>
+                  <a:noFill/>
+                </p:spPr>
+                <p:txBody>
+                  <a:bodyPr wrap="none" lIns="0" tIns="0" rIns="0" bIns="0" rtlCol="0">
+                    <a:spAutoFit/>
+                  </a:bodyPr>
+                  <a:lstStyle/>
+                  <a:p>
+                    <a:pPr/>
+                    <a14:m>
+                      <m:oMathPara xmlns:m="http://schemas.openxmlformats.org/officeDocument/2006/math">
+                        <m:oMathParaPr>
+                          <m:jc m:val="center"/>
+                        </m:oMathParaPr>
+                        <m:oMath xmlns:m="http://schemas.openxmlformats.org/officeDocument/2006/math">
+                          <m:r>
+                            <m:rPr>
+                              <m:sty m:val="p"/>
+                            </m:rPr>
+                            <a:rPr lang="en-US" altLang="ko-KR" b="0" i="1" smtClean="0">
+                              <a:solidFill>
+                                <a:srgbClr val="FFC000"/>
+                              </a:solidFill>
+                              <a:latin typeface="Cambria Math" panose="02040503050406030204" pitchFamily="18" charset="0"/>
+                            </a:rPr>
+                            <m:t>ϕ</m:t>
+                          </m:r>
+                        </m:oMath>
+                      </m:oMathPara>
+                    </a14:m>
+                    <a:endParaRPr lang="en-US" altLang="ko-KR" b="0">
+                      <a:solidFill>
+                        <a:srgbClr val="FFC000"/>
+                      </a:solidFill>
+                    </a:endParaRPr>
+                  </a:p>
+                </p:txBody>
+              </p:sp>
+            </mc:Choice>
+            <mc:Fallback>
+              <p:sp>
+                <p:nvSpPr>
+                  <p:cNvPr id="99" name="TextBox 98">
+                    <a:extLst>
+                      <a:ext uri="{FF2B5EF4-FFF2-40B4-BE49-F238E27FC236}">
+                        <a16:creationId xmlns:a16="http://schemas.microsoft.com/office/drawing/2014/main" id="{7F8C04F4-C071-57F7-58E0-1AB921CC16E3}"/>
+                      </a:ext>
+                    </a:extLst>
+                  </p:cNvPr>
+                  <p:cNvSpPr txBox="1">
+                    <a:spLocks noRot="1" noChangeAspect="1" noMove="1" noResize="1" noEditPoints="1" noAdjustHandles="1" noChangeArrowheads="1" noChangeShapeType="1" noTextEdit="1"/>
+                  </p:cNvSpPr>
+                  <p:nvPr/>
+                </p:nvSpPr>
+                <p:spPr>
+                  <a:xfrm>
+                    <a:off x="5560753" y="5364791"/>
+                    <a:ext cx="245260" cy="276999"/>
+                  </a:xfrm>
+                  <a:prstGeom prst="rect">
+                    <a:avLst/>
+                  </a:prstGeom>
+                  <a:blipFill>
+                    <a:blip r:embed="rId3"/>
+                    <a:stretch>
+                      <a:fillRect l="-24390" r="-26829" b="-40000"/>
+                    </a:stretch>
+                  </a:blipFill>
+                </p:spPr>
+                <p:txBody>
+                  <a:bodyPr/>
+                  <a:lstStyle/>
+                  <a:p>
+                    <a:r>
+                      <a:rPr lang="ko-KR" altLang="en-US">
+                        <a:noFill/>
+                      </a:rPr>
+                      <a:t> </a:t>
+                    </a:r>
+                  </a:p>
+                </p:txBody>
+              </p:sp>
+            </mc:Fallback>
+          </mc:AlternateContent>
+          <mc:AlternateContent xmlns:mc="http://schemas.openxmlformats.org/markup-compatibility/2006">
+            <mc:Choice xmlns:a14="http://schemas.microsoft.com/office/drawing/2010/main" Requires="a14">
+              <p:sp>
+                <p:nvSpPr>
+                  <p:cNvPr id="100" name="TextBox 99">
+                    <a:extLst>
+                      <a:ext uri="{FF2B5EF4-FFF2-40B4-BE49-F238E27FC236}">
+                        <a16:creationId xmlns:a16="http://schemas.microsoft.com/office/drawing/2014/main" id="{7EB9136B-571F-FC28-C476-45D61AD221E6}"/>
+                      </a:ext>
+                    </a:extLst>
+                  </p:cNvPr>
+                  <p:cNvSpPr txBox="1"/>
+                  <p:nvPr/>
+                </p:nvSpPr>
+                <p:spPr>
+                  <a:xfrm>
+                    <a:off x="6029121" y="4939939"/>
+                    <a:ext cx="195823" cy="276999"/>
+                  </a:xfrm>
+                  <a:prstGeom prst="rect">
+                    <a:avLst/>
+                  </a:prstGeom>
+                  <a:noFill/>
+                </p:spPr>
+                <p:txBody>
+                  <a:bodyPr wrap="none" lIns="0" tIns="0" rIns="0" bIns="0" rtlCol="0">
+                    <a:spAutoFit/>
+                  </a:bodyPr>
+                  <a:lstStyle/>
+                  <a:p>
+                    <a:pPr/>
+                    <a14:m>
+                      <m:oMathPara xmlns:m="http://schemas.openxmlformats.org/officeDocument/2006/math">
+                        <m:oMathParaPr>
+                          <m:jc m:val="center"/>
+                        </m:oMathParaPr>
+                        <m:oMath xmlns:m="http://schemas.openxmlformats.org/officeDocument/2006/math">
+                          <m:r>
+                            <a:rPr lang="en-US" altLang="ko-KR" b="0" i="1" smtClean="0">
+                              <a:solidFill>
+                                <a:srgbClr val="FFC000"/>
+                              </a:solidFill>
+                              <a:latin typeface="Cambria Math" panose="02040503050406030204" pitchFamily="18" charset="0"/>
+                            </a:rPr>
+                            <m:t>𝑟</m:t>
+                          </m:r>
+                        </m:oMath>
+                      </m:oMathPara>
+                    </a14:m>
+                    <a:endParaRPr lang="en-US" altLang="ko-KR" b="0">
+                      <a:solidFill>
+                        <a:srgbClr val="FFC000"/>
+                      </a:solidFill>
+                    </a:endParaRPr>
+                  </a:p>
+                </p:txBody>
+              </p:sp>
+            </mc:Choice>
+            <mc:Fallback>
+              <p:sp>
+                <p:nvSpPr>
+                  <p:cNvPr id="100" name="TextBox 99">
+                    <a:extLst>
+                      <a:ext uri="{FF2B5EF4-FFF2-40B4-BE49-F238E27FC236}">
+                        <a16:creationId xmlns:a16="http://schemas.microsoft.com/office/drawing/2014/main" id="{7EB9136B-571F-FC28-C476-45D61AD221E6}"/>
+                      </a:ext>
+                    </a:extLst>
+                  </p:cNvPr>
+                  <p:cNvSpPr txBox="1">
+                    <a:spLocks noRot="1" noChangeAspect="1" noMove="1" noResize="1" noEditPoints="1" noAdjustHandles="1" noChangeArrowheads="1" noChangeShapeType="1" noTextEdit="1"/>
+                  </p:cNvSpPr>
+                  <p:nvPr/>
+                </p:nvSpPr>
+                <p:spPr>
+                  <a:xfrm>
+                    <a:off x="6029121" y="4939939"/>
+                    <a:ext cx="195823" cy="276999"/>
+                  </a:xfrm>
+                  <a:prstGeom prst="rect">
+                    <a:avLst/>
+                  </a:prstGeom>
+                  <a:blipFill>
+                    <a:blip r:embed="rId4"/>
+                    <a:stretch>
+                      <a:fillRect l="-9375" r="-9375" b="-2174"/>
+                    </a:stretch>
+                  </a:blipFill>
+                </p:spPr>
+                <p:txBody>
+                  <a:bodyPr/>
+                  <a:lstStyle/>
+                  <a:p>
+                    <a:r>
+                      <a:rPr lang="ko-KR" altLang="en-US">
+                        <a:noFill/>
+                      </a:rPr>
+                      <a:t> </a:t>
+                    </a:r>
+                  </a:p>
+                </p:txBody>
+              </p:sp>
+            </mc:Fallback>
+          </mc:AlternateContent>
+          <mc:AlternateContent xmlns:mc="http://schemas.openxmlformats.org/markup-compatibility/2006">
+            <mc:Choice xmlns:a14="http://schemas.microsoft.com/office/drawing/2010/main" Requires="a14">
+              <p:sp>
+                <p:nvSpPr>
+                  <p:cNvPr id="102" name="TextBox 101">
+                    <a:extLst>
+                      <a:ext uri="{FF2B5EF4-FFF2-40B4-BE49-F238E27FC236}">
+                        <a16:creationId xmlns:a16="http://schemas.microsoft.com/office/drawing/2014/main" id="{5347D308-9A87-4248-21EE-70089642B95F}"/>
+                      </a:ext>
+                    </a:extLst>
+                  </p:cNvPr>
+                  <p:cNvSpPr txBox="1"/>
+                  <p:nvPr/>
+                </p:nvSpPr>
+                <p:spPr>
+                  <a:xfrm>
+                    <a:off x="6251250" y="3822759"/>
+                    <a:ext cx="987835" cy="276999"/>
+                  </a:xfrm>
+                  <a:prstGeom prst="rect">
+                    <a:avLst/>
+                  </a:prstGeom>
+                  <a:noFill/>
+                </p:spPr>
+                <p:txBody>
+                  <a:bodyPr wrap="none" lIns="0" tIns="0" rIns="0" bIns="0" rtlCol="0">
+                    <a:spAutoFit/>
+                  </a:bodyPr>
+                  <a:lstStyle/>
+                  <a:p>
+                    <a14:m>
+                      <m:oMathPara xmlns:m="http://schemas.openxmlformats.org/officeDocument/2006/math">
+                        <m:oMathParaPr>
+                          <m:jc m:val="centerGroup"/>
+                        </m:oMathParaPr>
+                        <m:oMath xmlns:m="http://schemas.openxmlformats.org/officeDocument/2006/math">
+                          <m:r>
+                            <a:rPr lang="en-US" altLang="ko-KR" b="0" i="1" smtClean="0">
+                              <a:latin typeface="Cambria Math" panose="02040503050406030204" pitchFamily="18" charset="0"/>
+                            </a:rPr>
+                            <m:t>𝑃</m:t>
+                          </m:r>
+                          <m:r>
+                            <a:rPr lang="en-US" altLang="ko-KR" b="0" i="1" smtClean="0">
+                              <a:latin typeface="Cambria Math" panose="02040503050406030204" pitchFamily="18" charset="0"/>
+                            </a:rPr>
+                            <m:t>(</m:t>
+                          </m:r>
+                          <m:r>
+                            <a:rPr lang="en-US" altLang="ko-KR" b="0" i="1" smtClean="0">
+                              <a:latin typeface="Cambria Math" panose="02040503050406030204" pitchFamily="18" charset="0"/>
+                            </a:rPr>
+                            <m:t>𝑟</m:t>
+                          </m:r>
+                          <m:r>
+                            <a:rPr lang="en-US" altLang="ko-KR" b="0" i="1" smtClean="0">
+                              <a:latin typeface="Cambria Math" panose="02040503050406030204" pitchFamily="18" charset="0"/>
+                            </a:rPr>
+                            <m:t>, </m:t>
+                          </m:r>
+                          <m:r>
+                            <a:rPr lang="en-US" altLang="ko-KR" b="0" i="1" smtClean="0">
+                              <a:latin typeface="Cambria Math" panose="02040503050406030204" pitchFamily="18" charset="0"/>
+                            </a:rPr>
+                            <m:t>𝜙</m:t>
+                          </m:r>
+                          <m:r>
+                            <a:rPr lang="en-US" altLang="ko-KR" b="0" i="1" smtClean="0">
+                              <a:latin typeface="Cambria Math" panose="02040503050406030204" pitchFamily="18" charset="0"/>
+                            </a:rPr>
+                            <m:t>, </m:t>
+                          </m:r>
+                          <m:r>
+                            <a:rPr lang="en-US" altLang="ko-KR" b="0" i="1" smtClean="0">
+                              <a:latin typeface="Cambria Math" panose="02040503050406030204" pitchFamily="18" charset="0"/>
+                            </a:rPr>
+                            <m:t>𝑧</m:t>
+                          </m:r>
+                          <m:r>
+                            <a:rPr lang="en-US" altLang="ko-KR" b="0" i="1" smtClean="0">
+                              <a:latin typeface="Cambria Math" panose="02040503050406030204" pitchFamily="18" charset="0"/>
+                            </a:rPr>
+                            <m:t>)</m:t>
+                          </m:r>
+                        </m:oMath>
+                      </m:oMathPara>
+                    </a14:m>
+                    <a:endParaRPr lang="ko-KR" altLang="en-US"/>
+                  </a:p>
+                </p:txBody>
+              </p:sp>
+            </mc:Choice>
+            <mc:Fallback>
+              <p:sp>
+                <p:nvSpPr>
+                  <p:cNvPr id="102" name="TextBox 101">
+                    <a:extLst>
+                      <a:ext uri="{FF2B5EF4-FFF2-40B4-BE49-F238E27FC236}">
+                        <a16:creationId xmlns:a16="http://schemas.microsoft.com/office/drawing/2014/main" id="{5347D308-9A87-4248-21EE-70089642B95F}"/>
+                      </a:ext>
+                    </a:extLst>
+                  </p:cNvPr>
+                  <p:cNvSpPr txBox="1">
+                    <a:spLocks noRot="1" noChangeAspect="1" noMove="1" noResize="1" noEditPoints="1" noAdjustHandles="1" noChangeArrowheads="1" noChangeShapeType="1" noTextEdit="1"/>
+                  </p:cNvSpPr>
+                  <p:nvPr/>
+                </p:nvSpPr>
+                <p:spPr>
+                  <a:xfrm>
+                    <a:off x="6251250" y="3822759"/>
+                    <a:ext cx="987835" cy="276999"/>
+                  </a:xfrm>
+                  <a:prstGeom prst="rect">
+                    <a:avLst/>
+                  </a:prstGeom>
+                  <a:blipFill>
+                    <a:blip r:embed="rId5"/>
+                    <a:stretch>
+                      <a:fillRect l="-4321" r="-6790" b="-36957"/>
+                    </a:stretch>
+                  </a:blipFill>
+                </p:spPr>
+                <p:txBody>
+                  <a:bodyPr/>
+                  <a:lstStyle/>
+                  <a:p>
+                    <a:r>
+                      <a:rPr lang="ko-KR" altLang="en-US">
+                        <a:noFill/>
+                      </a:rPr>
+                      <a:t> </a:t>
+                    </a:r>
+                  </a:p>
+                </p:txBody>
+              </p:sp>
+            </mc:Fallback>
+          </mc:AlternateContent>
+        </p:grpSp>
         <p:sp>
           <p:nvSpPr>
-            <p:cNvPr id="6" name="TextBox 5">
+            <p:cNvPr id="105" name="화살표: 왼쪽/오른쪽 104">
               <a:extLst>
                 <a:ext uri="{FF2B5EF4-FFF2-40B4-BE49-F238E27FC236}">
-                  <a16:creationId xmlns:a16="http://schemas.microsoft.com/office/drawing/2014/main" id="{91B85138-B298-4B69-361B-56257C0E351A}"/>
+                  <a16:creationId xmlns:a16="http://schemas.microsoft.com/office/drawing/2014/main" id="{FBDF9510-9DD1-6D0D-B813-80C199C43F8B}"/>
+                </a:ext>
+              </a:extLst>
+            </p:cNvPr>
+            <p:cNvSpPr/>
+            <p:nvPr/>
+          </p:nvSpPr>
+          <p:spPr>
+            <a:xfrm>
+              <a:off x="3709018" y="4238258"/>
+              <a:ext cx="848659" cy="457466"/>
+            </a:xfrm>
+            <a:prstGeom prst="leftRightArrow">
+              <a:avLst/>
+            </a:prstGeom>
+            <a:solidFill>
+              <a:schemeClr val="accent4">
+                <a:alpha val="50000"/>
+              </a:schemeClr>
+            </a:solidFill>
+            <a:ln>
+              <a:noFill/>
+            </a:ln>
+          </p:spPr>
+          <p:style>
+            <a:lnRef idx="0">
+              <a:scrgbClr r="0" g="0" b="0"/>
+            </a:lnRef>
+            <a:fillRef idx="0">
+              <a:scrgbClr r="0" g="0" b="0"/>
+            </a:fillRef>
+            <a:effectRef idx="0">
+              <a:scrgbClr r="0" g="0" b="0"/>
+            </a:effectRef>
+            <a:fontRef idx="minor">
+              <a:schemeClr val="lt1"/>
+            </a:fontRef>
+          </p:style>
+          <p:txBody>
+            <a:bodyPr rtlCol="0" anchor="ctr"/>
+            <a:lstStyle/>
+            <a:p>
+              <a:pPr algn="ctr"/>
+              <a:endParaRPr lang="ko-KR" altLang="en-US"/>
+            </a:p>
+          </p:txBody>
+        </p:sp>
+        <p:sp>
+          <p:nvSpPr>
+            <p:cNvPr id="106" name="TextBox 105">
+              <a:extLst>
+                <a:ext uri="{FF2B5EF4-FFF2-40B4-BE49-F238E27FC236}">
+                  <a16:creationId xmlns:a16="http://schemas.microsoft.com/office/drawing/2014/main" id="{A0E7A6DC-895A-9F21-AB0F-748D26D4FB4C}"/>
                 </a:ext>
               </a:extLst>
             </p:cNvPr>
@@ -4939,8 +7611,8 @@
           </p:nvSpPr>
           <p:spPr>
             <a:xfrm>
-              <a:off x="727751" y="4526604"/>
-              <a:ext cx="327334" cy="369332"/>
+              <a:off x="1195271" y="2913045"/>
+              <a:ext cx="1261884" cy="369332"/>
             </a:xfrm>
             <a:prstGeom prst="rect">
               <a:avLst/>
@@ -4954,31 +7626,21 @@
             <a:lstStyle/>
             <a:p>
               <a:r>
-                <a:rPr lang="en-US" altLang="ko-KR" b="1">
-                  <a:solidFill>
-                    <a:srgbClr val="FF0000"/>
-                  </a:solidFill>
+                <a:rPr lang="ko-KR" altLang="en-US">
                   <a:latin typeface="나눔바른고딕" panose="020B0603020101020101" pitchFamily="50" charset="-127"/>
                   <a:ea typeface="나눔바른고딕" panose="020B0603020101020101" pitchFamily="50" charset="-127"/>
                 </a:rPr>
-                <a:t>X</a:t>
+                <a:t>직교 좌표계</a:t>
               </a:r>
-              <a:endParaRPr lang="ko-KR" altLang="en-US" b="1">
-                <a:solidFill>
-                  <a:srgbClr val="FF0000"/>
-                </a:solidFill>
-                <a:latin typeface="나눔바른고딕" panose="020B0603020101020101" pitchFamily="50" charset="-127"/>
-                <a:ea typeface="나눔바른고딕" panose="020B0603020101020101" pitchFamily="50" charset="-127"/>
-              </a:endParaRPr>
             </a:p>
           </p:txBody>
         </p:sp>
         <p:sp>
           <p:nvSpPr>
-            <p:cNvPr id="7" name="TextBox 6">
+            <p:cNvPr id="107" name="TextBox 106">
               <a:extLst>
                 <a:ext uri="{FF2B5EF4-FFF2-40B4-BE49-F238E27FC236}">
-                  <a16:creationId xmlns:a16="http://schemas.microsoft.com/office/drawing/2014/main" id="{4491E225-C884-CA9A-1602-2B6BDA38BB4C}"/>
+                  <a16:creationId xmlns:a16="http://schemas.microsoft.com/office/drawing/2014/main" id="{2E5A2A43-712D-7EAD-723B-EC37D4676F50}"/>
                 </a:ext>
               </a:extLst>
             </p:cNvPr>
@@ -4987,8 +7649,8 @@
           </p:nvSpPr>
           <p:spPr>
             <a:xfrm>
-              <a:off x="5523487" y="3660842"/>
-              <a:ext cx="327334" cy="369332"/>
+              <a:off x="5494349" y="2913045"/>
+              <a:ext cx="1261884" cy="369332"/>
             </a:xfrm>
             <a:prstGeom prst="rect">
               <a:avLst/>
@@ -5002,18 +7664,239 @@
             <a:lstStyle/>
             <a:p>
               <a:r>
-                <a:rPr lang="en-US" altLang="ko-KR" b="1">
+                <a:rPr lang="ko-KR" altLang="en-US">
+                  <a:latin typeface="나눔바른고딕" panose="020B0603020101020101" pitchFamily="50" charset="-127"/>
+                  <a:ea typeface="나눔바른고딕" panose="020B0603020101020101" pitchFamily="50" charset="-127"/>
+                </a:rPr>
+                <a:t>원통 좌표계</a:t>
+              </a:r>
+            </a:p>
+          </p:txBody>
+        </p:sp>
+      </p:grpSp>
+    </p:spTree>
+    <p:extLst>
+      <p:ext uri="{BB962C8B-B14F-4D97-AF65-F5344CB8AC3E}">
+        <p14:creationId xmlns:p14="http://schemas.microsoft.com/office/powerpoint/2010/main" val="1957814724"/>
+      </p:ext>
+    </p:extLst>
+  </p:cSld>
+  <p:clrMapOvr>
+    <a:masterClrMapping/>
+  </p:clrMapOvr>
+</p:sld>
+</file>
+
+<file path=ppt/slides/slide4.xml><?xml version="1.0" encoding="utf-8"?>
+<p:sld xmlns:a="http://schemas.openxmlformats.org/drawingml/2006/main" xmlns:r="http://schemas.openxmlformats.org/officeDocument/2006/relationships" xmlns:p="http://schemas.openxmlformats.org/presentationml/2006/main">
+  <p:cSld>
+    <p:spTree>
+      <p:nvGrpSpPr>
+        <p:cNvPr id="1" name=""/>
+        <p:cNvGrpSpPr/>
+        <p:nvPr/>
+      </p:nvGrpSpPr>
+      <p:grpSpPr>
+        <a:xfrm>
+          <a:off x="0" y="0"/>
+          <a:ext cx="0" cy="0"/>
+          <a:chOff x="0" y="0"/>
+          <a:chExt cx="0" cy="0"/>
+        </a:xfrm>
+      </p:grpSpPr>
+      <p:grpSp>
+        <p:nvGrpSpPr>
+          <p:cNvPr id="24" name="그룹 23">
+            <a:extLst>
+              <a:ext uri="{FF2B5EF4-FFF2-40B4-BE49-F238E27FC236}">
+                <a16:creationId xmlns:a16="http://schemas.microsoft.com/office/drawing/2014/main" id="{32787BC4-8636-9E41-729F-7015ED788B8E}"/>
+              </a:ext>
+            </a:extLst>
+          </p:cNvPr>
+          <p:cNvGrpSpPr/>
+          <p:nvPr/>
+        </p:nvGrpSpPr>
+        <p:grpSpPr>
+          <a:xfrm>
+            <a:off x="1059180" y="1402847"/>
+            <a:ext cx="2242438" cy="2597167"/>
+            <a:chOff x="1120140" y="1433327"/>
+            <a:chExt cx="2242438" cy="2597167"/>
+          </a:xfrm>
+        </p:grpSpPr>
+        <p:cxnSp>
+          <p:nvCxnSpPr>
+            <p:cNvPr id="5" name="직선 화살표 연결선 4">
+              <a:extLst>
+                <a:ext uri="{FF2B5EF4-FFF2-40B4-BE49-F238E27FC236}">
+                  <a16:creationId xmlns:a16="http://schemas.microsoft.com/office/drawing/2014/main" id="{073B079D-975A-DCEB-4FDD-EB3251E686D7}"/>
+                </a:ext>
+              </a:extLst>
+            </p:cNvPr>
+            <p:cNvCxnSpPr>
+              <a:cxnSpLocks/>
+            </p:cNvCxnSpPr>
+            <p:nvPr/>
+          </p:nvCxnSpPr>
+          <p:spPr>
+            <a:xfrm>
+              <a:off x="1788105" y="2046051"/>
+              <a:ext cx="0" cy="1984443"/>
+            </a:xfrm>
+            <a:prstGeom prst="straightConnector1">
+              <a:avLst/>
+            </a:prstGeom>
+            <a:ln w="38100">
+              <a:solidFill>
+                <a:srgbClr val="00B050"/>
+              </a:solidFill>
+              <a:tailEnd type="triangle"/>
+            </a:ln>
+          </p:spPr>
+          <p:style>
+            <a:lnRef idx="2">
+              <a:schemeClr val="accent1"/>
+            </a:lnRef>
+            <a:fillRef idx="0">
+              <a:schemeClr val="accent1"/>
+            </a:fillRef>
+            <a:effectRef idx="1">
+              <a:schemeClr val="accent1"/>
+            </a:effectRef>
+            <a:fontRef idx="minor">
+              <a:schemeClr val="tx1"/>
+            </a:fontRef>
+          </p:style>
+        </p:cxnSp>
+        <p:cxnSp>
+          <p:nvCxnSpPr>
+            <p:cNvPr id="6" name="직선 화살표 연결선 5">
+              <a:extLst>
+                <a:ext uri="{FF2B5EF4-FFF2-40B4-BE49-F238E27FC236}">
+                  <a16:creationId xmlns:a16="http://schemas.microsoft.com/office/drawing/2014/main" id="{F5AAC124-BD1D-3036-E538-AFAAD53F84AF}"/>
+                </a:ext>
+              </a:extLst>
+            </p:cNvPr>
+            <p:cNvCxnSpPr>
+              <a:cxnSpLocks/>
+            </p:cNvCxnSpPr>
+            <p:nvPr/>
+          </p:nvCxnSpPr>
+          <p:spPr>
+            <a:xfrm>
+              <a:off x="1120140" y="2564859"/>
+              <a:ext cx="2146570" cy="0"/>
+            </a:xfrm>
+            <a:prstGeom prst="straightConnector1">
+              <a:avLst/>
+            </a:prstGeom>
+            <a:ln w="38100">
+              <a:solidFill>
+                <a:srgbClr val="FF0000"/>
+              </a:solidFill>
+              <a:tailEnd type="triangle"/>
+            </a:ln>
+          </p:spPr>
+          <p:style>
+            <a:lnRef idx="2">
+              <a:schemeClr val="accent1"/>
+            </a:lnRef>
+            <a:fillRef idx="0">
+              <a:schemeClr val="accent1"/>
+            </a:fillRef>
+            <a:effectRef idx="1">
+              <a:schemeClr val="accent1"/>
+            </a:effectRef>
+            <a:fontRef idx="minor">
+              <a:schemeClr val="tx1"/>
+            </a:fontRef>
+          </p:style>
+        </p:cxnSp>
+        <p:cxnSp>
+          <p:nvCxnSpPr>
+            <p:cNvPr id="10" name="직선 화살표 연결선 9">
+              <a:extLst>
+                <a:ext uri="{FF2B5EF4-FFF2-40B4-BE49-F238E27FC236}">
+                  <a16:creationId xmlns:a16="http://schemas.microsoft.com/office/drawing/2014/main" id="{F7EEA457-5534-B299-EEA1-29B26272E1DB}"/>
+                </a:ext>
+              </a:extLst>
+            </p:cNvPr>
+            <p:cNvCxnSpPr>
+              <a:cxnSpLocks/>
+            </p:cNvCxnSpPr>
+            <p:nvPr/>
+          </p:nvCxnSpPr>
+          <p:spPr>
+            <a:xfrm flipV="1">
+              <a:off x="1372035" y="1494817"/>
+              <a:ext cx="1440718" cy="1504545"/>
+            </a:xfrm>
+            <a:prstGeom prst="straightConnector1">
+              <a:avLst/>
+            </a:prstGeom>
+            <a:ln w="38100">
+              <a:solidFill>
+                <a:srgbClr val="0000FF"/>
+              </a:solidFill>
+              <a:tailEnd type="triangle"/>
+            </a:ln>
+          </p:spPr>
+          <p:style>
+            <a:lnRef idx="2">
+              <a:schemeClr val="accent1"/>
+            </a:lnRef>
+            <a:fillRef idx="0">
+              <a:schemeClr val="accent1"/>
+            </a:fillRef>
+            <a:effectRef idx="1">
+              <a:schemeClr val="accent1"/>
+            </a:effectRef>
+            <a:fontRef idx="minor">
+              <a:schemeClr val="tx1"/>
+            </a:fontRef>
+          </p:style>
+        </p:cxnSp>
+        <p:sp>
+          <p:nvSpPr>
+            <p:cNvPr id="16" name="TextBox 15">
+              <a:extLst>
+                <a:ext uri="{FF2B5EF4-FFF2-40B4-BE49-F238E27FC236}">
+                  <a16:creationId xmlns:a16="http://schemas.microsoft.com/office/drawing/2014/main" id="{B227D1FE-1AC3-871F-663A-9B5CA04B3A1F}"/>
+                </a:ext>
+              </a:extLst>
+            </p:cNvPr>
+            <p:cNvSpPr txBox="1"/>
+            <p:nvPr/>
+          </p:nvSpPr>
+          <p:spPr>
+            <a:xfrm>
+              <a:off x="2911019" y="2287860"/>
+              <a:ext cx="276038" cy="276999"/>
+            </a:xfrm>
+            <a:prstGeom prst="rect">
+              <a:avLst/>
+            </a:prstGeom>
+            <a:noFill/>
+          </p:spPr>
+          <p:txBody>
+            <a:bodyPr wrap="square" rtlCol="0">
+              <a:spAutoFit/>
+            </a:bodyPr>
+            <a:lstStyle/>
+            <a:p>
+              <a:r>
+                <a:rPr lang="en-US" altLang="ko-KR" sz="1200" b="1">
                   <a:solidFill>
-                    <a:srgbClr val="294B26"/>
+                    <a:srgbClr val="FF0000"/>
                   </a:solidFill>
                   <a:latin typeface="나눔바른고딕" panose="020B0603020101020101" pitchFamily="50" charset="-127"/>
                   <a:ea typeface="나눔바른고딕" panose="020B0603020101020101" pitchFamily="50" charset="-127"/>
                 </a:rPr>
-                <a:t>Y</a:t>
+                <a:t>X</a:t>
               </a:r>
-              <a:endParaRPr lang="ko-KR" altLang="en-US" b="1">
+              <a:endParaRPr lang="ko-KR" altLang="en-US" sz="1200" b="1">
                 <a:solidFill>
-                  <a:srgbClr val="294B26"/>
+                  <a:srgbClr val="FF0000"/>
                 </a:solidFill>
                 <a:latin typeface="나눔바른고딕" panose="020B0603020101020101" pitchFamily="50" charset="-127"/>
                 <a:ea typeface="나눔바른고딕" panose="020B0603020101020101" pitchFamily="50" charset="-127"/>
@@ -5023,10 +7906,10 @@
         </p:sp>
         <p:sp>
           <p:nvSpPr>
-            <p:cNvPr id="8" name="TextBox 7">
+            <p:cNvPr id="17" name="TextBox 16">
               <a:extLst>
                 <a:ext uri="{FF2B5EF4-FFF2-40B4-BE49-F238E27FC236}">
-                  <a16:creationId xmlns:a16="http://schemas.microsoft.com/office/drawing/2014/main" id="{F80908D1-355C-9EAB-E919-A37691BC6229}"/>
+                  <a16:creationId xmlns:a16="http://schemas.microsoft.com/office/drawing/2014/main" id="{74310C3E-1FE1-334D-8084-EC37DD850EF8}"/>
                 </a:ext>
               </a:extLst>
             </p:cNvPr>
@@ -5035,8 +7918,56 @@
           </p:nvSpPr>
           <p:spPr>
             <a:xfrm>
-              <a:off x="3587682" y="726332"/>
-              <a:ext cx="327334" cy="369332"/>
+              <a:off x="1510631" y="3713146"/>
+              <a:ext cx="276038" cy="276999"/>
+            </a:xfrm>
+            <a:prstGeom prst="rect">
+              <a:avLst/>
+            </a:prstGeom>
+            <a:noFill/>
+          </p:spPr>
+          <p:txBody>
+            <a:bodyPr wrap="square" rtlCol="0">
+              <a:spAutoFit/>
+            </a:bodyPr>
+            <a:lstStyle/>
+            <a:p>
+              <a:r>
+                <a:rPr lang="en-US" altLang="ko-KR" sz="1200" b="1">
+                  <a:solidFill>
+                    <a:srgbClr val="00B050"/>
+                  </a:solidFill>
+                  <a:latin typeface="나눔바른고딕" panose="020B0603020101020101" pitchFamily="50" charset="-127"/>
+                  <a:ea typeface="나눔바른고딕" panose="020B0603020101020101" pitchFamily="50" charset="-127"/>
+                </a:rPr>
+                <a:t>Y</a:t>
+              </a:r>
+              <a:endParaRPr lang="ko-KR" altLang="en-US" sz="1200" b="1">
+                <a:solidFill>
+                  <a:srgbClr val="00B050"/>
+                </a:solidFill>
+                <a:latin typeface="나눔바른고딕" panose="020B0603020101020101" pitchFamily="50" charset="-127"/>
+                <a:ea typeface="나눔바른고딕" panose="020B0603020101020101" pitchFamily="50" charset="-127"/>
+              </a:endParaRPr>
+            </a:p>
+          </p:txBody>
+        </p:sp>
+        <p:sp>
+          <p:nvSpPr>
+            <p:cNvPr id="18" name="TextBox 17">
+              <a:extLst>
+                <a:ext uri="{FF2B5EF4-FFF2-40B4-BE49-F238E27FC236}">
+                  <a16:creationId xmlns:a16="http://schemas.microsoft.com/office/drawing/2014/main" id="{BB4B5A03-1AC6-CC77-C680-91578489BA2A}"/>
+                </a:ext>
+              </a:extLst>
+            </p:cNvPr>
+            <p:cNvSpPr txBox="1"/>
+            <p:nvPr/>
+          </p:nvSpPr>
+          <p:spPr>
+            <a:xfrm>
+              <a:off x="2398208" y="1433327"/>
+              <a:ext cx="276038" cy="276999"/>
             </a:xfrm>
             <a:prstGeom prst="rect">
               <a:avLst/>
@@ -5050,18 +7981,219 @@
             <a:lstStyle/>
             <a:p>
               <a:r>
-                <a:rPr lang="en-US" altLang="ko-KR" b="1">
+                <a:rPr lang="en-US" altLang="ko-KR" sz="1200" b="1">
                   <a:solidFill>
-                    <a:srgbClr val="232F68"/>
+                    <a:srgbClr val="0000FF"/>
                   </a:solidFill>
                   <a:latin typeface="나눔바른고딕" panose="020B0603020101020101" pitchFamily="50" charset="-127"/>
                   <a:ea typeface="나눔바른고딕" panose="020B0603020101020101" pitchFamily="50" charset="-127"/>
                 </a:rPr>
                 <a:t>Z</a:t>
               </a:r>
-              <a:endParaRPr lang="ko-KR" altLang="en-US" b="1">
+              <a:endParaRPr lang="ko-KR" altLang="en-US" sz="1200" b="1">
                 <a:solidFill>
-                  <a:srgbClr val="232F68"/>
+                  <a:srgbClr val="0000FF"/>
+                </a:solidFill>
+                <a:latin typeface="나눔바른고딕" panose="020B0603020101020101" pitchFamily="50" charset="-127"/>
+                <a:ea typeface="나눔바른고딕" panose="020B0603020101020101" pitchFamily="50" charset="-127"/>
+              </a:endParaRPr>
+            </a:p>
+          </p:txBody>
+        </p:sp>
+        <p:sp>
+          <p:nvSpPr>
+            <p:cNvPr id="19" name="타원 18">
+              <a:extLst>
+                <a:ext uri="{FF2B5EF4-FFF2-40B4-BE49-F238E27FC236}">
+                  <a16:creationId xmlns:a16="http://schemas.microsoft.com/office/drawing/2014/main" id="{CA259626-FCF1-3171-EE85-242E3CE993E6}"/>
+                </a:ext>
+              </a:extLst>
+            </p:cNvPr>
+            <p:cNvSpPr/>
+            <p:nvPr/>
+          </p:nvSpPr>
+          <p:spPr>
+            <a:xfrm>
+              <a:off x="1753076" y="2531708"/>
+              <a:ext cx="85297" cy="85297"/>
+            </a:xfrm>
+            <a:prstGeom prst="ellipse">
+              <a:avLst/>
+            </a:prstGeom>
+            <a:solidFill>
+              <a:schemeClr val="tx1"/>
+            </a:solidFill>
+            <a:ln>
+              <a:solidFill>
+                <a:schemeClr val="tx1"/>
+              </a:solidFill>
+            </a:ln>
+          </p:spPr>
+          <p:style>
+            <a:lnRef idx="2">
+              <a:schemeClr val="accent1">
+                <a:shade val="15000"/>
+              </a:schemeClr>
+            </a:lnRef>
+            <a:fillRef idx="1">
+              <a:schemeClr val="accent1"/>
+            </a:fillRef>
+            <a:effectRef idx="0">
+              <a:schemeClr val="accent1"/>
+            </a:effectRef>
+            <a:fontRef idx="minor">
+              <a:schemeClr val="lt1"/>
+            </a:fontRef>
+          </p:style>
+          <p:txBody>
+            <a:bodyPr rtlCol="0" anchor="ctr"/>
+            <a:lstStyle/>
+            <a:p>
+              <a:pPr algn="ctr"/>
+              <a:endParaRPr lang="ko-KR" altLang="en-US"/>
+            </a:p>
+          </p:txBody>
+        </p:sp>
+        <p:sp>
+          <p:nvSpPr>
+            <p:cNvPr id="21" name="TextBox 20">
+              <a:extLst>
+                <a:ext uri="{FF2B5EF4-FFF2-40B4-BE49-F238E27FC236}">
+                  <a16:creationId xmlns:a16="http://schemas.microsoft.com/office/drawing/2014/main" id="{9E2E363F-6870-0FAD-1B3E-EA447C764FF4}"/>
+                </a:ext>
+              </a:extLst>
+            </p:cNvPr>
+            <p:cNvSpPr txBox="1"/>
+            <p:nvPr/>
+          </p:nvSpPr>
+          <p:spPr>
+            <a:xfrm>
+              <a:off x="2716886" y="2617005"/>
+              <a:ext cx="645692" cy="276999"/>
+            </a:xfrm>
+            <a:prstGeom prst="rect">
+              <a:avLst/>
+            </a:prstGeom>
+            <a:noFill/>
+          </p:spPr>
+          <p:txBody>
+            <a:bodyPr wrap="square" rtlCol="0">
+              <a:spAutoFit/>
+            </a:bodyPr>
+            <a:lstStyle/>
+            <a:p>
+              <a:pPr algn="ctr"/>
+              <a:r>
+                <a:rPr lang="en-US" altLang="ko-KR" sz="1200" b="1">
+                  <a:solidFill>
+                    <a:srgbClr val="FF0000"/>
+                  </a:solidFill>
+                  <a:latin typeface="나눔바른고딕" panose="020B0603020101020101" pitchFamily="50" charset="-127"/>
+                  <a:ea typeface="나눔바른고딕" panose="020B0603020101020101" pitchFamily="50" charset="-127"/>
+                </a:rPr>
+                <a:t>Pitch</a:t>
+              </a:r>
+              <a:endParaRPr lang="ko-KR" altLang="en-US" sz="1200" b="1">
+                <a:solidFill>
+                  <a:srgbClr val="FF0000"/>
+                </a:solidFill>
+                <a:latin typeface="나눔바른고딕" panose="020B0603020101020101" pitchFamily="50" charset="-127"/>
+                <a:ea typeface="나눔바른고딕" panose="020B0603020101020101" pitchFamily="50" charset="-127"/>
+              </a:endParaRPr>
+            </a:p>
+          </p:txBody>
+        </p:sp>
+        <p:sp>
+          <p:nvSpPr>
+            <p:cNvPr id="22" name="TextBox 21">
+              <a:extLst>
+                <a:ext uri="{FF2B5EF4-FFF2-40B4-BE49-F238E27FC236}">
+                  <a16:creationId xmlns:a16="http://schemas.microsoft.com/office/drawing/2014/main" id="{27D53EA7-E9B5-9A36-48C5-72F2EC9FB075}"/>
+                </a:ext>
+              </a:extLst>
+            </p:cNvPr>
+            <p:cNvSpPr txBox="1"/>
+            <p:nvPr/>
+          </p:nvSpPr>
+          <p:spPr>
+            <a:xfrm>
+              <a:off x="1736701" y="3713146"/>
+              <a:ext cx="645692" cy="276999"/>
+            </a:xfrm>
+            <a:prstGeom prst="rect">
+              <a:avLst/>
+            </a:prstGeom>
+            <a:noFill/>
+          </p:spPr>
+          <p:txBody>
+            <a:bodyPr wrap="square" rtlCol="0">
+              <a:spAutoFit/>
+            </a:bodyPr>
+            <a:lstStyle/>
+            <a:p>
+              <a:pPr algn="ctr"/>
+              <a:r>
+                <a:rPr lang="en-US" altLang="ko-KR" sz="1200" b="1">
+                  <a:solidFill>
+                    <a:srgbClr val="00B050"/>
+                  </a:solidFill>
+                  <a:latin typeface="나눔바른고딕" panose="020B0603020101020101" pitchFamily="50" charset="-127"/>
+                  <a:ea typeface="나눔바른고딕" panose="020B0603020101020101" pitchFamily="50" charset="-127"/>
+                </a:rPr>
+                <a:t>Yaw</a:t>
+              </a:r>
+              <a:endParaRPr lang="ko-KR" altLang="en-US" sz="1200" b="1">
+                <a:solidFill>
+                  <a:srgbClr val="00B050"/>
+                </a:solidFill>
+                <a:latin typeface="나눔바른고딕" panose="020B0603020101020101" pitchFamily="50" charset="-127"/>
+                <a:ea typeface="나눔바른고딕" panose="020B0603020101020101" pitchFamily="50" charset="-127"/>
+              </a:endParaRPr>
+            </a:p>
+          </p:txBody>
+        </p:sp>
+        <p:sp>
+          <p:nvSpPr>
+            <p:cNvPr id="23" name="TextBox 22">
+              <a:extLst>
+                <a:ext uri="{FF2B5EF4-FFF2-40B4-BE49-F238E27FC236}">
+                  <a16:creationId xmlns:a16="http://schemas.microsoft.com/office/drawing/2014/main" id="{D4943F8A-40F9-8289-01E3-9B90F72656DA}"/>
+                </a:ext>
+              </a:extLst>
+            </p:cNvPr>
+            <p:cNvSpPr txBox="1"/>
+            <p:nvPr/>
+          </p:nvSpPr>
+          <p:spPr>
+            <a:xfrm>
+              <a:off x="2541365" y="1637200"/>
+              <a:ext cx="645692" cy="276999"/>
+            </a:xfrm>
+            <a:prstGeom prst="rect">
+              <a:avLst/>
+            </a:prstGeom>
+            <a:noFill/>
+          </p:spPr>
+          <p:txBody>
+            <a:bodyPr wrap="square" rtlCol="0">
+              <a:spAutoFit/>
+            </a:bodyPr>
+            <a:lstStyle/>
+            <a:p>
+              <a:pPr algn="ctr"/>
+              <a:r>
+                <a:rPr lang="en-US" altLang="ko-KR" sz="1200" b="1">
+                  <a:solidFill>
+                    <a:srgbClr val="0000FF"/>
+                  </a:solidFill>
+                  <a:latin typeface="나눔바른고딕" panose="020B0603020101020101" pitchFamily="50" charset="-127"/>
+                  <a:ea typeface="나눔바른고딕" panose="020B0603020101020101" pitchFamily="50" charset="-127"/>
+                </a:rPr>
+                <a:t>Roll</a:t>
+              </a:r>
+              <a:endParaRPr lang="ko-KR" altLang="en-US" sz="1200" b="1">
+                <a:solidFill>
+                  <a:srgbClr val="0000FF"/>
                 </a:solidFill>
                 <a:latin typeface="나눔바른고딕" panose="020B0603020101020101" pitchFamily="50" charset="-127"/>
                 <a:ea typeface="나눔바른고딕" panose="020B0603020101020101" pitchFamily="50" charset="-127"/>
@@ -5073,7 +8205,7 @@
     </p:spTree>
     <p:extLst>
       <p:ext uri="{BB962C8B-B14F-4D97-AF65-F5344CB8AC3E}">
-        <p14:creationId xmlns:p14="http://schemas.microsoft.com/office/powerpoint/2010/main" val="1957814724"/>
+        <p14:creationId xmlns:p14="http://schemas.microsoft.com/office/powerpoint/2010/main" val="214822980"/>
       </p:ext>
     </p:extLst>
   </p:cSld>

--- a/assets/img/math/calculus/cylindrical_spherical_coordinate_system/cylindrical_spherical_coordinate_system.pptx
+++ b/assets/img/math/calculus/cylindrical_spherical_coordinate_system/cylindrical_spherical_coordinate_system.pptx
@@ -8,7 +8,9 @@
     <p:sldId id="256" r:id="rId2"/>
     <p:sldId id="257" r:id="rId3"/>
     <p:sldId id="258" r:id="rId4"/>
-    <p:sldId id="259" r:id="rId5"/>
+    <p:sldId id="260" r:id="rId5"/>
+    <p:sldId id="261" r:id="rId6"/>
+    <p:sldId id="259" r:id="rId7"/>
   </p:sldIdLst>
   <p:sldSz cx="12192000" cy="6858000"/>
   <p:notesSz cx="6858000" cy="9144000"/>
@@ -268,7 +270,7 @@
           <a:p>
             <a:fld id="{16FC7EF7-4FFB-4F3F-AE28-5603A62119AD}" type="datetimeFigureOut">
               <a:rPr lang="ko-KR" altLang="en-US" smtClean="0"/>
-              <a:t>2024-12-28</a:t>
+              <a:t>2025-01-01</a:t>
             </a:fld>
             <a:endParaRPr lang="ko-KR" altLang="en-US"/>
           </a:p>
@@ -466,7 +468,7 @@
           <a:p>
             <a:fld id="{16FC7EF7-4FFB-4F3F-AE28-5603A62119AD}" type="datetimeFigureOut">
               <a:rPr lang="ko-KR" altLang="en-US" smtClean="0"/>
-              <a:t>2024-12-28</a:t>
+              <a:t>2025-01-01</a:t>
             </a:fld>
             <a:endParaRPr lang="ko-KR" altLang="en-US"/>
           </a:p>
@@ -674,7 +676,7 @@
           <a:p>
             <a:fld id="{16FC7EF7-4FFB-4F3F-AE28-5603A62119AD}" type="datetimeFigureOut">
               <a:rPr lang="ko-KR" altLang="en-US" smtClean="0"/>
-              <a:t>2024-12-28</a:t>
+              <a:t>2025-01-01</a:t>
             </a:fld>
             <a:endParaRPr lang="ko-KR" altLang="en-US"/>
           </a:p>
@@ -872,7 +874,7 @@
           <a:p>
             <a:fld id="{16FC7EF7-4FFB-4F3F-AE28-5603A62119AD}" type="datetimeFigureOut">
               <a:rPr lang="ko-KR" altLang="en-US" smtClean="0"/>
-              <a:t>2024-12-28</a:t>
+              <a:t>2025-01-01</a:t>
             </a:fld>
             <a:endParaRPr lang="ko-KR" altLang="en-US"/>
           </a:p>
@@ -1147,7 +1149,7 @@
           <a:p>
             <a:fld id="{16FC7EF7-4FFB-4F3F-AE28-5603A62119AD}" type="datetimeFigureOut">
               <a:rPr lang="ko-KR" altLang="en-US" smtClean="0"/>
-              <a:t>2024-12-28</a:t>
+              <a:t>2025-01-01</a:t>
             </a:fld>
             <a:endParaRPr lang="ko-KR" altLang="en-US"/>
           </a:p>
@@ -1412,7 +1414,7 @@
           <a:p>
             <a:fld id="{16FC7EF7-4FFB-4F3F-AE28-5603A62119AD}" type="datetimeFigureOut">
               <a:rPr lang="ko-KR" altLang="en-US" smtClean="0"/>
-              <a:t>2024-12-28</a:t>
+              <a:t>2025-01-01</a:t>
             </a:fld>
             <a:endParaRPr lang="ko-KR" altLang="en-US"/>
           </a:p>
@@ -1824,7 +1826,7 @@
           <a:p>
             <a:fld id="{16FC7EF7-4FFB-4F3F-AE28-5603A62119AD}" type="datetimeFigureOut">
               <a:rPr lang="ko-KR" altLang="en-US" smtClean="0"/>
-              <a:t>2024-12-28</a:t>
+              <a:t>2025-01-01</a:t>
             </a:fld>
             <a:endParaRPr lang="ko-KR" altLang="en-US"/>
           </a:p>
@@ -1965,7 +1967,7 @@
           <a:p>
             <a:fld id="{16FC7EF7-4FFB-4F3F-AE28-5603A62119AD}" type="datetimeFigureOut">
               <a:rPr lang="ko-KR" altLang="en-US" smtClean="0"/>
-              <a:t>2024-12-28</a:t>
+              <a:t>2025-01-01</a:t>
             </a:fld>
             <a:endParaRPr lang="ko-KR" altLang="en-US"/>
           </a:p>
@@ -2078,7 +2080,7 @@
           <a:p>
             <a:fld id="{16FC7EF7-4FFB-4F3F-AE28-5603A62119AD}" type="datetimeFigureOut">
               <a:rPr lang="ko-KR" altLang="en-US" smtClean="0"/>
-              <a:t>2024-12-28</a:t>
+              <a:t>2025-01-01</a:t>
             </a:fld>
             <a:endParaRPr lang="ko-KR" altLang="en-US"/>
           </a:p>
@@ -2389,7 +2391,7 @@
           <a:p>
             <a:fld id="{16FC7EF7-4FFB-4F3F-AE28-5603A62119AD}" type="datetimeFigureOut">
               <a:rPr lang="ko-KR" altLang="en-US" smtClean="0"/>
-              <a:t>2024-12-28</a:t>
+              <a:t>2025-01-01</a:t>
             </a:fld>
             <a:endParaRPr lang="ko-KR" altLang="en-US"/>
           </a:p>
@@ -2677,7 +2679,7 @@
           <a:p>
             <a:fld id="{16FC7EF7-4FFB-4F3F-AE28-5603A62119AD}" type="datetimeFigureOut">
               <a:rPr lang="ko-KR" altLang="en-US" smtClean="0"/>
-              <a:t>2024-12-28</a:t>
+              <a:t>2025-01-01</a:t>
             </a:fld>
             <a:endParaRPr lang="ko-KR" altLang="en-US"/>
           </a:p>
@@ -2918,7 +2920,7 @@
           <a:p>
             <a:fld id="{16FC7EF7-4FFB-4F3F-AE28-5603A62119AD}" type="datetimeFigureOut">
               <a:rPr lang="ko-KR" altLang="en-US" smtClean="0"/>
-              <a:t>2024-12-28</a:t>
+              <a:t>2025-01-01</a:t>
             </a:fld>
             <a:endParaRPr lang="ko-KR" altLang="en-US"/>
           </a:p>
@@ -6290,8 +6292,8 @@
               </p:txBody>
             </p:sp>
           </p:grpSp>
-          <mc:AlternateContent xmlns:mc="http://schemas.openxmlformats.org/markup-compatibility/2006">
-            <mc:Choice xmlns:a14="http://schemas.microsoft.com/office/drawing/2010/main" Requires="a14">
+          <mc:AlternateContent xmlns:mc="http://schemas.openxmlformats.org/markup-compatibility/2006" xmlns:a14="http://schemas.microsoft.com/office/drawing/2010/main">
+            <mc:Choice Requires="a14">
               <p:sp>
                 <p:nvSpPr>
                   <p:cNvPr id="101" name="TextBox 100">
@@ -6320,6 +6322,7 @@
                   </a:bodyPr>
                   <a:lstStyle/>
                   <a:p>
+                    <a:pPr/>
                     <a14:m>
                       <m:oMathPara xmlns:m="http://schemas.openxmlformats.org/officeDocument/2006/math">
                         <m:oMathParaPr>
@@ -6382,7 +6385,7 @@
                 </p:txBody>
               </p:sp>
             </mc:Choice>
-            <mc:Fallback>
+            <mc:Fallback xmlns="">
               <p:sp>
                 <p:nvSpPr>
                   <p:cNvPr id="101" name="TextBox 100">
@@ -7198,8 +7201,8 @@
               </a:p>
             </p:txBody>
           </p:sp>
-          <mc:AlternateContent xmlns:mc="http://schemas.openxmlformats.org/markup-compatibility/2006">
-            <mc:Choice xmlns:a14="http://schemas.microsoft.com/office/drawing/2010/main" Requires="a14">
+          <mc:AlternateContent xmlns:mc="http://schemas.openxmlformats.org/markup-compatibility/2006" xmlns:a14="http://schemas.microsoft.com/office/drawing/2010/main">
+            <mc:Choice Requires="a14">
               <p:sp>
                 <p:nvSpPr>
                   <p:cNvPr id="99" name="TextBox 98">
@@ -7259,7 +7262,7 @@
                 </p:txBody>
               </p:sp>
             </mc:Choice>
-            <mc:Fallback>
+            <mc:Fallback xmlns="">
               <p:sp>
                 <p:nvSpPr>
                   <p:cNvPr id="99" name="TextBox 98">
@@ -7304,8 +7307,8 @@
               </p:sp>
             </mc:Fallback>
           </mc:AlternateContent>
-          <mc:AlternateContent xmlns:mc="http://schemas.openxmlformats.org/markup-compatibility/2006">
-            <mc:Choice xmlns:a14="http://schemas.microsoft.com/office/drawing/2010/main" Requires="a14">
+          <mc:AlternateContent xmlns:mc="http://schemas.openxmlformats.org/markup-compatibility/2006" xmlns:a14="http://schemas.microsoft.com/office/drawing/2010/main">
+            <mc:Choice Requires="a14">
               <p:sp>
                 <p:nvSpPr>
                   <p:cNvPr id="100" name="TextBox 99">
@@ -7362,7 +7365,7 @@
                 </p:txBody>
               </p:sp>
             </mc:Choice>
-            <mc:Fallback>
+            <mc:Fallback xmlns="">
               <p:sp>
                 <p:nvSpPr>
                   <p:cNvPr id="100" name="TextBox 99">
@@ -7407,8 +7410,8 @@
               </p:sp>
             </mc:Fallback>
           </mc:AlternateContent>
-          <mc:AlternateContent xmlns:mc="http://schemas.openxmlformats.org/markup-compatibility/2006">
-            <mc:Choice xmlns:a14="http://schemas.microsoft.com/office/drawing/2010/main" Requires="a14">
+          <mc:AlternateContent xmlns:mc="http://schemas.openxmlformats.org/markup-compatibility/2006" xmlns:a14="http://schemas.microsoft.com/office/drawing/2010/main">
+            <mc:Choice Requires="a14">
               <p:sp>
                 <p:nvSpPr>
                   <p:cNvPr id="102" name="TextBox 101">
@@ -7437,6 +7440,7 @@
                   </a:bodyPr>
                   <a:lstStyle/>
                   <a:p>
+                    <a:pPr/>
                     <a14:m>
                       <m:oMathPara xmlns:m="http://schemas.openxmlformats.org/officeDocument/2006/math">
                         <m:oMathParaPr>
@@ -7499,7 +7503,7 @@
                 </p:txBody>
               </p:sp>
             </mc:Choice>
-            <mc:Fallback>
+            <mc:Fallback xmlns="">
               <p:sp>
                 <p:nvSpPr>
                   <p:cNvPr id="102" name="TextBox 101">
@@ -7688,6 +7692,7297 @@
 </file>
 
 <file path=ppt/slides/slide4.xml><?xml version="1.0" encoding="utf-8"?>
+<p:sld xmlns:a="http://schemas.openxmlformats.org/drawingml/2006/main" xmlns:r="http://schemas.openxmlformats.org/officeDocument/2006/relationships" xmlns:p="http://schemas.openxmlformats.org/presentationml/2006/main">
+  <p:cSld>
+    <p:spTree>
+      <p:nvGrpSpPr>
+        <p:cNvPr id="1" name=""/>
+        <p:cNvGrpSpPr/>
+        <p:nvPr/>
+      </p:nvGrpSpPr>
+      <p:grpSpPr>
+        <a:xfrm>
+          <a:off x="0" y="0"/>
+          <a:ext cx="0" cy="0"/>
+          <a:chOff x="0" y="0"/>
+          <a:chExt cx="0" cy="0"/>
+        </a:xfrm>
+      </p:grpSpPr>
+      <p:grpSp>
+        <p:nvGrpSpPr>
+          <p:cNvPr id="4" name="그룹 3">
+            <a:extLst>
+              <a:ext uri="{FF2B5EF4-FFF2-40B4-BE49-F238E27FC236}">
+                <a16:creationId xmlns:a16="http://schemas.microsoft.com/office/drawing/2014/main" id="{BD63BEE7-37F1-9F49-B939-4616E17C9314}"/>
+              </a:ext>
+            </a:extLst>
+          </p:cNvPr>
+          <p:cNvGrpSpPr/>
+          <p:nvPr/>
+        </p:nvGrpSpPr>
+        <p:grpSpPr>
+          <a:xfrm>
+            <a:off x="907549" y="3008295"/>
+            <a:ext cx="6933303" cy="3046258"/>
+            <a:chOff x="734406" y="2913045"/>
+            <a:chExt cx="6933303" cy="3046258"/>
+          </a:xfrm>
+        </p:grpSpPr>
+        <p:grpSp>
+          <p:nvGrpSpPr>
+            <p:cNvPr id="5" name="그룹 4">
+              <a:extLst>
+                <a:ext uri="{FF2B5EF4-FFF2-40B4-BE49-F238E27FC236}">
+                  <a16:creationId xmlns:a16="http://schemas.microsoft.com/office/drawing/2014/main" id="{0A97E3A5-0070-7DF9-0934-B65614D4CE54}"/>
+                </a:ext>
+              </a:extLst>
+            </p:cNvPr>
+            <p:cNvGrpSpPr/>
+            <p:nvPr/>
+          </p:nvGrpSpPr>
+          <p:grpSpPr>
+            <a:xfrm>
+              <a:off x="734406" y="3429000"/>
+              <a:ext cx="2650431" cy="2530303"/>
+              <a:chOff x="734406" y="3429000"/>
+              <a:chExt cx="2650431" cy="2530303"/>
+            </a:xfrm>
+          </p:grpSpPr>
+          <p:grpSp>
+            <p:nvGrpSpPr>
+              <p:cNvPr id="29" name="그룹 28">
+                <a:extLst>
+                  <a:ext uri="{FF2B5EF4-FFF2-40B4-BE49-F238E27FC236}">
+                    <a16:creationId xmlns:a16="http://schemas.microsoft.com/office/drawing/2014/main" id="{3C678462-F2EA-1A86-097C-0BC1740DF966}"/>
+                  </a:ext>
+                </a:extLst>
+              </p:cNvPr>
+              <p:cNvGrpSpPr/>
+              <p:nvPr/>
+            </p:nvGrpSpPr>
+            <p:grpSpPr>
+              <a:xfrm>
+                <a:off x="734406" y="3429000"/>
+                <a:ext cx="2650431" cy="2530303"/>
+                <a:chOff x="734406" y="3429000"/>
+                <a:chExt cx="2650431" cy="2530303"/>
+              </a:xfrm>
+            </p:grpSpPr>
+            <p:grpSp>
+              <p:nvGrpSpPr>
+                <p:cNvPr id="31" name="그룹 30">
+                  <a:extLst>
+                    <a:ext uri="{FF2B5EF4-FFF2-40B4-BE49-F238E27FC236}">
+                      <a16:creationId xmlns:a16="http://schemas.microsoft.com/office/drawing/2014/main" id="{5A18824A-BE98-78C2-33C8-CE01C61E04AD}"/>
+                    </a:ext>
+                  </a:extLst>
+                </p:cNvPr>
+                <p:cNvGrpSpPr/>
+                <p:nvPr/>
+              </p:nvGrpSpPr>
+              <p:grpSpPr>
+                <a:xfrm>
+                  <a:off x="734406" y="3429000"/>
+                  <a:ext cx="2650431" cy="2530303"/>
+                  <a:chOff x="7204112" y="1997413"/>
+                  <a:chExt cx="2650431" cy="2530303"/>
+                </a:xfrm>
+              </p:grpSpPr>
+              <p:cxnSp>
+                <p:nvCxnSpPr>
+                  <p:cNvPr id="40" name="직선 화살표 연결선 39">
+                    <a:extLst>
+                      <a:ext uri="{FF2B5EF4-FFF2-40B4-BE49-F238E27FC236}">
+                        <a16:creationId xmlns:a16="http://schemas.microsoft.com/office/drawing/2014/main" id="{61E1E6E4-C0CB-81BB-5A6F-63CE9E58498C}"/>
+                      </a:ext>
+                    </a:extLst>
+                  </p:cNvPr>
+                  <p:cNvCxnSpPr>
+                    <a:cxnSpLocks/>
+                  </p:cNvCxnSpPr>
+                  <p:nvPr/>
+                </p:nvCxnSpPr>
+                <p:spPr>
+                  <a:xfrm>
+                    <a:off x="7295744" y="3445212"/>
+                    <a:ext cx="2431916" cy="0"/>
+                  </a:xfrm>
+                  <a:prstGeom prst="straightConnector1">
+                    <a:avLst/>
+                  </a:prstGeom>
+                  <a:ln w="38100">
+                    <a:solidFill>
+                      <a:srgbClr val="00B050"/>
+                    </a:solidFill>
+                    <a:tailEnd type="triangle"/>
+                  </a:ln>
+                </p:spPr>
+                <p:style>
+                  <a:lnRef idx="2">
+                    <a:schemeClr val="accent1"/>
+                  </a:lnRef>
+                  <a:fillRef idx="0">
+                    <a:schemeClr val="accent1"/>
+                  </a:fillRef>
+                  <a:effectRef idx="1">
+                    <a:schemeClr val="accent1"/>
+                  </a:effectRef>
+                  <a:fontRef idx="minor">
+                    <a:schemeClr val="tx1"/>
+                  </a:fontRef>
+                </p:style>
+              </p:cxnSp>
+              <p:cxnSp>
+                <p:nvCxnSpPr>
+                  <p:cNvPr id="41" name="직선 화살표 연결선 40">
+                    <a:extLst>
+                      <a:ext uri="{FF2B5EF4-FFF2-40B4-BE49-F238E27FC236}">
+                        <a16:creationId xmlns:a16="http://schemas.microsoft.com/office/drawing/2014/main" id="{BF6E727C-4F48-C717-7899-4F30F96F06A3}"/>
+                      </a:ext>
+                    </a:extLst>
+                  </p:cNvPr>
+                  <p:cNvCxnSpPr>
+                    <a:cxnSpLocks/>
+                  </p:cNvCxnSpPr>
+                  <p:nvPr/>
+                </p:nvCxnSpPr>
+                <p:spPr>
+                  <a:xfrm flipH="1">
+                    <a:off x="7295745" y="2892328"/>
+                    <a:ext cx="1504544" cy="1509049"/>
+                  </a:xfrm>
+                  <a:prstGeom prst="straightConnector1">
+                    <a:avLst/>
+                  </a:prstGeom>
+                  <a:ln w="38100">
+                    <a:solidFill>
+                      <a:srgbClr val="FF0000"/>
+                    </a:solidFill>
+                    <a:tailEnd type="triangle"/>
+                  </a:ln>
+                </p:spPr>
+                <p:style>
+                  <a:lnRef idx="2">
+                    <a:schemeClr val="accent1"/>
+                  </a:lnRef>
+                  <a:fillRef idx="0">
+                    <a:schemeClr val="accent1"/>
+                  </a:fillRef>
+                  <a:effectRef idx="1">
+                    <a:schemeClr val="accent1"/>
+                  </a:effectRef>
+                  <a:fontRef idx="minor">
+                    <a:schemeClr val="tx1"/>
+                  </a:fontRef>
+                </p:style>
+              </p:cxnSp>
+              <p:cxnSp>
+                <p:nvCxnSpPr>
+                  <p:cNvPr id="42" name="직선 화살표 연결선 41">
+                    <a:extLst>
+                      <a:ext uri="{FF2B5EF4-FFF2-40B4-BE49-F238E27FC236}">
+                        <a16:creationId xmlns:a16="http://schemas.microsoft.com/office/drawing/2014/main" id="{07D57CFD-F3B5-35AA-DE30-D07C692D8618}"/>
+                      </a:ext>
+                    </a:extLst>
+                  </p:cNvPr>
+                  <p:cNvCxnSpPr>
+                    <a:cxnSpLocks/>
+                  </p:cNvCxnSpPr>
+                  <p:nvPr/>
+                </p:nvCxnSpPr>
+                <p:spPr>
+                  <a:xfrm flipV="1">
+                    <a:off x="8249055" y="1997413"/>
+                    <a:ext cx="0" cy="2403964"/>
+                  </a:xfrm>
+                  <a:prstGeom prst="straightConnector1">
+                    <a:avLst/>
+                  </a:prstGeom>
+                  <a:ln w="38100">
+                    <a:solidFill>
+                      <a:srgbClr val="0000FF"/>
+                    </a:solidFill>
+                    <a:tailEnd type="triangle"/>
+                  </a:ln>
+                </p:spPr>
+                <p:style>
+                  <a:lnRef idx="2">
+                    <a:schemeClr val="accent1"/>
+                  </a:lnRef>
+                  <a:fillRef idx="0">
+                    <a:schemeClr val="accent1"/>
+                  </a:fillRef>
+                  <a:effectRef idx="1">
+                    <a:schemeClr val="accent1"/>
+                  </a:effectRef>
+                  <a:fontRef idx="minor">
+                    <a:schemeClr val="tx1"/>
+                  </a:fontRef>
+                </p:style>
+              </p:cxnSp>
+              <p:sp>
+                <p:nvSpPr>
+                  <p:cNvPr id="43" name="TextBox 42">
+                    <a:extLst>
+                      <a:ext uri="{FF2B5EF4-FFF2-40B4-BE49-F238E27FC236}">
+                        <a16:creationId xmlns:a16="http://schemas.microsoft.com/office/drawing/2014/main" id="{9EF275E4-39C8-E99F-3165-F37F183AA4A9}"/>
+                      </a:ext>
+                    </a:extLst>
+                  </p:cNvPr>
+                  <p:cNvSpPr txBox="1"/>
+                  <p:nvPr/>
+                </p:nvSpPr>
+                <p:spPr>
+                  <a:xfrm>
+                    <a:off x="8269501" y="2085332"/>
+                    <a:ext cx="276038" cy="276999"/>
+                  </a:xfrm>
+                  <a:prstGeom prst="rect">
+                    <a:avLst/>
+                  </a:prstGeom>
+                  <a:noFill/>
+                </p:spPr>
+                <p:txBody>
+                  <a:bodyPr wrap="none" rtlCol="0">
+                    <a:spAutoFit/>
+                  </a:bodyPr>
+                  <a:lstStyle/>
+                  <a:p>
+                    <a:r>
+                      <a:rPr lang="en-US" altLang="ko-KR" sz="1200" b="1">
+                        <a:solidFill>
+                          <a:srgbClr val="0000FF"/>
+                        </a:solidFill>
+                        <a:latin typeface="나눔바른고딕" panose="020B0603020101020101" pitchFamily="50" charset="-127"/>
+                        <a:ea typeface="나눔바른고딕" panose="020B0603020101020101" pitchFamily="50" charset="-127"/>
+                      </a:rPr>
+                      <a:t>Z</a:t>
+                    </a:r>
+                    <a:endParaRPr lang="ko-KR" altLang="en-US" sz="1200" b="1">
+                      <a:solidFill>
+                        <a:srgbClr val="0000FF"/>
+                      </a:solidFill>
+                      <a:latin typeface="나눔바른고딕" panose="020B0603020101020101" pitchFamily="50" charset="-127"/>
+                      <a:ea typeface="나눔바른고딕" panose="020B0603020101020101" pitchFamily="50" charset="-127"/>
+                    </a:endParaRPr>
+                  </a:p>
+                </p:txBody>
+              </p:sp>
+              <p:sp>
+                <p:nvSpPr>
+                  <p:cNvPr id="44" name="TextBox 43">
+                    <a:extLst>
+                      <a:ext uri="{FF2B5EF4-FFF2-40B4-BE49-F238E27FC236}">
+                        <a16:creationId xmlns:a16="http://schemas.microsoft.com/office/drawing/2014/main" id="{B882D642-5BC2-43F9-320F-1EA3FA97BC38}"/>
+                      </a:ext>
+                    </a:extLst>
+                  </p:cNvPr>
+                  <p:cNvSpPr txBox="1"/>
+                  <p:nvPr/>
+                </p:nvSpPr>
+                <p:spPr>
+                  <a:xfrm>
+                    <a:off x="7204112" y="3975210"/>
+                    <a:ext cx="276038" cy="276999"/>
+                  </a:xfrm>
+                  <a:prstGeom prst="rect">
+                    <a:avLst/>
+                  </a:prstGeom>
+                  <a:noFill/>
+                </p:spPr>
+                <p:txBody>
+                  <a:bodyPr wrap="square" rtlCol="0">
+                    <a:spAutoFit/>
+                  </a:bodyPr>
+                  <a:lstStyle/>
+                  <a:p>
+                    <a:r>
+                      <a:rPr lang="en-US" altLang="ko-KR" sz="1200" b="1">
+                        <a:solidFill>
+                          <a:srgbClr val="FF0000"/>
+                        </a:solidFill>
+                        <a:latin typeface="나눔바른고딕" panose="020B0603020101020101" pitchFamily="50" charset="-127"/>
+                        <a:ea typeface="나눔바른고딕" panose="020B0603020101020101" pitchFamily="50" charset="-127"/>
+                      </a:rPr>
+                      <a:t>X</a:t>
+                    </a:r>
+                    <a:endParaRPr lang="ko-KR" altLang="en-US" sz="1200" b="1">
+                      <a:solidFill>
+                        <a:srgbClr val="FF0000"/>
+                      </a:solidFill>
+                      <a:latin typeface="나눔바른고딕" panose="020B0603020101020101" pitchFamily="50" charset="-127"/>
+                      <a:ea typeface="나눔바른고딕" panose="020B0603020101020101" pitchFamily="50" charset="-127"/>
+                    </a:endParaRPr>
+                  </a:p>
+                </p:txBody>
+              </p:sp>
+              <p:sp>
+                <p:nvSpPr>
+                  <p:cNvPr id="45" name="TextBox 44">
+                    <a:extLst>
+                      <a:ext uri="{FF2B5EF4-FFF2-40B4-BE49-F238E27FC236}">
+                        <a16:creationId xmlns:a16="http://schemas.microsoft.com/office/drawing/2014/main" id="{6A65CC67-38AF-95D2-7780-9429C987AE3F}"/>
+                      </a:ext>
+                    </a:extLst>
+                  </p:cNvPr>
+                  <p:cNvSpPr txBox="1"/>
+                  <p:nvPr/>
+                </p:nvSpPr>
+                <p:spPr>
+                  <a:xfrm>
+                    <a:off x="9393678" y="3174094"/>
+                    <a:ext cx="276038" cy="276999"/>
+                  </a:xfrm>
+                  <a:prstGeom prst="rect">
+                    <a:avLst/>
+                  </a:prstGeom>
+                  <a:noFill/>
+                </p:spPr>
+                <p:txBody>
+                  <a:bodyPr wrap="square" rtlCol="0">
+                    <a:spAutoFit/>
+                  </a:bodyPr>
+                  <a:lstStyle/>
+                  <a:p>
+                    <a:r>
+                      <a:rPr lang="en-US" altLang="ko-KR" sz="1200" b="1">
+                        <a:solidFill>
+                          <a:srgbClr val="00B050"/>
+                        </a:solidFill>
+                        <a:latin typeface="나눔바른고딕" panose="020B0603020101020101" pitchFamily="50" charset="-127"/>
+                        <a:ea typeface="나눔바른고딕" panose="020B0603020101020101" pitchFamily="50" charset="-127"/>
+                      </a:rPr>
+                      <a:t>Y</a:t>
+                    </a:r>
+                    <a:endParaRPr lang="ko-KR" altLang="en-US" sz="1200" b="1">
+                      <a:solidFill>
+                        <a:srgbClr val="00B050"/>
+                      </a:solidFill>
+                      <a:latin typeface="나눔바른고딕" panose="020B0603020101020101" pitchFamily="50" charset="-127"/>
+                      <a:ea typeface="나눔바른고딕" panose="020B0603020101020101" pitchFamily="50" charset="-127"/>
+                    </a:endParaRPr>
+                  </a:p>
+                </p:txBody>
+              </p:sp>
+              <p:sp>
+                <p:nvSpPr>
+                  <p:cNvPr id="46" name="TextBox 45">
+                    <a:extLst>
+                      <a:ext uri="{FF2B5EF4-FFF2-40B4-BE49-F238E27FC236}">
+                        <a16:creationId xmlns:a16="http://schemas.microsoft.com/office/drawing/2014/main" id="{E7AC2A29-4704-D768-5F4A-0419B4FC701C}"/>
+                      </a:ext>
+                    </a:extLst>
+                  </p:cNvPr>
+                  <p:cNvSpPr txBox="1"/>
+                  <p:nvPr/>
+                </p:nvSpPr>
+                <p:spPr>
+                  <a:xfrm>
+                    <a:off x="7321684" y="4250717"/>
+                    <a:ext cx="645692" cy="276999"/>
+                  </a:xfrm>
+                  <a:prstGeom prst="rect">
+                    <a:avLst/>
+                  </a:prstGeom>
+                  <a:noFill/>
+                </p:spPr>
+                <p:txBody>
+                  <a:bodyPr wrap="square" rtlCol="0">
+                    <a:spAutoFit/>
+                  </a:bodyPr>
+                  <a:lstStyle/>
+                  <a:p>
+                    <a:pPr algn="ctr"/>
+                    <a:r>
+                      <a:rPr lang="en-US" altLang="ko-KR" sz="1200" b="1">
+                        <a:solidFill>
+                          <a:srgbClr val="FF0000"/>
+                        </a:solidFill>
+                        <a:latin typeface="나눔바른고딕" panose="020B0603020101020101" pitchFamily="50" charset="-127"/>
+                        <a:ea typeface="나눔바른고딕" panose="020B0603020101020101" pitchFamily="50" charset="-127"/>
+                      </a:rPr>
+                      <a:t>Roll</a:t>
+                    </a:r>
+                    <a:endParaRPr lang="ko-KR" altLang="en-US" sz="1200" b="1">
+                      <a:solidFill>
+                        <a:srgbClr val="FF0000"/>
+                      </a:solidFill>
+                      <a:latin typeface="나눔바른고딕" panose="020B0603020101020101" pitchFamily="50" charset="-127"/>
+                      <a:ea typeface="나눔바른고딕" panose="020B0603020101020101" pitchFamily="50" charset="-127"/>
+                    </a:endParaRPr>
+                  </a:p>
+                </p:txBody>
+              </p:sp>
+              <p:sp>
+                <p:nvSpPr>
+                  <p:cNvPr id="47" name="TextBox 46">
+                    <a:extLst>
+                      <a:ext uri="{FF2B5EF4-FFF2-40B4-BE49-F238E27FC236}">
+                        <a16:creationId xmlns:a16="http://schemas.microsoft.com/office/drawing/2014/main" id="{AF1B2717-6EE5-7793-3F7C-07C53EC112EF}"/>
+                      </a:ext>
+                    </a:extLst>
+                  </p:cNvPr>
+                  <p:cNvSpPr txBox="1"/>
+                  <p:nvPr/>
+                </p:nvSpPr>
+                <p:spPr>
+                  <a:xfrm>
+                    <a:off x="9208851" y="3476170"/>
+                    <a:ext cx="645692" cy="276999"/>
+                  </a:xfrm>
+                  <a:prstGeom prst="rect">
+                    <a:avLst/>
+                  </a:prstGeom>
+                  <a:noFill/>
+                </p:spPr>
+                <p:txBody>
+                  <a:bodyPr wrap="square" rtlCol="0">
+                    <a:spAutoFit/>
+                  </a:bodyPr>
+                  <a:lstStyle/>
+                  <a:p>
+                    <a:pPr algn="ctr"/>
+                    <a:r>
+                      <a:rPr lang="en-US" altLang="ko-KR" sz="1200" b="1">
+                        <a:solidFill>
+                          <a:srgbClr val="00B050"/>
+                        </a:solidFill>
+                        <a:latin typeface="나눔바른고딕" panose="020B0603020101020101" pitchFamily="50" charset="-127"/>
+                        <a:ea typeface="나눔바른고딕" panose="020B0603020101020101" pitchFamily="50" charset="-127"/>
+                      </a:rPr>
+                      <a:t>Pitch</a:t>
+                    </a:r>
+                    <a:endParaRPr lang="ko-KR" altLang="en-US" sz="1200" b="1">
+                      <a:solidFill>
+                        <a:srgbClr val="00B050"/>
+                      </a:solidFill>
+                      <a:latin typeface="나눔바른고딕" panose="020B0603020101020101" pitchFamily="50" charset="-127"/>
+                      <a:ea typeface="나눔바른고딕" panose="020B0603020101020101" pitchFamily="50" charset="-127"/>
+                    </a:endParaRPr>
+                  </a:p>
+                </p:txBody>
+              </p:sp>
+              <p:sp>
+                <p:nvSpPr>
+                  <p:cNvPr id="48" name="TextBox 47">
+                    <a:extLst>
+                      <a:ext uri="{FF2B5EF4-FFF2-40B4-BE49-F238E27FC236}">
+                        <a16:creationId xmlns:a16="http://schemas.microsoft.com/office/drawing/2014/main" id="{6E60DE07-A5B5-BCCE-F1EF-0395E4A284A4}"/>
+                      </a:ext>
+                    </a:extLst>
+                  </p:cNvPr>
+                  <p:cNvSpPr txBox="1"/>
+                  <p:nvPr/>
+                </p:nvSpPr>
+                <p:spPr>
+                  <a:xfrm>
+                    <a:off x="7681183" y="2085332"/>
+                    <a:ext cx="645692" cy="276999"/>
+                  </a:xfrm>
+                  <a:prstGeom prst="rect">
+                    <a:avLst/>
+                  </a:prstGeom>
+                  <a:noFill/>
+                </p:spPr>
+                <p:txBody>
+                  <a:bodyPr wrap="square" rtlCol="0">
+                    <a:spAutoFit/>
+                  </a:bodyPr>
+                  <a:lstStyle/>
+                  <a:p>
+                    <a:pPr algn="ctr"/>
+                    <a:r>
+                      <a:rPr lang="en-US" altLang="ko-KR" sz="1200" b="1">
+                        <a:solidFill>
+                          <a:srgbClr val="0000FF"/>
+                        </a:solidFill>
+                        <a:latin typeface="나눔바른고딕" panose="020B0603020101020101" pitchFamily="50" charset="-127"/>
+                        <a:ea typeface="나눔바른고딕" panose="020B0603020101020101" pitchFamily="50" charset="-127"/>
+                      </a:rPr>
+                      <a:t>Yaw</a:t>
+                    </a:r>
+                    <a:endParaRPr lang="ko-KR" altLang="en-US" sz="1200" b="1">
+                      <a:solidFill>
+                        <a:srgbClr val="0000FF"/>
+                      </a:solidFill>
+                      <a:latin typeface="나눔바른고딕" panose="020B0603020101020101" pitchFamily="50" charset="-127"/>
+                      <a:ea typeface="나눔바른고딕" panose="020B0603020101020101" pitchFamily="50" charset="-127"/>
+                    </a:endParaRPr>
+                  </a:p>
+                </p:txBody>
+              </p:sp>
+            </p:grpSp>
+            <p:sp>
+              <p:nvSpPr>
+                <p:cNvPr id="32" name="타원 31">
+                  <a:extLst>
+                    <a:ext uri="{FF2B5EF4-FFF2-40B4-BE49-F238E27FC236}">
+                      <a16:creationId xmlns:a16="http://schemas.microsoft.com/office/drawing/2014/main" id="{F1674C92-3E3C-5332-5B03-6C4D815DD562}"/>
+                    </a:ext>
+                  </a:extLst>
+                </p:cNvPr>
+                <p:cNvSpPr/>
+                <p:nvPr/>
+              </p:nvSpPr>
+              <p:spPr>
+                <a:xfrm>
+                  <a:off x="1736700" y="4834150"/>
+                  <a:ext cx="85297" cy="85297"/>
+                </a:xfrm>
+                <a:prstGeom prst="ellipse">
+                  <a:avLst/>
+                </a:prstGeom>
+                <a:solidFill>
+                  <a:schemeClr val="tx1"/>
+                </a:solidFill>
+                <a:ln>
+                  <a:solidFill>
+                    <a:schemeClr val="tx1"/>
+                  </a:solidFill>
+                </a:ln>
+              </p:spPr>
+              <p:style>
+                <a:lnRef idx="2">
+                  <a:schemeClr val="accent1">
+                    <a:shade val="15000"/>
+                  </a:schemeClr>
+                </a:lnRef>
+                <a:fillRef idx="1">
+                  <a:schemeClr val="accent1"/>
+                </a:fillRef>
+                <a:effectRef idx="0">
+                  <a:schemeClr val="accent1"/>
+                </a:effectRef>
+                <a:fontRef idx="minor">
+                  <a:schemeClr val="lt1"/>
+                </a:fontRef>
+              </p:style>
+              <p:txBody>
+                <a:bodyPr rtlCol="0" anchor="ctr"/>
+                <a:lstStyle/>
+                <a:p>
+                  <a:pPr algn="ctr"/>
+                  <a:endParaRPr lang="ko-KR" altLang="en-US"/>
+                </a:p>
+              </p:txBody>
+            </p:sp>
+            <p:sp>
+              <p:nvSpPr>
+                <p:cNvPr id="33" name="타원 32">
+                  <a:extLst>
+                    <a:ext uri="{FF2B5EF4-FFF2-40B4-BE49-F238E27FC236}">
+                      <a16:creationId xmlns:a16="http://schemas.microsoft.com/office/drawing/2014/main" id="{00310EB8-08A5-7AE9-5E97-B4246DF4FEC0}"/>
+                    </a:ext>
+                  </a:extLst>
+                </p:cNvPr>
+                <p:cNvSpPr/>
+                <p:nvPr/>
+              </p:nvSpPr>
+              <p:spPr>
+                <a:xfrm>
+                  <a:off x="2121151" y="4152961"/>
+                  <a:ext cx="85297" cy="85297"/>
+                </a:xfrm>
+                <a:prstGeom prst="ellipse">
+                  <a:avLst/>
+                </a:prstGeom>
+                <a:solidFill>
+                  <a:schemeClr val="tx1"/>
+                </a:solidFill>
+                <a:ln>
+                  <a:solidFill>
+                    <a:schemeClr val="tx1"/>
+                  </a:solidFill>
+                </a:ln>
+              </p:spPr>
+              <p:style>
+                <a:lnRef idx="2">
+                  <a:schemeClr val="accent1">
+                    <a:shade val="15000"/>
+                  </a:schemeClr>
+                </a:lnRef>
+                <a:fillRef idx="1">
+                  <a:schemeClr val="accent1"/>
+                </a:fillRef>
+                <a:effectRef idx="0">
+                  <a:schemeClr val="accent1"/>
+                </a:effectRef>
+                <a:fontRef idx="minor">
+                  <a:schemeClr val="lt1"/>
+                </a:fontRef>
+              </p:style>
+              <p:txBody>
+                <a:bodyPr rtlCol="0" anchor="ctr"/>
+                <a:lstStyle/>
+                <a:p>
+                  <a:pPr algn="ctr"/>
+                  <a:endParaRPr lang="ko-KR" altLang="en-US"/>
+                </a:p>
+              </p:txBody>
+            </p:sp>
+            <p:cxnSp>
+              <p:nvCxnSpPr>
+                <p:cNvPr id="34" name="직선 연결선 33">
+                  <a:extLst>
+                    <a:ext uri="{FF2B5EF4-FFF2-40B4-BE49-F238E27FC236}">
+                      <a16:creationId xmlns:a16="http://schemas.microsoft.com/office/drawing/2014/main" id="{5C26ED7C-6737-8AEF-4AFC-0FBA0E68792C}"/>
+                    </a:ext>
+                  </a:extLst>
+                </p:cNvPr>
+                <p:cNvCxnSpPr>
+                  <a:cxnSpLocks/>
+                  <a:stCxn id="33" idx="4"/>
+                </p:cNvCxnSpPr>
+                <p:nvPr/>
+              </p:nvCxnSpPr>
+              <p:spPr>
+                <a:xfrm>
+                  <a:off x="2163800" y="4238258"/>
+                  <a:ext cx="0" cy="1349742"/>
+                </a:xfrm>
+                <a:prstGeom prst="line">
+                  <a:avLst/>
+                </a:prstGeom>
+                <a:ln>
+                  <a:solidFill>
+                    <a:srgbClr val="0000FF"/>
+                  </a:solidFill>
+                  <a:prstDash val="sysDash"/>
+                </a:ln>
+              </p:spPr>
+              <p:style>
+                <a:lnRef idx="2">
+                  <a:schemeClr val="accent1"/>
+                </a:lnRef>
+                <a:fillRef idx="0">
+                  <a:schemeClr val="accent1"/>
+                </a:fillRef>
+                <a:effectRef idx="1">
+                  <a:schemeClr val="accent1"/>
+                </a:effectRef>
+                <a:fontRef idx="minor">
+                  <a:schemeClr val="tx1"/>
+                </a:fontRef>
+              </p:style>
+            </p:cxnSp>
+            <p:cxnSp>
+              <p:nvCxnSpPr>
+                <p:cNvPr id="35" name="직선 연결선 34">
+                  <a:extLst>
+                    <a:ext uri="{FF2B5EF4-FFF2-40B4-BE49-F238E27FC236}">
+                      <a16:creationId xmlns:a16="http://schemas.microsoft.com/office/drawing/2014/main" id="{A84EBD95-C4CA-5500-246E-5AC5B9321BD0}"/>
+                    </a:ext>
+                  </a:extLst>
+                </p:cNvPr>
+                <p:cNvCxnSpPr>
+                  <a:cxnSpLocks/>
+                </p:cNvCxnSpPr>
+                <p:nvPr/>
+              </p:nvCxnSpPr>
+              <p:spPr>
+                <a:xfrm flipH="1">
+                  <a:off x="1089025" y="5588000"/>
+                  <a:ext cx="1074775" cy="0"/>
+                </a:xfrm>
+                <a:prstGeom prst="line">
+                  <a:avLst/>
+                </a:prstGeom>
+                <a:ln>
+                  <a:solidFill>
+                    <a:srgbClr val="00B050"/>
+                  </a:solidFill>
+                  <a:prstDash val="sysDash"/>
+                </a:ln>
+              </p:spPr>
+              <p:style>
+                <a:lnRef idx="2">
+                  <a:schemeClr val="accent1"/>
+                </a:lnRef>
+                <a:fillRef idx="0">
+                  <a:schemeClr val="accent1"/>
+                </a:fillRef>
+                <a:effectRef idx="1">
+                  <a:schemeClr val="accent1"/>
+                </a:effectRef>
+                <a:fontRef idx="minor">
+                  <a:schemeClr val="tx1"/>
+                </a:fontRef>
+              </p:style>
+            </p:cxnSp>
+            <p:cxnSp>
+              <p:nvCxnSpPr>
+                <p:cNvPr id="36" name="직선 연결선 35">
+                  <a:extLst>
+                    <a:ext uri="{FF2B5EF4-FFF2-40B4-BE49-F238E27FC236}">
+                      <a16:creationId xmlns:a16="http://schemas.microsoft.com/office/drawing/2014/main" id="{3F2AEA8B-05D4-CCD5-70ED-C574D1AF9453}"/>
+                    </a:ext>
+                  </a:extLst>
+                </p:cNvPr>
+                <p:cNvCxnSpPr>
+                  <a:cxnSpLocks/>
+                </p:cNvCxnSpPr>
+                <p:nvPr/>
+              </p:nvCxnSpPr>
+              <p:spPr>
+                <a:xfrm flipH="1">
+                  <a:off x="2176335" y="4907757"/>
+                  <a:ext cx="682191" cy="680243"/>
+                </a:xfrm>
+                <a:prstGeom prst="line">
+                  <a:avLst/>
+                </a:prstGeom>
+                <a:ln>
+                  <a:solidFill>
+                    <a:srgbClr val="FF0000"/>
+                  </a:solidFill>
+                  <a:prstDash val="sysDash"/>
+                </a:ln>
+              </p:spPr>
+              <p:style>
+                <a:lnRef idx="2">
+                  <a:schemeClr val="accent1"/>
+                </a:lnRef>
+                <a:fillRef idx="0">
+                  <a:schemeClr val="accent1"/>
+                </a:fillRef>
+                <a:effectRef idx="1">
+                  <a:schemeClr val="accent1"/>
+                </a:effectRef>
+                <a:fontRef idx="minor">
+                  <a:schemeClr val="tx1"/>
+                </a:fontRef>
+              </p:style>
+            </p:cxnSp>
+            <p:sp>
+              <p:nvSpPr>
+                <p:cNvPr id="37" name="TextBox 36">
+                  <a:extLst>
+                    <a:ext uri="{FF2B5EF4-FFF2-40B4-BE49-F238E27FC236}">
+                      <a16:creationId xmlns:a16="http://schemas.microsoft.com/office/drawing/2014/main" id="{4982F2BA-5EAA-521B-DDEC-62C03C7FE774}"/>
+                    </a:ext>
+                  </a:extLst>
+                </p:cNvPr>
+                <p:cNvSpPr txBox="1"/>
+                <p:nvPr/>
+              </p:nvSpPr>
+              <p:spPr>
+                <a:xfrm>
+                  <a:off x="1833556" y="5603116"/>
+                  <a:ext cx="276038" cy="276999"/>
+                </a:xfrm>
+                <a:prstGeom prst="rect">
+                  <a:avLst/>
+                </a:prstGeom>
+                <a:noFill/>
+              </p:spPr>
+              <p:txBody>
+                <a:bodyPr wrap="square" rtlCol="0">
+                  <a:spAutoFit/>
+                </a:bodyPr>
+                <a:lstStyle/>
+                <a:p>
+                  <a:r>
+                    <a:rPr lang="en-US" altLang="ko-KR" sz="1200" b="1">
+                      <a:solidFill>
+                        <a:srgbClr val="00B050"/>
+                      </a:solidFill>
+                      <a:latin typeface="나눔바른고딕" panose="020B0603020101020101" pitchFamily="50" charset="-127"/>
+                      <a:ea typeface="나눔바른고딕" panose="020B0603020101020101" pitchFamily="50" charset="-127"/>
+                    </a:rPr>
+                    <a:t>y</a:t>
+                  </a:r>
+                  <a:endParaRPr lang="ko-KR" altLang="en-US" sz="1200" b="1">
+                    <a:solidFill>
+                      <a:srgbClr val="00B050"/>
+                    </a:solidFill>
+                    <a:latin typeface="나눔바른고딕" panose="020B0603020101020101" pitchFamily="50" charset="-127"/>
+                    <a:ea typeface="나눔바른고딕" panose="020B0603020101020101" pitchFamily="50" charset="-127"/>
+                  </a:endParaRPr>
+                </a:p>
+              </p:txBody>
+            </p:sp>
+            <p:sp>
+              <p:nvSpPr>
+                <p:cNvPr id="38" name="TextBox 37">
+                  <a:extLst>
+                    <a:ext uri="{FF2B5EF4-FFF2-40B4-BE49-F238E27FC236}">
+                      <a16:creationId xmlns:a16="http://schemas.microsoft.com/office/drawing/2014/main" id="{469AB8AF-C4C0-8D04-ABCF-B0EC248BF9B1}"/>
+                    </a:ext>
+                  </a:extLst>
+                </p:cNvPr>
+                <p:cNvSpPr txBox="1"/>
+                <p:nvPr/>
+              </p:nvSpPr>
+              <p:spPr>
+                <a:xfrm>
+                  <a:off x="2551596" y="5184756"/>
+                  <a:ext cx="276038" cy="276999"/>
+                </a:xfrm>
+                <a:prstGeom prst="rect">
+                  <a:avLst/>
+                </a:prstGeom>
+                <a:noFill/>
+              </p:spPr>
+              <p:txBody>
+                <a:bodyPr wrap="square" rtlCol="0">
+                  <a:spAutoFit/>
+                </a:bodyPr>
+                <a:lstStyle/>
+                <a:p>
+                  <a:r>
+                    <a:rPr lang="en-US" altLang="ko-KR" sz="1200" b="1">
+                      <a:solidFill>
+                        <a:srgbClr val="FF0000"/>
+                      </a:solidFill>
+                      <a:latin typeface="나눔바른고딕" panose="020B0603020101020101" pitchFamily="50" charset="-127"/>
+                      <a:ea typeface="나눔바른고딕" panose="020B0603020101020101" pitchFamily="50" charset="-127"/>
+                    </a:rPr>
+                    <a:t>x</a:t>
+                  </a:r>
+                  <a:endParaRPr lang="ko-KR" altLang="en-US" sz="1200" b="1">
+                    <a:solidFill>
+                      <a:srgbClr val="FF0000"/>
+                    </a:solidFill>
+                    <a:latin typeface="나눔바른고딕" panose="020B0603020101020101" pitchFamily="50" charset="-127"/>
+                    <a:ea typeface="나눔바른고딕" panose="020B0603020101020101" pitchFamily="50" charset="-127"/>
+                  </a:endParaRPr>
+                </a:p>
+              </p:txBody>
+            </p:sp>
+            <p:sp>
+              <p:nvSpPr>
+                <p:cNvPr id="39" name="TextBox 38">
+                  <a:extLst>
+                    <a:ext uri="{FF2B5EF4-FFF2-40B4-BE49-F238E27FC236}">
+                      <a16:creationId xmlns:a16="http://schemas.microsoft.com/office/drawing/2014/main" id="{CC261455-0D2D-B306-AB71-C2476120E4D6}"/>
+                    </a:ext>
+                  </a:extLst>
+                </p:cNvPr>
+                <p:cNvSpPr txBox="1"/>
+                <p:nvPr/>
+              </p:nvSpPr>
+              <p:spPr>
+                <a:xfrm>
+                  <a:off x="2179686" y="4568843"/>
+                  <a:ext cx="276038" cy="276999"/>
+                </a:xfrm>
+                <a:prstGeom prst="rect">
+                  <a:avLst/>
+                </a:prstGeom>
+                <a:noFill/>
+              </p:spPr>
+              <p:txBody>
+                <a:bodyPr wrap="square" rtlCol="0">
+                  <a:spAutoFit/>
+                </a:bodyPr>
+                <a:lstStyle/>
+                <a:p>
+                  <a:r>
+                    <a:rPr lang="en-US" altLang="ko-KR" sz="1200" b="1">
+                      <a:solidFill>
+                        <a:srgbClr val="0000FF"/>
+                      </a:solidFill>
+                      <a:latin typeface="나눔바른고딕" panose="020B0603020101020101" pitchFamily="50" charset="-127"/>
+                      <a:ea typeface="나눔바른고딕" panose="020B0603020101020101" pitchFamily="50" charset="-127"/>
+                    </a:rPr>
+                    <a:t>z</a:t>
+                  </a:r>
+                  <a:endParaRPr lang="ko-KR" altLang="en-US" sz="1200" b="1">
+                    <a:solidFill>
+                      <a:srgbClr val="0000FF"/>
+                    </a:solidFill>
+                    <a:latin typeface="나눔바른고딕" panose="020B0603020101020101" pitchFamily="50" charset="-127"/>
+                    <a:ea typeface="나눔바른고딕" panose="020B0603020101020101" pitchFamily="50" charset="-127"/>
+                  </a:endParaRPr>
+                </a:p>
+              </p:txBody>
+            </p:sp>
+          </p:grpSp>
+          <mc:AlternateContent xmlns:mc="http://schemas.openxmlformats.org/markup-compatibility/2006" xmlns:a14="http://schemas.microsoft.com/office/drawing/2010/main">
+            <mc:Choice Requires="a14">
+              <p:sp>
+                <p:nvSpPr>
+                  <p:cNvPr id="30" name="TextBox 29">
+                    <a:extLst>
+                      <a:ext uri="{FF2B5EF4-FFF2-40B4-BE49-F238E27FC236}">
+                        <a16:creationId xmlns:a16="http://schemas.microsoft.com/office/drawing/2014/main" id="{7BFE765E-DCFE-9C25-EF63-567B568700DA}"/>
+                      </a:ext>
+                    </a:extLst>
+                  </p:cNvPr>
+                  <p:cNvSpPr txBox="1"/>
+                  <p:nvPr/>
+                </p:nvSpPr>
+                <p:spPr>
+                  <a:xfrm>
+                    <a:off x="2109594" y="3822759"/>
+                    <a:ext cx="975973" cy="276999"/>
+                  </a:xfrm>
+                  <a:prstGeom prst="rect">
+                    <a:avLst/>
+                  </a:prstGeom>
+                  <a:noFill/>
+                </p:spPr>
+                <p:txBody>
+                  <a:bodyPr wrap="none" lIns="0" tIns="0" rIns="0" bIns="0" rtlCol="0">
+                    <a:spAutoFit/>
+                  </a:bodyPr>
+                  <a:lstStyle/>
+                  <a:p>
+                    <a:pPr/>
+                    <a14:m>
+                      <m:oMathPara xmlns:m="http://schemas.openxmlformats.org/officeDocument/2006/math">
+                        <m:oMathParaPr>
+                          <m:jc m:val="centerGroup"/>
+                        </m:oMathParaPr>
+                        <m:oMath xmlns:m="http://schemas.openxmlformats.org/officeDocument/2006/math">
+                          <m:r>
+                            <a:rPr lang="en-US" altLang="ko-KR" b="0" i="1" smtClean="0">
+                              <a:latin typeface="Cambria Math" panose="02040503050406030204" pitchFamily="18" charset="0"/>
+                            </a:rPr>
+                            <m:t>𝑃</m:t>
+                          </m:r>
+                          <m:r>
+                            <a:rPr lang="en-US" altLang="ko-KR" b="0" i="1" smtClean="0">
+                              <a:latin typeface="Cambria Math" panose="02040503050406030204" pitchFamily="18" charset="0"/>
+                            </a:rPr>
+                            <m:t>(</m:t>
+                          </m:r>
+                          <m:r>
+                            <a:rPr lang="en-US" altLang="ko-KR" b="0" i="1" smtClean="0">
+                              <a:latin typeface="Cambria Math" panose="02040503050406030204" pitchFamily="18" charset="0"/>
+                            </a:rPr>
+                            <m:t>𝑥</m:t>
+                          </m:r>
+                          <m:r>
+                            <a:rPr lang="en-US" altLang="ko-KR" b="0" i="1" smtClean="0">
+                              <a:latin typeface="Cambria Math" panose="02040503050406030204" pitchFamily="18" charset="0"/>
+                            </a:rPr>
+                            <m:t>, </m:t>
+                          </m:r>
+                          <m:r>
+                            <a:rPr lang="en-US" altLang="ko-KR" b="0" i="1" smtClean="0">
+                              <a:latin typeface="Cambria Math" panose="02040503050406030204" pitchFamily="18" charset="0"/>
+                            </a:rPr>
+                            <m:t>𝑦</m:t>
+                          </m:r>
+                          <m:r>
+                            <a:rPr lang="en-US" altLang="ko-KR" b="0" i="1" smtClean="0">
+                              <a:latin typeface="Cambria Math" panose="02040503050406030204" pitchFamily="18" charset="0"/>
+                            </a:rPr>
+                            <m:t>, </m:t>
+                          </m:r>
+                          <m:r>
+                            <a:rPr lang="en-US" altLang="ko-KR" b="0" i="1" smtClean="0">
+                              <a:latin typeface="Cambria Math" panose="02040503050406030204" pitchFamily="18" charset="0"/>
+                            </a:rPr>
+                            <m:t>𝑧</m:t>
+                          </m:r>
+                          <m:r>
+                            <a:rPr lang="en-US" altLang="ko-KR" b="0" i="1" smtClean="0">
+                              <a:latin typeface="Cambria Math" panose="02040503050406030204" pitchFamily="18" charset="0"/>
+                            </a:rPr>
+                            <m:t>)</m:t>
+                          </m:r>
+                        </m:oMath>
+                      </m:oMathPara>
+                    </a14:m>
+                    <a:endParaRPr lang="ko-KR" altLang="en-US"/>
+                  </a:p>
+                </p:txBody>
+              </p:sp>
+            </mc:Choice>
+            <mc:Fallback xmlns="">
+              <p:sp>
+                <p:nvSpPr>
+                  <p:cNvPr id="101" name="TextBox 100">
+                    <a:extLst>
+                      <a:ext uri="{FF2B5EF4-FFF2-40B4-BE49-F238E27FC236}">
+                        <a16:creationId xmlns:a16="http://schemas.microsoft.com/office/drawing/2014/main" id="{CEA933F0-839A-7329-A6D4-F1006C06EBD4}"/>
+                      </a:ext>
+                    </a:extLst>
+                  </p:cNvPr>
+                  <p:cNvSpPr txBox="1">
+                    <a:spLocks noRot="1" noChangeAspect="1" noMove="1" noResize="1" noEditPoints="1" noAdjustHandles="1" noChangeArrowheads="1" noChangeShapeType="1" noTextEdit="1"/>
+                  </p:cNvSpPr>
+                  <p:nvPr/>
+                </p:nvSpPr>
+                <p:spPr>
+                  <a:xfrm>
+                    <a:off x="2109594" y="3822759"/>
+                    <a:ext cx="975973" cy="276999"/>
+                  </a:xfrm>
+                  <a:prstGeom prst="rect">
+                    <a:avLst/>
+                  </a:prstGeom>
+                  <a:blipFill>
+                    <a:blip r:embed="rId2"/>
+                    <a:stretch>
+                      <a:fillRect l="-3750" r="-6875" b="-36957"/>
+                    </a:stretch>
+                  </a:blipFill>
+                </p:spPr>
+                <p:txBody>
+                  <a:bodyPr/>
+                  <a:lstStyle/>
+                  <a:p>
+                    <a:r>
+                      <a:rPr lang="ko-KR" altLang="en-US">
+                        <a:noFill/>
+                      </a:rPr>
+                      <a:t> </a:t>
+                    </a:r>
+                  </a:p>
+                </p:txBody>
+              </p:sp>
+            </mc:Fallback>
+          </mc:AlternateContent>
+        </p:grpSp>
+        <p:grpSp>
+          <p:nvGrpSpPr>
+            <p:cNvPr id="6" name="그룹 5">
+              <a:extLst>
+                <a:ext uri="{FF2B5EF4-FFF2-40B4-BE49-F238E27FC236}">
+                  <a16:creationId xmlns:a16="http://schemas.microsoft.com/office/drawing/2014/main" id="{7DC578A9-7810-27A8-37B0-3EB143849275}"/>
+                </a:ext>
+              </a:extLst>
+            </p:cNvPr>
+            <p:cNvGrpSpPr/>
+            <p:nvPr/>
+          </p:nvGrpSpPr>
+          <p:grpSpPr>
+            <a:xfrm>
+              <a:off x="5017278" y="3429000"/>
+              <a:ext cx="2650431" cy="2530303"/>
+              <a:chOff x="4839478" y="3429000"/>
+              <a:chExt cx="2650431" cy="2530303"/>
+            </a:xfrm>
+          </p:grpSpPr>
+          <p:grpSp>
+            <p:nvGrpSpPr>
+              <p:cNvPr id="10" name="그룹 9">
+                <a:extLst>
+                  <a:ext uri="{FF2B5EF4-FFF2-40B4-BE49-F238E27FC236}">
+                    <a16:creationId xmlns:a16="http://schemas.microsoft.com/office/drawing/2014/main" id="{FDB06916-6D39-D0FF-BAFA-02A1C1A3C0AE}"/>
+                  </a:ext>
+                </a:extLst>
+              </p:cNvPr>
+              <p:cNvGrpSpPr/>
+              <p:nvPr/>
+            </p:nvGrpSpPr>
+            <p:grpSpPr>
+              <a:xfrm>
+                <a:off x="4839478" y="3429000"/>
+                <a:ext cx="2650431" cy="2530303"/>
+                <a:chOff x="7204112" y="1997413"/>
+                <a:chExt cx="2650431" cy="2530303"/>
+              </a:xfrm>
+            </p:grpSpPr>
+            <p:cxnSp>
+              <p:nvCxnSpPr>
+                <p:cNvPr id="20" name="직선 화살표 연결선 19">
+                  <a:extLst>
+                    <a:ext uri="{FF2B5EF4-FFF2-40B4-BE49-F238E27FC236}">
+                      <a16:creationId xmlns:a16="http://schemas.microsoft.com/office/drawing/2014/main" id="{0FD07970-029F-2861-7B8C-29E8B7302F25}"/>
+                    </a:ext>
+                  </a:extLst>
+                </p:cNvPr>
+                <p:cNvCxnSpPr>
+                  <a:cxnSpLocks/>
+                </p:cNvCxnSpPr>
+                <p:nvPr/>
+              </p:nvCxnSpPr>
+              <p:spPr>
+                <a:xfrm>
+                  <a:off x="7295744" y="3445212"/>
+                  <a:ext cx="2431916" cy="0"/>
+                </a:xfrm>
+                <a:prstGeom prst="straightConnector1">
+                  <a:avLst/>
+                </a:prstGeom>
+                <a:ln w="38100">
+                  <a:solidFill>
+                    <a:srgbClr val="00B050"/>
+                  </a:solidFill>
+                  <a:tailEnd type="triangle"/>
+                </a:ln>
+              </p:spPr>
+              <p:style>
+                <a:lnRef idx="2">
+                  <a:schemeClr val="accent1"/>
+                </a:lnRef>
+                <a:fillRef idx="0">
+                  <a:schemeClr val="accent1"/>
+                </a:fillRef>
+                <a:effectRef idx="1">
+                  <a:schemeClr val="accent1"/>
+                </a:effectRef>
+                <a:fontRef idx="minor">
+                  <a:schemeClr val="tx1"/>
+                </a:fontRef>
+              </p:style>
+            </p:cxnSp>
+            <p:cxnSp>
+              <p:nvCxnSpPr>
+                <p:cNvPr id="21" name="직선 화살표 연결선 20">
+                  <a:extLst>
+                    <a:ext uri="{FF2B5EF4-FFF2-40B4-BE49-F238E27FC236}">
+                      <a16:creationId xmlns:a16="http://schemas.microsoft.com/office/drawing/2014/main" id="{00AAD386-9BE6-B500-55D2-D4FCB653B97D}"/>
+                    </a:ext>
+                  </a:extLst>
+                </p:cNvPr>
+                <p:cNvCxnSpPr>
+                  <a:cxnSpLocks/>
+                </p:cNvCxnSpPr>
+                <p:nvPr/>
+              </p:nvCxnSpPr>
+              <p:spPr>
+                <a:xfrm flipH="1">
+                  <a:off x="7295745" y="2892328"/>
+                  <a:ext cx="1504544" cy="1509049"/>
+                </a:xfrm>
+                <a:prstGeom prst="straightConnector1">
+                  <a:avLst/>
+                </a:prstGeom>
+                <a:ln w="38100">
+                  <a:solidFill>
+                    <a:srgbClr val="FF0000"/>
+                  </a:solidFill>
+                  <a:tailEnd type="triangle"/>
+                </a:ln>
+              </p:spPr>
+              <p:style>
+                <a:lnRef idx="2">
+                  <a:schemeClr val="accent1"/>
+                </a:lnRef>
+                <a:fillRef idx="0">
+                  <a:schemeClr val="accent1"/>
+                </a:fillRef>
+                <a:effectRef idx="1">
+                  <a:schemeClr val="accent1"/>
+                </a:effectRef>
+                <a:fontRef idx="minor">
+                  <a:schemeClr val="tx1"/>
+                </a:fontRef>
+              </p:style>
+            </p:cxnSp>
+            <p:cxnSp>
+              <p:nvCxnSpPr>
+                <p:cNvPr id="22" name="직선 화살표 연결선 21">
+                  <a:extLst>
+                    <a:ext uri="{FF2B5EF4-FFF2-40B4-BE49-F238E27FC236}">
+                      <a16:creationId xmlns:a16="http://schemas.microsoft.com/office/drawing/2014/main" id="{C0D57266-3BFA-083E-D479-DA3FB1EDA270}"/>
+                    </a:ext>
+                  </a:extLst>
+                </p:cNvPr>
+                <p:cNvCxnSpPr>
+                  <a:cxnSpLocks/>
+                </p:cNvCxnSpPr>
+                <p:nvPr/>
+              </p:nvCxnSpPr>
+              <p:spPr>
+                <a:xfrm flipV="1">
+                  <a:off x="8249055" y="1997413"/>
+                  <a:ext cx="0" cy="2403964"/>
+                </a:xfrm>
+                <a:prstGeom prst="straightConnector1">
+                  <a:avLst/>
+                </a:prstGeom>
+                <a:ln w="38100">
+                  <a:solidFill>
+                    <a:srgbClr val="0000FF"/>
+                  </a:solidFill>
+                  <a:tailEnd type="triangle"/>
+                </a:ln>
+              </p:spPr>
+              <p:style>
+                <a:lnRef idx="2">
+                  <a:schemeClr val="accent1"/>
+                </a:lnRef>
+                <a:fillRef idx="0">
+                  <a:schemeClr val="accent1"/>
+                </a:fillRef>
+                <a:effectRef idx="1">
+                  <a:schemeClr val="accent1"/>
+                </a:effectRef>
+                <a:fontRef idx="minor">
+                  <a:schemeClr val="tx1"/>
+                </a:fontRef>
+              </p:style>
+            </p:cxnSp>
+            <p:sp>
+              <p:nvSpPr>
+                <p:cNvPr id="23" name="TextBox 22">
+                  <a:extLst>
+                    <a:ext uri="{FF2B5EF4-FFF2-40B4-BE49-F238E27FC236}">
+                      <a16:creationId xmlns:a16="http://schemas.microsoft.com/office/drawing/2014/main" id="{FD3571D3-231F-6852-24E5-F7CBF97F1B5F}"/>
+                    </a:ext>
+                  </a:extLst>
+                </p:cNvPr>
+                <p:cNvSpPr txBox="1"/>
+                <p:nvPr/>
+              </p:nvSpPr>
+              <p:spPr>
+                <a:xfrm>
+                  <a:off x="8269501" y="2085332"/>
+                  <a:ext cx="276038" cy="276999"/>
+                </a:xfrm>
+                <a:prstGeom prst="rect">
+                  <a:avLst/>
+                </a:prstGeom>
+                <a:noFill/>
+              </p:spPr>
+              <p:txBody>
+                <a:bodyPr wrap="none" rtlCol="0">
+                  <a:spAutoFit/>
+                </a:bodyPr>
+                <a:lstStyle/>
+                <a:p>
+                  <a:r>
+                    <a:rPr lang="en-US" altLang="ko-KR" sz="1200" b="1">
+                      <a:solidFill>
+                        <a:srgbClr val="0000FF"/>
+                      </a:solidFill>
+                      <a:latin typeface="나눔바른고딕" panose="020B0603020101020101" pitchFamily="50" charset="-127"/>
+                      <a:ea typeface="나눔바른고딕" panose="020B0603020101020101" pitchFamily="50" charset="-127"/>
+                    </a:rPr>
+                    <a:t>Z</a:t>
+                  </a:r>
+                  <a:endParaRPr lang="ko-KR" altLang="en-US" sz="1200" b="1">
+                    <a:solidFill>
+                      <a:srgbClr val="0000FF"/>
+                    </a:solidFill>
+                    <a:latin typeface="나눔바른고딕" panose="020B0603020101020101" pitchFamily="50" charset="-127"/>
+                    <a:ea typeface="나눔바른고딕" panose="020B0603020101020101" pitchFamily="50" charset="-127"/>
+                  </a:endParaRPr>
+                </a:p>
+              </p:txBody>
+            </p:sp>
+            <p:sp>
+              <p:nvSpPr>
+                <p:cNvPr id="24" name="TextBox 23">
+                  <a:extLst>
+                    <a:ext uri="{FF2B5EF4-FFF2-40B4-BE49-F238E27FC236}">
+                      <a16:creationId xmlns:a16="http://schemas.microsoft.com/office/drawing/2014/main" id="{9A0FD1FE-C78E-9D6D-CF05-3C74F86244B4}"/>
+                    </a:ext>
+                  </a:extLst>
+                </p:cNvPr>
+                <p:cNvSpPr txBox="1"/>
+                <p:nvPr/>
+              </p:nvSpPr>
+              <p:spPr>
+                <a:xfrm>
+                  <a:off x="7204112" y="3975210"/>
+                  <a:ext cx="276038" cy="276999"/>
+                </a:xfrm>
+                <a:prstGeom prst="rect">
+                  <a:avLst/>
+                </a:prstGeom>
+                <a:noFill/>
+              </p:spPr>
+              <p:txBody>
+                <a:bodyPr wrap="square" rtlCol="0">
+                  <a:spAutoFit/>
+                </a:bodyPr>
+                <a:lstStyle/>
+                <a:p>
+                  <a:r>
+                    <a:rPr lang="en-US" altLang="ko-KR" sz="1200" b="1">
+                      <a:solidFill>
+                        <a:srgbClr val="FF0000"/>
+                      </a:solidFill>
+                      <a:latin typeface="나눔바른고딕" panose="020B0603020101020101" pitchFamily="50" charset="-127"/>
+                      <a:ea typeface="나눔바른고딕" panose="020B0603020101020101" pitchFamily="50" charset="-127"/>
+                    </a:rPr>
+                    <a:t>X</a:t>
+                  </a:r>
+                  <a:endParaRPr lang="ko-KR" altLang="en-US" sz="1200" b="1">
+                    <a:solidFill>
+                      <a:srgbClr val="FF0000"/>
+                    </a:solidFill>
+                    <a:latin typeface="나눔바른고딕" panose="020B0603020101020101" pitchFamily="50" charset="-127"/>
+                    <a:ea typeface="나눔바른고딕" panose="020B0603020101020101" pitchFamily="50" charset="-127"/>
+                  </a:endParaRPr>
+                </a:p>
+              </p:txBody>
+            </p:sp>
+            <p:sp>
+              <p:nvSpPr>
+                <p:cNvPr id="25" name="TextBox 24">
+                  <a:extLst>
+                    <a:ext uri="{FF2B5EF4-FFF2-40B4-BE49-F238E27FC236}">
+                      <a16:creationId xmlns:a16="http://schemas.microsoft.com/office/drawing/2014/main" id="{D11A4A8B-FBF8-7F2E-4042-66C06B05CBAD}"/>
+                    </a:ext>
+                  </a:extLst>
+                </p:cNvPr>
+                <p:cNvSpPr txBox="1"/>
+                <p:nvPr/>
+              </p:nvSpPr>
+              <p:spPr>
+                <a:xfrm>
+                  <a:off x="9393678" y="3174094"/>
+                  <a:ext cx="276038" cy="276999"/>
+                </a:xfrm>
+                <a:prstGeom prst="rect">
+                  <a:avLst/>
+                </a:prstGeom>
+                <a:noFill/>
+              </p:spPr>
+              <p:txBody>
+                <a:bodyPr wrap="square" rtlCol="0">
+                  <a:spAutoFit/>
+                </a:bodyPr>
+                <a:lstStyle/>
+                <a:p>
+                  <a:r>
+                    <a:rPr lang="en-US" altLang="ko-KR" sz="1200" b="1">
+                      <a:solidFill>
+                        <a:srgbClr val="00B050"/>
+                      </a:solidFill>
+                      <a:latin typeface="나눔바른고딕" panose="020B0603020101020101" pitchFamily="50" charset="-127"/>
+                      <a:ea typeface="나눔바른고딕" panose="020B0603020101020101" pitchFamily="50" charset="-127"/>
+                    </a:rPr>
+                    <a:t>Y</a:t>
+                  </a:r>
+                  <a:endParaRPr lang="ko-KR" altLang="en-US" sz="1200" b="1">
+                    <a:solidFill>
+                      <a:srgbClr val="00B050"/>
+                    </a:solidFill>
+                    <a:latin typeface="나눔바른고딕" panose="020B0603020101020101" pitchFamily="50" charset="-127"/>
+                    <a:ea typeface="나눔바른고딕" panose="020B0603020101020101" pitchFamily="50" charset="-127"/>
+                  </a:endParaRPr>
+                </a:p>
+              </p:txBody>
+            </p:sp>
+            <p:sp>
+              <p:nvSpPr>
+                <p:cNvPr id="26" name="TextBox 25">
+                  <a:extLst>
+                    <a:ext uri="{FF2B5EF4-FFF2-40B4-BE49-F238E27FC236}">
+                      <a16:creationId xmlns:a16="http://schemas.microsoft.com/office/drawing/2014/main" id="{1D9168A9-951D-B218-256E-5820666E7B28}"/>
+                    </a:ext>
+                  </a:extLst>
+                </p:cNvPr>
+                <p:cNvSpPr txBox="1"/>
+                <p:nvPr/>
+              </p:nvSpPr>
+              <p:spPr>
+                <a:xfrm>
+                  <a:off x="7321684" y="4250717"/>
+                  <a:ext cx="645692" cy="276999"/>
+                </a:xfrm>
+                <a:prstGeom prst="rect">
+                  <a:avLst/>
+                </a:prstGeom>
+                <a:noFill/>
+              </p:spPr>
+              <p:txBody>
+                <a:bodyPr wrap="square" rtlCol="0">
+                  <a:spAutoFit/>
+                </a:bodyPr>
+                <a:lstStyle/>
+                <a:p>
+                  <a:pPr algn="ctr"/>
+                  <a:r>
+                    <a:rPr lang="en-US" altLang="ko-KR" sz="1200" b="1">
+                      <a:solidFill>
+                        <a:srgbClr val="FF0000"/>
+                      </a:solidFill>
+                      <a:latin typeface="나눔바른고딕" panose="020B0603020101020101" pitchFamily="50" charset="-127"/>
+                      <a:ea typeface="나눔바른고딕" panose="020B0603020101020101" pitchFamily="50" charset="-127"/>
+                    </a:rPr>
+                    <a:t>Roll</a:t>
+                  </a:r>
+                  <a:endParaRPr lang="ko-KR" altLang="en-US" sz="1200" b="1">
+                    <a:solidFill>
+                      <a:srgbClr val="FF0000"/>
+                    </a:solidFill>
+                    <a:latin typeface="나눔바른고딕" panose="020B0603020101020101" pitchFamily="50" charset="-127"/>
+                    <a:ea typeface="나눔바른고딕" panose="020B0603020101020101" pitchFamily="50" charset="-127"/>
+                  </a:endParaRPr>
+                </a:p>
+              </p:txBody>
+            </p:sp>
+            <p:sp>
+              <p:nvSpPr>
+                <p:cNvPr id="27" name="TextBox 26">
+                  <a:extLst>
+                    <a:ext uri="{FF2B5EF4-FFF2-40B4-BE49-F238E27FC236}">
+                      <a16:creationId xmlns:a16="http://schemas.microsoft.com/office/drawing/2014/main" id="{82A758A2-8EDF-408E-C157-F693C135291B}"/>
+                    </a:ext>
+                  </a:extLst>
+                </p:cNvPr>
+                <p:cNvSpPr txBox="1"/>
+                <p:nvPr/>
+              </p:nvSpPr>
+              <p:spPr>
+                <a:xfrm>
+                  <a:off x="9208851" y="3476170"/>
+                  <a:ext cx="645692" cy="276999"/>
+                </a:xfrm>
+                <a:prstGeom prst="rect">
+                  <a:avLst/>
+                </a:prstGeom>
+                <a:noFill/>
+              </p:spPr>
+              <p:txBody>
+                <a:bodyPr wrap="square" rtlCol="0">
+                  <a:spAutoFit/>
+                </a:bodyPr>
+                <a:lstStyle/>
+                <a:p>
+                  <a:pPr algn="ctr"/>
+                  <a:r>
+                    <a:rPr lang="en-US" altLang="ko-KR" sz="1200" b="1">
+                      <a:solidFill>
+                        <a:srgbClr val="00B050"/>
+                      </a:solidFill>
+                      <a:latin typeface="나눔바른고딕" panose="020B0603020101020101" pitchFamily="50" charset="-127"/>
+                      <a:ea typeface="나눔바른고딕" panose="020B0603020101020101" pitchFamily="50" charset="-127"/>
+                    </a:rPr>
+                    <a:t>Pitch</a:t>
+                  </a:r>
+                  <a:endParaRPr lang="ko-KR" altLang="en-US" sz="1200" b="1">
+                    <a:solidFill>
+                      <a:srgbClr val="00B050"/>
+                    </a:solidFill>
+                    <a:latin typeface="나눔바른고딕" panose="020B0603020101020101" pitchFamily="50" charset="-127"/>
+                    <a:ea typeface="나눔바른고딕" panose="020B0603020101020101" pitchFamily="50" charset="-127"/>
+                  </a:endParaRPr>
+                </a:p>
+              </p:txBody>
+            </p:sp>
+            <p:sp>
+              <p:nvSpPr>
+                <p:cNvPr id="28" name="TextBox 27">
+                  <a:extLst>
+                    <a:ext uri="{FF2B5EF4-FFF2-40B4-BE49-F238E27FC236}">
+                      <a16:creationId xmlns:a16="http://schemas.microsoft.com/office/drawing/2014/main" id="{897816F8-BDDD-C362-5AE7-E9D767BC3354}"/>
+                    </a:ext>
+                  </a:extLst>
+                </p:cNvPr>
+                <p:cNvSpPr txBox="1"/>
+                <p:nvPr/>
+              </p:nvSpPr>
+              <p:spPr>
+                <a:xfrm>
+                  <a:off x="7681183" y="2085332"/>
+                  <a:ext cx="645692" cy="276999"/>
+                </a:xfrm>
+                <a:prstGeom prst="rect">
+                  <a:avLst/>
+                </a:prstGeom>
+                <a:noFill/>
+              </p:spPr>
+              <p:txBody>
+                <a:bodyPr wrap="square" rtlCol="0">
+                  <a:spAutoFit/>
+                </a:bodyPr>
+                <a:lstStyle/>
+                <a:p>
+                  <a:pPr algn="ctr"/>
+                  <a:r>
+                    <a:rPr lang="en-US" altLang="ko-KR" sz="1200" b="1">
+                      <a:solidFill>
+                        <a:srgbClr val="0000FF"/>
+                      </a:solidFill>
+                      <a:latin typeface="나눔바른고딕" panose="020B0603020101020101" pitchFamily="50" charset="-127"/>
+                      <a:ea typeface="나눔바른고딕" panose="020B0603020101020101" pitchFamily="50" charset="-127"/>
+                    </a:rPr>
+                    <a:t>Yaw</a:t>
+                  </a:r>
+                  <a:endParaRPr lang="ko-KR" altLang="en-US" sz="1200" b="1">
+                    <a:solidFill>
+                      <a:srgbClr val="0000FF"/>
+                    </a:solidFill>
+                    <a:latin typeface="나눔바른고딕" panose="020B0603020101020101" pitchFamily="50" charset="-127"/>
+                    <a:ea typeface="나눔바른고딕" panose="020B0603020101020101" pitchFamily="50" charset="-127"/>
+                  </a:endParaRPr>
+                </a:p>
+              </p:txBody>
+            </p:sp>
+          </p:grpSp>
+          <p:sp>
+            <p:nvSpPr>
+              <p:cNvPr id="11" name="타원 10">
+                <a:extLst>
+                  <a:ext uri="{FF2B5EF4-FFF2-40B4-BE49-F238E27FC236}">
+                    <a16:creationId xmlns:a16="http://schemas.microsoft.com/office/drawing/2014/main" id="{78364D7A-F94E-722B-E21A-FC87B3B2C469}"/>
+                  </a:ext>
+                </a:extLst>
+              </p:cNvPr>
+              <p:cNvSpPr/>
+              <p:nvPr/>
+            </p:nvSpPr>
+            <p:spPr>
+              <a:xfrm>
+                <a:off x="6226223" y="4152961"/>
+                <a:ext cx="85297" cy="85297"/>
+              </a:xfrm>
+              <a:prstGeom prst="ellipse">
+                <a:avLst/>
+              </a:prstGeom>
+              <a:solidFill>
+                <a:schemeClr val="tx1"/>
+              </a:solidFill>
+              <a:ln>
+                <a:solidFill>
+                  <a:schemeClr val="tx1"/>
+                </a:solidFill>
+              </a:ln>
+            </p:spPr>
+            <p:style>
+              <a:lnRef idx="2">
+                <a:schemeClr val="accent1">
+                  <a:shade val="15000"/>
+                </a:schemeClr>
+              </a:lnRef>
+              <a:fillRef idx="1">
+                <a:schemeClr val="accent1"/>
+              </a:fillRef>
+              <a:effectRef idx="0">
+                <a:schemeClr val="accent1"/>
+              </a:effectRef>
+              <a:fontRef idx="minor">
+                <a:schemeClr val="lt1"/>
+              </a:fontRef>
+            </p:style>
+            <p:txBody>
+              <a:bodyPr rtlCol="0" anchor="ctr"/>
+              <a:lstStyle/>
+              <a:p>
+                <a:pPr algn="ctr"/>
+                <a:endParaRPr lang="ko-KR" altLang="en-US"/>
+              </a:p>
+            </p:txBody>
+          </p:sp>
+          <p:cxnSp>
+            <p:nvCxnSpPr>
+              <p:cNvPr id="12" name="직선 연결선 11">
+                <a:extLst>
+                  <a:ext uri="{FF2B5EF4-FFF2-40B4-BE49-F238E27FC236}">
+                    <a16:creationId xmlns:a16="http://schemas.microsoft.com/office/drawing/2014/main" id="{4E75ED40-E1D1-EE4C-E5DC-55E1720E95E3}"/>
+                  </a:ext>
+                </a:extLst>
+              </p:cNvPr>
+              <p:cNvCxnSpPr>
+                <a:cxnSpLocks/>
+                <a:stCxn id="11" idx="4"/>
+              </p:cNvCxnSpPr>
+              <p:nvPr/>
+            </p:nvCxnSpPr>
+            <p:spPr>
+              <a:xfrm>
+                <a:off x="6268872" y="4238258"/>
+                <a:ext cx="0" cy="1349742"/>
+              </a:xfrm>
+              <a:prstGeom prst="line">
+                <a:avLst/>
+              </a:prstGeom>
+              <a:ln>
+                <a:solidFill>
+                  <a:srgbClr val="0000FF"/>
+                </a:solidFill>
+                <a:prstDash val="sysDash"/>
+              </a:ln>
+            </p:spPr>
+            <p:style>
+              <a:lnRef idx="2">
+                <a:schemeClr val="accent1"/>
+              </a:lnRef>
+              <a:fillRef idx="0">
+                <a:schemeClr val="accent1"/>
+              </a:fillRef>
+              <a:effectRef idx="1">
+                <a:schemeClr val="accent1"/>
+              </a:effectRef>
+              <a:fontRef idx="minor">
+                <a:schemeClr val="tx1"/>
+              </a:fontRef>
+            </p:style>
+          </p:cxnSp>
+          <p:cxnSp>
+            <p:nvCxnSpPr>
+              <p:cNvPr id="14" name="직선 연결선 13">
+                <a:extLst>
+                  <a:ext uri="{FF2B5EF4-FFF2-40B4-BE49-F238E27FC236}">
+                    <a16:creationId xmlns:a16="http://schemas.microsoft.com/office/drawing/2014/main" id="{4FF809DF-2D27-6D90-E646-B4D2D777B4F7}"/>
+                  </a:ext>
+                </a:extLst>
+              </p:cNvPr>
+              <p:cNvCxnSpPr>
+                <a:stCxn id="16" idx="5"/>
+              </p:cNvCxnSpPr>
+              <p:nvPr/>
+            </p:nvCxnSpPr>
+            <p:spPr>
+              <a:xfrm>
+                <a:off x="5914578" y="4906956"/>
+                <a:ext cx="354294" cy="696160"/>
+              </a:xfrm>
+              <a:prstGeom prst="line">
+                <a:avLst/>
+              </a:prstGeom>
+              <a:ln>
+                <a:solidFill>
+                  <a:srgbClr val="FFC000"/>
+                </a:solidFill>
+                <a:prstDash val="sysDash"/>
+              </a:ln>
+            </p:spPr>
+            <p:style>
+              <a:lnRef idx="2">
+                <a:schemeClr val="accent1"/>
+              </a:lnRef>
+              <a:fillRef idx="0">
+                <a:schemeClr val="accent1"/>
+              </a:fillRef>
+              <a:effectRef idx="1">
+                <a:schemeClr val="accent1"/>
+              </a:effectRef>
+              <a:fontRef idx="minor">
+                <a:schemeClr val="tx1"/>
+              </a:fontRef>
+            </p:style>
+          </p:cxnSp>
+          <p:sp>
+            <p:nvSpPr>
+              <p:cNvPr id="15" name="부분 원형 14">
+                <a:extLst>
+                  <a:ext uri="{FF2B5EF4-FFF2-40B4-BE49-F238E27FC236}">
+                    <a16:creationId xmlns:a16="http://schemas.microsoft.com/office/drawing/2014/main" id="{C61166A9-48FD-1D55-9F92-26242293AAD0}"/>
+                  </a:ext>
+                </a:extLst>
+              </p:cNvPr>
+              <p:cNvSpPr/>
+              <p:nvPr/>
+            </p:nvSpPr>
+            <p:spPr>
+              <a:xfrm>
+                <a:off x="5330539" y="4329247"/>
+                <a:ext cx="1092530" cy="1092530"/>
+              </a:xfrm>
+              <a:prstGeom prst="pie">
+                <a:avLst>
+                  <a:gd name="adj1" fmla="val 3634440"/>
+                  <a:gd name="adj2" fmla="val 8023040"/>
+                </a:avLst>
+              </a:prstGeom>
+              <a:solidFill>
+                <a:srgbClr val="FFC000">
+                  <a:alpha val="30000"/>
+                </a:srgbClr>
+              </a:solidFill>
+              <a:ln>
+                <a:noFill/>
+              </a:ln>
+            </p:spPr>
+            <p:style>
+              <a:lnRef idx="2">
+                <a:schemeClr val="accent1">
+                  <a:shade val="15000"/>
+                </a:schemeClr>
+              </a:lnRef>
+              <a:fillRef idx="1">
+                <a:schemeClr val="accent1"/>
+              </a:fillRef>
+              <a:effectRef idx="0">
+                <a:schemeClr val="accent1"/>
+              </a:effectRef>
+              <a:fontRef idx="minor">
+                <a:schemeClr val="lt1"/>
+              </a:fontRef>
+            </p:style>
+            <p:txBody>
+              <a:bodyPr rtlCol="0" anchor="ctr"/>
+              <a:lstStyle/>
+              <a:p>
+                <a:pPr algn="ctr"/>
+                <a:endParaRPr lang="ko-KR" altLang="en-US">
+                  <a:solidFill>
+                    <a:schemeClr val="tx1"/>
+                  </a:solidFill>
+                </a:endParaRPr>
+              </a:p>
+            </p:txBody>
+          </p:sp>
+          <p:sp>
+            <p:nvSpPr>
+              <p:cNvPr id="16" name="타원 15">
+                <a:extLst>
+                  <a:ext uri="{FF2B5EF4-FFF2-40B4-BE49-F238E27FC236}">
+                    <a16:creationId xmlns:a16="http://schemas.microsoft.com/office/drawing/2014/main" id="{AF948F1E-AB36-633E-0763-1C9A38A6C214}"/>
+                  </a:ext>
+                </a:extLst>
+              </p:cNvPr>
+              <p:cNvSpPr/>
+              <p:nvPr/>
+            </p:nvSpPr>
+            <p:spPr>
+              <a:xfrm>
+                <a:off x="5841772" y="4834150"/>
+                <a:ext cx="85297" cy="85297"/>
+              </a:xfrm>
+              <a:prstGeom prst="ellipse">
+                <a:avLst/>
+              </a:prstGeom>
+              <a:solidFill>
+                <a:schemeClr val="tx1"/>
+              </a:solidFill>
+              <a:ln>
+                <a:solidFill>
+                  <a:schemeClr val="tx1"/>
+                </a:solidFill>
+              </a:ln>
+            </p:spPr>
+            <p:style>
+              <a:lnRef idx="2">
+                <a:schemeClr val="accent1">
+                  <a:shade val="15000"/>
+                </a:schemeClr>
+              </a:lnRef>
+              <a:fillRef idx="1">
+                <a:schemeClr val="accent1"/>
+              </a:fillRef>
+              <a:effectRef idx="0">
+                <a:schemeClr val="accent1"/>
+              </a:effectRef>
+              <a:fontRef idx="minor">
+                <a:schemeClr val="lt1"/>
+              </a:fontRef>
+            </p:style>
+            <p:txBody>
+              <a:bodyPr rtlCol="0" anchor="ctr"/>
+              <a:lstStyle/>
+              <a:p>
+                <a:pPr algn="ctr"/>
+                <a:endParaRPr lang="ko-KR" altLang="en-US"/>
+              </a:p>
+            </p:txBody>
+          </p:sp>
+          <mc:AlternateContent xmlns:mc="http://schemas.openxmlformats.org/markup-compatibility/2006" xmlns:a14="http://schemas.microsoft.com/office/drawing/2010/main">
+            <mc:Choice Requires="a14">
+              <p:sp>
+                <p:nvSpPr>
+                  <p:cNvPr id="17" name="TextBox 16">
+                    <a:extLst>
+                      <a:ext uri="{FF2B5EF4-FFF2-40B4-BE49-F238E27FC236}">
+                        <a16:creationId xmlns:a16="http://schemas.microsoft.com/office/drawing/2014/main" id="{BB0900EE-5974-D5BB-9E99-B3E9BF26FD6E}"/>
+                      </a:ext>
+                    </a:extLst>
+                  </p:cNvPr>
+                  <p:cNvSpPr txBox="1"/>
+                  <p:nvPr/>
+                </p:nvSpPr>
+                <p:spPr>
+                  <a:xfrm>
+                    <a:off x="5560753" y="5364791"/>
+                    <a:ext cx="245260" cy="276999"/>
+                  </a:xfrm>
+                  <a:prstGeom prst="rect">
+                    <a:avLst/>
+                  </a:prstGeom>
+                  <a:noFill/>
+                </p:spPr>
+                <p:txBody>
+                  <a:bodyPr wrap="none" lIns="0" tIns="0" rIns="0" bIns="0" rtlCol="0">
+                    <a:spAutoFit/>
+                  </a:bodyPr>
+                  <a:lstStyle/>
+                  <a:p>
+                    <a:pPr/>
+                    <a14:m>
+                      <m:oMathPara xmlns:m="http://schemas.openxmlformats.org/officeDocument/2006/math">
+                        <m:oMathParaPr>
+                          <m:jc m:val="center"/>
+                        </m:oMathParaPr>
+                        <m:oMath xmlns:m="http://schemas.openxmlformats.org/officeDocument/2006/math">
+                          <m:r>
+                            <m:rPr>
+                              <m:sty m:val="p"/>
+                            </m:rPr>
+                            <a:rPr lang="en-US" altLang="ko-KR" b="0" i="1" smtClean="0">
+                              <a:solidFill>
+                                <a:srgbClr val="FFC000"/>
+                              </a:solidFill>
+                              <a:latin typeface="Cambria Math" panose="02040503050406030204" pitchFamily="18" charset="0"/>
+                            </a:rPr>
+                            <m:t>ϕ</m:t>
+                          </m:r>
+                        </m:oMath>
+                      </m:oMathPara>
+                    </a14:m>
+                    <a:endParaRPr lang="en-US" altLang="ko-KR" b="0">
+                      <a:solidFill>
+                        <a:srgbClr val="FFC000"/>
+                      </a:solidFill>
+                    </a:endParaRPr>
+                  </a:p>
+                </p:txBody>
+              </p:sp>
+            </mc:Choice>
+            <mc:Fallback xmlns="">
+              <p:sp>
+                <p:nvSpPr>
+                  <p:cNvPr id="99" name="TextBox 98">
+                    <a:extLst>
+                      <a:ext uri="{FF2B5EF4-FFF2-40B4-BE49-F238E27FC236}">
+                        <a16:creationId xmlns:a16="http://schemas.microsoft.com/office/drawing/2014/main" id="{7F8C04F4-C071-57F7-58E0-1AB921CC16E3}"/>
+                      </a:ext>
+                    </a:extLst>
+                  </p:cNvPr>
+                  <p:cNvSpPr txBox="1">
+                    <a:spLocks noRot="1" noChangeAspect="1" noMove="1" noResize="1" noEditPoints="1" noAdjustHandles="1" noChangeArrowheads="1" noChangeShapeType="1" noTextEdit="1"/>
+                  </p:cNvSpPr>
+                  <p:nvPr/>
+                </p:nvSpPr>
+                <p:spPr>
+                  <a:xfrm>
+                    <a:off x="5560753" y="5364791"/>
+                    <a:ext cx="245260" cy="276999"/>
+                  </a:xfrm>
+                  <a:prstGeom prst="rect">
+                    <a:avLst/>
+                  </a:prstGeom>
+                  <a:blipFill>
+                    <a:blip r:embed="rId3"/>
+                    <a:stretch>
+                      <a:fillRect l="-24390" r="-26829" b="-40000"/>
+                    </a:stretch>
+                  </a:blipFill>
+                </p:spPr>
+                <p:txBody>
+                  <a:bodyPr/>
+                  <a:lstStyle/>
+                  <a:p>
+                    <a:r>
+                      <a:rPr lang="ko-KR" altLang="en-US">
+                        <a:noFill/>
+                      </a:rPr>
+                      <a:t> </a:t>
+                    </a:r>
+                  </a:p>
+                </p:txBody>
+              </p:sp>
+            </mc:Fallback>
+          </mc:AlternateContent>
+          <mc:AlternateContent xmlns:mc="http://schemas.openxmlformats.org/markup-compatibility/2006">
+            <mc:Choice xmlns:a14="http://schemas.microsoft.com/office/drawing/2010/main" Requires="a14">
+              <p:sp>
+                <p:nvSpPr>
+                  <p:cNvPr id="18" name="TextBox 17">
+                    <a:extLst>
+                      <a:ext uri="{FF2B5EF4-FFF2-40B4-BE49-F238E27FC236}">
+                        <a16:creationId xmlns:a16="http://schemas.microsoft.com/office/drawing/2014/main" id="{1716300B-2A6E-E56B-9426-484A5E41C4F2}"/>
+                      </a:ext>
+                    </a:extLst>
+                  </p:cNvPr>
+                  <p:cNvSpPr txBox="1"/>
+                  <p:nvPr/>
+                </p:nvSpPr>
+                <p:spPr>
+                  <a:xfrm>
+                    <a:off x="5932335" y="4223835"/>
+                    <a:ext cx="195823" cy="276999"/>
+                  </a:xfrm>
+                  <a:prstGeom prst="rect">
+                    <a:avLst/>
+                  </a:prstGeom>
+                  <a:noFill/>
+                </p:spPr>
+                <p:txBody>
+                  <a:bodyPr wrap="none" lIns="0" tIns="0" rIns="0" bIns="0" rtlCol="0">
+                    <a:spAutoFit/>
+                  </a:bodyPr>
+                  <a:lstStyle/>
+                  <a:p>
+                    <a:pPr/>
+                    <a14:m>
+                      <m:oMathPara xmlns:m="http://schemas.openxmlformats.org/officeDocument/2006/math">
+                        <m:oMathParaPr>
+                          <m:jc m:val="center"/>
+                        </m:oMathParaPr>
+                        <m:oMath xmlns:m="http://schemas.openxmlformats.org/officeDocument/2006/math">
+                          <m:r>
+                            <a:rPr lang="en-US" altLang="ko-KR" b="0" i="1" smtClean="0">
+                              <a:solidFill>
+                                <a:srgbClr val="00FFFF"/>
+                              </a:solidFill>
+                              <a:latin typeface="Cambria Math" panose="02040503050406030204" pitchFamily="18" charset="0"/>
+                            </a:rPr>
+                            <m:t>𝑟</m:t>
+                          </m:r>
+                        </m:oMath>
+                      </m:oMathPara>
+                    </a14:m>
+                    <a:endParaRPr lang="en-US" altLang="ko-KR" b="0">
+                      <a:solidFill>
+                        <a:srgbClr val="FFC000"/>
+                      </a:solidFill>
+                    </a:endParaRPr>
+                  </a:p>
+                </p:txBody>
+              </p:sp>
+            </mc:Choice>
+            <mc:Fallback>
+              <p:sp>
+                <p:nvSpPr>
+                  <p:cNvPr id="18" name="TextBox 17">
+                    <a:extLst>
+                      <a:ext uri="{FF2B5EF4-FFF2-40B4-BE49-F238E27FC236}">
+                        <a16:creationId xmlns:a16="http://schemas.microsoft.com/office/drawing/2014/main" id="{1716300B-2A6E-E56B-9426-484A5E41C4F2}"/>
+                      </a:ext>
+                    </a:extLst>
+                  </p:cNvPr>
+                  <p:cNvSpPr txBox="1">
+                    <a:spLocks noRot="1" noChangeAspect="1" noMove="1" noResize="1" noEditPoints="1" noAdjustHandles="1" noChangeArrowheads="1" noChangeShapeType="1" noTextEdit="1"/>
+                  </p:cNvSpPr>
+                  <p:nvPr/>
+                </p:nvSpPr>
+                <p:spPr>
+                  <a:xfrm>
+                    <a:off x="5932335" y="4223835"/>
+                    <a:ext cx="195823" cy="276999"/>
+                  </a:xfrm>
+                  <a:prstGeom prst="rect">
+                    <a:avLst/>
+                  </a:prstGeom>
+                  <a:blipFill>
+                    <a:blip r:embed="rId4"/>
+                    <a:stretch>
+                      <a:fillRect l="-9375" r="-9375" b="-4444"/>
+                    </a:stretch>
+                  </a:blipFill>
+                </p:spPr>
+                <p:txBody>
+                  <a:bodyPr/>
+                  <a:lstStyle/>
+                  <a:p>
+                    <a:r>
+                      <a:rPr lang="ko-KR" altLang="en-US">
+                        <a:noFill/>
+                      </a:rPr>
+                      <a:t> </a:t>
+                    </a:r>
+                  </a:p>
+                </p:txBody>
+              </p:sp>
+            </mc:Fallback>
+          </mc:AlternateContent>
+          <mc:AlternateContent xmlns:mc="http://schemas.openxmlformats.org/markup-compatibility/2006">
+            <mc:Choice xmlns:a14="http://schemas.microsoft.com/office/drawing/2010/main" Requires="a14">
+              <p:sp>
+                <p:nvSpPr>
+                  <p:cNvPr id="19" name="TextBox 18">
+                    <a:extLst>
+                      <a:ext uri="{FF2B5EF4-FFF2-40B4-BE49-F238E27FC236}">
+                        <a16:creationId xmlns:a16="http://schemas.microsoft.com/office/drawing/2014/main" id="{00517D2D-076C-AF67-0EA7-F67E0D010F44}"/>
+                      </a:ext>
+                    </a:extLst>
+                  </p:cNvPr>
+                  <p:cNvSpPr txBox="1"/>
+                  <p:nvPr/>
+                </p:nvSpPr>
+                <p:spPr>
+                  <a:xfrm>
+                    <a:off x="6251250" y="3822759"/>
+                    <a:ext cx="1008225" cy="276999"/>
+                  </a:xfrm>
+                  <a:prstGeom prst="rect">
+                    <a:avLst/>
+                  </a:prstGeom>
+                  <a:noFill/>
+                </p:spPr>
+                <p:txBody>
+                  <a:bodyPr wrap="none" lIns="0" tIns="0" rIns="0" bIns="0" rtlCol="0">
+                    <a:spAutoFit/>
+                  </a:bodyPr>
+                  <a:lstStyle/>
+                  <a:p>
+                    <a:pPr/>
+                    <a14:m>
+                      <m:oMathPara xmlns:m="http://schemas.openxmlformats.org/officeDocument/2006/math">
+                        <m:oMathParaPr>
+                          <m:jc m:val="centerGroup"/>
+                        </m:oMathParaPr>
+                        <m:oMath xmlns:m="http://schemas.openxmlformats.org/officeDocument/2006/math">
+                          <m:r>
+                            <a:rPr lang="en-US" altLang="ko-KR" b="0" i="1" smtClean="0">
+                              <a:latin typeface="Cambria Math" panose="02040503050406030204" pitchFamily="18" charset="0"/>
+                            </a:rPr>
+                            <m:t>𝑃</m:t>
+                          </m:r>
+                          <m:r>
+                            <a:rPr lang="en-US" altLang="ko-KR" b="0" i="1" smtClean="0">
+                              <a:latin typeface="Cambria Math" panose="02040503050406030204" pitchFamily="18" charset="0"/>
+                            </a:rPr>
+                            <m:t>(</m:t>
+                          </m:r>
+                          <m:r>
+                            <a:rPr lang="en-US" altLang="ko-KR" b="0" i="1" smtClean="0">
+                              <a:latin typeface="Cambria Math" panose="02040503050406030204" pitchFamily="18" charset="0"/>
+                            </a:rPr>
+                            <m:t>𝑟</m:t>
+                          </m:r>
+                          <m:r>
+                            <a:rPr lang="en-US" altLang="ko-KR" b="0" i="1" smtClean="0">
+                              <a:latin typeface="Cambria Math" panose="02040503050406030204" pitchFamily="18" charset="0"/>
+                            </a:rPr>
+                            <m:t>, </m:t>
+                          </m:r>
+                          <m:r>
+                            <a:rPr lang="en-US" altLang="ko-KR" b="0" i="1" smtClean="0">
+                              <a:latin typeface="Cambria Math" panose="02040503050406030204" pitchFamily="18" charset="0"/>
+                            </a:rPr>
+                            <m:t>𝜃</m:t>
+                          </m:r>
+                          <m:r>
+                            <a:rPr lang="en-US" altLang="ko-KR" b="0" i="1" smtClean="0">
+                              <a:latin typeface="Cambria Math" panose="02040503050406030204" pitchFamily="18" charset="0"/>
+                            </a:rPr>
+                            <m:t>, </m:t>
+                          </m:r>
+                          <m:r>
+                            <a:rPr lang="en-US" altLang="ko-KR" b="0" i="1" smtClean="0">
+                              <a:latin typeface="Cambria Math" panose="02040503050406030204" pitchFamily="18" charset="0"/>
+                            </a:rPr>
+                            <m:t>𝜙</m:t>
+                          </m:r>
+                          <m:r>
+                            <a:rPr lang="en-US" altLang="ko-KR" b="0" i="1" smtClean="0">
+                              <a:latin typeface="Cambria Math" panose="02040503050406030204" pitchFamily="18" charset="0"/>
+                            </a:rPr>
+                            <m:t>)</m:t>
+                          </m:r>
+                        </m:oMath>
+                      </m:oMathPara>
+                    </a14:m>
+                    <a:endParaRPr lang="ko-KR" altLang="en-US"/>
+                  </a:p>
+                </p:txBody>
+              </p:sp>
+            </mc:Choice>
+            <mc:Fallback>
+              <p:sp>
+                <p:nvSpPr>
+                  <p:cNvPr id="19" name="TextBox 18">
+                    <a:extLst>
+                      <a:ext uri="{FF2B5EF4-FFF2-40B4-BE49-F238E27FC236}">
+                        <a16:creationId xmlns:a16="http://schemas.microsoft.com/office/drawing/2014/main" id="{00517D2D-076C-AF67-0EA7-F67E0D010F44}"/>
+                      </a:ext>
+                    </a:extLst>
+                  </p:cNvPr>
+                  <p:cNvSpPr txBox="1">
+                    <a:spLocks noRot="1" noChangeAspect="1" noMove="1" noResize="1" noEditPoints="1" noAdjustHandles="1" noChangeArrowheads="1" noChangeShapeType="1" noTextEdit="1"/>
+                  </p:cNvSpPr>
+                  <p:nvPr/>
+                </p:nvSpPr>
+                <p:spPr>
+                  <a:xfrm>
+                    <a:off x="6251250" y="3822759"/>
+                    <a:ext cx="1008225" cy="276999"/>
+                  </a:xfrm>
+                  <a:prstGeom prst="rect">
+                    <a:avLst/>
+                  </a:prstGeom>
+                  <a:blipFill>
+                    <a:blip r:embed="rId5"/>
+                    <a:stretch>
+                      <a:fillRect l="-3636" r="-6667" b="-40000"/>
+                    </a:stretch>
+                  </a:blipFill>
+                </p:spPr>
+                <p:txBody>
+                  <a:bodyPr/>
+                  <a:lstStyle/>
+                  <a:p>
+                    <a:r>
+                      <a:rPr lang="ko-KR" altLang="en-US">
+                        <a:noFill/>
+                      </a:rPr>
+                      <a:t> </a:t>
+                    </a:r>
+                  </a:p>
+                </p:txBody>
+              </p:sp>
+            </mc:Fallback>
+          </mc:AlternateContent>
+        </p:grpSp>
+        <p:sp>
+          <p:nvSpPr>
+            <p:cNvPr id="7" name="화살표: 왼쪽/오른쪽 6">
+              <a:extLst>
+                <a:ext uri="{FF2B5EF4-FFF2-40B4-BE49-F238E27FC236}">
+                  <a16:creationId xmlns:a16="http://schemas.microsoft.com/office/drawing/2014/main" id="{D456D676-F00E-48DD-DC45-D813B6F668F9}"/>
+                </a:ext>
+              </a:extLst>
+            </p:cNvPr>
+            <p:cNvSpPr/>
+            <p:nvPr/>
+          </p:nvSpPr>
+          <p:spPr>
+            <a:xfrm>
+              <a:off x="3709018" y="4238258"/>
+              <a:ext cx="848659" cy="457466"/>
+            </a:xfrm>
+            <a:prstGeom prst="leftRightArrow">
+              <a:avLst/>
+            </a:prstGeom>
+            <a:solidFill>
+              <a:schemeClr val="accent4">
+                <a:alpha val="50000"/>
+              </a:schemeClr>
+            </a:solidFill>
+            <a:ln>
+              <a:noFill/>
+            </a:ln>
+          </p:spPr>
+          <p:style>
+            <a:lnRef idx="0">
+              <a:scrgbClr r="0" g="0" b="0"/>
+            </a:lnRef>
+            <a:fillRef idx="0">
+              <a:scrgbClr r="0" g="0" b="0"/>
+            </a:fillRef>
+            <a:effectRef idx="0">
+              <a:scrgbClr r="0" g="0" b="0"/>
+            </a:effectRef>
+            <a:fontRef idx="minor">
+              <a:schemeClr val="lt1"/>
+            </a:fontRef>
+          </p:style>
+          <p:txBody>
+            <a:bodyPr rtlCol="0" anchor="ctr"/>
+            <a:lstStyle/>
+            <a:p>
+              <a:pPr algn="ctr"/>
+              <a:endParaRPr lang="ko-KR" altLang="en-US"/>
+            </a:p>
+          </p:txBody>
+        </p:sp>
+        <p:sp>
+          <p:nvSpPr>
+            <p:cNvPr id="8" name="TextBox 7">
+              <a:extLst>
+                <a:ext uri="{FF2B5EF4-FFF2-40B4-BE49-F238E27FC236}">
+                  <a16:creationId xmlns:a16="http://schemas.microsoft.com/office/drawing/2014/main" id="{7DC7960B-215D-5E3C-2890-4FB6FAD4E7B0}"/>
+                </a:ext>
+              </a:extLst>
+            </p:cNvPr>
+            <p:cNvSpPr txBox="1"/>
+            <p:nvPr/>
+          </p:nvSpPr>
+          <p:spPr>
+            <a:xfrm>
+              <a:off x="1195271" y="2913045"/>
+              <a:ext cx="1261884" cy="369332"/>
+            </a:xfrm>
+            <a:prstGeom prst="rect">
+              <a:avLst/>
+            </a:prstGeom>
+            <a:noFill/>
+          </p:spPr>
+          <p:txBody>
+            <a:bodyPr wrap="none" rtlCol="0">
+              <a:spAutoFit/>
+            </a:bodyPr>
+            <a:lstStyle/>
+            <a:p>
+              <a:r>
+                <a:rPr lang="ko-KR" altLang="en-US">
+                  <a:latin typeface="나눔바른고딕" panose="020B0603020101020101" pitchFamily="50" charset="-127"/>
+                  <a:ea typeface="나눔바른고딕" panose="020B0603020101020101" pitchFamily="50" charset="-127"/>
+                </a:rPr>
+                <a:t>직교 좌표계</a:t>
+              </a:r>
+            </a:p>
+          </p:txBody>
+        </p:sp>
+        <p:sp>
+          <p:nvSpPr>
+            <p:cNvPr id="9" name="TextBox 8">
+              <a:extLst>
+                <a:ext uri="{FF2B5EF4-FFF2-40B4-BE49-F238E27FC236}">
+                  <a16:creationId xmlns:a16="http://schemas.microsoft.com/office/drawing/2014/main" id="{01A8B027-DB59-A878-1A86-F8B4A90BD0BE}"/>
+                </a:ext>
+              </a:extLst>
+            </p:cNvPr>
+            <p:cNvSpPr txBox="1"/>
+            <p:nvPr/>
+          </p:nvSpPr>
+          <p:spPr>
+            <a:xfrm>
+              <a:off x="5494349" y="2913045"/>
+              <a:ext cx="1261884" cy="369332"/>
+            </a:xfrm>
+            <a:prstGeom prst="rect">
+              <a:avLst/>
+            </a:prstGeom>
+            <a:noFill/>
+          </p:spPr>
+          <p:txBody>
+            <a:bodyPr wrap="none" rtlCol="0">
+              <a:spAutoFit/>
+            </a:bodyPr>
+            <a:lstStyle/>
+            <a:p>
+              <a:r>
+                <a:rPr lang="ko-KR" altLang="en-US">
+                  <a:latin typeface="나눔바른고딕" panose="020B0603020101020101" pitchFamily="50" charset="-127"/>
+                  <a:ea typeface="나눔바른고딕" panose="020B0603020101020101" pitchFamily="50" charset="-127"/>
+                </a:rPr>
+                <a:t>구면 좌표계</a:t>
+              </a:r>
+            </a:p>
+          </p:txBody>
+        </p:sp>
+      </p:grpSp>
+      <p:grpSp>
+        <p:nvGrpSpPr>
+          <p:cNvPr id="49" name="그룹 48">
+            <a:extLst>
+              <a:ext uri="{FF2B5EF4-FFF2-40B4-BE49-F238E27FC236}">
+                <a16:creationId xmlns:a16="http://schemas.microsoft.com/office/drawing/2014/main" id="{E94EF24A-F83A-8DEE-1DA4-880C737E301C}"/>
+              </a:ext>
+            </a:extLst>
+          </p:cNvPr>
+          <p:cNvGrpSpPr/>
+          <p:nvPr/>
+        </p:nvGrpSpPr>
+        <p:grpSpPr>
+          <a:xfrm>
+            <a:off x="1466338" y="342997"/>
+            <a:ext cx="5238750" cy="2305050"/>
+            <a:chOff x="525902" y="1011879"/>
+            <a:chExt cx="5238750" cy="2305050"/>
+          </a:xfrm>
+        </p:grpSpPr>
+        <p:pic>
+          <p:nvPicPr>
+            <p:cNvPr id="50" name="Picture 2" descr="원통 좌표계와 구면 좌표계">
+              <a:extLst>
+                <a:ext uri="{FF2B5EF4-FFF2-40B4-BE49-F238E27FC236}">
+                  <a16:creationId xmlns:a16="http://schemas.microsoft.com/office/drawing/2014/main" id="{569DE1CE-997E-1C75-8370-43BAFC9E6A68}"/>
+                </a:ext>
+              </a:extLst>
+            </p:cNvPr>
+            <p:cNvPicPr>
+              <a:picLocks noChangeAspect="1" noChangeArrowheads="1"/>
+            </p:cNvPicPr>
+            <p:nvPr/>
+          </p:nvPicPr>
+          <p:blipFill>
+            <a:blip r:embed="rId6">
+              <a:extLst>
+                <a:ext uri="{28A0092B-C50C-407E-A947-70E740481C1C}">
+                  <a14:useLocalDpi xmlns:a14="http://schemas.microsoft.com/office/drawing/2010/main" val="0"/>
+                </a:ext>
+              </a:extLst>
+            </a:blip>
+            <a:srcRect/>
+            <a:stretch>
+              <a:fillRect/>
+            </a:stretch>
+          </p:blipFill>
+          <p:spPr bwMode="auto">
+            <a:xfrm>
+              <a:off x="525902" y="1011879"/>
+              <a:ext cx="5238750" cy="2305050"/>
+            </a:xfrm>
+            <a:prstGeom prst="rect">
+              <a:avLst/>
+            </a:prstGeom>
+            <a:noFill/>
+            <a:extLst>
+              <a:ext uri="{909E8E84-426E-40DD-AFC4-6F175D3DCCD1}">
+                <a14:hiddenFill xmlns:a14="http://schemas.microsoft.com/office/drawing/2010/main">
+                  <a:solidFill>
+                    <a:srgbClr val="FFFFFF"/>
+                  </a:solidFill>
+                </a14:hiddenFill>
+              </a:ext>
+            </a:extLst>
+          </p:spPr>
+        </p:pic>
+        <mc:AlternateContent xmlns:mc="http://schemas.openxmlformats.org/markup-compatibility/2006" xmlns:a14="http://schemas.microsoft.com/office/drawing/2010/main">
+          <mc:Choice Requires="a14">
+            <p:sp>
+              <p:nvSpPr>
+                <p:cNvPr id="51" name="TextBox 50">
+                  <a:extLst>
+                    <a:ext uri="{FF2B5EF4-FFF2-40B4-BE49-F238E27FC236}">
+                      <a16:creationId xmlns:a16="http://schemas.microsoft.com/office/drawing/2014/main" id="{24C7F7A8-6E70-F3E6-FF9D-2E6AB429EC92}"/>
+                    </a:ext>
+                  </a:extLst>
+                </p:cNvPr>
+                <p:cNvSpPr txBox="1"/>
+                <p:nvPr/>
+              </p:nvSpPr>
+              <p:spPr>
+                <a:xfrm>
+                  <a:off x="2228850" y="2509838"/>
+                  <a:ext cx="104775" cy="169277"/>
+                </a:xfrm>
+                <a:prstGeom prst="rect">
+                  <a:avLst/>
+                </a:prstGeom>
+                <a:solidFill>
+                  <a:srgbClr val="FFFFFF"/>
+                </a:solidFill>
+                <a:ln>
+                  <a:solidFill>
+                    <a:srgbClr val="FFFFFF"/>
+                  </a:solidFill>
+                </a:ln>
+              </p:spPr>
+              <p:txBody>
+                <a:bodyPr wrap="square" lIns="0" tIns="0" rIns="0" bIns="0" rtlCol="0">
+                  <a:spAutoFit/>
+                </a:bodyPr>
+                <a:lstStyle/>
+                <a:p>
+                  <a:pPr/>
+                  <a14:m>
+                    <m:oMathPara xmlns:m="http://schemas.openxmlformats.org/officeDocument/2006/math">
+                      <m:oMathParaPr>
+                        <m:jc m:val="centerGroup"/>
+                      </m:oMathParaPr>
+                      <m:oMath xmlns:m="http://schemas.openxmlformats.org/officeDocument/2006/math">
+                        <m:r>
+                          <a:rPr lang="en-US" altLang="ko-KR" sz="1100" b="0" i="1" smtClean="0">
+                            <a:latin typeface="Cambria Math" panose="02040503050406030204" pitchFamily="18" charset="0"/>
+                          </a:rPr>
+                          <m:t>𝑟</m:t>
+                        </m:r>
+                      </m:oMath>
+                    </m:oMathPara>
+                  </a14:m>
+                  <a:endParaRPr lang="ko-KR" altLang="en-US" sz="1100"/>
+                </a:p>
+              </p:txBody>
+            </p:sp>
+          </mc:Choice>
+          <mc:Fallback xmlns="">
+            <p:sp>
+              <p:nvSpPr>
+                <p:cNvPr id="7" name="TextBox 6">
+                  <a:extLst>
+                    <a:ext uri="{FF2B5EF4-FFF2-40B4-BE49-F238E27FC236}">
+                      <a16:creationId xmlns:a16="http://schemas.microsoft.com/office/drawing/2014/main" id="{2DE4FF90-C2F6-0B61-FFCF-6810402F455D}"/>
+                    </a:ext>
+                  </a:extLst>
+                </p:cNvPr>
+                <p:cNvSpPr txBox="1">
+                  <a:spLocks noRot="1" noChangeAspect="1" noMove="1" noResize="1" noEditPoints="1" noAdjustHandles="1" noChangeArrowheads="1" noChangeShapeType="1" noTextEdit="1"/>
+                </p:cNvSpPr>
+                <p:nvPr/>
+              </p:nvSpPr>
+              <p:spPr>
+                <a:xfrm>
+                  <a:off x="2228850" y="2509838"/>
+                  <a:ext cx="104775" cy="169277"/>
+                </a:xfrm>
+                <a:prstGeom prst="rect">
+                  <a:avLst/>
+                </a:prstGeom>
+                <a:blipFill>
+                  <a:blip r:embed="rId7"/>
+                  <a:stretch>
+                    <a:fillRect l="-10000" r="-5000"/>
+                  </a:stretch>
+                </a:blipFill>
+                <a:ln>
+                  <a:solidFill>
+                    <a:srgbClr val="FFFFFF"/>
+                  </a:solidFill>
+                </a:ln>
+              </p:spPr>
+              <p:txBody>
+                <a:bodyPr/>
+                <a:lstStyle/>
+                <a:p>
+                  <a:r>
+                    <a:rPr lang="ko-KR" altLang="en-US">
+                      <a:noFill/>
+                    </a:rPr>
+                    <a:t> </a:t>
+                  </a:r>
+                </a:p>
+              </p:txBody>
+            </p:sp>
+          </mc:Fallback>
+        </mc:AlternateContent>
+        <mc:AlternateContent xmlns:mc="http://schemas.openxmlformats.org/markup-compatibility/2006" xmlns:a14="http://schemas.microsoft.com/office/drawing/2010/main">
+          <mc:Choice Requires="a14">
+            <p:sp>
+              <p:nvSpPr>
+                <p:cNvPr id="52" name="TextBox 51">
+                  <a:extLst>
+                    <a:ext uri="{FF2B5EF4-FFF2-40B4-BE49-F238E27FC236}">
+                      <a16:creationId xmlns:a16="http://schemas.microsoft.com/office/drawing/2014/main" id="{8C0B0843-C2B4-6BE6-48B0-8B6259174040}"/>
+                    </a:ext>
+                  </a:extLst>
+                </p:cNvPr>
+                <p:cNvSpPr txBox="1"/>
+                <p:nvPr/>
+              </p:nvSpPr>
+              <p:spPr>
+                <a:xfrm>
+                  <a:off x="3328990" y="2509842"/>
+                  <a:ext cx="104775" cy="169277"/>
+                </a:xfrm>
+                <a:prstGeom prst="rect">
+                  <a:avLst/>
+                </a:prstGeom>
+                <a:solidFill>
+                  <a:srgbClr val="FFFFFF"/>
+                </a:solidFill>
+                <a:ln>
+                  <a:solidFill>
+                    <a:srgbClr val="FFFFFF"/>
+                  </a:solidFill>
+                </a:ln>
+              </p:spPr>
+              <p:txBody>
+                <a:bodyPr wrap="square" lIns="0" tIns="0" rIns="0" bIns="0" rtlCol="0">
+                  <a:spAutoFit/>
+                </a:bodyPr>
+                <a:lstStyle/>
+                <a:p>
+                  <a:pPr/>
+                  <a14:m>
+                    <m:oMathPara xmlns:m="http://schemas.openxmlformats.org/officeDocument/2006/math">
+                      <m:oMathParaPr>
+                        <m:jc m:val="centerGroup"/>
+                      </m:oMathParaPr>
+                      <m:oMath xmlns:m="http://schemas.openxmlformats.org/officeDocument/2006/math">
+                        <m:r>
+                          <a:rPr lang="en-US" altLang="ko-KR" sz="1100" b="0" i="1" smtClean="0">
+                            <a:latin typeface="Cambria Math" panose="02040503050406030204" pitchFamily="18" charset="0"/>
+                          </a:rPr>
+                          <m:t>𝑟</m:t>
+                        </m:r>
+                      </m:oMath>
+                    </m:oMathPara>
+                  </a14:m>
+                  <a:endParaRPr lang="ko-KR" altLang="en-US" sz="1100"/>
+                </a:p>
+              </p:txBody>
+            </p:sp>
+          </mc:Choice>
+          <mc:Fallback xmlns="">
+            <p:sp>
+              <p:nvSpPr>
+                <p:cNvPr id="8" name="TextBox 7">
+                  <a:extLst>
+                    <a:ext uri="{FF2B5EF4-FFF2-40B4-BE49-F238E27FC236}">
+                      <a16:creationId xmlns:a16="http://schemas.microsoft.com/office/drawing/2014/main" id="{40E8B4CB-D910-55EA-EB6F-3C736E10378D}"/>
+                    </a:ext>
+                  </a:extLst>
+                </p:cNvPr>
+                <p:cNvSpPr txBox="1">
+                  <a:spLocks noRot="1" noChangeAspect="1" noMove="1" noResize="1" noEditPoints="1" noAdjustHandles="1" noChangeArrowheads="1" noChangeShapeType="1" noTextEdit="1"/>
+                </p:cNvSpPr>
+                <p:nvPr/>
+              </p:nvSpPr>
+              <p:spPr>
+                <a:xfrm>
+                  <a:off x="3328990" y="2509842"/>
+                  <a:ext cx="104775" cy="169277"/>
+                </a:xfrm>
+                <a:prstGeom prst="rect">
+                  <a:avLst/>
+                </a:prstGeom>
+                <a:blipFill>
+                  <a:blip r:embed="rId8"/>
+                  <a:stretch>
+                    <a:fillRect l="-10526" r="-10526"/>
+                  </a:stretch>
+                </a:blipFill>
+                <a:ln>
+                  <a:solidFill>
+                    <a:srgbClr val="FFFFFF"/>
+                  </a:solidFill>
+                </a:ln>
+              </p:spPr>
+              <p:txBody>
+                <a:bodyPr/>
+                <a:lstStyle/>
+                <a:p>
+                  <a:r>
+                    <a:rPr lang="ko-KR" altLang="en-US">
+                      <a:noFill/>
+                    </a:rPr>
+                    <a:t> </a:t>
+                  </a:r>
+                </a:p>
+              </p:txBody>
+            </p:sp>
+          </mc:Fallback>
+        </mc:AlternateContent>
+        <mc:AlternateContent xmlns:mc="http://schemas.openxmlformats.org/markup-compatibility/2006" xmlns:a14="http://schemas.microsoft.com/office/drawing/2010/main">
+          <mc:Choice Requires="a14">
+            <p:sp>
+              <p:nvSpPr>
+                <p:cNvPr id="53" name="TextBox 52">
+                  <a:extLst>
+                    <a:ext uri="{FF2B5EF4-FFF2-40B4-BE49-F238E27FC236}">
+                      <a16:creationId xmlns:a16="http://schemas.microsoft.com/office/drawing/2014/main" id="{0F2A6525-F6BE-22BC-9144-D0E530279C8A}"/>
+                    </a:ext>
+                  </a:extLst>
+                </p:cNvPr>
+                <p:cNvSpPr txBox="1"/>
+                <p:nvPr/>
+              </p:nvSpPr>
+              <p:spPr>
+                <a:xfrm>
+                  <a:off x="3328990" y="2706004"/>
+                  <a:ext cx="104775" cy="169277"/>
+                </a:xfrm>
+                <a:prstGeom prst="rect">
+                  <a:avLst/>
+                </a:prstGeom>
+                <a:solidFill>
+                  <a:srgbClr val="FFFFFF"/>
+                </a:solidFill>
+                <a:ln>
+                  <a:solidFill>
+                    <a:srgbClr val="FFFFFF"/>
+                  </a:solidFill>
+                </a:ln>
+              </p:spPr>
+              <p:txBody>
+                <a:bodyPr wrap="square" lIns="0" tIns="0" rIns="0" bIns="0" rtlCol="0">
+                  <a:spAutoFit/>
+                </a:bodyPr>
+                <a:lstStyle/>
+                <a:p>
+                  <a:pPr/>
+                  <a14:m>
+                    <m:oMathPara xmlns:m="http://schemas.openxmlformats.org/officeDocument/2006/math">
+                      <m:oMathParaPr>
+                        <m:jc m:val="centerGroup"/>
+                      </m:oMathParaPr>
+                      <m:oMath xmlns:m="http://schemas.openxmlformats.org/officeDocument/2006/math">
+                        <m:r>
+                          <a:rPr lang="en-US" altLang="ko-KR" sz="1100" b="0" i="1" smtClean="0">
+                            <a:latin typeface="Cambria Math" panose="02040503050406030204" pitchFamily="18" charset="0"/>
+                          </a:rPr>
+                          <m:t>𝑟</m:t>
+                        </m:r>
+                      </m:oMath>
+                    </m:oMathPara>
+                  </a14:m>
+                  <a:endParaRPr lang="ko-KR" altLang="en-US" sz="1100"/>
+                </a:p>
+              </p:txBody>
+            </p:sp>
+          </mc:Choice>
+          <mc:Fallback xmlns="">
+            <p:sp>
+              <p:nvSpPr>
+                <p:cNvPr id="9" name="TextBox 8">
+                  <a:extLst>
+                    <a:ext uri="{FF2B5EF4-FFF2-40B4-BE49-F238E27FC236}">
+                      <a16:creationId xmlns:a16="http://schemas.microsoft.com/office/drawing/2014/main" id="{213C92E7-C7DF-981B-950A-42B76D47A36C}"/>
+                    </a:ext>
+                  </a:extLst>
+                </p:cNvPr>
+                <p:cNvSpPr txBox="1">
+                  <a:spLocks noRot="1" noChangeAspect="1" noMove="1" noResize="1" noEditPoints="1" noAdjustHandles="1" noChangeArrowheads="1" noChangeShapeType="1" noTextEdit="1"/>
+                </p:cNvSpPr>
+                <p:nvPr/>
+              </p:nvSpPr>
+              <p:spPr>
+                <a:xfrm>
+                  <a:off x="3328990" y="2706004"/>
+                  <a:ext cx="104775" cy="169277"/>
+                </a:xfrm>
+                <a:prstGeom prst="rect">
+                  <a:avLst/>
+                </a:prstGeom>
+                <a:blipFill>
+                  <a:blip r:embed="rId8"/>
+                  <a:stretch>
+                    <a:fillRect l="-10526" r="-10526"/>
+                  </a:stretch>
+                </a:blipFill>
+                <a:ln>
+                  <a:solidFill>
+                    <a:srgbClr val="FFFFFF"/>
+                  </a:solidFill>
+                </a:ln>
+              </p:spPr>
+              <p:txBody>
+                <a:bodyPr/>
+                <a:lstStyle/>
+                <a:p>
+                  <a:r>
+                    <a:rPr lang="ko-KR" altLang="en-US">
+                      <a:noFill/>
+                    </a:rPr>
+                    <a:t> </a:t>
+                  </a:r>
+                </a:p>
+              </p:txBody>
+            </p:sp>
+          </mc:Fallback>
+        </mc:AlternateContent>
+      </p:grpSp>
+      <p:cxnSp>
+        <p:nvCxnSpPr>
+          <p:cNvPr id="54" name="직선 연결선 53">
+            <a:extLst>
+              <a:ext uri="{FF2B5EF4-FFF2-40B4-BE49-F238E27FC236}">
+                <a16:creationId xmlns:a16="http://schemas.microsoft.com/office/drawing/2014/main" id="{6BF1FDDA-213E-85C4-667E-D1DA4DC9C4DB}"/>
+              </a:ext>
+            </a:extLst>
+          </p:cNvPr>
+          <p:cNvCxnSpPr>
+            <a:cxnSpLocks/>
+            <a:stCxn id="16" idx="7"/>
+            <a:endCxn id="11" idx="3"/>
+          </p:cNvCxnSpPr>
+          <p:nvPr/>
+        </p:nvCxnSpPr>
+        <p:spPr>
+          <a:xfrm flipV="1">
+            <a:off x="6265521" y="4321017"/>
+            <a:ext cx="324136" cy="620874"/>
+          </a:xfrm>
+          <a:prstGeom prst="line">
+            <a:avLst/>
+          </a:prstGeom>
+          <a:ln>
+            <a:solidFill>
+              <a:srgbClr val="00FFFF"/>
+            </a:solidFill>
+            <a:prstDash val="sysDash"/>
+          </a:ln>
+        </p:spPr>
+        <p:style>
+          <a:lnRef idx="2">
+            <a:schemeClr val="accent1"/>
+          </a:lnRef>
+          <a:fillRef idx="0">
+            <a:schemeClr val="accent1"/>
+          </a:fillRef>
+          <a:effectRef idx="1">
+            <a:schemeClr val="accent1"/>
+          </a:effectRef>
+          <a:fontRef idx="minor">
+            <a:schemeClr val="tx1"/>
+          </a:fontRef>
+        </p:style>
+      </p:cxnSp>
+    </p:spTree>
+    <p:extLst>
+      <p:ext uri="{BB962C8B-B14F-4D97-AF65-F5344CB8AC3E}">
+        <p14:creationId xmlns:p14="http://schemas.microsoft.com/office/powerpoint/2010/main" val="4092713020"/>
+      </p:ext>
+    </p:extLst>
+  </p:cSld>
+  <p:clrMapOvr>
+    <a:masterClrMapping/>
+  </p:clrMapOvr>
+</p:sld>
+</file>
+
+<file path=ppt/slides/slide5.xml><?xml version="1.0" encoding="utf-8"?>
+<p:sld xmlns:a="http://schemas.openxmlformats.org/drawingml/2006/main" xmlns:r="http://schemas.openxmlformats.org/officeDocument/2006/relationships" xmlns:p="http://schemas.openxmlformats.org/presentationml/2006/main">
+  <p:cSld>
+    <p:spTree>
+      <p:nvGrpSpPr>
+        <p:cNvPr id="1" name=""/>
+        <p:cNvGrpSpPr/>
+        <p:nvPr/>
+      </p:nvGrpSpPr>
+      <p:grpSpPr>
+        <a:xfrm>
+          <a:off x="0" y="0"/>
+          <a:ext cx="0" cy="0"/>
+          <a:chOff x="0" y="0"/>
+          <a:chExt cx="0" cy="0"/>
+        </a:xfrm>
+      </p:grpSpPr>
+      <p:grpSp>
+        <p:nvGrpSpPr>
+          <p:cNvPr id="137" name="그룹 136">
+            <a:extLst>
+              <a:ext uri="{FF2B5EF4-FFF2-40B4-BE49-F238E27FC236}">
+                <a16:creationId xmlns:a16="http://schemas.microsoft.com/office/drawing/2014/main" id="{3B179392-FE84-D3F1-F4C2-EF244CB0D174}"/>
+              </a:ext>
+            </a:extLst>
+          </p:cNvPr>
+          <p:cNvGrpSpPr/>
+          <p:nvPr/>
+        </p:nvGrpSpPr>
+        <p:grpSpPr>
+          <a:xfrm>
+            <a:off x="724650" y="3683490"/>
+            <a:ext cx="7034691" cy="3046258"/>
+            <a:chOff x="724650" y="3683490"/>
+            <a:chExt cx="7034691" cy="3046258"/>
+          </a:xfrm>
+        </p:grpSpPr>
+        <p:grpSp>
+          <p:nvGrpSpPr>
+            <p:cNvPr id="6" name="그룹 5">
+              <a:extLst>
+                <a:ext uri="{FF2B5EF4-FFF2-40B4-BE49-F238E27FC236}">
+                  <a16:creationId xmlns:a16="http://schemas.microsoft.com/office/drawing/2014/main" id="{0EFA94BF-27FE-3A15-68CE-286538B833A6}"/>
+                </a:ext>
+              </a:extLst>
+            </p:cNvPr>
+            <p:cNvGrpSpPr/>
+            <p:nvPr/>
+          </p:nvGrpSpPr>
+          <p:grpSpPr>
+            <a:xfrm>
+              <a:off x="724650" y="4199445"/>
+              <a:ext cx="2650431" cy="2530303"/>
+              <a:chOff x="4839478" y="3429000"/>
+              <a:chExt cx="2650431" cy="2530303"/>
+            </a:xfrm>
+          </p:grpSpPr>
+          <p:grpSp>
+            <p:nvGrpSpPr>
+              <p:cNvPr id="10" name="그룹 9">
+                <a:extLst>
+                  <a:ext uri="{FF2B5EF4-FFF2-40B4-BE49-F238E27FC236}">
+                    <a16:creationId xmlns:a16="http://schemas.microsoft.com/office/drawing/2014/main" id="{4772165B-5FD4-F5A4-6BE2-6A1A2E298E5A}"/>
+                  </a:ext>
+                </a:extLst>
+              </p:cNvPr>
+              <p:cNvGrpSpPr/>
+              <p:nvPr/>
+            </p:nvGrpSpPr>
+            <p:grpSpPr>
+              <a:xfrm>
+                <a:off x="4839478" y="3429000"/>
+                <a:ext cx="2650431" cy="2530303"/>
+                <a:chOff x="7204112" y="1997413"/>
+                <a:chExt cx="2650431" cy="2530303"/>
+              </a:xfrm>
+            </p:grpSpPr>
+            <p:cxnSp>
+              <p:nvCxnSpPr>
+                <p:cNvPr id="20" name="직선 화살표 연결선 19">
+                  <a:extLst>
+                    <a:ext uri="{FF2B5EF4-FFF2-40B4-BE49-F238E27FC236}">
+                      <a16:creationId xmlns:a16="http://schemas.microsoft.com/office/drawing/2014/main" id="{2ADB1749-3A36-3AAD-0752-9A7CC493EE7E}"/>
+                    </a:ext>
+                  </a:extLst>
+                </p:cNvPr>
+                <p:cNvCxnSpPr>
+                  <a:cxnSpLocks/>
+                </p:cNvCxnSpPr>
+                <p:nvPr/>
+              </p:nvCxnSpPr>
+              <p:spPr>
+                <a:xfrm>
+                  <a:off x="7295744" y="3445212"/>
+                  <a:ext cx="2431916" cy="0"/>
+                </a:xfrm>
+                <a:prstGeom prst="straightConnector1">
+                  <a:avLst/>
+                </a:prstGeom>
+                <a:ln w="38100">
+                  <a:solidFill>
+                    <a:srgbClr val="00B050"/>
+                  </a:solidFill>
+                  <a:tailEnd type="triangle"/>
+                </a:ln>
+              </p:spPr>
+              <p:style>
+                <a:lnRef idx="2">
+                  <a:schemeClr val="accent1"/>
+                </a:lnRef>
+                <a:fillRef idx="0">
+                  <a:schemeClr val="accent1"/>
+                </a:fillRef>
+                <a:effectRef idx="1">
+                  <a:schemeClr val="accent1"/>
+                </a:effectRef>
+                <a:fontRef idx="minor">
+                  <a:schemeClr val="tx1"/>
+                </a:fontRef>
+              </p:style>
+            </p:cxnSp>
+            <p:cxnSp>
+              <p:nvCxnSpPr>
+                <p:cNvPr id="21" name="직선 화살표 연결선 20">
+                  <a:extLst>
+                    <a:ext uri="{FF2B5EF4-FFF2-40B4-BE49-F238E27FC236}">
+                      <a16:creationId xmlns:a16="http://schemas.microsoft.com/office/drawing/2014/main" id="{3B449701-2C25-C8A3-4453-09C801292A8C}"/>
+                    </a:ext>
+                  </a:extLst>
+                </p:cNvPr>
+                <p:cNvCxnSpPr>
+                  <a:cxnSpLocks/>
+                </p:cNvCxnSpPr>
+                <p:nvPr/>
+              </p:nvCxnSpPr>
+              <p:spPr>
+                <a:xfrm flipH="1">
+                  <a:off x="7295745" y="2892328"/>
+                  <a:ext cx="1504544" cy="1509049"/>
+                </a:xfrm>
+                <a:prstGeom prst="straightConnector1">
+                  <a:avLst/>
+                </a:prstGeom>
+                <a:ln w="38100">
+                  <a:solidFill>
+                    <a:srgbClr val="FF0000"/>
+                  </a:solidFill>
+                  <a:tailEnd type="triangle"/>
+                </a:ln>
+              </p:spPr>
+              <p:style>
+                <a:lnRef idx="2">
+                  <a:schemeClr val="accent1"/>
+                </a:lnRef>
+                <a:fillRef idx="0">
+                  <a:schemeClr val="accent1"/>
+                </a:fillRef>
+                <a:effectRef idx="1">
+                  <a:schemeClr val="accent1"/>
+                </a:effectRef>
+                <a:fontRef idx="minor">
+                  <a:schemeClr val="tx1"/>
+                </a:fontRef>
+              </p:style>
+            </p:cxnSp>
+            <p:cxnSp>
+              <p:nvCxnSpPr>
+                <p:cNvPr id="22" name="직선 화살표 연결선 21">
+                  <a:extLst>
+                    <a:ext uri="{FF2B5EF4-FFF2-40B4-BE49-F238E27FC236}">
+                      <a16:creationId xmlns:a16="http://schemas.microsoft.com/office/drawing/2014/main" id="{70F1D7E5-EC9E-56DF-7F32-F54CFD511BE1}"/>
+                    </a:ext>
+                  </a:extLst>
+                </p:cNvPr>
+                <p:cNvCxnSpPr>
+                  <a:cxnSpLocks/>
+                </p:cNvCxnSpPr>
+                <p:nvPr/>
+              </p:nvCxnSpPr>
+              <p:spPr>
+                <a:xfrm flipV="1">
+                  <a:off x="8249055" y="1997413"/>
+                  <a:ext cx="0" cy="2403964"/>
+                </a:xfrm>
+                <a:prstGeom prst="straightConnector1">
+                  <a:avLst/>
+                </a:prstGeom>
+                <a:ln w="38100">
+                  <a:solidFill>
+                    <a:srgbClr val="0000FF"/>
+                  </a:solidFill>
+                  <a:tailEnd type="triangle"/>
+                </a:ln>
+              </p:spPr>
+              <p:style>
+                <a:lnRef idx="2">
+                  <a:schemeClr val="accent1"/>
+                </a:lnRef>
+                <a:fillRef idx="0">
+                  <a:schemeClr val="accent1"/>
+                </a:fillRef>
+                <a:effectRef idx="1">
+                  <a:schemeClr val="accent1"/>
+                </a:effectRef>
+                <a:fontRef idx="minor">
+                  <a:schemeClr val="tx1"/>
+                </a:fontRef>
+              </p:style>
+            </p:cxnSp>
+            <p:sp>
+              <p:nvSpPr>
+                <p:cNvPr id="23" name="TextBox 22">
+                  <a:extLst>
+                    <a:ext uri="{FF2B5EF4-FFF2-40B4-BE49-F238E27FC236}">
+                      <a16:creationId xmlns:a16="http://schemas.microsoft.com/office/drawing/2014/main" id="{5D58FEDD-E8ED-BFA9-9E30-6A627BA6CB05}"/>
+                    </a:ext>
+                  </a:extLst>
+                </p:cNvPr>
+                <p:cNvSpPr txBox="1"/>
+                <p:nvPr/>
+              </p:nvSpPr>
+              <p:spPr>
+                <a:xfrm>
+                  <a:off x="8269501" y="2085332"/>
+                  <a:ext cx="276038" cy="276999"/>
+                </a:xfrm>
+                <a:prstGeom prst="rect">
+                  <a:avLst/>
+                </a:prstGeom>
+                <a:noFill/>
+              </p:spPr>
+              <p:txBody>
+                <a:bodyPr wrap="none" rtlCol="0">
+                  <a:spAutoFit/>
+                </a:bodyPr>
+                <a:lstStyle/>
+                <a:p>
+                  <a:r>
+                    <a:rPr lang="en-US" altLang="ko-KR" sz="1200" b="1">
+                      <a:solidFill>
+                        <a:srgbClr val="0000FF"/>
+                      </a:solidFill>
+                      <a:latin typeface="나눔바른고딕" panose="020B0603020101020101" pitchFamily="50" charset="-127"/>
+                      <a:ea typeface="나눔바른고딕" panose="020B0603020101020101" pitchFamily="50" charset="-127"/>
+                    </a:rPr>
+                    <a:t>Z</a:t>
+                  </a:r>
+                  <a:endParaRPr lang="ko-KR" altLang="en-US" sz="1200" b="1">
+                    <a:solidFill>
+                      <a:srgbClr val="0000FF"/>
+                    </a:solidFill>
+                    <a:latin typeface="나눔바른고딕" panose="020B0603020101020101" pitchFamily="50" charset="-127"/>
+                    <a:ea typeface="나눔바른고딕" panose="020B0603020101020101" pitchFamily="50" charset="-127"/>
+                  </a:endParaRPr>
+                </a:p>
+              </p:txBody>
+            </p:sp>
+            <p:sp>
+              <p:nvSpPr>
+                <p:cNvPr id="24" name="TextBox 23">
+                  <a:extLst>
+                    <a:ext uri="{FF2B5EF4-FFF2-40B4-BE49-F238E27FC236}">
+                      <a16:creationId xmlns:a16="http://schemas.microsoft.com/office/drawing/2014/main" id="{F5F13BDF-68FC-6425-25F2-F573C2A2E0B9}"/>
+                    </a:ext>
+                  </a:extLst>
+                </p:cNvPr>
+                <p:cNvSpPr txBox="1"/>
+                <p:nvPr/>
+              </p:nvSpPr>
+              <p:spPr>
+                <a:xfrm>
+                  <a:off x="7204112" y="3975210"/>
+                  <a:ext cx="276038" cy="276999"/>
+                </a:xfrm>
+                <a:prstGeom prst="rect">
+                  <a:avLst/>
+                </a:prstGeom>
+                <a:noFill/>
+              </p:spPr>
+              <p:txBody>
+                <a:bodyPr wrap="square" rtlCol="0">
+                  <a:spAutoFit/>
+                </a:bodyPr>
+                <a:lstStyle/>
+                <a:p>
+                  <a:r>
+                    <a:rPr lang="en-US" altLang="ko-KR" sz="1200" b="1">
+                      <a:solidFill>
+                        <a:srgbClr val="FF0000"/>
+                      </a:solidFill>
+                      <a:latin typeface="나눔바른고딕" panose="020B0603020101020101" pitchFamily="50" charset="-127"/>
+                      <a:ea typeface="나눔바른고딕" panose="020B0603020101020101" pitchFamily="50" charset="-127"/>
+                    </a:rPr>
+                    <a:t>X</a:t>
+                  </a:r>
+                  <a:endParaRPr lang="ko-KR" altLang="en-US" sz="1200" b="1">
+                    <a:solidFill>
+                      <a:srgbClr val="FF0000"/>
+                    </a:solidFill>
+                    <a:latin typeface="나눔바른고딕" panose="020B0603020101020101" pitchFamily="50" charset="-127"/>
+                    <a:ea typeface="나눔바른고딕" panose="020B0603020101020101" pitchFamily="50" charset="-127"/>
+                  </a:endParaRPr>
+                </a:p>
+              </p:txBody>
+            </p:sp>
+            <p:sp>
+              <p:nvSpPr>
+                <p:cNvPr id="25" name="TextBox 24">
+                  <a:extLst>
+                    <a:ext uri="{FF2B5EF4-FFF2-40B4-BE49-F238E27FC236}">
+                      <a16:creationId xmlns:a16="http://schemas.microsoft.com/office/drawing/2014/main" id="{07C1F339-6557-3FCE-E32A-8209E4E2C08F}"/>
+                    </a:ext>
+                  </a:extLst>
+                </p:cNvPr>
+                <p:cNvSpPr txBox="1"/>
+                <p:nvPr/>
+              </p:nvSpPr>
+              <p:spPr>
+                <a:xfrm>
+                  <a:off x="9393678" y="3174094"/>
+                  <a:ext cx="276038" cy="276999"/>
+                </a:xfrm>
+                <a:prstGeom prst="rect">
+                  <a:avLst/>
+                </a:prstGeom>
+                <a:noFill/>
+              </p:spPr>
+              <p:txBody>
+                <a:bodyPr wrap="square" rtlCol="0">
+                  <a:spAutoFit/>
+                </a:bodyPr>
+                <a:lstStyle/>
+                <a:p>
+                  <a:r>
+                    <a:rPr lang="en-US" altLang="ko-KR" sz="1200" b="1">
+                      <a:solidFill>
+                        <a:srgbClr val="00B050"/>
+                      </a:solidFill>
+                      <a:latin typeface="나눔바른고딕" panose="020B0603020101020101" pitchFamily="50" charset="-127"/>
+                      <a:ea typeface="나눔바른고딕" panose="020B0603020101020101" pitchFamily="50" charset="-127"/>
+                    </a:rPr>
+                    <a:t>Y</a:t>
+                  </a:r>
+                  <a:endParaRPr lang="ko-KR" altLang="en-US" sz="1200" b="1">
+                    <a:solidFill>
+                      <a:srgbClr val="00B050"/>
+                    </a:solidFill>
+                    <a:latin typeface="나눔바른고딕" panose="020B0603020101020101" pitchFamily="50" charset="-127"/>
+                    <a:ea typeface="나눔바른고딕" panose="020B0603020101020101" pitchFamily="50" charset="-127"/>
+                  </a:endParaRPr>
+                </a:p>
+              </p:txBody>
+            </p:sp>
+            <p:sp>
+              <p:nvSpPr>
+                <p:cNvPr id="26" name="TextBox 25">
+                  <a:extLst>
+                    <a:ext uri="{FF2B5EF4-FFF2-40B4-BE49-F238E27FC236}">
+                      <a16:creationId xmlns:a16="http://schemas.microsoft.com/office/drawing/2014/main" id="{173963F9-270B-73EE-44C2-4A7CA2174C67}"/>
+                    </a:ext>
+                  </a:extLst>
+                </p:cNvPr>
+                <p:cNvSpPr txBox="1"/>
+                <p:nvPr/>
+              </p:nvSpPr>
+              <p:spPr>
+                <a:xfrm>
+                  <a:off x="7321684" y="4250717"/>
+                  <a:ext cx="645692" cy="276999"/>
+                </a:xfrm>
+                <a:prstGeom prst="rect">
+                  <a:avLst/>
+                </a:prstGeom>
+                <a:noFill/>
+              </p:spPr>
+              <p:txBody>
+                <a:bodyPr wrap="square" rtlCol="0">
+                  <a:spAutoFit/>
+                </a:bodyPr>
+                <a:lstStyle/>
+                <a:p>
+                  <a:pPr algn="ctr"/>
+                  <a:r>
+                    <a:rPr lang="en-US" altLang="ko-KR" sz="1200" b="1">
+                      <a:solidFill>
+                        <a:srgbClr val="FF0000"/>
+                      </a:solidFill>
+                      <a:latin typeface="나눔바른고딕" panose="020B0603020101020101" pitchFamily="50" charset="-127"/>
+                      <a:ea typeface="나눔바른고딕" panose="020B0603020101020101" pitchFamily="50" charset="-127"/>
+                    </a:rPr>
+                    <a:t>Roll</a:t>
+                  </a:r>
+                  <a:endParaRPr lang="ko-KR" altLang="en-US" sz="1200" b="1">
+                    <a:solidFill>
+                      <a:srgbClr val="FF0000"/>
+                    </a:solidFill>
+                    <a:latin typeface="나눔바른고딕" panose="020B0603020101020101" pitchFamily="50" charset="-127"/>
+                    <a:ea typeface="나눔바른고딕" panose="020B0603020101020101" pitchFamily="50" charset="-127"/>
+                  </a:endParaRPr>
+                </a:p>
+              </p:txBody>
+            </p:sp>
+            <p:sp>
+              <p:nvSpPr>
+                <p:cNvPr id="27" name="TextBox 26">
+                  <a:extLst>
+                    <a:ext uri="{FF2B5EF4-FFF2-40B4-BE49-F238E27FC236}">
+                      <a16:creationId xmlns:a16="http://schemas.microsoft.com/office/drawing/2014/main" id="{ABB332A1-A0D6-1E29-690D-D73943BDE456}"/>
+                    </a:ext>
+                  </a:extLst>
+                </p:cNvPr>
+                <p:cNvSpPr txBox="1"/>
+                <p:nvPr/>
+              </p:nvSpPr>
+              <p:spPr>
+                <a:xfrm>
+                  <a:off x="9208851" y="3476170"/>
+                  <a:ext cx="645692" cy="276999"/>
+                </a:xfrm>
+                <a:prstGeom prst="rect">
+                  <a:avLst/>
+                </a:prstGeom>
+                <a:noFill/>
+              </p:spPr>
+              <p:txBody>
+                <a:bodyPr wrap="square" rtlCol="0">
+                  <a:spAutoFit/>
+                </a:bodyPr>
+                <a:lstStyle/>
+                <a:p>
+                  <a:pPr algn="ctr"/>
+                  <a:r>
+                    <a:rPr lang="en-US" altLang="ko-KR" sz="1200" b="1">
+                      <a:solidFill>
+                        <a:srgbClr val="00B050"/>
+                      </a:solidFill>
+                      <a:latin typeface="나눔바른고딕" panose="020B0603020101020101" pitchFamily="50" charset="-127"/>
+                      <a:ea typeface="나눔바른고딕" panose="020B0603020101020101" pitchFamily="50" charset="-127"/>
+                    </a:rPr>
+                    <a:t>Pitch</a:t>
+                  </a:r>
+                  <a:endParaRPr lang="ko-KR" altLang="en-US" sz="1200" b="1">
+                    <a:solidFill>
+                      <a:srgbClr val="00B050"/>
+                    </a:solidFill>
+                    <a:latin typeface="나눔바른고딕" panose="020B0603020101020101" pitchFamily="50" charset="-127"/>
+                    <a:ea typeface="나눔바른고딕" panose="020B0603020101020101" pitchFamily="50" charset="-127"/>
+                  </a:endParaRPr>
+                </a:p>
+              </p:txBody>
+            </p:sp>
+            <p:sp>
+              <p:nvSpPr>
+                <p:cNvPr id="28" name="TextBox 27">
+                  <a:extLst>
+                    <a:ext uri="{FF2B5EF4-FFF2-40B4-BE49-F238E27FC236}">
+                      <a16:creationId xmlns:a16="http://schemas.microsoft.com/office/drawing/2014/main" id="{D77A01E3-0A9B-80B1-8741-563023850790}"/>
+                    </a:ext>
+                  </a:extLst>
+                </p:cNvPr>
+                <p:cNvSpPr txBox="1"/>
+                <p:nvPr/>
+              </p:nvSpPr>
+              <p:spPr>
+                <a:xfrm>
+                  <a:off x="7681183" y="2085332"/>
+                  <a:ext cx="645692" cy="276999"/>
+                </a:xfrm>
+                <a:prstGeom prst="rect">
+                  <a:avLst/>
+                </a:prstGeom>
+                <a:noFill/>
+              </p:spPr>
+              <p:txBody>
+                <a:bodyPr wrap="square" rtlCol="0">
+                  <a:spAutoFit/>
+                </a:bodyPr>
+                <a:lstStyle/>
+                <a:p>
+                  <a:pPr algn="ctr"/>
+                  <a:r>
+                    <a:rPr lang="en-US" altLang="ko-KR" sz="1200" b="1">
+                      <a:solidFill>
+                        <a:srgbClr val="0000FF"/>
+                      </a:solidFill>
+                      <a:latin typeface="나눔바른고딕" panose="020B0603020101020101" pitchFamily="50" charset="-127"/>
+                      <a:ea typeface="나눔바른고딕" panose="020B0603020101020101" pitchFamily="50" charset="-127"/>
+                    </a:rPr>
+                    <a:t>Yaw</a:t>
+                  </a:r>
+                  <a:endParaRPr lang="ko-KR" altLang="en-US" sz="1200" b="1">
+                    <a:solidFill>
+                      <a:srgbClr val="0000FF"/>
+                    </a:solidFill>
+                    <a:latin typeface="나눔바른고딕" panose="020B0603020101020101" pitchFamily="50" charset="-127"/>
+                    <a:ea typeface="나눔바른고딕" panose="020B0603020101020101" pitchFamily="50" charset="-127"/>
+                  </a:endParaRPr>
+                </a:p>
+              </p:txBody>
+            </p:sp>
+          </p:grpSp>
+          <p:sp>
+            <p:nvSpPr>
+              <p:cNvPr id="11" name="타원 10">
+                <a:extLst>
+                  <a:ext uri="{FF2B5EF4-FFF2-40B4-BE49-F238E27FC236}">
+                    <a16:creationId xmlns:a16="http://schemas.microsoft.com/office/drawing/2014/main" id="{C5039C85-FC1B-8195-0FED-64A8901A4E28}"/>
+                  </a:ext>
+                </a:extLst>
+              </p:cNvPr>
+              <p:cNvSpPr/>
+              <p:nvPr/>
+            </p:nvSpPr>
+            <p:spPr>
+              <a:xfrm>
+                <a:off x="6226223" y="4152961"/>
+                <a:ext cx="85297" cy="85297"/>
+              </a:xfrm>
+              <a:prstGeom prst="ellipse">
+                <a:avLst/>
+              </a:prstGeom>
+              <a:solidFill>
+                <a:schemeClr val="tx1"/>
+              </a:solidFill>
+              <a:ln>
+                <a:solidFill>
+                  <a:schemeClr val="tx1"/>
+                </a:solidFill>
+              </a:ln>
+            </p:spPr>
+            <p:style>
+              <a:lnRef idx="2">
+                <a:schemeClr val="accent1">
+                  <a:shade val="15000"/>
+                </a:schemeClr>
+              </a:lnRef>
+              <a:fillRef idx="1">
+                <a:schemeClr val="accent1"/>
+              </a:fillRef>
+              <a:effectRef idx="0">
+                <a:schemeClr val="accent1"/>
+              </a:effectRef>
+              <a:fontRef idx="minor">
+                <a:schemeClr val="lt1"/>
+              </a:fontRef>
+            </p:style>
+            <p:txBody>
+              <a:bodyPr rtlCol="0" anchor="ctr"/>
+              <a:lstStyle/>
+              <a:p>
+                <a:pPr algn="ctr"/>
+                <a:endParaRPr lang="ko-KR" altLang="en-US"/>
+              </a:p>
+            </p:txBody>
+          </p:sp>
+          <p:cxnSp>
+            <p:nvCxnSpPr>
+              <p:cNvPr id="12" name="직선 연결선 11">
+                <a:extLst>
+                  <a:ext uri="{FF2B5EF4-FFF2-40B4-BE49-F238E27FC236}">
+                    <a16:creationId xmlns:a16="http://schemas.microsoft.com/office/drawing/2014/main" id="{0FD568B1-CA02-101E-95F7-9D176E624335}"/>
+                  </a:ext>
+                </a:extLst>
+              </p:cNvPr>
+              <p:cNvCxnSpPr>
+                <a:cxnSpLocks/>
+                <a:stCxn id="11" idx="4"/>
+              </p:cNvCxnSpPr>
+              <p:nvPr/>
+            </p:nvCxnSpPr>
+            <p:spPr>
+              <a:xfrm>
+                <a:off x="6268872" y="4238258"/>
+                <a:ext cx="0" cy="1349742"/>
+              </a:xfrm>
+              <a:prstGeom prst="line">
+                <a:avLst/>
+              </a:prstGeom>
+              <a:ln>
+                <a:solidFill>
+                  <a:srgbClr val="0000FF"/>
+                </a:solidFill>
+                <a:prstDash val="sysDash"/>
+              </a:ln>
+            </p:spPr>
+            <p:style>
+              <a:lnRef idx="2">
+                <a:schemeClr val="accent1"/>
+              </a:lnRef>
+              <a:fillRef idx="0">
+                <a:schemeClr val="accent1"/>
+              </a:fillRef>
+              <a:effectRef idx="1">
+                <a:schemeClr val="accent1"/>
+              </a:effectRef>
+              <a:fontRef idx="minor">
+                <a:schemeClr val="tx1"/>
+              </a:fontRef>
+            </p:style>
+          </p:cxnSp>
+          <p:sp>
+            <p:nvSpPr>
+              <p:cNvPr id="13" name="TextBox 12">
+                <a:extLst>
+                  <a:ext uri="{FF2B5EF4-FFF2-40B4-BE49-F238E27FC236}">
+                    <a16:creationId xmlns:a16="http://schemas.microsoft.com/office/drawing/2014/main" id="{5F97AA0B-68E2-FE2C-C7A6-3B42AE73FACB}"/>
+                  </a:ext>
+                </a:extLst>
+              </p:cNvPr>
+              <p:cNvSpPr txBox="1"/>
+              <p:nvPr/>
+            </p:nvSpPr>
+            <p:spPr>
+              <a:xfrm>
+                <a:off x="6251250" y="4598513"/>
+                <a:ext cx="276038" cy="276999"/>
+              </a:xfrm>
+              <a:prstGeom prst="rect">
+                <a:avLst/>
+              </a:prstGeom>
+              <a:noFill/>
+            </p:spPr>
+            <p:txBody>
+              <a:bodyPr wrap="square" rtlCol="0">
+                <a:spAutoFit/>
+              </a:bodyPr>
+              <a:lstStyle/>
+              <a:p>
+                <a:r>
+                  <a:rPr lang="en-US" altLang="ko-KR" sz="1200" b="1">
+                    <a:solidFill>
+                      <a:srgbClr val="0000FF"/>
+                    </a:solidFill>
+                    <a:latin typeface="나눔바른고딕" panose="020B0603020101020101" pitchFamily="50" charset="-127"/>
+                    <a:ea typeface="나눔바른고딕" panose="020B0603020101020101" pitchFamily="50" charset="-127"/>
+                  </a:rPr>
+                  <a:t>z</a:t>
+                </a:r>
+                <a:endParaRPr lang="ko-KR" altLang="en-US" sz="1200" b="1">
+                  <a:solidFill>
+                    <a:srgbClr val="0000FF"/>
+                  </a:solidFill>
+                  <a:latin typeface="나눔바른고딕" panose="020B0603020101020101" pitchFamily="50" charset="-127"/>
+                  <a:ea typeface="나눔바른고딕" panose="020B0603020101020101" pitchFamily="50" charset="-127"/>
+                </a:endParaRPr>
+              </a:p>
+            </p:txBody>
+          </p:sp>
+          <p:cxnSp>
+            <p:nvCxnSpPr>
+              <p:cNvPr id="14" name="직선 연결선 13">
+                <a:extLst>
+                  <a:ext uri="{FF2B5EF4-FFF2-40B4-BE49-F238E27FC236}">
+                    <a16:creationId xmlns:a16="http://schemas.microsoft.com/office/drawing/2014/main" id="{8D428967-390A-9DF0-02C7-8BEDCFE4F5A5}"/>
+                  </a:ext>
+                </a:extLst>
+              </p:cNvPr>
+              <p:cNvCxnSpPr>
+                <a:stCxn id="16" idx="5"/>
+              </p:cNvCxnSpPr>
+              <p:nvPr/>
+            </p:nvCxnSpPr>
+            <p:spPr>
+              <a:xfrm>
+                <a:off x="5914578" y="4906956"/>
+                <a:ext cx="354294" cy="696160"/>
+              </a:xfrm>
+              <a:prstGeom prst="line">
+                <a:avLst/>
+              </a:prstGeom>
+              <a:ln>
+                <a:solidFill>
+                  <a:srgbClr val="FFC000"/>
+                </a:solidFill>
+                <a:prstDash val="sysDash"/>
+              </a:ln>
+            </p:spPr>
+            <p:style>
+              <a:lnRef idx="2">
+                <a:schemeClr val="accent1"/>
+              </a:lnRef>
+              <a:fillRef idx="0">
+                <a:schemeClr val="accent1"/>
+              </a:fillRef>
+              <a:effectRef idx="1">
+                <a:schemeClr val="accent1"/>
+              </a:effectRef>
+              <a:fontRef idx="minor">
+                <a:schemeClr val="tx1"/>
+              </a:fontRef>
+            </p:style>
+          </p:cxnSp>
+          <p:sp>
+            <p:nvSpPr>
+              <p:cNvPr id="15" name="부분 원형 14">
+                <a:extLst>
+                  <a:ext uri="{FF2B5EF4-FFF2-40B4-BE49-F238E27FC236}">
+                    <a16:creationId xmlns:a16="http://schemas.microsoft.com/office/drawing/2014/main" id="{F5ACB801-9B8F-EB3E-AC8E-A1E3D2A9EFD7}"/>
+                  </a:ext>
+                </a:extLst>
+              </p:cNvPr>
+              <p:cNvSpPr/>
+              <p:nvPr/>
+            </p:nvSpPr>
+            <p:spPr>
+              <a:xfrm>
+                <a:off x="5330539" y="4329247"/>
+                <a:ext cx="1092530" cy="1092530"/>
+              </a:xfrm>
+              <a:prstGeom prst="pie">
+                <a:avLst>
+                  <a:gd name="adj1" fmla="val 3634440"/>
+                  <a:gd name="adj2" fmla="val 8023040"/>
+                </a:avLst>
+              </a:prstGeom>
+              <a:solidFill>
+                <a:srgbClr val="FFC000">
+                  <a:alpha val="30000"/>
+                </a:srgbClr>
+              </a:solidFill>
+              <a:ln>
+                <a:noFill/>
+              </a:ln>
+            </p:spPr>
+            <p:style>
+              <a:lnRef idx="2">
+                <a:schemeClr val="accent1">
+                  <a:shade val="15000"/>
+                </a:schemeClr>
+              </a:lnRef>
+              <a:fillRef idx="1">
+                <a:schemeClr val="accent1"/>
+              </a:fillRef>
+              <a:effectRef idx="0">
+                <a:schemeClr val="accent1"/>
+              </a:effectRef>
+              <a:fontRef idx="minor">
+                <a:schemeClr val="lt1"/>
+              </a:fontRef>
+            </p:style>
+            <p:txBody>
+              <a:bodyPr rtlCol="0" anchor="ctr"/>
+              <a:lstStyle/>
+              <a:p>
+                <a:pPr algn="ctr"/>
+                <a:endParaRPr lang="ko-KR" altLang="en-US">
+                  <a:solidFill>
+                    <a:schemeClr val="tx1"/>
+                  </a:solidFill>
+                </a:endParaRPr>
+              </a:p>
+            </p:txBody>
+          </p:sp>
+          <p:sp>
+            <p:nvSpPr>
+              <p:cNvPr id="16" name="타원 15">
+                <a:extLst>
+                  <a:ext uri="{FF2B5EF4-FFF2-40B4-BE49-F238E27FC236}">
+                    <a16:creationId xmlns:a16="http://schemas.microsoft.com/office/drawing/2014/main" id="{9BE44AB5-8572-52C8-66FA-0E6E8F7CF858}"/>
+                  </a:ext>
+                </a:extLst>
+              </p:cNvPr>
+              <p:cNvSpPr/>
+              <p:nvPr/>
+            </p:nvSpPr>
+            <p:spPr>
+              <a:xfrm>
+                <a:off x="5841772" y="4834150"/>
+                <a:ext cx="85297" cy="85297"/>
+              </a:xfrm>
+              <a:prstGeom prst="ellipse">
+                <a:avLst/>
+              </a:prstGeom>
+              <a:solidFill>
+                <a:schemeClr val="tx1"/>
+              </a:solidFill>
+              <a:ln>
+                <a:solidFill>
+                  <a:schemeClr val="tx1"/>
+                </a:solidFill>
+              </a:ln>
+            </p:spPr>
+            <p:style>
+              <a:lnRef idx="2">
+                <a:schemeClr val="accent1">
+                  <a:shade val="15000"/>
+                </a:schemeClr>
+              </a:lnRef>
+              <a:fillRef idx="1">
+                <a:schemeClr val="accent1"/>
+              </a:fillRef>
+              <a:effectRef idx="0">
+                <a:schemeClr val="accent1"/>
+              </a:effectRef>
+              <a:fontRef idx="minor">
+                <a:schemeClr val="lt1"/>
+              </a:fontRef>
+            </p:style>
+            <p:txBody>
+              <a:bodyPr rtlCol="0" anchor="ctr"/>
+              <a:lstStyle/>
+              <a:p>
+                <a:pPr algn="ctr"/>
+                <a:endParaRPr lang="ko-KR" altLang="en-US"/>
+              </a:p>
+            </p:txBody>
+          </p:sp>
+          <mc:AlternateContent xmlns:mc="http://schemas.openxmlformats.org/markup-compatibility/2006" xmlns:a14="http://schemas.microsoft.com/office/drawing/2010/main">
+            <mc:Choice Requires="a14">
+              <p:sp>
+                <p:nvSpPr>
+                  <p:cNvPr id="17" name="TextBox 16">
+                    <a:extLst>
+                      <a:ext uri="{FF2B5EF4-FFF2-40B4-BE49-F238E27FC236}">
+                        <a16:creationId xmlns:a16="http://schemas.microsoft.com/office/drawing/2014/main" id="{43352EC3-D12D-072B-3FC6-3B291B3CFA53}"/>
+                      </a:ext>
+                    </a:extLst>
+                  </p:cNvPr>
+                  <p:cNvSpPr txBox="1"/>
+                  <p:nvPr/>
+                </p:nvSpPr>
+                <p:spPr>
+                  <a:xfrm>
+                    <a:off x="5560753" y="5364791"/>
+                    <a:ext cx="245260" cy="276999"/>
+                  </a:xfrm>
+                  <a:prstGeom prst="rect">
+                    <a:avLst/>
+                  </a:prstGeom>
+                  <a:noFill/>
+                </p:spPr>
+                <p:txBody>
+                  <a:bodyPr wrap="none" lIns="0" tIns="0" rIns="0" bIns="0" rtlCol="0">
+                    <a:spAutoFit/>
+                  </a:bodyPr>
+                  <a:lstStyle/>
+                  <a:p>
+                    <a:pPr/>
+                    <a14:m>
+                      <m:oMathPara xmlns:m="http://schemas.openxmlformats.org/officeDocument/2006/math">
+                        <m:oMathParaPr>
+                          <m:jc m:val="center"/>
+                        </m:oMathParaPr>
+                        <m:oMath xmlns:m="http://schemas.openxmlformats.org/officeDocument/2006/math">
+                          <m:r>
+                            <m:rPr>
+                              <m:sty m:val="p"/>
+                            </m:rPr>
+                            <a:rPr lang="en-US" altLang="ko-KR" b="0" i="1" smtClean="0">
+                              <a:solidFill>
+                                <a:srgbClr val="FFC000"/>
+                              </a:solidFill>
+                              <a:latin typeface="Cambria Math" panose="02040503050406030204" pitchFamily="18" charset="0"/>
+                            </a:rPr>
+                            <m:t>ϕ</m:t>
+                          </m:r>
+                        </m:oMath>
+                      </m:oMathPara>
+                    </a14:m>
+                    <a:endParaRPr lang="en-US" altLang="ko-KR" b="0">
+                      <a:solidFill>
+                        <a:srgbClr val="FFC000"/>
+                      </a:solidFill>
+                    </a:endParaRPr>
+                  </a:p>
+                </p:txBody>
+              </p:sp>
+            </mc:Choice>
+            <mc:Fallback xmlns="">
+              <p:sp>
+                <p:nvSpPr>
+                  <p:cNvPr id="99" name="TextBox 98">
+                    <a:extLst>
+                      <a:ext uri="{FF2B5EF4-FFF2-40B4-BE49-F238E27FC236}">
+                        <a16:creationId xmlns:a16="http://schemas.microsoft.com/office/drawing/2014/main" id="{7F8C04F4-C071-57F7-58E0-1AB921CC16E3}"/>
+                      </a:ext>
+                    </a:extLst>
+                  </p:cNvPr>
+                  <p:cNvSpPr txBox="1">
+                    <a:spLocks noRot="1" noChangeAspect="1" noMove="1" noResize="1" noEditPoints="1" noAdjustHandles="1" noChangeArrowheads="1" noChangeShapeType="1" noTextEdit="1"/>
+                  </p:cNvSpPr>
+                  <p:nvPr/>
+                </p:nvSpPr>
+                <p:spPr>
+                  <a:xfrm>
+                    <a:off x="5560753" y="5364791"/>
+                    <a:ext cx="245260" cy="276999"/>
+                  </a:xfrm>
+                  <a:prstGeom prst="rect">
+                    <a:avLst/>
+                  </a:prstGeom>
+                  <a:blipFill>
+                    <a:blip r:embed="rId3"/>
+                    <a:stretch>
+                      <a:fillRect l="-24390" r="-26829" b="-40000"/>
+                    </a:stretch>
+                  </a:blipFill>
+                </p:spPr>
+                <p:txBody>
+                  <a:bodyPr/>
+                  <a:lstStyle/>
+                  <a:p>
+                    <a:r>
+                      <a:rPr lang="ko-KR" altLang="en-US">
+                        <a:noFill/>
+                      </a:rPr>
+                      <a:t> </a:t>
+                    </a:r>
+                  </a:p>
+                </p:txBody>
+              </p:sp>
+            </mc:Fallback>
+          </mc:AlternateContent>
+          <mc:AlternateContent xmlns:mc="http://schemas.openxmlformats.org/markup-compatibility/2006" xmlns:a14="http://schemas.microsoft.com/office/drawing/2010/main">
+            <mc:Choice Requires="a14">
+              <p:sp>
+                <p:nvSpPr>
+                  <p:cNvPr id="18" name="TextBox 17">
+                    <a:extLst>
+                      <a:ext uri="{FF2B5EF4-FFF2-40B4-BE49-F238E27FC236}">
+                        <a16:creationId xmlns:a16="http://schemas.microsoft.com/office/drawing/2014/main" id="{3E26C077-ED69-117E-02B3-84970B7CD3F0}"/>
+                      </a:ext>
+                    </a:extLst>
+                  </p:cNvPr>
+                  <p:cNvSpPr txBox="1"/>
+                  <p:nvPr/>
+                </p:nvSpPr>
+                <p:spPr>
+                  <a:xfrm>
+                    <a:off x="6029121" y="4939939"/>
+                    <a:ext cx="195823" cy="276999"/>
+                  </a:xfrm>
+                  <a:prstGeom prst="rect">
+                    <a:avLst/>
+                  </a:prstGeom>
+                  <a:noFill/>
+                </p:spPr>
+                <p:txBody>
+                  <a:bodyPr wrap="none" lIns="0" tIns="0" rIns="0" bIns="0" rtlCol="0">
+                    <a:spAutoFit/>
+                  </a:bodyPr>
+                  <a:lstStyle/>
+                  <a:p>
+                    <a:pPr/>
+                    <a14:m>
+                      <m:oMathPara xmlns:m="http://schemas.openxmlformats.org/officeDocument/2006/math">
+                        <m:oMathParaPr>
+                          <m:jc m:val="center"/>
+                        </m:oMathParaPr>
+                        <m:oMath xmlns:m="http://schemas.openxmlformats.org/officeDocument/2006/math">
+                          <m:r>
+                            <a:rPr lang="en-US" altLang="ko-KR" b="0" i="1" smtClean="0">
+                              <a:solidFill>
+                                <a:srgbClr val="FFC000"/>
+                              </a:solidFill>
+                              <a:latin typeface="Cambria Math" panose="02040503050406030204" pitchFamily="18" charset="0"/>
+                            </a:rPr>
+                            <m:t>𝑟</m:t>
+                          </m:r>
+                        </m:oMath>
+                      </m:oMathPara>
+                    </a14:m>
+                    <a:endParaRPr lang="en-US" altLang="ko-KR" b="0">
+                      <a:solidFill>
+                        <a:srgbClr val="FFC000"/>
+                      </a:solidFill>
+                    </a:endParaRPr>
+                  </a:p>
+                </p:txBody>
+              </p:sp>
+            </mc:Choice>
+            <mc:Fallback xmlns="">
+              <p:sp>
+                <p:nvSpPr>
+                  <p:cNvPr id="100" name="TextBox 99">
+                    <a:extLst>
+                      <a:ext uri="{FF2B5EF4-FFF2-40B4-BE49-F238E27FC236}">
+                        <a16:creationId xmlns:a16="http://schemas.microsoft.com/office/drawing/2014/main" id="{7EB9136B-571F-FC28-C476-45D61AD221E6}"/>
+                      </a:ext>
+                    </a:extLst>
+                  </p:cNvPr>
+                  <p:cNvSpPr txBox="1">
+                    <a:spLocks noRot="1" noChangeAspect="1" noMove="1" noResize="1" noEditPoints="1" noAdjustHandles="1" noChangeArrowheads="1" noChangeShapeType="1" noTextEdit="1"/>
+                  </p:cNvSpPr>
+                  <p:nvPr/>
+                </p:nvSpPr>
+                <p:spPr>
+                  <a:xfrm>
+                    <a:off x="6029121" y="4939939"/>
+                    <a:ext cx="195823" cy="276999"/>
+                  </a:xfrm>
+                  <a:prstGeom prst="rect">
+                    <a:avLst/>
+                  </a:prstGeom>
+                  <a:blipFill>
+                    <a:blip r:embed="rId4"/>
+                    <a:stretch>
+                      <a:fillRect l="-9375" r="-9375" b="-2174"/>
+                    </a:stretch>
+                  </a:blipFill>
+                </p:spPr>
+                <p:txBody>
+                  <a:bodyPr/>
+                  <a:lstStyle/>
+                  <a:p>
+                    <a:r>
+                      <a:rPr lang="ko-KR" altLang="en-US">
+                        <a:noFill/>
+                      </a:rPr>
+                      <a:t> </a:t>
+                    </a:r>
+                  </a:p>
+                </p:txBody>
+              </p:sp>
+            </mc:Fallback>
+          </mc:AlternateContent>
+          <mc:AlternateContent xmlns:mc="http://schemas.openxmlformats.org/markup-compatibility/2006" xmlns:a14="http://schemas.microsoft.com/office/drawing/2010/main">
+            <mc:Choice Requires="a14">
+              <p:sp>
+                <p:nvSpPr>
+                  <p:cNvPr id="19" name="TextBox 18">
+                    <a:extLst>
+                      <a:ext uri="{FF2B5EF4-FFF2-40B4-BE49-F238E27FC236}">
+                        <a16:creationId xmlns:a16="http://schemas.microsoft.com/office/drawing/2014/main" id="{EAD7200E-F41C-CBEB-DD70-4FB224683794}"/>
+                      </a:ext>
+                    </a:extLst>
+                  </p:cNvPr>
+                  <p:cNvSpPr txBox="1"/>
+                  <p:nvPr/>
+                </p:nvSpPr>
+                <p:spPr>
+                  <a:xfrm>
+                    <a:off x="6251250" y="3822759"/>
+                    <a:ext cx="987835" cy="276999"/>
+                  </a:xfrm>
+                  <a:prstGeom prst="rect">
+                    <a:avLst/>
+                  </a:prstGeom>
+                  <a:noFill/>
+                </p:spPr>
+                <p:txBody>
+                  <a:bodyPr wrap="none" lIns="0" tIns="0" rIns="0" bIns="0" rtlCol="0">
+                    <a:spAutoFit/>
+                  </a:bodyPr>
+                  <a:lstStyle/>
+                  <a:p>
+                    <a:pPr/>
+                    <a14:m>
+                      <m:oMathPara xmlns:m="http://schemas.openxmlformats.org/officeDocument/2006/math">
+                        <m:oMathParaPr>
+                          <m:jc m:val="centerGroup"/>
+                        </m:oMathParaPr>
+                        <m:oMath xmlns:m="http://schemas.openxmlformats.org/officeDocument/2006/math">
+                          <m:r>
+                            <a:rPr lang="en-US" altLang="ko-KR" b="0" i="1" smtClean="0">
+                              <a:latin typeface="Cambria Math" panose="02040503050406030204" pitchFamily="18" charset="0"/>
+                            </a:rPr>
+                            <m:t>𝑃</m:t>
+                          </m:r>
+                          <m:r>
+                            <a:rPr lang="en-US" altLang="ko-KR" b="0" i="1" smtClean="0">
+                              <a:latin typeface="Cambria Math" panose="02040503050406030204" pitchFamily="18" charset="0"/>
+                            </a:rPr>
+                            <m:t>(</m:t>
+                          </m:r>
+                          <m:r>
+                            <a:rPr lang="en-US" altLang="ko-KR" b="0" i="1" smtClean="0">
+                              <a:latin typeface="Cambria Math" panose="02040503050406030204" pitchFamily="18" charset="0"/>
+                            </a:rPr>
+                            <m:t>𝑟</m:t>
+                          </m:r>
+                          <m:r>
+                            <a:rPr lang="en-US" altLang="ko-KR" b="0" i="1" smtClean="0">
+                              <a:latin typeface="Cambria Math" panose="02040503050406030204" pitchFamily="18" charset="0"/>
+                            </a:rPr>
+                            <m:t>, </m:t>
+                          </m:r>
+                          <m:r>
+                            <a:rPr lang="en-US" altLang="ko-KR" b="0" i="1" smtClean="0">
+                              <a:latin typeface="Cambria Math" panose="02040503050406030204" pitchFamily="18" charset="0"/>
+                            </a:rPr>
+                            <m:t>𝜙</m:t>
+                          </m:r>
+                          <m:r>
+                            <a:rPr lang="en-US" altLang="ko-KR" b="0" i="1" smtClean="0">
+                              <a:latin typeface="Cambria Math" panose="02040503050406030204" pitchFamily="18" charset="0"/>
+                            </a:rPr>
+                            <m:t>, </m:t>
+                          </m:r>
+                          <m:r>
+                            <a:rPr lang="en-US" altLang="ko-KR" b="0" i="1" smtClean="0">
+                              <a:latin typeface="Cambria Math" panose="02040503050406030204" pitchFamily="18" charset="0"/>
+                            </a:rPr>
+                            <m:t>𝑧</m:t>
+                          </m:r>
+                          <m:r>
+                            <a:rPr lang="en-US" altLang="ko-KR" b="0" i="1" smtClean="0">
+                              <a:latin typeface="Cambria Math" panose="02040503050406030204" pitchFamily="18" charset="0"/>
+                            </a:rPr>
+                            <m:t>)</m:t>
+                          </m:r>
+                        </m:oMath>
+                      </m:oMathPara>
+                    </a14:m>
+                    <a:endParaRPr lang="ko-KR" altLang="en-US"/>
+                  </a:p>
+                </p:txBody>
+              </p:sp>
+            </mc:Choice>
+            <mc:Fallback xmlns="">
+              <p:sp>
+                <p:nvSpPr>
+                  <p:cNvPr id="102" name="TextBox 101">
+                    <a:extLst>
+                      <a:ext uri="{FF2B5EF4-FFF2-40B4-BE49-F238E27FC236}">
+                        <a16:creationId xmlns:a16="http://schemas.microsoft.com/office/drawing/2014/main" id="{5347D308-9A87-4248-21EE-70089642B95F}"/>
+                      </a:ext>
+                    </a:extLst>
+                  </p:cNvPr>
+                  <p:cNvSpPr txBox="1">
+                    <a:spLocks noRot="1" noChangeAspect="1" noMove="1" noResize="1" noEditPoints="1" noAdjustHandles="1" noChangeArrowheads="1" noChangeShapeType="1" noTextEdit="1"/>
+                  </p:cNvSpPr>
+                  <p:nvPr/>
+                </p:nvSpPr>
+                <p:spPr>
+                  <a:xfrm>
+                    <a:off x="6251250" y="3822759"/>
+                    <a:ext cx="987835" cy="276999"/>
+                  </a:xfrm>
+                  <a:prstGeom prst="rect">
+                    <a:avLst/>
+                  </a:prstGeom>
+                  <a:blipFill>
+                    <a:blip r:embed="rId5"/>
+                    <a:stretch>
+                      <a:fillRect l="-4321" r="-6790" b="-36957"/>
+                    </a:stretch>
+                  </a:blipFill>
+                </p:spPr>
+                <p:txBody>
+                  <a:bodyPr/>
+                  <a:lstStyle/>
+                  <a:p>
+                    <a:r>
+                      <a:rPr lang="ko-KR" altLang="en-US">
+                        <a:noFill/>
+                      </a:rPr>
+                      <a:t> </a:t>
+                    </a:r>
+                  </a:p>
+                </p:txBody>
+              </p:sp>
+            </mc:Fallback>
+          </mc:AlternateContent>
+        </p:grpSp>
+        <p:sp>
+          <p:nvSpPr>
+            <p:cNvPr id="9" name="TextBox 8">
+              <a:extLst>
+                <a:ext uri="{FF2B5EF4-FFF2-40B4-BE49-F238E27FC236}">
+                  <a16:creationId xmlns:a16="http://schemas.microsoft.com/office/drawing/2014/main" id="{26C9183F-D27D-C1C9-5AFE-321901B9BB02}"/>
+                </a:ext>
+              </a:extLst>
+            </p:cNvPr>
+            <p:cNvSpPr txBox="1"/>
+            <p:nvPr/>
+          </p:nvSpPr>
+          <p:spPr>
+            <a:xfrm>
+              <a:off x="1366983" y="3683490"/>
+              <a:ext cx="1261884" cy="369332"/>
+            </a:xfrm>
+            <a:prstGeom prst="rect">
+              <a:avLst/>
+            </a:prstGeom>
+            <a:noFill/>
+          </p:spPr>
+          <p:txBody>
+            <a:bodyPr wrap="none" rtlCol="0">
+              <a:spAutoFit/>
+            </a:bodyPr>
+            <a:lstStyle/>
+            <a:p>
+              <a:r>
+                <a:rPr lang="ko-KR" altLang="en-US">
+                  <a:latin typeface="나눔바른고딕" panose="020B0603020101020101" pitchFamily="50" charset="-127"/>
+                  <a:ea typeface="나눔바른고딕" panose="020B0603020101020101" pitchFamily="50" charset="-127"/>
+                </a:rPr>
+                <a:t>원통 좌표계</a:t>
+              </a:r>
+            </a:p>
+          </p:txBody>
+        </p:sp>
+        <p:grpSp>
+          <p:nvGrpSpPr>
+            <p:cNvPr id="51" name="그룹 50">
+              <a:extLst>
+                <a:ext uri="{FF2B5EF4-FFF2-40B4-BE49-F238E27FC236}">
+                  <a16:creationId xmlns:a16="http://schemas.microsoft.com/office/drawing/2014/main" id="{B51AC7E8-8F37-9C6F-E78F-FF409ED0B535}"/>
+                </a:ext>
+              </a:extLst>
+            </p:cNvPr>
+            <p:cNvGrpSpPr/>
+            <p:nvPr/>
+          </p:nvGrpSpPr>
+          <p:grpSpPr>
+            <a:xfrm>
+              <a:off x="5108910" y="4199445"/>
+              <a:ext cx="2650431" cy="2530303"/>
+              <a:chOff x="4839478" y="3429000"/>
+              <a:chExt cx="2650431" cy="2530303"/>
+            </a:xfrm>
+          </p:grpSpPr>
+          <p:grpSp>
+            <p:nvGrpSpPr>
+              <p:cNvPr id="55" name="그룹 54">
+                <a:extLst>
+                  <a:ext uri="{FF2B5EF4-FFF2-40B4-BE49-F238E27FC236}">
+                    <a16:creationId xmlns:a16="http://schemas.microsoft.com/office/drawing/2014/main" id="{CB71B0FE-06A0-DE76-5A2E-93D3D4EC7678}"/>
+                  </a:ext>
+                </a:extLst>
+              </p:cNvPr>
+              <p:cNvGrpSpPr/>
+              <p:nvPr/>
+            </p:nvGrpSpPr>
+            <p:grpSpPr>
+              <a:xfrm>
+                <a:off x="4839478" y="3429000"/>
+                <a:ext cx="2650431" cy="2530303"/>
+                <a:chOff x="7204112" y="1997413"/>
+                <a:chExt cx="2650431" cy="2530303"/>
+              </a:xfrm>
+            </p:grpSpPr>
+            <p:cxnSp>
+              <p:nvCxnSpPr>
+                <p:cNvPr id="64" name="직선 화살표 연결선 63">
+                  <a:extLst>
+                    <a:ext uri="{FF2B5EF4-FFF2-40B4-BE49-F238E27FC236}">
+                      <a16:creationId xmlns:a16="http://schemas.microsoft.com/office/drawing/2014/main" id="{D92E08AE-6524-5838-0BC9-39C2EFE5A06A}"/>
+                    </a:ext>
+                  </a:extLst>
+                </p:cNvPr>
+                <p:cNvCxnSpPr>
+                  <a:cxnSpLocks/>
+                </p:cNvCxnSpPr>
+                <p:nvPr/>
+              </p:nvCxnSpPr>
+              <p:spPr>
+                <a:xfrm>
+                  <a:off x="7295744" y="3445212"/>
+                  <a:ext cx="2431916" cy="0"/>
+                </a:xfrm>
+                <a:prstGeom prst="straightConnector1">
+                  <a:avLst/>
+                </a:prstGeom>
+                <a:ln w="38100">
+                  <a:solidFill>
+                    <a:srgbClr val="00B050"/>
+                  </a:solidFill>
+                  <a:tailEnd type="triangle"/>
+                </a:ln>
+              </p:spPr>
+              <p:style>
+                <a:lnRef idx="2">
+                  <a:schemeClr val="accent1"/>
+                </a:lnRef>
+                <a:fillRef idx="0">
+                  <a:schemeClr val="accent1"/>
+                </a:fillRef>
+                <a:effectRef idx="1">
+                  <a:schemeClr val="accent1"/>
+                </a:effectRef>
+                <a:fontRef idx="minor">
+                  <a:schemeClr val="tx1"/>
+                </a:fontRef>
+              </p:style>
+            </p:cxnSp>
+            <p:cxnSp>
+              <p:nvCxnSpPr>
+                <p:cNvPr id="65" name="직선 화살표 연결선 64">
+                  <a:extLst>
+                    <a:ext uri="{FF2B5EF4-FFF2-40B4-BE49-F238E27FC236}">
+                      <a16:creationId xmlns:a16="http://schemas.microsoft.com/office/drawing/2014/main" id="{3EF9BD0F-7A16-218B-593B-9CA5904AD13B}"/>
+                    </a:ext>
+                  </a:extLst>
+                </p:cNvPr>
+                <p:cNvCxnSpPr>
+                  <a:cxnSpLocks/>
+                </p:cNvCxnSpPr>
+                <p:nvPr/>
+              </p:nvCxnSpPr>
+              <p:spPr>
+                <a:xfrm flipH="1">
+                  <a:off x="7295745" y="2892328"/>
+                  <a:ext cx="1504544" cy="1509049"/>
+                </a:xfrm>
+                <a:prstGeom prst="straightConnector1">
+                  <a:avLst/>
+                </a:prstGeom>
+                <a:ln w="38100">
+                  <a:solidFill>
+                    <a:srgbClr val="FF0000"/>
+                  </a:solidFill>
+                  <a:tailEnd type="triangle"/>
+                </a:ln>
+              </p:spPr>
+              <p:style>
+                <a:lnRef idx="2">
+                  <a:schemeClr val="accent1"/>
+                </a:lnRef>
+                <a:fillRef idx="0">
+                  <a:schemeClr val="accent1"/>
+                </a:fillRef>
+                <a:effectRef idx="1">
+                  <a:schemeClr val="accent1"/>
+                </a:effectRef>
+                <a:fontRef idx="minor">
+                  <a:schemeClr val="tx1"/>
+                </a:fontRef>
+              </p:style>
+            </p:cxnSp>
+            <p:cxnSp>
+              <p:nvCxnSpPr>
+                <p:cNvPr id="66" name="직선 화살표 연결선 65">
+                  <a:extLst>
+                    <a:ext uri="{FF2B5EF4-FFF2-40B4-BE49-F238E27FC236}">
+                      <a16:creationId xmlns:a16="http://schemas.microsoft.com/office/drawing/2014/main" id="{C0E9D128-13E1-F359-9CFD-C774842F418B}"/>
+                    </a:ext>
+                  </a:extLst>
+                </p:cNvPr>
+                <p:cNvCxnSpPr>
+                  <a:cxnSpLocks/>
+                </p:cNvCxnSpPr>
+                <p:nvPr/>
+              </p:nvCxnSpPr>
+              <p:spPr>
+                <a:xfrm flipV="1">
+                  <a:off x="8249055" y="1997413"/>
+                  <a:ext cx="0" cy="2403964"/>
+                </a:xfrm>
+                <a:prstGeom prst="straightConnector1">
+                  <a:avLst/>
+                </a:prstGeom>
+                <a:ln w="38100">
+                  <a:solidFill>
+                    <a:srgbClr val="0000FF"/>
+                  </a:solidFill>
+                  <a:tailEnd type="triangle"/>
+                </a:ln>
+              </p:spPr>
+              <p:style>
+                <a:lnRef idx="2">
+                  <a:schemeClr val="accent1"/>
+                </a:lnRef>
+                <a:fillRef idx="0">
+                  <a:schemeClr val="accent1"/>
+                </a:fillRef>
+                <a:effectRef idx="1">
+                  <a:schemeClr val="accent1"/>
+                </a:effectRef>
+                <a:fontRef idx="minor">
+                  <a:schemeClr val="tx1"/>
+                </a:fontRef>
+              </p:style>
+            </p:cxnSp>
+            <p:sp>
+              <p:nvSpPr>
+                <p:cNvPr id="67" name="TextBox 66">
+                  <a:extLst>
+                    <a:ext uri="{FF2B5EF4-FFF2-40B4-BE49-F238E27FC236}">
+                      <a16:creationId xmlns:a16="http://schemas.microsoft.com/office/drawing/2014/main" id="{2B2133C5-74C8-5974-72B0-E6D91FC2DB7C}"/>
+                    </a:ext>
+                  </a:extLst>
+                </p:cNvPr>
+                <p:cNvSpPr txBox="1"/>
+                <p:nvPr/>
+              </p:nvSpPr>
+              <p:spPr>
+                <a:xfrm>
+                  <a:off x="8269501" y="2085332"/>
+                  <a:ext cx="276038" cy="276999"/>
+                </a:xfrm>
+                <a:prstGeom prst="rect">
+                  <a:avLst/>
+                </a:prstGeom>
+                <a:noFill/>
+              </p:spPr>
+              <p:txBody>
+                <a:bodyPr wrap="none" rtlCol="0">
+                  <a:spAutoFit/>
+                </a:bodyPr>
+                <a:lstStyle/>
+                <a:p>
+                  <a:r>
+                    <a:rPr lang="en-US" altLang="ko-KR" sz="1200" b="1">
+                      <a:solidFill>
+                        <a:srgbClr val="0000FF"/>
+                      </a:solidFill>
+                      <a:latin typeface="나눔바른고딕" panose="020B0603020101020101" pitchFamily="50" charset="-127"/>
+                      <a:ea typeface="나눔바른고딕" panose="020B0603020101020101" pitchFamily="50" charset="-127"/>
+                    </a:rPr>
+                    <a:t>Z</a:t>
+                  </a:r>
+                  <a:endParaRPr lang="ko-KR" altLang="en-US" sz="1200" b="1">
+                    <a:solidFill>
+                      <a:srgbClr val="0000FF"/>
+                    </a:solidFill>
+                    <a:latin typeface="나눔바른고딕" panose="020B0603020101020101" pitchFamily="50" charset="-127"/>
+                    <a:ea typeface="나눔바른고딕" panose="020B0603020101020101" pitchFamily="50" charset="-127"/>
+                  </a:endParaRPr>
+                </a:p>
+              </p:txBody>
+            </p:sp>
+            <p:sp>
+              <p:nvSpPr>
+                <p:cNvPr id="68" name="TextBox 67">
+                  <a:extLst>
+                    <a:ext uri="{FF2B5EF4-FFF2-40B4-BE49-F238E27FC236}">
+                      <a16:creationId xmlns:a16="http://schemas.microsoft.com/office/drawing/2014/main" id="{ED55DB00-BEFC-EA07-8E7D-E95E5511B17B}"/>
+                    </a:ext>
+                  </a:extLst>
+                </p:cNvPr>
+                <p:cNvSpPr txBox="1"/>
+                <p:nvPr/>
+              </p:nvSpPr>
+              <p:spPr>
+                <a:xfrm>
+                  <a:off x="7204112" y="3975210"/>
+                  <a:ext cx="276038" cy="276999"/>
+                </a:xfrm>
+                <a:prstGeom prst="rect">
+                  <a:avLst/>
+                </a:prstGeom>
+                <a:noFill/>
+              </p:spPr>
+              <p:txBody>
+                <a:bodyPr wrap="square" rtlCol="0">
+                  <a:spAutoFit/>
+                </a:bodyPr>
+                <a:lstStyle/>
+                <a:p>
+                  <a:r>
+                    <a:rPr lang="en-US" altLang="ko-KR" sz="1200" b="1">
+                      <a:solidFill>
+                        <a:srgbClr val="FF0000"/>
+                      </a:solidFill>
+                      <a:latin typeface="나눔바른고딕" panose="020B0603020101020101" pitchFamily="50" charset="-127"/>
+                      <a:ea typeface="나눔바른고딕" panose="020B0603020101020101" pitchFamily="50" charset="-127"/>
+                    </a:rPr>
+                    <a:t>X</a:t>
+                  </a:r>
+                  <a:endParaRPr lang="ko-KR" altLang="en-US" sz="1200" b="1">
+                    <a:solidFill>
+                      <a:srgbClr val="FF0000"/>
+                    </a:solidFill>
+                    <a:latin typeface="나눔바른고딕" panose="020B0603020101020101" pitchFamily="50" charset="-127"/>
+                    <a:ea typeface="나눔바른고딕" panose="020B0603020101020101" pitchFamily="50" charset="-127"/>
+                  </a:endParaRPr>
+                </a:p>
+              </p:txBody>
+            </p:sp>
+            <p:sp>
+              <p:nvSpPr>
+                <p:cNvPr id="69" name="TextBox 68">
+                  <a:extLst>
+                    <a:ext uri="{FF2B5EF4-FFF2-40B4-BE49-F238E27FC236}">
+                      <a16:creationId xmlns:a16="http://schemas.microsoft.com/office/drawing/2014/main" id="{66996F40-43AB-9886-4328-995E29E70276}"/>
+                    </a:ext>
+                  </a:extLst>
+                </p:cNvPr>
+                <p:cNvSpPr txBox="1"/>
+                <p:nvPr/>
+              </p:nvSpPr>
+              <p:spPr>
+                <a:xfrm>
+                  <a:off x="9393678" y="3174094"/>
+                  <a:ext cx="276038" cy="276999"/>
+                </a:xfrm>
+                <a:prstGeom prst="rect">
+                  <a:avLst/>
+                </a:prstGeom>
+                <a:noFill/>
+              </p:spPr>
+              <p:txBody>
+                <a:bodyPr wrap="square" rtlCol="0">
+                  <a:spAutoFit/>
+                </a:bodyPr>
+                <a:lstStyle/>
+                <a:p>
+                  <a:r>
+                    <a:rPr lang="en-US" altLang="ko-KR" sz="1200" b="1">
+                      <a:solidFill>
+                        <a:srgbClr val="00B050"/>
+                      </a:solidFill>
+                      <a:latin typeface="나눔바른고딕" panose="020B0603020101020101" pitchFamily="50" charset="-127"/>
+                      <a:ea typeface="나눔바른고딕" panose="020B0603020101020101" pitchFamily="50" charset="-127"/>
+                    </a:rPr>
+                    <a:t>Y</a:t>
+                  </a:r>
+                  <a:endParaRPr lang="ko-KR" altLang="en-US" sz="1200" b="1">
+                    <a:solidFill>
+                      <a:srgbClr val="00B050"/>
+                    </a:solidFill>
+                    <a:latin typeface="나눔바른고딕" panose="020B0603020101020101" pitchFamily="50" charset="-127"/>
+                    <a:ea typeface="나눔바른고딕" panose="020B0603020101020101" pitchFamily="50" charset="-127"/>
+                  </a:endParaRPr>
+                </a:p>
+              </p:txBody>
+            </p:sp>
+            <p:sp>
+              <p:nvSpPr>
+                <p:cNvPr id="70" name="TextBox 69">
+                  <a:extLst>
+                    <a:ext uri="{FF2B5EF4-FFF2-40B4-BE49-F238E27FC236}">
+                      <a16:creationId xmlns:a16="http://schemas.microsoft.com/office/drawing/2014/main" id="{9AAB0C84-6676-CDD7-8DB5-6476B00AEBA8}"/>
+                    </a:ext>
+                  </a:extLst>
+                </p:cNvPr>
+                <p:cNvSpPr txBox="1"/>
+                <p:nvPr/>
+              </p:nvSpPr>
+              <p:spPr>
+                <a:xfrm>
+                  <a:off x="7321684" y="4250717"/>
+                  <a:ext cx="645692" cy="276999"/>
+                </a:xfrm>
+                <a:prstGeom prst="rect">
+                  <a:avLst/>
+                </a:prstGeom>
+                <a:noFill/>
+              </p:spPr>
+              <p:txBody>
+                <a:bodyPr wrap="square" rtlCol="0">
+                  <a:spAutoFit/>
+                </a:bodyPr>
+                <a:lstStyle/>
+                <a:p>
+                  <a:pPr algn="ctr"/>
+                  <a:r>
+                    <a:rPr lang="en-US" altLang="ko-KR" sz="1200" b="1">
+                      <a:solidFill>
+                        <a:srgbClr val="FF0000"/>
+                      </a:solidFill>
+                      <a:latin typeface="나눔바른고딕" panose="020B0603020101020101" pitchFamily="50" charset="-127"/>
+                      <a:ea typeface="나눔바른고딕" panose="020B0603020101020101" pitchFamily="50" charset="-127"/>
+                    </a:rPr>
+                    <a:t>Roll</a:t>
+                  </a:r>
+                  <a:endParaRPr lang="ko-KR" altLang="en-US" sz="1200" b="1">
+                    <a:solidFill>
+                      <a:srgbClr val="FF0000"/>
+                    </a:solidFill>
+                    <a:latin typeface="나눔바른고딕" panose="020B0603020101020101" pitchFamily="50" charset="-127"/>
+                    <a:ea typeface="나눔바른고딕" panose="020B0603020101020101" pitchFamily="50" charset="-127"/>
+                  </a:endParaRPr>
+                </a:p>
+              </p:txBody>
+            </p:sp>
+            <p:sp>
+              <p:nvSpPr>
+                <p:cNvPr id="71" name="TextBox 70">
+                  <a:extLst>
+                    <a:ext uri="{FF2B5EF4-FFF2-40B4-BE49-F238E27FC236}">
+                      <a16:creationId xmlns:a16="http://schemas.microsoft.com/office/drawing/2014/main" id="{BE5EA71E-D9E1-EC50-7D68-53A5D0D2DF73}"/>
+                    </a:ext>
+                  </a:extLst>
+                </p:cNvPr>
+                <p:cNvSpPr txBox="1"/>
+                <p:nvPr/>
+              </p:nvSpPr>
+              <p:spPr>
+                <a:xfrm>
+                  <a:off x="9208851" y="3476170"/>
+                  <a:ext cx="645692" cy="276999"/>
+                </a:xfrm>
+                <a:prstGeom prst="rect">
+                  <a:avLst/>
+                </a:prstGeom>
+                <a:noFill/>
+              </p:spPr>
+              <p:txBody>
+                <a:bodyPr wrap="square" rtlCol="0">
+                  <a:spAutoFit/>
+                </a:bodyPr>
+                <a:lstStyle/>
+                <a:p>
+                  <a:pPr algn="ctr"/>
+                  <a:r>
+                    <a:rPr lang="en-US" altLang="ko-KR" sz="1200" b="1">
+                      <a:solidFill>
+                        <a:srgbClr val="00B050"/>
+                      </a:solidFill>
+                      <a:latin typeface="나눔바른고딕" panose="020B0603020101020101" pitchFamily="50" charset="-127"/>
+                      <a:ea typeface="나눔바른고딕" panose="020B0603020101020101" pitchFamily="50" charset="-127"/>
+                    </a:rPr>
+                    <a:t>Pitch</a:t>
+                  </a:r>
+                  <a:endParaRPr lang="ko-KR" altLang="en-US" sz="1200" b="1">
+                    <a:solidFill>
+                      <a:srgbClr val="00B050"/>
+                    </a:solidFill>
+                    <a:latin typeface="나눔바른고딕" panose="020B0603020101020101" pitchFamily="50" charset="-127"/>
+                    <a:ea typeface="나눔바른고딕" panose="020B0603020101020101" pitchFamily="50" charset="-127"/>
+                  </a:endParaRPr>
+                </a:p>
+              </p:txBody>
+            </p:sp>
+            <p:sp>
+              <p:nvSpPr>
+                <p:cNvPr id="72" name="TextBox 71">
+                  <a:extLst>
+                    <a:ext uri="{FF2B5EF4-FFF2-40B4-BE49-F238E27FC236}">
+                      <a16:creationId xmlns:a16="http://schemas.microsoft.com/office/drawing/2014/main" id="{18D1DC1D-44C8-4754-E4E0-133460BA970A}"/>
+                    </a:ext>
+                  </a:extLst>
+                </p:cNvPr>
+                <p:cNvSpPr txBox="1"/>
+                <p:nvPr/>
+              </p:nvSpPr>
+              <p:spPr>
+                <a:xfrm>
+                  <a:off x="7681183" y="2085332"/>
+                  <a:ext cx="645692" cy="276999"/>
+                </a:xfrm>
+                <a:prstGeom prst="rect">
+                  <a:avLst/>
+                </a:prstGeom>
+                <a:noFill/>
+              </p:spPr>
+              <p:txBody>
+                <a:bodyPr wrap="square" rtlCol="0">
+                  <a:spAutoFit/>
+                </a:bodyPr>
+                <a:lstStyle/>
+                <a:p>
+                  <a:pPr algn="ctr"/>
+                  <a:r>
+                    <a:rPr lang="en-US" altLang="ko-KR" sz="1200" b="1">
+                      <a:solidFill>
+                        <a:srgbClr val="0000FF"/>
+                      </a:solidFill>
+                      <a:latin typeface="나눔바른고딕" panose="020B0603020101020101" pitchFamily="50" charset="-127"/>
+                      <a:ea typeface="나눔바른고딕" panose="020B0603020101020101" pitchFamily="50" charset="-127"/>
+                    </a:rPr>
+                    <a:t>Yaw</a:t>
+                  </a:r>
+                  <a:endParaRPr lang="ko-KR" altLang="en-US" sz="1200" b="1">
+                    <a:solidFill>
+                      <a:srgbClr val="0000FF"/>
+                    </a:solidFill>
+                    <a:latin typeface="나눔바른고딕" panose="020B0603020101020101" pitchFamily="50" charset="-127"/>
+                    <a:ea typeface="나눔바른고딕" panose="020B0603020101020101" pitchFamily="50" charset="-127"/>
+                  </a:endParaRPr>
+                </a:p>
+              </p:txBody>
+            </p:sp>
+          </p:grpSp>
+          <p:sp>
+            <p:nvSpPr>
+              <p:cNvPr id="56" name="타원 55">
+                <a:extLst>
+                  <a:ext uri="{FF2B5EF4-FFF2-40B4-BE49-F238E27FC236}">
+                    <a16:creationId xmlns:a16="http://schemas.microsoft.com/office/drawing/2014/main" id="{9E570694-B279-2F5C-6886-E22DF74C65D8}"/>
+                  </a:ext>
+                </a:extLst>
+              </p:cNvPr>
+              <p:cNvSpPr/>
+              <p:nvPr/>
+            </p:nvSpPr>
+            <p:spPr>
+              <a:xfrm>
+                <a:off x="6226223" y="4152961"/>
+                <a:ext cx="85297" cy="85297"/>
+              </a:xfrm>
+              <a:prstGeom prst="ellipse">
+                <a:avLst/>
+              </a:prstGeom>
+              <a:solidFill>
+                <a:schemeClr val="tx1"/>
+              </a:solidFill>
+              <a:ln>
+                <a:solidFill>
+                  <a:schemeClr val="tx1"/>
+                </a:solidFill>
+              </a:ln>
+            </p:spPr>
+            <p:style>
+              <a:lnRef idx="2">
+                <a:schemeClr val="accent1">
+                  <a:shade val="15000"/>
+                </a:schemeClr>
+              </a:lnRef>
+              <a:fillRef idx="1">
+                <a:schemeClr val="accent1"/>
+              </a:fillRef>
+              <a:effectRef idx="0">
+                <a:schemeClr val="accent1"/>
+              </a:effectRef>
+              <a:fontRef idx="minor">
+                <a:schemeClr val="lt1"/>
+              </a:fontRef>
+            </p:style>
+            <p:txBody>
+              <a:bodyPr rtlCol="0" anchor="ctr"/>
+              <a:lstStyle/>
+              <a:p>
+                <a:pPr algn="ctr"/>
+                <a:endParaRPr lang="ko-KR" altLang="en-US"/>
+              </a:p>
+            </p:txBody>
+          </p:sp>
+          <p:cxnSp>
+            <p:nvCxnSpPr>
+              <p:cNvPr id="57" name="직선 연결선 56">
+                <a:extLst>
+                  <a:ext uri="{FF2B5EF4-FFF2-40B4-BE49-F238E27FC236}">
+                    <a16:creationId xmlns:a16="http://schemas.microsoft.com/office/drawing/2014/main" id="{6A2B8555-F08E-ED31-73DF-953B286FF867}"/>
+                  </a:ext>
+                </a:extLst>
+              </p:cNvPr>
+              <p:cNvCxnSpPr>
+                <a:cxnSpLocks/>
+                <a:stCxn id="56" idx="4"/>
+              </p:cNvCxnSpPr>
+              <p:nvPr/>
+            </p:nvCxnSpPr>
+            <p:spPr>
+              <a:xfrm>
+                <a:off x="6268872" y="4238258"/>
+                <a:ext cx="0" cy="1349742"/>
+              </a:xfrm>
+              <a:prstGeom prst="line">
+                <a:avLst/>
+              </a:prstGeom>
+              <a:ln>
+                <a:solidFill>
+                  <a:srgbClr val="0000FF"/>
+                </a:solidFill>
+                <a:prstDash val="sysDash"/>
+              </a:ln>
+            </p:spPr>
+            <p:style>
+              <a:lnRef idx="2">
+                <a:schemeClr val="accent1"/>
+              </a:lnRef>
+              <a:fillRef idx="0">
+                <a:schemeClr val="accent1"/>
+              </a:fillRef>
+              <a:effectRef idx="1">
+                <a:schemeClr val="accent1"/>
+              </a:effectRef>
+              <a:fontRef idx="minor">
+                <a:schemeClr val="tx1"/>
+              </a:fontRef>
+            </p:style>
+          </p:cxnSp>
+          <p:cxnSp>
+            <p:nvCxnSpPr>
+              <p:cNvPr id="58" name="직선 연결선 57">
+                <a:extLst>
+                  <a:ext uri="{FF2B5EF4-FFF2-40B4-BE49-F238E27FC236}">
+                    <a16:creationId xmlns:a16="http://schemas.microsoft.com/office/drawing/2014/main" id="{288EE9C6-33C1-9E43-FAEE-3AEBEDBDC331}"/>
+                  </a:ext>
+                </a:extLst>
+              </p:cNvPr>
+              <p:cNvCxnSpPr>
+                <a:stCxn id="60" idx="5"/>
+              </p:cNvCxnSpPr>
+              <p:nvPr/>
+            </p:nvCxnSpPr>
+            <p:spPr>
+              <a:xfrm>
+                <a:off x="5914578" y="4906956"/>
+                <a:ext cx="354294" cy="696160"/>
+              </a:xfrm>
+              <a:prstGeom prst="line">
+                <a:avLst/>
+              </a:prstGeom>
+              <a:ln>
+                <a:solidFill>
+                  <a:srgbClr val="FFC000"/>
+                </a:solidFill>
+                <a:prstDash val="sysDash"/>
+              </a:ln>
+            </p:spPr>
+            <p:style>
+              <a:lnRef idx="2">
+                <a:schemeClr val="accent1"/>
+              </a:lnRef>
+              <a:fillRef idx="0">
+                <a:schemeClr val="accent1"/>
+              </a:fillRef>
+              <a:effectRef idx="1">
+                <a:schemeClr val="accent1"/>
+              </a:effectRef>
+              <a:fontRef idx="minor">
+                <a:schemeClr val="tx1"/>
+              </a:fontRef>
+            </p:style>
+          </p:cxnSp>
+          <p:sp>
+            <p:nvSpPr>
+              <p:cNvPr id="59" name="부분 원형 58">
+                <a:extLst>
+                  <a:ext uri="{FF2B5EF4-FFF2-40B4-BE49-F238E27FC236}">
+                    <a16:creationId xmlns:a16="http://schemas.microsoft.com/office/drawing/2014/main" id="{CEE05CA5-567C-71A1-F6A9-FCC4F55451D0}"/>
+                  </a:ext>
+                </a:extLst>
+              </p:cNvPr>
+              <p:cNvSpPr/>
+              <p:nvPr/>
+            </p:nvSpPr>
+            <p:spPr>
+              <a:xfrm>
+                <a:off x="5330539" y="4329247"/>
+                <a:ext cx="1092530" cy="1092530"/>
+              </a:xfrm>
+              <a:prstGeom prst="pie">
+                <a:avLst>
+                  <a:gd name="adj1" fmla="val 3634440"/>
+                  <a:gd name="adj2" fmla="val 8023040"/>
+                </a:avLst>
+              </a:prstGeom>
+              <a:solidFill>
+                <a:srgbClr val="FFC000">
+                  <a:alpha val="30000"/>
+                </a:srgbClr>
+              </a:solidFill>
+              <a:ln>
+                <a:noFill/>
+              </a:ln>
+            </p:spPr>
+            <p:style>
+              <a:lnRef idx="2">
+                <a:schemeClr val="accent1">
+                  <a:shade val="15000"/>
+                </a:schemeClr>
+              </a:lnRef>
+              <a:fillRef idx="1">
+                <a:schemeClr val="accent1"/>
+              </a:fillRef>
+              <a:effectRef idx="0">
+                <a:schemeClr val="accent1"/>
+              </a:effectRef>
+              <a:fontRef idx="minor">
+                <a:schemeClr val="lt1"/>
+              </a:fontRef>
+            </p:style>
+            <p:txBody>
+              <a:bodyPr rtlCol="0" anchor="ctr"/>
+              <a:lstStyle/>
+              <a:p>
+                <a:pPr algn="ctr"/>
+                <a:endParaRPr lang="ko-KR" altLang="en-US">
+                  <a:solidFill>
+                    <a:schemeClr val="tx1"/>
+                  </a:solidFill>
+                </a:endParaRPr>
+              </a:p>
+            </p:txBody>
+          </p:sp>
+          <p:sp>
+            <p:nvSpPr>
+              <p:cNvPr id="60" name="타원 59">
+                <a:extLst>
+                  <a:ext uri="{FF2B5EF4-FFF2-40B4-BE49-F238E27FC236}">
+                    <a16:creationId xmlns:a16="http://schemas.microsoft.com/office/drawing/2014/main" id="{B4B6CF6A-4B89-A7DB-C1CE-646007EA438B}"/>
+                  </a:ext>
+                </a:extLst>
+              </p:cNvPr>
+              <p:cNvSpPr/>
+              <p:nvPr/>
+            </p:nvSpPr>
+            <p:spPr>
+              <a:xfrm>
+                <a:off x="5841772" y="4834150"/>
+                <a:ext cx="85297" cy="85297"/>
+              </a:xfrm>
+              <a:prstGeom prst="ellipse">
+                <a:avLst/>
+              </a:prstGeom>
+              <a:solidFill>
+                <a:schemeClr val="tx1"/>
+              </a:solidFill>
+              <a:ln>
+                <a:solidFill>
+                  <a:schemeClr val="tx1"/>
+                </a:solidFill>
+              </a:ln>
+            </p:spPr>
+            <p:style>
+              <a:lnRef idx="2">
+                <a:schemeClr val="accent1">
+                  <a:shade val="15000"/>
+                </a:schemeClr>
+              </a:lnRef>
+              <a:fillRef idx="1">
+                <a:schemeClr val="accent1"/>
+              </a:fillRef>
+              <a:effectRef idx="0">
+                <a:schemeClr val="accent1"/>
+              </a:effectRef>
+              <a:fontRef idx="minor">
+                <a:schemeClr val="lt1"/>
+              </a:fontRef>
+            </p:style>
+            <p:txBody>
+              <a:bodyPr rtlCol="0" anchor="ctr"/>
+              <a:lstStyle/>
+              <a:p>
+                <a:pPr algn="ctr"/>
+                <a:endParaRPr lang="ko-KR" altLang="en-US"/>
+              </a:p>
+            </p:txBody>
+          </p:sp>
+          <mc:AlternateContent xmlns:mc="http://schemas.openxmlformats.org/markup-compatibility/2006" xmlns:a14="http://schemas.microsoft.com/office/drawing/2010/main">
+            <mc:Choice Requires="a14">
+              <p:sp>
+                <p:nvSpPr>
+                  <p:cNvPr id="61" name="TextBox 60">
+                    <a:extLst>
+                      <a:ext uri="{FF2B5EF4-FFF2-40B4-BE49-F238E27FC236}">
+                        <a16:creationId xmlns:a16="http://schemas.microsoft.com/office/drawing/2014/main" id="{751500A7-5B7D-FBCA-0385-C9D4902330BF}"/>
+                      </a:ext>
+                    </a:extLst>
+                  </p:cNvPr>
+                  <p:cNvSpPr txBox="1"/>
+                  <p:nvPr/>
+                </p:nvSpPr>
+                <p:spPr>
+                  <a:xfrm>
+                    <a:off x="5560753" y="5364791"/>
+                    <a:ext cx="245260" cy="276999"/>
+                  </a:xfrm>
+                  <a:prstGeom prst="rect">
+                    <a:avLst/>
+                  </a:prstGeom>
+                  <a:noFill/>
+                </p:spPr>
+                <p:txBody>
+                  <a:bodyPr wrap="none" lIns="0" tIns="0" rIns="0" bIns="0" rtlCol="0">
+                    <a:spAutoFit/>
+                  </a:bodyPr>
+                  <a:lstStyle/>
+                  <a:p>
+                    <a:pPr/>
+                    <a14:m>
+                      <m:oMathPara xmlns:m="http://schemas.openxmlformats.org/officeDocument/2006/math">
+                        <m:oMathParaPr>
+                          <m:jc m:val="center"/>
+                        </m:oMathParaPr>
+                        <m:oMath xmlns:m="http://schemas.openxmlformats.org/officeDocument/2006/math">
+                          <m:r>
+                            <m:rPr>
+                              <m:sty m:val="p"/>
+                            </m:rPr>
+                            <a:rPr lang="en-US" altLang="ko-KR" b="0" i="1" smtClean="0">
+                              <a:solidFill>
+                                <a:srgbClr val="FFC000"/>
+                              </a:solidFill>
+                              <a:latin typeface="Cambria Math" panose="02040503050406030204" pitchFamily="18" charset="0"/>
+                            </a:rPr>
+                            <m:t>ϕ</m:t>
+                          </m:r>
+                        </m:oMath>
+                      </m:oMathPara>
+                    </a14:m>
+                    <a:endParaRPr lang="en-US" altLang="ko-KR" b="0">
+                      <a:solidFill>
+                        <a:srgbClr val="FFC000"/>
+                      </a:solidFill>
+                    </a:endParaRPr>
+                  </a:p>
+                </p:txBody>
+              </p:sp>
+            </mc:Choice>
+            <mc:Fallback xmlns="">
+              <p:sp>
+                <p:nvSpPr>
+                  <p:cNvPr id="99" name="TextBox 98">
+                    <a:extLst>
+                      <a:ext uri="{FF2B5EF4-FFF2-40B4-BE49-F238E27FC236}">
+                        <a16:creationId xmlns:a16="http://schemas.microsoft.com/office/drawing/2014/main" id="{7F8C04F4-C071-57F7-58E0-1AB921CC16E3}"/>
+                      </a:ext>
+                    </a:extLst>
+                  </p:cNvPr>
+                  <p:cNvSpPr txBox="1">
+                    <a:spLocks noRot="1" noChangeAspect="1" noMove="1" noResize="1" noEditPoints="1" noAdjustHandles="1" noChangeArrowheads="1" noChangeShapeType="1" noTextEdit="1"/>
+                  </p:cNvSpPr>
+                  <p:nvPr/>
+                </p:nvSpPr>
+                <p:spPr>
+                  <a:xfrm>
+                    <a:off x="5560753" y="5364791"/>
+                    <a:ext cx="245260" cy="276999"/>
+                  </a:xfrm>
+                  <a:prstGeom prst="rect">
+                    <a:avLst/>
+                  </a:prstGeom>
+                  <a:blipFill>
+                    <a:blip r:embed="rId3"/>
+                    <a:stretch>
+                      <a:fillRect l="-24390" r="-26829" b="-40000"/>
+                    </a:stretch>
+                  </a:blipFill>
+                </p:spPr>
+                <p:txBody>
+                  <a:bodyPr/>
+                  <a:lstStyle/>
+                  <a:p>
+                    <a:r>
+                      <a:rPr lang="ko-KR" altLang="en-US">
+                        <a:noFill/>
+                      </a:rPr>
+                      <a:t> </a:t>
+                    </a:r>
+                  </a:p>
+                </p:txBody>
+              </p:sp>
+            </mc:Fallback>
+          </mc:AlternateContent>
+          <mc:AlternateContent xmlns:mc="http://schemas.openxmlformats.org/markup-compatibility/2006">
+            <mc:Choice xmlns:a14="http://schemas.microsoft.com/office/drawing/2010/main" Requires="a14">
+              <p:sp>
+                <p:nvSpPr>
+                  <p:cNvPr id="62" name="TextBox 61">
+                    <a:extLst>
+                      <a:ext uri="{FF2B5EF4-FFF2-40B4-BE49-F238E27FC236}">
+                        <a16:creationId xmlns:a16="http://schemas.microsoft.com/office/drawing/2014/main" id="{0CB88091-557E-E059-D4B6-A9305E858E86}"/>
+                      </a:ext>
+                    </a:extLst>
+                  </p:cNvPr>
+                  <p:cNvSpPr txBox="1"/>
+                  <p:nvPr/>
+                </p:nvSpPr>
+                <p:spPr>
+                  <a:xfrm>
+                    <a:off x="5932335" y="4223835"/>
+                    <a:ext cx="195823" cy="276999"/>
+                  </a:xfrm>
+                  <a:prstGeom prst="rect">
+                    <a:avLst/>
+                  </a:prstGeom>
+                  <a:noFill/>
+                </p:spPr>
+                <p:txBody>
+                  <a:bodyPr wrap="none" lIns="0" tIns="0" rIns="0" bIns="0" rtlCol="0">
+                    <a:spAutoFit/>
+                  </a:bodyPr>
+                  <a:lstStyle/>
+                  <a:p>
+                    <a:pPr/>
+                    <a14:m>
+                      <m:oMathPara xmlns:m="http://schemas.openxmlformats.org/officeDocument/2006/math">
+                        <m:oMathParaPr>
+                          <m:jc m:val="center"/>
+                        </m:oMathParaPr>
+                        <m:oMath xmlns:m="http://schemas.openxmlformats.org/officeDocument/2006/math">
+                          <m:r>
+                            <a:rPr lang="en-US" altLang="ko-KR" b="0" i="1" smtClean="0">
+                              <a:solidFill>
+                                <a:srgbClr val="00FFFF"/>
+                              </a:solidFill>
+                              <a:latin typeface="Cambria Math" panose="02040503050406030204" pitchFamily="18" charset="0"/>
+                            </a:rPr>
+                            <m:t>𝑟</m:t>
+                          </m:r>
+                        </m:oMath>
+                      </m:oMathPara>
+                    </a14:m>
+                    <a:endParaRPr lang="en-US" altLang="ko-KR" b="0">
+                      <a:solidFill>
+                        <a:srgbClr val="FFC000"/>
+                      </a:solidFill>
+                    </a:endParaRPr>
+                  </a:p>
+                </p:txBody>
+              </p:sp>
+            </mc:Choice>
+            <mc:Fallback>
+              <p:sp>
+                <p:nvSpPr>
+                  <p:cNvPr id="62" name="TextBox 61">
+                    <a:extLst>
+                      <a:ext uri="{FF2B5EF4-FFF2-40B4-BE49-F238E27FC236}">
+                        <a16:creationId xmlns:a16="http://schemas.microsoft.com/office/drawing/2014/main" id="{0CB88091-557E-E059-D4B6-A9305E858E86}"/>
+                      </a:ext>
+                    </a:extLst>
+                  </p:cNvPr>
+                  <p:cNvSpPr txBox="1">
+                    <a:spLocks noRot="1" noChangeAspect="1" noMove="1" noResize="1" noEditPoints="1" noAdjustHandles="1" noChangeArrowheads="1" noChangeShapeType="1" noTextEdit="1"/>
+                  </p:cNvSpPr>
+                  <p:nvPr/>
+                </p:nvSpPr>
+                <p:spPr>
+                  <a:xfrm>
+                    <a:off x="5932335" y="4223835"/>
+                    <a:ext cx="195823" cy="276999"/>
+                  </a:xfrm>
+                  <a:prstGeom prst="rect">
+                    <a:avLst/>
+                  </a:prstGeom>
+                  <a:blipFill>
+                    <a:blip r:embed="rId6"/>
+                    <a:stretch>
+                      <a:fillRect l="-9375" r="-9375" b="-2174"/>
+                    </a:stretch>
+                  </a:blipFill>
+                </p:spPr>
+                <p:txBody>
+                  <a:bodyPr/>
+                  <a:lstStyle/>
+                  <a:p>
+                    <a:r>
+                      <a:rPr lang="ko-KR" altLang="en-US">
+                        <a:noFill/>
+                      </a:rPr>
+                      <a:t> </a:t>
+                    </a:r>
+                  </a:p>
+                </p:txBody>
+              </p:sp>
+            </mc:Fallback>
+          </mc:AlternateContent>
+          <mc:AlternateContent xmlns:mc="http://schemas.openxmlformats.org/markup-compatibility/2006">
+            <mc:Choice xmlns:a14="http://schemas.microsoft.com/office/drawing/2010/main" Requires="a14">
+              <p:sp>
+                <p:nvSpPr>
+                  <p:cNvPr id="63" name="TextBox 62">
+                    <a:extLst>
+                      <a:ext uri="{FF2B5EF4-FFF2-40B4-BE49-F238E27FC236}">
+                        <a16:creationId xmlns:a16="http://schemas.microsoft.com/office/drawing/2014/main" id="{A2694C01-6D8E-6D8D-9A3E-538461D4BD2E}"/>
+                      </a:ext>
+                    </a:extLst>
+                  </p:cNvPr>
+                  <p:cNvSpPr txBox="1"/>
+                  <p:nvPr/>
+                </p:nvSpPr>
+                <p:spPr>
+                  <a:xfrm>
+                    <a:off x="6251250" y="3822759"/>
+                    <a:ext cx="1008225" cy="276999"/>
+                  </a:xfrm>
+                  <a:prstGeom prst="rect">
+                    <a:avLst/>
+                  </a:prstGeom>
+                  <a:noFill/>
+                </p:spPr>
+                <p:txBody>
+                  <a:bodyPr wrap="none" lIns="0" tIns="0" rIns="0" bIns="0" rtlCol="0">
+                    <a:spAutoFit/>
+                  </a:bodyPr>
+                  <a:lstStyle/>
+                  <a:p>
+                    <a:pPr/>
+                    <a14:m>
+                      <m:oMathPara xmlns:m="http://schemas.openxmlformats.org/officeDocument/2006/math">
+                        <m:oMathParaPr>
+                          <m:jc m:val="centerGroup"/>
+                        </m:oMathParaPr>
+                        <m:oMath xmlns:m="http://schemas.openxmlformats.org/officeDocument/2006/math">
+                          <m:r>
+                            <a:rPr lang="en-US" altLang="ko-KR" b="0" i="1" smtClean="0">
+                              <a:latin typeface="Cambria Math" panose="02040503050406030204" pitchFamily="18" charset="0"/>
+                            </a:rPr>
+                            <m:t>𝑃</m:t>
+                          </m:r>
+                          <m:r>
+                            <a:rPr lang="en-US" altLang="ko-KR" b="0" i="1" smtClean="0">
+                              <a:latin typeface="Cambria Math" panose="02040503050406030204" pitchFamily="18" charset="0"/>
+                            </a:rPr>
+                            <m:t>(</m:t>
+                          </m:r>
+                          <m:r>
+                            <a:rPr lang="en-US" altLang="ko-KR" b="0" i="1" smtClean="0">
+                              <a:latin typeface="Cambria Math" panose="02040503050406030204" pitchFamily="18" charset="0"/>
+                            </a:rPr>
+                            <m:t>𝑟</m:t>
+                          </m:r>
+                          <m:r>
+                            <a:rPr lang="en-US" altLang="ko-KR" b="0" i="1" smtClean="0">
+                              <a:latin typeface="Cambria Math" panose="02040503050406030204" pitchFamily="18" charset="0"/>
+                            </a:rPr>
+                            <m:t>, </m:t>
+                          </m:r>
+                          <m:r>
+                            <a:rPr lang="en-US" altLang="ko-KR" b="0" i="1" smtClean="0">
+                              <a:latin typeface="Cambria Math" panose="02040503050406030204" pitchFamily="18" charset="0"/>
+                            </a:rPr>
+                            <m:t>𝜃</m:t>
+                          </m:r>
+                          <m:r>
+                            <a:rPr lang="en-US" altLang="ko-KR" b="0" i="1" smtClean="0">
+                              <a:latin typeface="Cambria Math" panose="02040503050406030204" pitchFamily="18" charset="0"/>
+                            </a:rPr>
+                            <m:t>, </m:t>
+                          </m:r>
+                          <m:r>
+                            <a:rPr lang="en-US" altLang="ko-KR" b="0" i="1" smtClean="0">
+                              <a:latin typeface="Cambria Math" panose="02040503050406030204" pitchFamily="18" charset="0"/>
+                            </a:rPr>
+                            <m:t>𝜙</m:t>
+                          </m:r>
+                          <m:r>
+                            <a:rPr lang="en-US" altLang="ko-KR" b="0" i="1" smtClean="0">
+                              <a:latin typeface="Cambria Math" panose="02040503050406030204" pitchFamily="18" charset="0"/>
+                            </a:rPr>
+                            <m:t>)</m:t>
+                          </m:r>
+                        </m:oMath>
+                      </m:oMathPara>
+                    </a14:m>
+                    <a:endParaRPr lang="ko-KR" altLang="en-US"/>
+                  </a:p>
+                </p:txBody>
+              </p:sp>
+            </mc:Choice>
+            <mc:Fallback>
+              <p:sp>
+                <p:nvSpPr>
+                  <p:cNvPr id="63" name="TextBox 62">
+                    <a:extLst>
+                      <a:ext uri="{FF2B5EF4-FFF2-40B4-BE49-F238E27FC236}">
+                        <a16:creationId xmlns:a16="http://schemas.microsoft.com/office/drawing/2014/main" id="{A2694C01-6D8E-6D8D-9A3E-538461D4BD2E}"/>
+                      </a:ext>
+                    </a:extLst>
+                  </p:cNvPr>
+                  <p:cNvSpPr txBox="1">
+                    <a:spLocks noRot="1" noChangeAspect="1" noMove="1" noResize="1" noEditPoints="1" noAdjustHandles="1" noChangeArrowheads="1" noChangeShapeType="1" noTextEdit="1"/>
+                  </p:cNvSpPr>
+                  <p:nvPr/>
+                </p:nvSpPr>
+                <p:spPr>
+                  <a:xfrm>
+                    <a:off x="6251250" y="3822759"/>
+                    <a:ext cx="1008225" cy="276999"/>
+                  </a:xfrm>
+                  <a:prstGeom prst="rect">
+                    <a:avLst/>
+                  </a:prstGeom>
+                  <a:blipFill>
+                    <a:blip r:embed="rId7"/>
+                    <a:stretch>
+                      <a:fillRect l="-4242" r="-6667" b="-36957"/>
+                    </a:stretch>
+                  </a:blipFill>
+                </p:spPr>
+                <p:txBody>
+                  <a:bodyPr/>
+                  <a:lstStyle/>
+                  <a:p>
+                    <a:r>
+                      <a:rPr lang="ko-KR" altLang="en-US">
+                        <a:noFill/>
+                      </a:rPr>
+                      <a:t> </a:t>
+                    </a:r>
+                  </a:p>
+                </p:txBody>
+              </p:sp>
+            </mc:Fallback>
+          </mc:AlternateContent>
+        </p:grpSp>
+        <p:sp>
+          <p:nvSpPr>
+            <p:cNvPr id="52" name="화살표: 왼쪽/오른쪽 51">
+              <a:extLst>
+                <a:ext uri="{FF2B5EF4-FFF2-40B4-BE49-F238E27FC236}">
+                  <a16:creationId xmlns:a16="http://schemas.microsoft.com/office/drawing/2014/main" id="{28297B60-8519-5F43-ABAC-88B447662EFB}"/>
+                </a:ext>
+              </a:extLst>
+            </p:cNvPr>
+            <p:cNvSpPr/>
+            <p:nvPr/>
+          </p:nvSpPr>
+          <p:spPr>
+            <a:xfrm>
+              <a:off x="3800650" y="5008703"/>
+              <a:ext cx="848659" cy="457466"/>
+            </a:xfrm>
+            <a:prstGeom prst="leftRightArrow">
+              <a:avLst/>
+            </a:prstGeom>
+            <a:solidFill>
+              <a:schemeClr val="accent4">
+                <a:alpha val="50000"/>
+              </a:schemeClr>
+            </a:solidFill>
+            <a:ln>
+              <a:noFill/>
+            </a:ln>
+          </p:spPr>
+          <p:style>
+            <a:lnRef idx="0">
+              <a:scrgbClr r="0" g="0" b="0"/>
+            </a:lnRef>
+            <a:fillRef idx="0">
+              <a:scrgbClr r="0" g="0" b="0"/>
+            </a:fillRef>
+            <a:effectRef idx="0">
+              <a:scrgbClr r="0" g="0" b="0"/>
+            </a:effectRef>
+            <a:fontRef idx="minor">
+              <a:schemeClr val="lt1"/>
+            </a:fontRef>
+          </p:style>
+          <p:txBody>
+            <a:bodyPr rtlCol="0" anchor="ctr"/>
+            <a:lstStyle/>
+            <a:p>
+              <a:pPr algn="ctr"/>
+              <a:endParaRPr lang="ko-KR" altLang="en-US"/>
+            </a:p>
+          </p:txBody>
+        </p:sp>
+        <p:sp>
+          <p:nvSpPr>
+            <p:cNvPr id="54" name="TextBox 53">
+              <a:extLst>
+                <a:ext uri="{FF2B5EF4-FFF2-40B4-BE49-F238E27FC236}">
+                  <a16:creationId xmlns:a16="http://schemas.microsoft.com/office/drawing/2014/main" id="{78649C4E-B174-B87C-F052-E15877150818}"/>
+                </a:ext>
+              </a:extLst>
+            </p:cNvPr>
+            <p:cNvSpPr txBox="1"/>
+            <p:nvPr/>
+          </p:nvSpPr>
+          <p:spPr>
+            <a:xfrm>
+              <a:off x="5585981" y="3683490"/>
+              <a:ext cx="1261884" cy="369332"/>
+            </a:xfrm>
+            <a:prstGeom prst="rect">
+              <a:avLst/>
+            </a:prstGeom>
+            <a:noFill/>
+          </p:spPr>
+          <p:txBody>
+            <a:bodyPr wrap="none" rtlCol="0">
+              <a:spAutoFit/>
+            </a:bodyPr>
+            <a:lstStyle/>
+            <a:p>
+              <a:r>
+                <a:rPr lang="ko-KR" altLang="en-US">
+                  <a:latin typeface="나눔바른고딕" panose="020B0603020101020101" pitchFamily="50" charset="-127"/>
+                  <a:ea typeface="나눔바른고딕" panose="020B0603020101020101" pitchFamily="50" charset="-127"/>
+                </a:rPr>
+                <a:t>구면 좌표계</a:t>
+              </a:r>
+            </a:p>
+          </p:txBody>
+        </p:sp>
+      </p:grpSp>
+      <p:grpSp>
+        <p:nvGrpSpPr>
+          <p:cNvPr id="93" name="그룹 92">
+            <a:extLst>
+              <a:ext uri="{FF2B5EF4-FFF2-40B4-BE49-F238E27FC236}">
+                <a16:creationId xmlns:a16="http://schemas.microsoft.com/office/drawing/2014/main" id="{01E8EBF0-528C-A49C-FE44-40A100C38963}"/>
+              </a:ext>
+            </a:extLst>
+          </p:cNvPr>
+          <p:cNvGrpSpPr/>
+          <p:nvPr/>
+        </p:nvGrpSpPr>
+        <p:grpSpPr>
+          <a:xfrm>
+            <a:off x="907549" y="333762"/>
+            <a:ext cx="6933303" cy="3046258"/>
+            <a:chOff x="734406" y="2913045"/>
+            <a:chExt cx="6933303" cy="3046258"/>
+          </a:xfrm>
+        </p:grpSpPr>
+        <p:grpSp>
+          <p:nvGrpSpPr>
+            <p:cNvPr id="94" name="그룹 93">
+              <a:extLst>
+                <a:ext uri="{FF2B5EF4-FFF2-40B4-BE49-F238E27FC236}">
+                  <a16:creationId xmlns:a16="http://schemas.microsoft.com/office/drawing/2014/main" id="{9015D45A-E1C3-4B9C-9DD2-D6DFEAC9A17B}"/>
+                </a:ext>
+              </a:extLst>
+            </p:cNvPr>
+            <p:cNvGrpSpPr/>
+            <p:nvPr/>
+          </p:nvGrpSpPr>
+          <p:grpSpPr>
+            <a:xfrm>
+              <a:off x="734406" y="3429000"/>
+              <a:ext cx="2650431" cy="2530303"/>
+              <a:chOff x="734406" y="3429000"/>
+              <a:chExt cx="2650431" cy="2530303"/>
+            </a:xfrm>
+          </p:grpSpPr>
+          <p:grpSp>
+            <p:nvGrpSpPr>
+              <p:cNvPr id="117" name="그룹 116">
+                <a:extLst>
+                  <a:ext uri="{FF2B5EF4-FFF2-40B4-BE49-F238E27FC236}">
+                    <a16:creationId xmlns:a16="http://schemas.microsoft.com/office/drawing/2014/main" id="{29E72454-973A-490E-F663-A1048AA9198D}"/>
+                  </a:ext>
+                </a:extLst>
+              </p:cNvPr>
+              <p:cNvGrpSpPr/>
+              <p:nvPr/>
+            </p:nvGrpSpPr>
+            <p:grpSpPr>
+              <a:xfrm>
+                <a:off x="734406" y="3429000"/>
+                <a:ext cx="2650431" cy="2530303"/>
+                <a:chOff x="734406" y="3429000"/>
+                <a:chExt cx="2650431" cy="2530303"/>
+              </a:xfrm>
+            </p:grpSpPr>
+            <p:grpSp>
+              <p:nvGrpSpPr>
+                <p:cNvPr id="119" name="그룹 118">
+                  <a:extLst>
+                    <a:ext uri="{FF2B5EF4-FFF2-40B4-BE49-F238E27FC236}">
+                      <a16:creationId xmlns:a16="http://schemas.microsoft.com/office/drawing/2014/main" id="{2307AD14-E46E-575C-780D-D380BA5C46EC}"/>
+                    </a:ext>
+                  </a:extLst>
+                </p:cNvPr>
+                <p:cNvGrpSpPr/>
+                <p:nvPr/>
+              </p:nvGrpSpPr>
+              <p:grpSpPr>
+                <a:xfrm>
+                  <a:off x="734406" y="3429000"/>
+                  <a:ext cx="2650431" cy="2530303"/>
+                  <a:chOff x="7204112" y="1997413"/>
+                  <a:chExt cx="2650431" cy="2530303"/>
+                </a:xfrm>
+              </p:grpSpPr>
+              <p:cxnSp>
+                <p:nvCxnSpPr>
+                  <p:cNvPr id="128" name="직선 화살표 연결선 127">
+                    <a:extLst>
+                      <a:ext uri="{FF2B5EF4-FFF2-40B4-BE49-F238E27FC236}">
+                        <a16:creationId xmlns:a16="http://schemas.microsoft.com/office/drawing/2014/main" id="{99C5F6C1-3BF3-659F-F96E-7B25EC80D103}"/>
+                      </a:ext>
+                    </a:extLst>
+                  </p:cNvPr>
+                  <p:cNvCxnSpPr>
+                    <a:cxnSpLocks/>
+                  </p:cNvCxnSpPr>
+                  <p:nvPr/>
+                </p:nvCxnSpPr>
+                <p:spPr>
+                  <a:xfrm>
+                    <a:off x="7295744" y="3445212"/>
+                    <a:ext cx="2431916" cy="0"/>
+                  </a:xfrm>
+                  <a:prstGeom prst="straightConnector1">
+                    <a:avLst/>
+                  </a:prstGeom>
+                  <a:ln w="38100">
+                    <a:solidFill>
+                      <a:srgbClr val="00B050"/>
+                    </a:solidFill>
+                    <a:tailEnd type="triangle"/>
+                  </a:ln>
+                </p:spPr>
+                <p:style>
+                  <a:lnRef idx="2">
+                    <a:schemeClr val="accent1"/>
+                  </a:lnRef>
+                  <a:fillRef idx="0">
+                    <a:schemeClr val="accent1"/>
+                  </a:fillRef>
+                  <a:effectRef idx="1">
+                    <a:schemeClr val="accent1"/>
+                  </a:effectRef>
+                  <a:fontRef idx="minor">
+                    <a:schemeClr val="tx1"/>
+                  </a:fontRef>
+                </p:style>
+              </p:cxnSp>
+              <p:cxnSp>
+                <p:nvCxnSpPr>
+                  <p:cNvPr id="129" name="직선 화살표 연결선 128">
+                    <a:extLst>
+                      <a:ext uri="{FF2B5EF4-FFF2-40B4-BE49-F238E27FC236}">
+                        <a16:creationId xmlns:a16="http://schemas.microsoft.com/office/drawing/2014/main" id="{86166043-7DC2-D24A-C702-FE7FF35FE9F6}"/>
+                      </a:ext>
+                    </a:extLst>
+                  </p:cNvPr>
+                  <p:cNvCxnSpPr>
+                    <a:cxnSpLocks/>
+                  </p:cNvCxnSpPr>
+                  <p:nvPr/>
+                </p:nvCxnSpPr>
+                <p:spPr>
+                  <a:xfrm flipH="1">
+                    <a:off x="7295745" y="2892328"/>
+                    <a:ext cx="1504544" cy="1509049"/>
+                  </a:xfrm>
+                  <a:prstGeom prst="straightConnector1">
+                    <a:avLst/>
+                  </a:prstGeom>
+                  <a:ln w="38100">
+                    <a:solidFill>
+                      <a:srgbClr val="FF0000"/>
+                    </a:solidFill>
+                    <a:tailEnd type="triangle"/>
+                  </a:ln>
+                </p:spPr>
+                <p:style>
+                  <a:lnRef idx="2">
+                    <a:schemeClr val="accent1"/>
+                  </a:lnRef>
+                  <a:fillRef idx="0">
+                    <a:schemeClr val="accent1"/>
+                  </a:fillRef>
+                  <a:effectRef idx="1">
+                    <a:schemeClr val="accent1"/>
+                  </a:effectRef>
+                  <a:fontRef idx="minor">
+                    <a:schemeClr val="tx1"/>
+                  </a:fontRef>
+                </p:style>
+              </p:cxnSp>
+              <p:cxnSp>
+                <p:nvCxnSpPr>
+                  <p:cNvPr id="130" name="직선 화살표 연결선 129">
+                    <a:extLst>
+                      <a:ext uri="{FF2B5EF4-FFF2-40B4-BE49-F238E27FC236}">
+                        <a16:creationId xmlns:a16="http://schemas.microsoft.com/office/drawing/2014/main" id="{7CD24383-D127-0301-9CFD-9001C17BB4F1}"/>
+                      </a:ext>
+                    </a:extLst>
+                  </p:cNvPr>
+                  <p:cNvCxnSpPr>
+                    <a:cxnSpLocks/>
+                  </p:cNvCxnSpPr>
+                  <p:nvPr/>
+                </p:nvCxnSpPr>
+                <p:spPr>
+                  <a:xfrm flipV="1">
+                    <a:off x="8249055" y="1997413"/>
+                    <a:ext cx="0" cy="2403964"/>
+                  </a:xfrm>
+                  <a:prstGeom prst="straightConnector1">
+                    <a:avLst/>
+                  </a:prstGeom>
+                  <a:ln w="38100">
+                    <a:solidFill>
+                      <a:srgbClr val="0000FF"/>
+                    </a:solidFill>
+                    <a:tailEnd type="triangle"/>
+                  </a:ln>
+                </p:spPr>
+                <p:style>
+                  <a:lnRef idx="2">
+                    <a:schemeClr val="accent1"/>
+                  </a:lnRef>
+                  <a:fillRef idx="0">
+                    <a:schemeClr val="accent1"/>
+                  </a:fillRef>
+                  <a:effectRef idx="1">
+                    <a:schemeClr val="accent1"/>
+                  </a:effectRef>
+                  <a:fontRef idx="minor">
+                    <a:schemeClr val="tx1"/>
+                  </a:fontRef>
+                </p:style>
+              </p:cxnSp>
+              <p:sp>
+                <p:nvSpPr>
+                  <p:cNvPr id="131" name="TextBox 130">
+                    <a:extLst>
+                      <a:ext uri="{FF2B5EF4-FFF2-40B4-BE49-F238E27FC236}">
+                        <a16:creationId xmlns:a16="http://schemas.microsoft.com/office/drawing/2014/main" id="{ABBF8FC1-FE06-D86B-BAC1-F513497F5C7C}"/>
+                      </a:ext>
+                    </a:extLst>
+                  </p:cNvPr>
+                  <p:cNvSpPr txBox="1"/>
+                  <p:nvPr/>
+                </p:nvSpPr>
+                <p:spPr>
+                  <a:xfrm>
+                    <a:off x="8269501" y="2085332"/>
+                    <a:ext cx="276038" cy="276999"/>
+                  </a:xfrm>
+                  <a:prstGeom prst="rect">
+                    <a:avLst/>
+                  </a:prstGeom>
+                  <a:noFill/>
+                </p:spPr>
+                <p:txBody>
+                  <a:bodyPr wrap="none" rtlCol="0">
+                    <a:spAutoFit/>
+                  </a:bodyPr>
+                  <a:lstStyle/>
+                  <a:p>
+                    <a:r>
+                      <a:rPr lang="en-US" altLang="ko-KR" sz="1200" b="1">
+                        <a:solidFill>
+                          <a:srgbClr val="0000FF"/>
+                        </a:solidFill>
+                        <a:latin typeface="나눔바른고딕" panose="020B0603020101020101" pitchFamily="50" charset="-127"/>
+                        <a:ea typeface="나눔바른고딕" panose="020B0603020101020101" pitchFamily="50" charset="-127"/>
+                      </a:rPr>
+                      <a:t>Z</a:t>
+                    </a:r>
+                    <a:endParaRPr lang="ko-KR" altLang="en-US" sz="1200" b="1">
+                      <a:solidFill>
+                        <a:srgbClr val="0000FF"/>
+                      </a:solidFill>
+                      <a:latin typeface="나눔바른고딕" panose="020B0603020101020101" pitchFamily="50" charset="-127"/>
+                      <a:ea typeface="나눔바른고딕" panose="020B0603020101020101" pitchFamily="50" charset="-127"/>
+                    </a:endParaRPr>
+                  </a:p>
+                </p:txBody>
+              </p:sp>
+              <p:sp>
+                <p:nvSpPr>
+                  <p:cNvPr id="132" name="TextBox 131">
+                    <a:extLst>
+                      <a:ext uri="{FF2B5EF4-FFF2-40B4-BE49-F238E27FC236}">
+                        <a16:creationId xmlns:a16="http://schemas.microsoft.com/office/drawing/2014/main" id="{5DF36AF4-8A30-1C93-536B-B8391CA7BB5E}"/>
+                      </a:ext>
+                    </a:extLst>
+                  </p:cNvPr>
+                  <p:cNvSpPr txBox="1"/>
+                  <p:nvPr/>
+                </p:nvSpPr>
+                <p:spPr>
+                  <a:xfrm>
+                    <a:off x="7204112" y="3975210"/>
+                    <a:ext cx="276038" cy="276999"/>
+                  </a:xfrm>
+                  <a:prstGeom prst="rect">
+                    <a:avLst/>
+                  </a:prstGeom>
+                  <a:noFill/>
+                </p:spPr>
+                <p:txBody>
+                  <a:bodyPr wrap="square" rtlCol="0">
+                    <a:spAutoFit/>
+                  </a:bodyPr>
+                  <a:lstStyle/>
+                  <a:p>
+                    <a:r>
+                      <a:rPr lang="en-US" altLang="ko-KR" sz="1200" b="1">
+                        <a:solidFill>
+                          <a:srgbClr val="FF0000"/>
+                        </a:solidFill>
+                        <a:latin typeface="나눔바른고딕" panose="020B0603020101020101" pitchFamily="50" charset="-127"/>
+                        <a:ea typeface="나눔바른고딕" panose="020B0603020101020101" pitchFamily="50" charset="-127"/>
+                      </a:rPr>
+                      <a:t>X</a:t>
+                    </a:r>
+                    <a:endParaRPr lang="ko-KR" altLang="en-US" sz="1200" b="1">
+                      <a:solidFill>
+                        <a:srgbClr val="FF0000"/>
+                      </a:solidFill>
+                      <a:latin typeface="나눔바른고딕" panose="020B0603020101020101" pitchFamily="50" charset="-127"/>
+                      <a:ea typeface="나눔바른고딕" panose="020B0603020101020101" pitchFamily="50" charset="-127"/>
+                    </a:endParaRPr>
+                  </a:p>
+                </p:txBody>
+              </p:sp>
+              <p:sp>
+                <p:nvSpPr>
+                  <p:cNvPr id="133" name="TextBox 132">
+                    <a:extLst>
+                      <a:ext uri="{FF2B5EF4-FFF2-40B4-BE49-F238E27FC236}">
+                        <a16:creationId xmlns:a16="http://schemas.microsoft.com/office/drawing/2014/main" id="{0415C220-8052-E3B8-B02A-6B9378259331}"/>
+                      </a:ext>
+                    </a:extLst>
+                  </p:cNvPr>
+                  <p:cNvSpPr txBox="1"/>
+                  <p:nvPr/>
+                </p:nvSpPr>
+                <p:spPr>
+                  <a:xfrm>
+                    <a:off x="9393678" y="3174094"/>
+                    <a:ext cx="276038" cy="276999"/>
+                  </a:xfrm>
+                  <a:prstGeom prst="rect">
+                    <a:avLst/>
+                  </a:prstGeom>
+                  <a:noFill/>
+                </p:spPr>
+                <p:txBody>
+                  <a:bodyPr wrap="square" rtlCol="0">
+                    <a:spAutoFit/>
+                  </a:bodyPr>
+                  <a:lstStyle/>
+                  <a:p>
+                    <a:r>
+                      <a:rPr lang="en-US" altLang="ko-KR" sz="1200" b="1">
+                        <a:solidFill>
+                          <a:srgbClr val="00B050"/>
+                        </a:solidFill>
+                        <a:latin typeface="나눔바른고딕" panose="020B0603020101020101" pitchFamily="50" charset="-127"/>
+                        <a:ea typeface="나눔바른고딕" panose="020B0603020101020101" pitchFamily="50" charset="-127"/>
+                      </a:rPr>
+                      <a:t>Y</a:t>
+                    </a:r>
+                    <a:endParaRPr lang="ko-KR" altLang="en-US" sz="1200" b="1">
+                      <a:solidFill>
+                        <a:srgbClr val="00B050"/>
+                      </a:solidFill>
+                      <a:latin typeface="나눔바른고딕" panose="020B0603020101020101" pitchFamily="50" charset="-127"/>
+                      <a:ea typeface="나눔바른고딕" panose="020B0603020101020101" pitchFamily="50" charset="-127"/>
+                    </a:endParaRPr>
+                  </a:p>
+                </p:txBody>
+              </p:sp>
+              <p:sp>
+                <p:nvSpPr>
+                  <p:cNvPr id="134" name="TextBox 133">
+                    <a:extLst>
+                      <a:ext uri="{FF2B5EF4-FFF2-40B4-BE49-F238E27FC236}">
+                        <a16:creationId xmlns:a16="http://schemas.microsoft.com/office/drawing/2014/main" id="{C60AE249-B762-A948-2D4A-C9B2789044D9}"/>
+                      </a:ext>
+                    </a:extLst>
+                  </p:cNvPr>
+                  <p:cNvSpPr txBox="1"/>
+                  <p:nvPr/>
+                </p:nvSpPr>
+                <p:spPr>
+                  <a:xfrm>
+                    <a:off x="7321684" y="4250717"/>
+                    <a:ext cx="645692" cy="276999"/>
+                  </a:xfrm>
+                  <a:prstGeom prst="rect">
+                    <a:avLst/>
+                  </a:prstGeom>
+                  <a:noFill/>
+                </p:spPr>
+                <p:txBody>
+                  <a:bodyPr wrap="square" rtlCol="0">
+                    <a:spAutoFit/>
+                  </a:bodyPr>
+                  <a:lstStyle/>
+                  <a:p>
+                    <a:pPr algn="ctr"/>
+                    <a:r>
+                      <a:rPr lang="en-US" altLang="ko-KR" sz="1200" b="1">
+                        <a:solidFill>
+                          <a:srgbClr val="FF0000"/>
+                        </a:solidFill>
+                        <a:latin typeface="나눔바른고딕" panose="020B0603020101020101" pitchFamily="50" charset="-127"/>
+                        <a:ea typeface="나눔바른고딕" panose="020B0603020101020101" pitchFamily="50" charset="-127"/>
+                      </a:rPr>
+                      <a:t>Roll</a:t>
+                    </a:r>
+                    <a:endParaRPr lang="ko-KR" altLang="en-US" sz="1200" b="1">
+                      <a:solidFill>
+                        <a:srgbClr val="FF0000"/>
+                      </a:solidFill>
+                      <a:latin typeface="나눔바른고딕" panose="020B0603020101020101" pitchFamily="50" charset="-127"/>
+                      <a:ea typeface="나눔바른고딕" panose="020B0603020101020101" pitchFamily="50" charset="-127"/>
+                    </a:endParaRPr>
+                  </a:p>
+                </p:txBody>
+              </p:sp>
+              <p:sp>
+                <p:nvSpPr>
+                  <p:cNvPr id="135" name="TextBox 134">
+                    <a:extLst>
+                      <a:ext uri="{FF2B5EF4-FFF2-40B4-BE49-F238E27FC236}">
+                        <a16:creationId xmlns:a16="http://schemas.microsoft.com/office/drawing/2014/main" id="{685B033E-EA90-04C0-9A16-53CE24252835}"/>
+                      </a:ext>
+                    </a:extLst>
+                  </p:cNvPr>
+                  <p:cNvSpPr txBox="1"/>
+                  <p:nvPr/>
+                </p:nvSpPr>
+                <p:spPr>
+                  <a:xfrm>
+                    <a:off x="9208851" y="3476170"/>
+                    <a:ext cx="645692" cy="276999"/>
+                  </a:xfrm>
+                  <a:prstGeom prst="rect">
+                    <a:avLst/>
+                  </a:prstGeom>
+                  <a:noFill/>
+                </p:spPr>
+                <p:txBody>
+                  <a:bodyPr wrap="square" rtlCol="0">
+                    <a:spAutoFit/>
+                  </a:bodyPr>
+                  <a:lstStyle/>
+                  <a:p>
+                    <a:pPr algn="ctr"/>
+                    <a:r>
+                      <a:rPr lang="en-US" altLang="ko-KR" sz="1200" b="1">
+                        <a:solidFill>
+                          <a:srgbClr val="00B050"/>
+                        </a:solidFill>
+                        <a:latin typeface="나눔바른고딕" panose="020B0603020101020101" pitchFamily="50" charset="-127"/>
+                        <a:ea typeface="나눔바른고딕" panose="020B0603020101020101" pitchFamily="50" charset="-127"/>
+                      </a:rPr>
+                      <a:t>Pitch</a:t>
+                    </a:r>
+                    <a:endParaRPr lang="ko-KR" altLang="en-US" sz="1200" b="1">
+                      <a:solidFill>
+                        <a:srgbClr val="00B050"/>
+                      </a:solidFill>
+                      <a:latin typeface="나눔바른고딕" panose="020B0603020101020101" pitchFamily="50" charset="-127"/>
+                      <a:ea typeface="나눔바른고딕" panose="020B0603020101020101" pitchFamily="50" charset="-127"/>
+                    </a:endParaRPr>
+                  </a:p>
+                </p:txBody>
+              </p:sp>
+              <p:sp>
+                <p:nvSpPr>
+                  <p:cNvPr id="136" name="TextBox 135">
+                    <a:extLst>
+                      <a:ext uri="{FF2B5EF4-FFF2-40B4-BE49-F238E27FC236}">
+                        <a16:creationId xmlns:a16="http://schemas.microsoft.com/office/drawing/2014/main" id="{4E3E0949-B74E-6409-287B-CE9D61E2A95B}"/>
+                      </a:ext>
+                    </a:extLst>
+                  </p:cNvPr>
+                  <p:cNvSpPr txBox="1"/>
+                  <p:nvPr/>
+                </p:nvSpPr>
+                <p:spPr>
+                  <a:xfrm>
+                    <a:off x="7681183" y="2085332"/>
+                    <a:ext cx="645692" cy="276999"/>
+                  </a:xfrm>
+                  <a:prstGeom prst="rect">
+                    <a:avLst/>
+                  </a:prstGeom>
+                  <a:noFill/>
+                </p:spPr>
+                <p:txBody>
+                  <a:bodyPr wrap="square" rtlCol="0">
+                    <a:spAutoFit/>
+                  </a:bodyPr>
+                  <a:lstStyle/>
+                  <a:p>
+                    <a:pPr algn="ctr"/>
+                    <a:r>
+                      <a:rPr lang="en-US" altLang="ko-KR" sz="1200" b="1">
+                        <a:solidFill>
+                          <a:srgbClr val="0000FF"/>
+                        </a:solidFill>
+                        <a:latin typeface="나눔바른고딕" panose="020B0603020101020101" pitchFamily="50" charset="-127"/>
+                        <a:ea typeface="나눔바른고딕" panose="020B0603020101020101" pitchFamily="50" charset="-127"/>
+                      </a:rPr>
+                      <a:t>Yaw</a:t>
+                    </a:r>
+                    <a:endParaRPr lang="ko-KR" altLang="en-US" sz="1200" b="1">
+                      <a:solidFill>
+                        <a:srgbClr val="0000FF"/>
+                      </a:solidFill>
+                      <a:latin typeface="나눔바른고딕" panose="020B0603020101020101" pitchFamily="50" charset="-127"/>
+                      <a:ea typeface="나눔바른고딕" panose="020B0603020101020101" pitchFamily="50" charset="-127"/>
+                    </a:endParaRPr>
+                  </a:p>
+                </p:txBody>
+              </p:sp>
+            </p:grpSp>
+            <p:sp>
+              <p:nvSpPr>
+                <p:cNvPr id="120" name="타원 119">
+                  <a:extLst>
+                    <a:ext uri="{FF2B5EF4-FFF2-40B4-BE49-F238E27FC236}">
+                      <a16:creationId xmlns:a16="http://schemas.microsoft.com/office/drawing/2014/main" id="{E65D2D26-98C8-0D16-9D1F-3B066C8882CB}"/>
+                    </a:ext>
+                  </a:extLst>
+                </p:cNvPr>
+                <p:cNvSpPr/>
+                <p:nvPr/>
+              </p:nvSpPr>
+              <p:spPr>
+                <a:xfrm>
+                  <a:off x="1736700" y="4834150"/>
+                  <a:ext cx="85297" cy="85297"/>
+                </a:xfrm>
+                <a:prstGeom prst="ellipse">
+                  <a:avLst/>
+                </a:prstGeom>
+                <a:solidFill>
+                  <a:schemeClr val="tx1"/>
+                </a:solidFill>
+                <a:ln>
+                  <a:solidFill>
+                    <a:schemeClr val="tx1"/>
+                  </a:solidFill>
+                </a:ln>
+              </p:spPr>
+              <p:style>
+                <a:lnRef idx="2">
+                  <a:schemeClr val="accent1">
+                    <a:shade val="15000"/>
+                  </a:schemeClr>
+                </a:lnRef>
+                <a:fillRef idx="1">
+                  <a:schemeClr val="accent1"/>
+                </a:fillRef>
+                <a:effectRef idx="0">
+                  <a:schemeClr val="accent1"/>
+                </a:effectRef>
+                <a:fontRef idx="minor">
+                  <a:schemeClr val="lt1"/>
+                </a:fontRef>
+              </p:style>
+              <p:txBody>
+                <a:bodyPr rtlCol="0" anchor="ctr"/>
+                <a:lstStyle/>
+                <a:p>
+                  <a:pPr algn="ctr"/>
+                  <a:endParaRPr lang="ko-KR" altLang="en-US"/>
+                </a:p>
+              </p:txBody>
+            </p:sp>
+            <p:sp>
+              <p:nvSpPr>
+                <p:cNvPr id="121" name="타원 120">
+                  <a:extLst>
+                    <a:ext uri="{FF2B5EF4-FFF2-40B4-BE49-F238E27FC236}">
+                      <a16:creationId xmlns:a16="http://schemas.microsoft.com/office/drawing/2014/main" id="{89CD50FA-66B6-30E3-27FF-9CEFB621918B}"/>
+                    </a:ext>
+                  </a:extLst>
+                </p:cNvPr>
+                <p:cNvSpPr/>
+                <p:nvPr/>
+              </p:nvSpPr>
+              <p:spPr>
+                <a:xfrm>
+                  <a:off x="2121151" y="4152961"/>
+                  <a:ext cx="85297" cy="85297"/>
+                </a:xfrm>
+                <a:prstGeom prst="ellipse">
+                  <a:avLst/>
+                </a:prstGeom>
+                <a:solidFill>
+                  <a:schemeClr val="tx1"/>
+                </a:solidFill>
+                <a:ln>
+                  <a:solidFill>
+                    <a:schemeClr val="tx1"/>
+                  </a:solidFill>
+                </a:ln>
+              </p:spPr>
+              <p:style>
+                <a:lnRef idx="2">
+                  <a:schemeClr val="accent1">
+                    <a:shade val="15000"/>
+                  </a:schemeClr>
+                </a:lnRef>
+                <a:fillRef idx="1">
+                  <a:schemeClr val="accent1"/>
+                </a:fillRef>
+                <a:effectRef idx="0">
+                  <a:schemeClr val="accent1"/>
+                </a:effectRef>
+                <a:fontRef idx="minor">
+                  <a:schemeClr val="lt1"/>
+                </a:fontRef>
+              </p:style>
+              <p:txBody>
+                <a:bodyPr rtlCol="0" anchor="ctr"/>
+                <a:lstStyle/>
+                <a:p>
+                  <a:pPr algn="ctr"/>
+                  <a:endParaRPr lang="ko-KR" altLang="en-US"/>
+                </a:p>
+              </p:txBody>
+            </p:sp>
+            <p:cxnSp>
+              <p:nvCxnSpPr>
+                <p:cNvPr id="122" name="직선 연결선 121">
+                  <a:extLst>
+                    <a:ext uri="{FF2B5EF4-FFF2-40B4-BE49-F238E27FC236}">
+                      <a16:creationId xmlns:a16="http://schemas.microsoft.com/office/drawing/2014/main" id="{21AD87B4-183F-6937-771F-4BABDFAB6B69}"/>
+                    </a:ext>
+                  </a:extLst>
+                </p:cNvPr>
+                <p:cNvCxnSpPr>
+                  <a:cxnSpLocks/>
+                  <a:stCxn id="121" idx="4"/>
+                </p:cNvCxnSpPr>
+                <p:nvPr/>
+              </p:nvCxnSpPr>
+              <p:spPr>
+                <a:xfrm>
+                  <a:off x="2163800" y="4238258"/>
+                  <a:ext cx="0" cy="1349742"/>
+                </a:xfrm>
+                <a:prstGeom prst="line">
+                  <a:avLst/>
+                </a:prstGeom>
+                <a:ln>
+                  <a:solidFill>
+                    <a:srgbClr val="0000FF"/>
+                  </a:solidFill>
+                  <a:prstDash val="sysDash"/>
+                </a:ln>
+              </p:spPr>
+              <p:style>
+                <a:lnRef idx="2">
+                  <a:schemeClr val="accent1"/>
+                </a:lnRef>
+                <a:fillRef idx="0">
+                  <a:schemeClr val="accent1"/>
+                </a:fillRef>
+                <a:effectRef idx="1">
+                  <a:schemeClr val="accent1"/>
+                </a:effectRef>
+                <a:fontRef idx="minor">
+                  <a:schemeClr val="tx1"/>
+                </a:fontRef>
+              </p:style>
+            </p:cxnSp>
+            <p:cxnSp>
+              <p:nvCxnSpPr>
+                <p:cNvPr id="123" name="직선 연결선 122">
+                  <a:extLst>
+                    <a:ext uri="{FF2B5EF4-FFF2-40B4-BE49-F238E27FC236}">
+                      <a16:creationId xmlns:a16="http://schemas.microsoft.com/office/drawing/2014/main" id="{CD71EA53-ADDD-EEC4-A8A6-137038DA0F84}"/>
+                    </a:ext>
+                  </a:extLst>
+                </p:cNvPr>
+                <p:cNvCxnSpPr>
+                  <a:cxnSpLocks/>
+                </p:cNvCxnSpPr>
+                <p:nvPr/>
+              </p:nvCxnSpPr>
+              <p:spPr>
+                <a:xfrm flipH="1">
+                  <a:off x="1089025" y="5588000"/>
+                  <a:ext cx="1074775" cy="0"/>
+                </a:xfrm>
+                <a:prstGeom prst="line">
+                  <a:avLst/>
+                </a:prstGeom>
+                <a:ln>
+                  <a:solidFill>
+                    <a:srgbClr val="00B050"/>
+                  </a:solidFill>
+                  <a:prstDash val="sysDash"/>
+                </a:ln>
+              </p:spPr>
+              <p:style>
+                <a:lnRef idx="2">
+                  <a:schemeClr val="accent1"/>
+                </a:lnRef>
+                <a:fillRef idx="0">
+                  <a:schemeClr val="accent1"/>
+                </a:fillRef>
+                <a:effectRef idx="1">
+                  <a:schemeClr val="accent1"/>
+                </a:effectRef>
+                <a:fontRef idx="minor">
+                  <a:schemeClr val="tx1"/>
+                </a:fontRef>
+              </p:style>
+            </p:cxnSp>
+            <p:cxnSp>
+              <p:nvCxnSpPr>
+                <p:cNvPr id="124" name="직선 연결선 123">
+                  <a:extLst>
+                    <a:ext uri="{FF2B5EF4-FFF2-40B4-BE49-F238E27FC236}">
+                      <a16:creationId xmlns:a16="http://schemas.microsoft.com/office/drawing/2014/main" id="{09DA5EC0-9610-C164-BD98-F246F195DC64}"/>
+                    </a:ext>
+                  </a:extLst>
+                </p:cNvPr>
+                <p:cNvCxnSpPr>
+                  <a:cxnSpLocks/>
+                </p:cNvCxnSpPr>
+                <p:nvPr/>
+              </p:nvCxnSpPr>
+              <p:spPr>
+                <a:xfrm flipH="1">
+                  <a:off x="2176335" y="4907757"/>
+                  <a:ext cx="682191" cy="680243"/>
+                </a:xfrm>
+                <a:prstGeom prst="line">
+                  <a:avLst/>
+                </a:prstGeom>
+                <a:ln>
+                  <a:solidFill>
+                    <a:srgbClr val="FF0000"/>
+                  </a:solidFill>
+                  <a:prstDash val="sysDash"/>
+                </a:ln>
+              </p:spPr>
+              <p:style>
+                <a:lnRef idx="2">
+                  <a:schemeClr val="accent1"/>
+                </a:lnRef>
+                <a:fillRef idx="0">
+                  <a:schemeClr val="accent1"/>
+                </a:fillRef>
+                <a:effectRef idx="1">
+                  <a:schemeClr val="accent1"/>
+                </a:effectRef>
+                <a:fontRef idx="minor">
+                  <a:schemeClr val="tx1"/>
+                </a:fontRef>
+              </p:style>
+            </p:cxnSp>
+            <p:sp>
+              <p:nvSpPr>
+                <p:cNvPr id="125" name="TextBox 124">
+                  <a:extLst>
+                    <a:ext uri="{FF2B5EF4-FFF2-40B4-BE49-F238E27FC236}">
+                      <a16:creationId xmlns:a16="http://schemas.microsoft.com/office/drawing/2014/main" id="{871A869B-030F-10E5-B034-DC85416E32F1}"/>
+                    </a:ext>
+                  </a:extLst>
+                </p:cNvPr>
+                <p:cNvSpPr txBox="1"/>
+                <p:nvPr/>
+              </p:nvSpPr>
+              <p:spPr>
+                <a:xfrm>
+                  <a:off x="1833556" y="5603116"/>
+                  <a:ext cx="276038" cy="276999"/>
+                </a:xfrm>
+                <a:prstGeom prst="rect">
+                  <a:avLst/>
+                </a:prstGeom>
+                <a:noFill/>
+              </p:spPr>
+              <p:txBody>
+                <a:bodyPr wrap="square" rtlCol="0">
+                  <a:spAutoFit/>
+                </a:bodyPr>
+                <a:lstStyle/>
+                <a:p>
+                  <a:r>
+                    <a:rPr lang="en-US" altLang="ko-KR" sz="1200" b="1">
+                      <a:solidFill>
+                        <a:srgbClr val="00B050"/>
+                      </a:solidFill>
+                      <a:latin typeface="나눔바른고딕" panose="020B0603020101020101" pitchFamily="50" charset="-127"/>
+                      <a:ea typeface="나눔바른고딕" panose="020B0603020101020101" pitchFamily="50" charset="-127"/>
+                    </a:rPr>
+                    <a:t>y</a:t>
+                  </a:r>
+                  <a:endParaRPr lang="ko-KR" altLang="en-US" sz="1200" b="1">
+                    <a:solidFill>
+                      <a:srgbClr val="00B050"/>
+                    </a:solidFill>
+                    <a:latin typeface="나눔바른고딕" panose="020B0603020101020101" pitchFamily="50" charset="-127"/>
+                    <a:ea typeface="나눔바른고딕" panose="020B0603020101020101" pitchFamily="50" charset="-127"/>
+                  </a:endParaRPr>
+                </a:p>
+              </p:txBody>
+            </p:sp>
+            <p:sp>
+              <p:nvSpPr>
+                <p:cNvPr id="126" name="TextBox 125">
+                  <a:extLst>
+                    <a:ext uri="{FF2B5EF4-FFF2-40B4-BE49-F238E27FC236}">
+                      <a16:creationId xmlns:a16="http://schemas.microsoft.com/office/drawing/2014/main" id="{A8C8AEEF-1E92-7BD7-EA8F-D3EEDBA717B4}"/>
+                    </a:ext>
+                  </a:extLst>
+                </p:cNvPr>
+                <p:cNvSpPr txBox="1"/>
+                <p:nvPr/>
+              </p:nvSpPr>
+              <p:spPr>
+                <a:xfrm>
+                  <a:off x="2551596" y="5184756"/>
+                  <a:ext cx="276038" cy="276999"/>
+                </a:xfrm>
+                <a:prstGeom prst="rect">
+                  <a:avLst/>
+                </a:prstGeom>
+                <a:noFill/>
+              </p:spPr>
+              <p:txBody>
+                <a:bodyPr wrap="square" rtlCol="0">
+                  <a:spAutoFit/>
+                </a:bodyPr>
+                <a:lstStyle/>
+                <a:p>
+                  <a:r>
+                    <a:rPr lang="en-US" altLang="ko-KR" sz="1200" b="1">
+                      <a:solidFill>
+                        <a:srgbClr val="FF0000"/>
+                      </a:solidFill>
+                      <a:latin typeface="나눔바른고딕" panose="020B0603020101020101" pitchFamily="50" charset="-127"/>
+                      <a:ea typeface="나눔바른고딕" panose="020B0603020101020101" pitchFamily="50" charset="-127"/>
+                    </a:rPr>
+                    <a:t>x</a:t>
+                  </a:r>
+                  <a:endParaRPr lang="ko-KR" altLang="en-US" sz="1200" b="1">
+                    <a:solidFill>
+                      <a:srgbClr val="FF0000"/>
+                    </a:solidFill>
+                    <a:latin typeface="나눔바른고딕" panose="020B0603020101020101" pitchFamily="50" charset="-127"/>
+                    <a:ea typeface="나눔바른고딕" panose="020B0603020101020101" pitchFamily="50" charset="-127"/>
+                  </a:endParaRPr>
+                </a:p>
+              </p:txBody>
+            </p:sp>
+            <p:sp>
+              <p:nvSpPr>
+                <p:cNvPr id="127" name="TextBox 126">
+                  <a:extLst>
+                    <a:ext uri="{FF2B5EF4-FFF2-40B4-BE49-F238E27FC236}">
+                      <a16:creationId xmlns:a16="http://schemas.microsoft.com/office/drawing/2014/main" id="{CB4AAEAA-896B-1536-552A-DEF3ED817757}"/>
+                    </a:ext>
+                  </a:extLst>
+                </p:cNvPr>
+                <p:cNvSpPr txBox="1"/>
+                <p:nvPr/>
+              </p:nvSpPr>
+              <p:spPr>
+                <a:xfrm>
+                  <a:off x="2179686" y="4568843"/>
+                  <a:ext cx="276038" cy="276999"/>
+                </a:xfrm>
+                <a:prstGeom prst="rect">
+                  <a:avLst/>
+                </a:prstGeom>
+                <a:noFill/>
+              </p:spPr>
+              <p:txBody>
+                <a:bodyPr wrap="square" rtlCol="0">
+                  <a:spAutoFit/>
+                </a:bodyPr>
+                <a:lstStyle/>
+                <a:p>
+                  <a:r>
+                    <a:rPr lang="en-US" altLang="ko-KR" sz="1200" b="1">
+                      <a:solidFill>
+                        <a:srgbClr val="0000FF"/>
+                      </a:solidFill>
+                      <a:latin typeface="나눔바른고딕" panose="020B0603020101020101" pitchFamily="50" charset="-127"/>
+                      <a:ea typeface="나눔바른고딕" panose="020B0603020101020101" pitchFamily="50" charset="-127"/>
+                    </a:rPr>
+                    <a:t>z</a:t>
+                  </a:r>
+                  <a:endParaRPr lang="ko-KR" altLang="en-US" sz="1200" b="1">
+                    <a:solidFill>
+                      <a:srgbClr val="0000FF"/>
+                    </a:solidFill>
+                    <a:latin typeface="나눔바른고딕" panose="020B0603020101020101" pitchFamily="50" charset="-127"/>
+                    <a:ea typeface="나눔바른고딕" panose="020B0603020101020101" pitchFamily="50" charset="-127"/>
+                  </a:endParaRPr>
+                </a:p>
+              </p:txBody>
+            </p:sp>
+          </p:grpSp>
+          <mc:AlternateContent xmlns:mc="http://schemas.openxmlformats.org/markup-compatibility/2006" xmlns:a14="http://schemas.microsoft.com/office/drawing/2010/main">
+            <mc:Choice Requires="a14">
+              <p:sp>
+                <p:nvSpPr>
+                  <p:cNvPr id="118" name="TextBox 117">
+                    <a:extLst>
+                      <a:ext uri="{FF2B5EF4-FFF2-40B4-BE49-F238E27FC236}">
+                        <a16:creationId xmlns:a16="http://schemas.microsoft.com/office/drawing/2014/main" id="{F2D48A0B-C342-03F7-8311-4F71A8CF7465}"/>
+                      </a:ext>
+                    </a:extLst>
+                  </p:cNvPr>
+                  <p:cNvSpPr txBox="1"/>
+                  <p:nvPr/>
+                </p:nvSpPr>
+                <p:spPr>
+                  <a:xfrm>
+                    <a:off x="2109594" y="3822759"/>
+                    <a:ext cx="975973" cy="276999"/>
+                  </a:xfrm>
+                  <a:prstGeom prst="rect">
+                    <a:avLst/>
+                  </a:prstGeom>
+                  <a:noFill/>
+                </p:spPr>
+                <p:txBody>
+                  <a:bodyPr wrap="none" lIns="0" tIns="0" rIns="0" bIns="0" rtlCol="0">
+                    <a:spAutoFit/>
+                  </a:bodyPr>
+                  <a:lstStyle/>
+                  <a:p>
+                    <a:pPr/>
+                    <a14:m>
+                      <m:oMathPara xmlns:m="http://schemas.openxmlformats.org/officeDocument/2006/math">
+                        <m:oMathParaPr>
+                          <m:jc m:val="centerGroup"/>
+                        </m:oMathParaPr>
+                        <m:oMath xmlns:m="http://schemas.openxmlformats.org/officeDocument/2006/math">
+                          <m:r>
+                            <a:rPr lang="en-US" altLang="ko-KR" b="0" i="1" smtClean="0">
+                              <a:latin typeface="Cambria Math" panose="02040503050406030204" pitchFamily="18" charset="0"/>
+                            </a:rPr>
+                            <m:t>𝑃</m:t>
+                          </m:r>
+                          <m:r>
+                            <a:rPr lang="en-US" altLang="ko-KR" b="0" i="1" smtClean="0">
+                              <a:latin typeface="Cambria Math" panose="02040503050406030204" pitchFamily="18" charset="0"/>
+                            </a:rPr>
+                            <m:t>(</m:t>
+                          </m:r>
+                          <m:r>
+                            <a:rPr lang="en-US" altLang="ko-KR" b="0" i="1" smtClean="0">
+                              <a:latin typeface="Cambria Math" panose="02040503050406030204" pitchFamily="18" charset="0"/>
+                            </a:rPr>
+                            <m:t>𝑥</m:t>
+                          </m:r>
+                          <m:r>
+                            <a:rPr lang="en-US" altLang="ko-KR" b="0" i="1" smtClean="0">
+                              <a:latin typeface="Cambria Math" panose="02040503050406030204" pitchFamily="18" charset="0"/>
+                            </a:rPr>
+                            <m:t>, </m:t>
+                          </m:r>
+                          <m:r>
+                            <a:rPr lang="en-US" altLang="ko-KR" b="0" i="1" smtClean="0">
+                              <a:latin typeface="Cambria Math" panose="02040503050406030204" pitchFamily="18" charset="0"/>
+                            </a:rPr>
+                            <m:t>𝑦</m:t>
+                          </m:r>
+                          <m:r>
+                            <a:rPr lang="en-US" altLang="ko-KR" b="0" i="1" smtClean="0">
+                              <a:latin typeface="Cambria Math" panose="02040503050406030204" pitchFamily="18" charset="0"/>
+                            </a:rPr>
+                            <m:t>, </m:t>
+                          </m:r>
+                          <m:r>
+                            <a:rPr lang="en-US" altLang="ko-KR" b="0" i="1" smtClean="0">
+                              <a:latin typeface="Cambria Math" panose="02040503050406030204" pitchFamily="18" charset="0"/>
+                            </a:rPr>
+                            <m:t>𝑧</m:t>
+                          </m:r>
+                          <m:r>
+                            <a:rPr lang="en-US" altLang="ko-KR" b="0" i="1" smtClean="0">
+                              <a:latin typeface="Cambria Math" panose="02040503050406030204" pitchFamily="18" charset="0"/>
+                            </a:rPr>
+                            <m:t>)</m:t>
+                          </m:r>
+                        </m:oMath>
+                      </m:oMathPara>
+                    </a14:m>
+                    <a:endParaRPr lang="ko-KR" altLang="en-US"/>
+                  </a:p>
+                </p:txBody>
+              </p:sp>
+            </mc:Choice>
+            <mc:Fallback xmlns="">
+              <p:sp>
+                <p:nvSpPr>
+                  <p:cNvPr id="101" name="TextBox 100">
+                    <a:extLst>
+                      <a:ext uri="{FF2B5EF4-FFF2-40B4-BE49-F238E27FC236}">
+                        <a16:creationId xmlns:a16="http://schemas.microsoft.com/office/drawing/2014/main" id="{CEA933F0-839A-7329-A6D4-F1006C06EBD4}"/>
+                      </a:ext>
+                    </a:extLst>
+                  </p:cNvPr>
+                  <p:cNvSpPr txBox="1">
+                    <a:spLocks noRot="1" noChangeAspect="1" noMove="1" noResize="1" noEditPoints="1" noAdjustHandles="1" noChangeArrowheads="1" noChangeShapeType="1" noTextEdit="1"/>
+                  </p:cNvSpPr>
+                  <p:nvPr/>
+                </p:nvSpPr>
+                <p:spPr>
+                  <a:xfrm>
+                    <a:off x="2109594" y="3822759"/>
+                    <a:ext cx="975973" cy="276999"/>
+                  </a:xfrm>
+                  <a:prstGeom prst="rect">
+                    <a:avLst/>
+                  </a:prstGeom>
+                  <a:blipFill>
+                    <a:blip r:embed="rId2"/>
+                    <a:stretch>
+                      <a:fillRect l="-3750" r="-6875" b="-36957"/>
+                    </a:stretch>
+                  </a:blipFill>
+                </p:spPr>
+                <p:txBody>
+                  <a:bodyPr/>
+                  <a:lstStyle/>
+                  <a:p>
+                    <a:r>
+                      <a:rPr lang="ko-KR" altLang="en-US">
+                        <a:noFill/>
+                      </a:rPr>
+                      <a:t> </a:t>
+                    </a:r>
+                  </a:p>
+                </p:txBody>
+              </p:sp>
+            </mc:Fallback>
+          </mc:AlternateContent>
+        </p:grpSp>
+        <p:grpSp>
+          <p:nvGrpSpPr>
+            <p:cNvPr id="95" name="그룹 94">
+              <a:extLst>
+                <a:ext uri="{FF2B5EF4-FFF2-40B4-BE49-F238E27FC236}">
+                  <a16:creationId xmlns:a16="http://schemas.microsoft.com/office/drawing/2014/main" id="{912CB29F-A320-902C-3AE8-75EFD69D67EF}"/>
+                </a:ext>
+              </a:extLst>
+            </p:cNvPr>
+            <p:cNvGrpSpPr/>
+            <p:nvPr/>
+          </p:nvGrpSpPr>
+          <p:grpSpPr>
+            <a:xfrm>
+              <a:off x="5017278" y="3429000"/>
+              <a:ext cx="2650431" cy="2530303"/>
+              <a:chOff x="4839478" y="3429000"/>
+              <a:chExt cx="2650431" cy="2530303"/>
+            </a:xfrm>
+          </p:grpSpPr>
+          <p:grpSp>
+            <p:nvGrpSpPr>
+              <p:cNvPr id="99" name="그룹 98">
+                <a:extLst>
+                  <a:ext uri="{FF2B5EF4-FFF2-40B4-BE49-F238E27FC236}">
+                    <a16:creationId xmlns:a16="http://schemas.microsoft.com/office/drawing/2014/main" id="{D33F9E2F-9E20-F400-9BE0-CAA1FA385EE4}"/>
+                  </a:ext>
+                </a:extLst>
+              </p:cNvPr>
+              <p:cNvGrpSpPr/>
+              <p:nvPr/>
+            </p:nvGrpSpPr>
+            <p:grpSpPr>
+              <a:xfrm>
+                <a:off x="4839478" y="3429000"/>
+                <a:ext cx="2650431" cy="2530303"/>
+                <a:chOff x="7204112" y="1997413"/>
+                <a:chExt cx="2650431" cy="2530303"/>
+              </a:xfrm>
+            </p:grpSpPr>
+            <p:cxnSp>
+              <p:nvCxnSpPr>
+                <p:cNvPr id="108" name="직선 화살표 연결선 107">
+                  <a:extLst>
+                    <a:ext uri="{FF2B5EF4-FFF2-40B4-BE49-F238E27FC236}">
+                      <a16:creationId xmlns:a16="http://schemas.microsoft.com/office/drawing/2014/main" id="{FE5B1092-C6F5-F657-94D9-9719A1E16C9D}"/>
+                    </a:ext>
+                  </a:extLst>
+                </p:cNvPr>
+                <p:cNvCxnSpPr>
+                  <a:cxnSpLocks/>
+                </p:cNvCxnSpPr>
+                <p:nvPr/>
+              </p:nvCxnSpPr>
+              <p:spPr>
+                <a:xfrm>
+                  <a:off x="7295744" y="3445212"/>
+                  <a:ext cx="2431916" cy="0"/>
+                </a:xfrm>
+                <a:prstGeom prst="straightConnector1">
+                  <a:avLst/>
+                </a:prstGeom>
+                <a:ln w="38100">
+                  <a:solidFill>
+                    <a:srgbClr val="00B050"/>
+                  </a:solidFill>
+                  <a:tailEnd type="triangle"/>
+                </a:ln>
+              </p:spPr>
+              <p:style>
+                <a:lnRef idx="2">
+                  <a:schemeClr val="accent1"/>
+                </a:lnRef>
+                <a:fillRef idx="0">
+                  <a:schemeClr val="accent1"/>
+                </a:fillRef>
+                <a:effectRef idx="1">
+                  <a:schemeClr val="accent1"/>
+                </a:effectRef>
+                <a:fontRef idx="minor">
+                  <a:schemeClr val="tx1"/>
+                </a:fontRef>
+              </p:style>
+            </p:cxnSp>
+            <p:cxnSp>
+              <p:nvCxnSpPr>
+                <p:cNvPr id="109" name="직선 화살표 연결선 108">
+                  <a:extLst>
+                    <a:ext uri="{FF2B5EF4-FFF2-40B4-BE49-F238E27FC236}">
+                      <a16:creationId xmlns:a16="http://schemas.microsoft.com/office/drawing/2014/main" id="{8BE5E8CA-29BF-C279-EFA4-DE05732C1575}"/>
+                    </a:ext>
+                  </a:extLst>
+                </p:cNvPr>
+                <p:cNvCxnSpPr>
+                  <a:cxnSpLocks/>
+                </p:cNvCxnSpPr>
+                <p:nvPr/>
+              </p:nvCxnSpPr>
+              <p:spPr>
+                <a:xfrm flipH="1">
+                  <a:off x="7295745" y="2892328"/>
+                  <a:ext cx="1504544" cy="1509049"/>
+                </a:xfrm>
+                <a:prstGeom prst="straightConnector1">
+                  <a:avLst/>
+                </a:prstGeom>
+                <a:ln w="38100">
+                  <a:solidFill>
+                    <a:srgbClr val="FF0000"/>
+                  </a:solidFill>
+                  <a:tailEnd type="triangle"/>
+                </a:ln>
+              </p:spPr>
+              <p:style>
+                <a:lnRef idx="2">
+                  <a:schemeClr val="accent1"/>
+                </a:lnRef>
+                <a:fillRef idx="0">
+                  <a:schemeClr val="accent1"/>
+                </a:fillRef>
+                <a:effectRef idx="1">
+                  <a:schemeClr val="accent1"/>
+                </a:effectRef>
+                <a:fontRef idx="minor">
+                  <a:schemeClr val="tx1"/>
+                </a:fontRef>
+              </p:style>
+            </p:cxnSp>
+            <p:cxnSp>
+              <p:nvCxnSpPr>
+                <p:cNvPr id="110" name="직선 화살표 연결선 109">
+                  <a:extLst>
+                    <a:ext uri="{FF2B5EF4-FFF2-40B4-BE49-F238E27FC236}">
+                      <a16:creationId xmlns:a16="http://schemas.microsoft.com/office/drawing/2014/main" id="{18739AB1-40AF-B6B8-06B8-11A5F26586F3}"/>
+                    </a:ext>
+                  </a:extLst>
+                </p:cNvPr>
+                <p:cNvCxnSpPr>
+                  <a:cxnSpLocks/>
+                </p:cNvCxnSpPr>
+                <p:nvPr/>
+              </p:nvCxnSpPr>
+              <p:spPr>
+                <a:xfrm flipV="1">
+                  <a:off x="8249055" y="1997413"/>
+                  <a:ext cx="0" cy="2403964"/>
+                </a:xfrm>
+                <a:prstGeom prst="straightConnector1">
+                  <a:avLst/>
+                </a:prstGeom>
+                <a:ln w="38100">
+                  <a:solidFill>
+                    <a:srgbClr val="0000FF"/>
+                  </a:solidFill>
+                  <a:tailEnd type="triangle"/>
+                </a:ln>
+              </p:spPr>
+              <p:style>
+                <a:lnRef idx="2">
+                  <a:schemeClr val="accent1"/>
+                </a:lnRef>
+                <a:fillRef idx="0">
+                  <a:schemeClr val="accent1"/>
+                </a:fillRef>
+                <a:effectRef idx="1">
+                  <a:schemeClr val="accent1"/>
+                </a:effectRef>
+                <a:fontRef idx="minor">
+                  <a:schemeClr val="tx1"/>
+                </a:fontRef>
+              </p:style>
+            </p:cxnSp>
+            <p:sp>
+              <p:nvSpPr>
+                <p:cNvPr id="111" name="TextBox 110">
+                  <a:extLst>
+                    <a:ext uri="{FF2B5EF4-FFF2-40B4-BE49-F238E27FC236}">
+                      <a16:creationId xmlns:a16="http://schemas.microsoft.com/office/drawing/2014/main" id="{8D5E0FC4-5B2D-2391-5F04-CD9027509644}"/>
+                    </a:ext>
+                  </a:extLst>
+                </p:cNvPr>
+                <p:cNvSpPr txBox="1"/>
+                <p:nvPr/>
+              </p:nvSpPr>
+              <p:spPr>
+                <a:xfrm>
+                  <a:off x="8269501" y="2085332"/>
+                  <a:ext cx="276038" cy="276999"/>
+                </a:xfrm>
+                <a:prstGeom prst="rect">
+                  <a:avLst/>
+                </a:prstGeom>
+                <a:noFill/>
+              </p:spPr>
+              <p:txBody>
+                <a:bodyPr wrap="none" rtlCol="0">
+                  <a:spAutoFit/>
+                </a:bodyPr>
+                <a:lstStyle/>
+                <a:p>
+                  <a:r>
+                    <a:rPr lang="en-US" altLang="ko-KR" sz="1200" b="1">
+                      <a:solidFill>
+                        <a:srgbClr val="0000FF"/>
+                      </a:solidFill>
+                      <a:latin typeface="나눔바른고딕" panose="020B0603020101020101" pitchFamily="50" charset="-127"/>
+                      <a:ea typeface="나눔바른고딕" panose="020B0603020101020101" pitchFamily="50" charset="-127"/>
+                    </a:rPr>
+                    <a:t>Z</a:t>
+                  </a:r>
+                  <a:endParaRPr lang="ko-KR" altLang="en-US" sz="1200" b="1">
+                    <a:solidFill>
+                      <a:srgbClr val="0000FF"/>
+                    </a:solidFill>
+                    <a:latin typeface="나눔바른고딕" panose="020B0603020101020101" pitchFamily="50" charset="-127"/>
+                    <a:ea typeface="나눔바른고딕" panose="020B0603020101020101" pitchFamily="50" charset="-127"/>
+                  </a:endParaRPr>
+                </a:p>
+              </p:txBody>
+            </p:sp>
+            <p:sp>
+              <p:nvSpPr>
+                <p:cNvPr id="112" name="TextBox 111">
+                  <a:extLst>
+                    <a:ext uri="{FF2B5EF4-FFF2-40B4-BE49-F238E27FC236}">
+                      <a16:creationId xmlns:a16="http://schemas.microsoft.com/office/drawing/2014/main" id="{78C1EF2E-E25D-6FA8-4A67-75CC84A0E0DA}"/>
+                    </a:ext>
+                  </a:extLst>
+                </p:cNvPr>
+                <p:cNvSpPr txBox="1"/>
+                <p:nvPr/>
+              </p:nvSpPr>
+              <p:spPr>
+                <a:xfrm>
+                  <a:off x="7204112" y="3975210"/>
+                  <a:ext cx="276038" cy="276999"/>
+                </a:xfrm>
+                <a:prstGeom prst="rect">
+                  <a:avLst/>
+                </a:prstGeom>
+                <a:noFill/>
+              </p:spPr>
+              <p:txBody>
+                <a:bodyPr wrap="square" rtlCol="0">
+                  <a:spAutoFit/>
+                </a:bodyPr>
+                <a:lstStyle/>
+                <a:p>
+                  <a:r>
+                    <a:rPr lang="en-US" altLang="ko-KR" sz="1200" b="1">
+                      <a:solidFill>
+                        <a:srgbClr val="FF0000"/>
+                      </a:solidFill>
+                      <a:latin typeface="나눔바른고딕" panose="020B0603020101020101" pitchFamily="50" charset="-127"/>
+                      <a:ea typeface="나눔바른고딕" panose="020B0603020101020101" pitchFamily="50" charset="-127"/>
+                    </a:rPr>
+                    <a:t>X</a:t>
+                  </a:r>
+                  <a:endParaRPr lang="ko-KR" altLang="en-US" sz="1200" b="1">
+                    <a:solidFill>
+                      <a:srgbClr val="FF0000"/>
+                    </a:solidFill>
+                    <a:latin typeface="나눔바른고딕" panose="020B0603020101020101" pitchFamily="50" charset="-127"/>
+                    <a:ea typeface="나눔바른고딕" panose="020B0603020101020101" pitchFamily="50" charset="-127"/>
+                  </a:endParaRPr>
+                </a:p>
+              </p:txBody>
+            </p:sp>
+            <p:sp>
+              <p:nvSpPr>
+                <p:cNvPr id="113" name="TextBox 112">
+                  <a:extLst>
+                    <a:ext uri="{FF2B5EF4-FFF2-40B4-BE49-F238E27FC236}">
+                      <a16:creationId xmlns:a16="http://schemas.microsoft.com/office/drawing/2014/main" id="{B5A1804E-B69B-6E42-15F7-AEFC3EDA0916}"/>
+                    </a:ext>
+                  </a:extLst>
+                </p:cNvPr>
+                <p:cNvSpPr txBox="1"/>
+                <p:nvPr/>
+              </p:nvSpPr>
+              <p:spPr>
+                <a:xfrm>
+                  <a:off x="9393678" y="3174094"/>
+                  <a:ext cx="276038" cy="276999"/>
+                </a:xfrm>
+                <a:prstGeom prst="rect">
+                  <a:avLst/>
+                </a:prstGeom>
+                <a:noFill/>
+              </p:spPr>
+              <p:txBody>
+                <a:bodyPr wrap="square" rtlCol="0">
+                  <a:spAutoFit/>
+                </a:bodyPr>
+                <a:lstStyle/>
+                <a:p>
+                  <a:r>
+                    <a:rPr lang="en-US" altLang="ko-KR" sz="1200" b="1">
+                      <a:solidFill>
+                        <a:srgbClr val="00B050"/>
+                      </a:solidFill>
+                      <a:latin typeface="나눔바른고딕" panose="020B0603020101020101" pitchFamily="50" charset="-127"/>
+                      <a:ea typeface="나눔바른고딕" panose="020B0603020101020101" pitchFamily="50" charset="-127"/>
+                    </a:rPr>
+                    <a:t>Y</a:t>
+                  </a:r>
+                  <a:endParaRPr lang="ko-KR" altLang="en-US" sz="1200" b="1">
+                    <a:solidFill>
+                      <a:srgbClr val="00B050"/>
+                    </a:solidFill>
+                    <a:latin typeface="나눔바른고딕" panose="020B0603020101020101" pitchFamily="50" charset="-127"/>
+                    <a:ea typeface="나눔바른고딕" panose="020B0603020101020101" pitchFamily="50" charset="-127"/>
+                  </a:endParaRPr>
+                </a:p>
+              </p:txBody>
+            </p:sp>
+            <p:sp>
+              <p:nvSpPr>
+                <p:cNvPr id="114" name="TextBox 113">
+                  <a:extLst>
+                    <a:ext uri="{FF2B5EF4-FFF2-40B4-BE49-F238E27FC236}">
+                      <a16:creationId xmlns:a16="http://schemas.microsoft.com/office/drawing/2014/main" id="{20907392-4F30-4D28-227A-E22624DE435D}"/>
+                    </a:ext>
+                  </a:extLst>
+                </p:cNvPr>
+                <p:cNvSpPr txBox="1"/>
+                <p:nvPr/>
+              </p:nvSpPr>
+              <p:spPr>
+                <a:xfrm>
+                  <a:off x="7321684" y="4250717"/>
+                  <a:ext cx="645692" cy="276999"/>
+                </a:xfrm>
+                <a:prstGeom prst="rect">
+                  <a:avLst/>
+                </a:prstGeom>
+                <a:noFill/>
+              </p:spPr>
+              <p:txBody>
+                <a:bodyPr wrap="square" rtlCol="0">
+                  <a:spAutoFit/>
+                </a:bodyPr>
+                <a:lstStyle/>
+                <a:p>
+                  <a:pPr algn="ctr"/>
+                  <a:r>
+                    <a:rPr lang="en-US" altLang="ko-KR" sz="1200" b="1">
+                      <a:solidFill>
+                        <a:srgbClr val="FF0000"/>
+                      </a:solidFill>
+                      <a:latin typeface="나눔바른고딕" panose="020B0603020101020101" pitchFamily="50" charset="-127"/>
+                      <a:ea typeface="나눔바른고딕" panose="020B0603020101020101" pitchFamily="50" charset="-127"/>
+                    </a:rPr>
+                    <a:t>Roll</a:t>
+                  </a:r>
+                  <a:endParaRPr lang="ko-KR" altLang="en-US" sz="1200" b="1">
+                    <a:solidFill>
+                      <a:srgbClr val="FF0000"/>
+                    </a:solidFill>
+                    <a:latin typeface="나눔바른고딕" panose="020B0603020101020101" pitchFamily="50" charset="-127"/>
+                    <a:ea typeface="나눔바른고딕" panose="020B0603020101020101" pitchFamily="50" charset="-127"/>
+                  </a:endParaRPr>
+                </a:p>
+              </p:txBody>
+            </p:sp>
+            <p:sp>
+              <p:nvSpPr>
+                <p:cNvPr id="115" name="TextBox 114">
+                  <a:extLst>
+                    <a:ext uri="{FF2B5EF4-FFF2-40B4-BE49-F238E27FC236}">
+                      <a16:creationId xmlns:a16="http://schemas.microsoft.com/office/drawing/2014/main" id="{DDDDBCF2-232E-1FC8-2BE9-73BC23314A3A}"/>
+                    </a:ext>
+                  </a:extLst>
+                </p:cNvPr>
+                <p:cNvSpPr txBox="1"/>
+                <p:nvPr/>
+              </p:nvSpPr>
+              <p:spPr>
+                <a:xfrm>
+                  <a:off x="9208851" y="3476170"/>
+                  <a:ext cx="645692" cy="276999"/>
+                </a:xfrm>
+                <a:prstGeom prst="rect">
+                  <a:avLst/>
+                </a:prstGeom>
+                <a:noFill/>
+              </p:spPr>
+              <p:txBody>
+                <a:bodyPr wrap="square" rtlCol="0">
+                  <a:spAutoFit/>
+                </a:bodyPr>
+                <a:lstStyle/>
+                <a:p>
+                  <a:pPr algn="ctr"/>
+                  <a:r>
+                    <a:rPr lang="en-US" altLang="ko-KR" sz="1200" b="1">
+                      <a:solidFill>
+                        <a:srgbClr val="00B050"/>
+                      </a:solidFill>
+                      <a:latin typeface="나눔바른고딕" panose="020B0603020101020101" pitchFamily="50" charset="-127"/>
+                      <a:ea typeface="나눔바른고딕" panose="020B0603020101020101" pitchFamily="50" charset="-127"/>
+                    </a:rPr>
+                    <a:t>Pitch</a:t>
+                  </a:r>
+                  <a:endParaRPr lang="ko-KR" altLang="en-US" sz="1200" b="1">
+                    <a:solidFill>
+                      <a:srgbClr val="00B050"/>
+                    </a:solidFill>
+                    <a:latin typeface="나눔바른고딕" panose="020B0603020101020101" pitchFamily="50" charset="-127"/>
+                    <a:ea typeface="나눔바른고딕" panose="020B0603020101020101" pitchFamily="50" charset="-127"/>
+                  </a:endParaRPr>
+                </a:p>
+              </p:txBody>
+            </p:sp>
+            <p:sp>
+              <p:nvSpPr>
+                <p:cNvPr id="116" name="TextBox 115">
+                  <a:extLst>
+                    <a:ext uri="{FF2B5EF4-FFF2-40B4-BE49-F238E27FC236}">
+                      <a16:creationId xmlns:a16="http://schemas.microsoft.com/office/drawing/2014/main" id="{B11B8BDF-39FB-E799-4F47-19024D4CCBE4}"/>
+                    </a:ext>
+                  </a:extLst>
+                </p:cNvPr>
+                <p:cNvSpPr txBox="1"/>
+                <p:nvPr/>
+              </p:nvSpPr>
+              <p:spPr>
+                <a:xfrm>
+                  <a:off x="7681183" y="2085332"/>
+                  <a:ext cx="645692" cy="276999"/>
+                </a:xfrm>
+                <a:prstGeom prst="rect">
+                  <a:avLst/>
+                </a:prstGeom>
+                <a:noFill/>
+              </p:spPr>
+              <p:txBody>
+                <a:bodyPr wrap="square" rtlCol="0">
+                  <a:spAutoFit/>
+                </a:bodyPr>
+                <a:lstStyle/>
+                <a:p>
+                  <a:pPr algn="ctr"/>
+                  <a:r>
+                    <a:rPr lang="en-US" altLang="ko-KR" sz="1200" b="1">
+                      <a:solidFill>
+                        <a:srgbClr val="0000FF"/>
+                      </a:solidFill>
+                      <a:latin typeface="나눔바른고딕" panose="020B0603020101020101" pitchFamily="50" charset="-127"/>
+                      <a:ea typeface="나눔바른고딕" panose="020B0603020101020101" pitchFamily="50" charset="-127"/>
+                    </a:rPr>
+                    <a:t>Yaw</a:t>
+                  </a:r>
+                  <a:endParaRPr lang="ko-KR" altLang="en-US" sz="1200" b="1">
+                    <a:solidFill>
+                      <a:srgbClr val="0000FF"/>
+                    </a:solidFill>
+                    <a:latin typeface="나눔바른고딕" panose="020B0603020101020101" pitchFamily="50" charset="-127"/>
+                    <a:ea typeface="나눔바른고딕" panose="020B0603020101020101" pitchFamily="50" charset="-127"/>
+                  </a:endParaRPr>
+                </a:p>
+              </p:txBody>
+            </p:sp>
+          </p:grpSp>
+          <p:sp>
+            <p:nvSpPr>
+              <p:cNvPr id="100" name="타원 99">
+                <a:extLst>
+                  <a:ext uri="{FF2B5EF4-FFF2-40B4-BE49-F238E27FC236}">
+                    <a16:creationId xmlns:a16="http://schemas.microsoft.com/office/drawing/2014/main" id="{3C50A585-CFBA-DDEF-4029-3BFFA0692106}"/>
+                  </a:ext>
+                </a:extLst>
+              </p:cNvPr>
+              <p:cNvSpPr/>
+              <p:nvPr/>
+            </p:nvSpPr>
+            <p:spPr>
+              <a:xfrm>
+                <a:off x="6226223" y="4152961"/>
+                <a:ext cx="85297" cy="85297"/>
+              </a:xfrm>
+              <a:prstGeom prst="ellipse">
+                <a:avLst/>
+              </a:prstGeom>
+              <a:solidFill>
+                <a:schemeClr val="tx1"/>
+              </a:solidFill>
+              <a:ln>
+                <a:solidFill>
+                  <a:schemeClr val="tx1"/>
+                </a:solidFill>
+              </a:ln>
+            </p:spPr>
+            <p:style>
+              <a:lnRef idx="2">
+                <a:schemeClr val="accent1">
+                  <a:shade val="15000"/>
+                </a:schemeClr>
+              </a:lnRef>
+              <a:fillRef idx="1">
+                <a:schemeClr val="accent1"/>
+              </a:fillRef>
+              <a:effectRef idx="0">
+                <a:schemeClr val="accent1"/>
+              </a:effectRef>
+              <a:fontRef idx="minor">
+                <a:schemeClr val="lt1"/>
+              </a:fontRef>
+            </p:style>
+            <p:txBody>
+              <a:bodyPr rtlCol="0" anchor="ctr"/>
+              <a:lstStyle/>
+              <a:p>
+                <a:pPr algn="ctr"/>
+                <a:endParaRPr lang="ko-KR" altLang="en-US"/>
+              </a:p>
+            </p:txBody>
+          </p:sp>
+          <p:cxnSp>
+            <p:nvCxnSpPr>
+              <p:cNvPr id="101" name="직선 연결선 100">
+                <a:extLst>
+                  <a:ext uri="{FF2B5EF4-FFF2-40B4-BE49-F238E27FC236}">
+                    <a16:creationId xmlns:a16="http://schemas.microsoft.com/office/drawing/2014/main" id="{7B00F530-5DF5-81D6-B7A9-A9469053174F}"/>
+                  </a:ext>
+                </a:extLst>
+              </p:cNvPr>
+              <p:cNvCxnSpPr>
+                <a:cxnSpLocks/>
+                <a:stCxn id="100" idx="4"/>
+              </p:cNvCxnSpPr>
+              <p:nvPr/>
+            </p:nvCxnSpPr>
+            <p:spPr>
+              <a:xfrm>
+                <a:off x="6268872" y="4238258"/>
+                <a:ext cx="0" cy="1349742"/>
+              </a:xfrm>
+              <a:prstGeom prst="line">
+                <a:avLst/>
+              </a:prstGeom>
+              <a:ln>
+                <a:solidFill>
+                  <a:srgbClr val="0000FF"/>
+                </a:solidFill>
+                <a:prstDash val="sysDash"/>
+              </a:ln>
+            </p:spPr>
+            <p:style>
+              <a:lnRef idx="2">
+                <a:schemeClr val="accent1"/>
+              </a:lnRef>
+              <a:fillRef idx="0">
+                <a:schemeClr val="accent1"/>
+              </a:fillRef>
+              <a:effectRef idx="1">
+                <a:schemeClr val="accent1"/>
+              </a:effectRef>
+              <a:fontRef idx="minor">
+                <a:schemeClr val="tx1"/>
+              </a:fontRef>
+            </p:style>
+          </p:cxnSp>
+          <p:cxnSp>
+            <p:nvCxnSpPr>
+              <p:cNvPr id="102" name="직선 연결선 101">
+                <a:extLst>
+                  <a:ext uri="{FF2B5EF4-FFF2-40B4-BE49-F238E27FC236}">
+                    <a16:creationId xmlns:a16="http://schemas.microsoft.com/office/drawing/2014/main" id="{A87B8CBE-5DFD-34AC-C1E9-B260EB8589D4}"/>
+                  </a:ext>
+                </a:extLst>
+              </p:cNvPr>
+              <p:cNvCxnSpPr>
+                <a:stCxn id="104" idx="5"/>
+              </p:cNvCxnSpPr>
+              <p:nvPr/>
+            </p:nvCxnSpPr>
+            <p:spPr>
+              <a:xfrm>
+                <a:off x="5914578" y="4906956"/>
+                <a:ext cx="354294" cy="696160"/>
+              </a:xfrm>
+              <a:prstGeom prst="line">
+                <a:avLst/>
+              </a:prstGeom>
+              <a:ln>
+                <a:solidFill>
+                  <a:srgbClr val="FFC000"/>
+                </a:solidFill>
+                <a:prstDash val="sysDash"/>
+              </a:ln>
+            </p:spPr>
+            <p:style>
+              <a:lnRef idx="2">
+                <a:schemeClr val="accent1"/>
+              </a:lnRef>
+              <a:fillRef idx="0">
+                <a:schemeClr val="accent1"/>
+              </a:fillRef>
+              <a:effectRef idx="1">
+                <a:schemeClr val="accent1"/>
+              </a:effectRef>
+              <a:fontRef idx="minor">
+                <a:schemeClr val="tx1"/>
+              </a:fontRef>
+            </p:style>
+          </p:cxnSp>
+          <p:sp>
+            <p:nvSpPr>
+              <p:cNvPr id="103" name="부분 원형 102">
+                <a:extLst>
+                  <a:ext uri="{FF2B5EF4-FFF2-40B4-BE49-F238E27FC236}">
+                    <a16:creationId xmlns:a16="http://schemas.microsoft.com/office/drawing/2014/main" id="{ED1B8D58-834D-862B-ADBE-12667EF0AAE7}"/>
+                  </a:ext>
+                </a:extLst>
+              </p:cNvPr>
+              <p:cNvSpPr/>
+              <p:nvPr/>
+            </p:nvSpPr>
+            <p:spPr>
+              <a:xfrm>
+                <a:off x="5330539" y="4329247"/>
+                <a:ext cx="1092530" cy="1092530"/>
+              </a:xfrm>
+              <a:prstGeom prst="pie">
+                <a:avLst>
+                  <a:gd name="adj1" fmla="val 3634440"/>
+                  <a:gd name="adj2" fmla="val 8023040"/>
+                </a:avLst>
+              </a:prstGeom>
+              <a:solidFill>
+                <a:srgbClr val="FFC000">
+                  <a:alpha val="30000"/>
+                </a:srgbClr>
+              </a:solidFill>
+              <a:ln>
+                <a:noFill/>
+              </a:ln>
+            </p:spPr>
+            <p:style>
+              <a:lnRef idx="2">
+                <a:schemeClr val="accent1">
+                  <a:shade val="15000"/>
+                </a:schemeClr>
+              </a:lnRef>
+              <a:fillRef idx="1">
+                <a:schemeClr val="accent1"/>
+              </a:fillRef>
+              <a:effectRef idx="0">
+                <a:schemeClr val="accent1"/>
+              </a:effectRef>
+              <a:fontRef idx="minor">
+                <a:schemeClr val="lt1"/>
+              </a:fontRef>
+            </p:style>
+            <p:txBody>
+              <a:bodyPr rtlCol="0" anchor="ctr"/>
+              <a:lstStyle/>
+              <a:p>
+                <a:pPr algn="ctr"/>
+                <a:endParaRPr lang="ko-KR" altLang="en-US">
+                  <a:solidFill>
+                    <a:schemeClr val="tx1"/>
+                  </a:solidFill>
+                </a:endParaRPr>
+              </a:p>
+            </p:txBody>
+          </p:sp>
+          <p:sp>
+            <p:nvSpPr>
+              <p:cNvPr id="104" name="타원 103">
+                <a:extLst>
+                  <a:ext uri="{FF2B5EF4-FFF2-40B4-BE49-F238E27FC236}">
+                    <a16:creationId xmlns:a16="http://schemas.microsoft.com/office/drawing/2014/main" id="{D0E878F4-AACB-7321-B99D-D18DEF8D644B}"/>
+                  </a:ext>
+                </a:extLst>
+              </p:cNvPr>
+              <p:cNvSpPr/>
+              <p:nvPr/>
+            </p:nvSpPr>
+            <p:spPr>
+              <a:xfrm>
+                <a:off x="5841772" y="4834150"/>
+                <a:ext cx="85297" cy="85297"/>
+              </a:xfrm>
+              <a:prstGeom prst="ellipse">
+                <a:avLst/>
+              </a:prstGeom>
+              <a:solidFill>
+                <a:schemeClr val="tx1"/>
+              </a:solidFill>
+              <a:ln>
+                <a:solidFill>
+                  <a:schemeClr val="tx1"/>
+                </a:solidFill>
+              </a:ln>
+            </p:spPr>
+            <p:style>
+              <a:lnRef idx="2">
+                <a:schemeClr val="accent1">
+                  <a:shade val="15000"/>
+                </a:schemeClr>
+              </a:lnRef>
+              <a:fillRef idx="1">
+                <a:schemeClr val="accent1"/>
+              </a:fillRef>
+              <a:effectRef idx="0">
+                <a:schemeClr val="accent1"/>
+              </a:effectRef>
+              <a:fontRef idx="minor">
+                <a:schemeClr val="lt1"/>
+              </a:fontRef>
+            </p:style>
+            <p:txBody>
+              <a:bodyPr rtlCol="0" anchor="ctr"/>
+              <a:lstStyle/>
+              <a:p>
+                <a:pPr algn="ctr"/>
+                <a:endParaRPr lang="ko-KR" altLang="en-US"/>
+              </a:p>
+            </p:txBody>
+          </p:sp>
+          <mc:AlternateContent xmlns:mc="http://schemas.openxmlformats.org/markup-compatibility/2006" xmlns:a14="http://schemas.microsoft.com/office/drawing/2010/main">
+            <mc:Choice Requires="a14">
+              <p:sp>
+                <p:nvSpPr>
+                  <p:cNvPr id="105" name="TextBox 104">
+                    <a:extLst>
+                      <a:ext uri="{FF2B5EF4-FFF2-40B4-BE49-F238E27FC236}">
+                        <a16:creationId xmlns:a16="http://schemas.microsoft.com/office/drawing/2014/main" id="{11676888-80ED-6F0E-8FE3-6F5E4D139BE5}"/>
+                      </a:ext>
+                    </a:extLst>
+                  </p:cNvPr>
+                  <p:cNvSpPr txBox="1"/>
+                  <p:nvPr/>
+                </p:nvSpPr>
+                <p:spPr>
+                  <a:xfrm>
+                    <a:off x="5560753" y="5364791"/>
+                    <a:ext cx="245260" cy="276999"/>
+                  </a:xfrm>
+                  <a:prstGeom prst="rect">
+                    <a:avLst/>
+                  </a:prstGeom>
+                  <a:noFill/>
+                </p:spPr>
+                <p:txBody>
+                  <a:bodyPr wrap="none" lIns="0" tIns="0" rIns="0" bIns="0" rtlCol="0">
+                    <a:spAutoFit/>
+                  </a:bodyPr>
+                  <a:lstStyle/>
+                  <a:p>
+                    <a:pPr/>
+                    <a14:m>
+                      <m:oMathPara xmlns:m="http://schemas.openxmlformats.org/officeDocument/2006/math">
+                        <m:oMathParaPr>
+                          <m:jc m:val="center"/>
+                        </m:oMathParaPr>
+                        <m:oMath xmlns:m="http://schemas.openxmlformats.org/officeDocument/2006/math">
+                          <m:r>
+                            <m:rPr>
+                              <m:sty m:val="p"/>
+                            </m:rPr>
+                            <a:rPr lang="en-US" altLang="ko-KR" b="0" i="1" smtClean="0">
+                              <a:solidFill>
+                                <a:srgbClr val="FFC000"/>
+                              </a:solidFill>
+                              <a:latin typeface="Cambria Math" panose="02040503050406030204" pitchFamily="18" charset="0"/>
+                            </a:rPr>
+                            <m:t>ϕ</m:t>
+                          </m:r>
+                        </m:oMath>
+                      </m:oMathPara>
+                    </a14:m>
+                    <a:endParaRPr lang="en-US" altLang="ko-KR" b="0">
+                      <a:solidFill>
+                        <a:srgbClr val="FFC000"/>
+                      </a:solidFill>
+                    </a:endParaRPr>
+                  </a:p>
+                </p:txBody>
+              </p:sp>
+            </mc:Choice>
+            <mc:Fallback xmlns="">
+              <p:sp>
+                <p:nvSpPr>
+                  <p:cNvPr id="99" name="TextBox 98">
+                    <a:extLst>
+                      <a:ext uri="{FF2B5EF4-FFF2-40B4-BE49-F238E27FC236}">
+                        <a16:creationId xmlns:a16="http://schemas.microsoft.com/office/drawing/2014/main" id="{7F8C04F4-C071-57F7-58E0-1AB921CC16E3}"/>
+                      </a:ext>
+                    </a:extLst>
+                  </p:cNvPr>
+                  <p:cNvSpPr txBox="1">
+                    <a:spLocks noRot="1" noChangeAspect="1" noMove="1" noResize="1" noEditPoints="1" noAdjustHandles="1" noChangeArrowheads="1" noChangeShapeType="1" noTextEdit="1"/>
+                  </p:cNvSpPr>
+                  <p:nvPr/>
+                </p:nvSpPr>
+                <p:spPr>
+                  <a:xfrm>
+                    <a:off x="5560753" y="5364791"/>
+                    <a:ext cx="245260" cy="276999"/>
+                  </a:xfrm>
+                  <a:prstGeom prst="rect">
+                    <a:avLst/>
+                  </a:prstGeom>
+                  <a:blipFill>
+                    <a:blip r:embed="rId3"/>
+                    <a:stretch>
+                      <a:fillRect l="-24390" r="-26829" b="-40000"/>
+                    </a:stretch>
+                  </a:blipFill>
+                </p:spPr>
+                <p:txBody>
+                  <a:bodyPr/>
+                  <a:lstStyle/>
+                  <a:p>
+                    <a:r>
+                      <a:rPr lang="ko-KR" altLang="en-US">
+                        <a:noFill/>
+                      </a:rPr>
+                      <a:t> </a:t>
+                    </a:r>
+                  </a:p>
+                </p:txBody>
+              </p:sp>
+            </mc:Fallback>
+          </mc:AlternateContent>
+          <mc:AlternateContent xmlns:mc="http://schemas.openxmlformats.org/markup-compatibility/2006">
+            <mc:Choice xmlns:a14="http://schemas.microsoft.com/office/drawing/2010/main" Requires="a14">
+              <p:sp>
+                <p:nvSpPr>
+                  <p:cNvPr id="106" name="TextBox 105">
+                    <a:extLst>
+                      <a:ext uri="{FF2B5EF4-FFF2-40B4-BE49-F238E27FC236}">
+                        <a16:creationId xmlns:a16="http://schemas.microsoft.com/office/drawing/2014/main" id="{523FEA09-53D9-676A-71ED-E73B474D8B7B}"/>
+                      </a:ext>
+                    </a:extLst>
+                  </p:cNvPr>
+                  <p:cNvSpPr txBox="1"/>
+                  <p:nvPr/>
+                </p:nvSpPr>
+                <p:spPr>
+                  <a:xfrm>
+                    <a:off x="5932335" y="4223835"/>
+                    <a:ext cx="195823" cy="276999"/>
+                  </a:xfrm>
+                  <a:prstGeom prst="rect">
+                    <a:avLst/>
+                  </a:prstGeom>
+                  <a:noFill/>
+                </p:spPr>
+                <p:txBody>
+                  <a:bodyPr wrap="none" lIns="0" tIns="0" rIns="0" bIns="0" rtlCol="0">
+                    <a:spAutoFit/>
+                  </a:bodyPr>
+                  <a:lstStyle/>
+                  <a:p>
+                    <a:pPr/>
+                    <a14:m>
+                      <m:oMathPara xmlns:m="http://schemas.openxmlformats.org/officeDocument/2006/math">
+                        <m:oMathParaPr>
+                          <m:jc m:val="center"/>
+                        </m:oMathParaPr>
+                        <m:oMath xmlns:m="http://schemas.openxmlformats.org/officeDocument/2006/math">
+                          <m:r>
+                            <a:rPr lang="en-US" altLang="ko-KR" b="0" i="1" smtClean="0">
+                              <a:solidFill>
+                                <a:srgbClr val="00FFFF"/>
+                              </a:solidFill>
+                              <a:latin typeface="Cambria Math" panose="02040503050406030204" pitchFamily="18" charset="0"/>
+                            </a:rPr>
+                            <m:t>𝑟</m:t>
+                          </m:r>
+                        </m:oMath>
+                      </m:oMathPara>
+                    </a14:m>
+                    <a:endParaRPr lang="en-US" altLang="ko-KR" b="0">
+                      <a:solidFill>
+                        <a:srgbClr val="FFC000"/>
+                      </a:solidFill>
+                    </a:endParaRPr>
+                  </a:p>
+                </p:txBody>
+              </p:sp>
+            </mc:Choice>
+            <mc:Fallback>
+              <p:sp>
+                <p:nvSpPr>
+                  <p:cNvPr id="106" name="TextBox 105">
+                    <a:extLst>
+                      <a:ext uri="{FF2B5EF4-FFF2-40B4-BE49-F238E27FC236}">
+                        <a16:creationId xmlns:a16="http://schemas.microsoft.com/office/drawing/2014/main" id="{523FEA09-53D9-676A-71ED-E73B474D8B7B}"/>
+                      </a:ext>
+                    </a:extLst>
+                  </p:cNvPr>
+                  <p:cNvSpPr txBox="1">
+                    <a:spLocks noRot="1" noChangeAspect="1" noMove="1" noResize="1" noEditPoints="1" noAdjustHandles="1" noChangeArrowheads="1" noChangeShapeType="1" noTextEdit="1"/>
+                  </p:cNvSpPr>
+                  <p:nvPr/>
+                </p:nvSpPr>
+                <p:spPr>
+                  <a:xfrm>
+                    <a:off x="5932335" y="4223835"/>
+                    <a:ext cx="195823" cy="276999"/>
+                  </a:xfrm>
+                  <a:prstGeom prst="rect">
+                    <a:avLst/>
+                  </a:prstGeom>
+                  <a:blipFill>
+                    <a:blip r:embed="rId8"/>
+                    <a:stretch>
+                      <a:fillRect l="-9375" r="-9375" b="-4444"/>
+                    </a:stretch>
+                  </a:blipFill>
+                </p:spPr>
+                <p:txBody>
+                  <a:bodyPr/>
+                  <a:lstStyle/>
+                  <a:p>
+                    <a:r>
+                      <a:rPr lang="ko-KR" altLang="en-US">
+                        <a:noFill/>
+                      </a:rPr>
+                      <a:t> </a:t>
+                    </a:r>
+                  </a:p>
+                </p:txBody>
+              </p:sp>
+            </mc:Fallback>
+          </mc:AlternateContent>
+          <mc:AlternateContent xmlns:mc="http://schemas.openxmlformats.org/markup-compatibility/2006">
+            <mc:Choice xmlns:a14="http://schemas.microsoft.com/office/drawing/2010/main" Requires="a14">
+              <p:sp>
+                <p:nvSpPr>
+                  <p:cNvPr id="107" name="TextBox 106">
+                    <a:extLst>
+                      <a:ext uri="{FF2B5EF4-FFF2-40B4-BE49-F238E27FC236}">
+                        <a16:creationId xmlns:a16="http://schemas.microsoft.com/office/drawing/2014/main" id="{62E7DDFD-8365-54A5-64AF-A83AEA3D9068}"/>
+                      </a:ext>
+                    </a:extLst>
+                  </p:cNvPr>
+                  <p:cNvSpPr txBox="1"/>
+                  <p:nvPr/>
+                </p:nvSpPr>
+                <p:spPr>
+                  <a:xfrm>
+                    <a:off x="6251250" y="3822759"/>
+                    <a:ext cx="1008225" cy="276999"/>
+                  </a:xfrm>
+                  <a:prstGeom prst="rect">
+                    <a:avLst/>
+                  </a:prstGeom>
+                  <a:noFill/>
+                </p:spPr>
+                <p:txBody>
+                  <a:bodyPr wrap="none" lIns="0" tIns="0" rIns="0" bIns="0" rtlCol="0">
+                    <a:spAutoFit/>
+                  </a:bodyPr>
+                  <a:lstStyle/>
+                  <a:p>
+                    <a:pPr/>
+                    <a14:m>
+                      <m:oMathPara xmlns:m="http://schemas.openxmlformats.org/officeDocument/2006/math">
+                        <m:oMathParaPr>
+                          <m:jc m:val="centerGroup"/>
+                        </m:oMathParaPr>
+                        <m:oMath xmlns:m="http://schemas.openxmlformats.org/officeDocument/2006/math">
+                          <m:r>
+                            <a:rPr lang="en-US" altLang="ko-KR" b="0" i="1" smtClean="0">
+                              <a:latin typeface="Cambria Math" panose="02040503050406030204" pitchFamily="18" charset="0"/>
+                            </a:rPr>
+                            <m:t>𝑃</m:t>
+                          </m:r>
+                          <m:r>
+                            <a:rPr lang="en-US" altLang="ko-KR" b="0" i="1" smtClean="0">
+                              <a:latin typeface="Cambria Math" panose="02040503050406030204" pitchFamily="18" charset="0"/>
+                            </a:rPr>
+                            <m:t>(</m:t>
+                          </m:r>
+                          <m:r>
+                            <a:rPr lang="en-US" altLang="ko-KR" b="0" i="1" smtClean="0">
+                              <a:latin typeface="Cambria Math" panose="02040503050406030204" pitchFamily="18" charset="0"/>
+                            </a:rPr>
+                            <m:t>𝑟</m:t>
+                          </m:r>
+                          <m:r>
+                            <a:rPr lang="en-US" altLang="ko-KR" b="0" i="1" smtClean="0">
+                              <a:latin typeface="Cambria Math" panose="02040503050406030204" pitchFamily="18" charset="0"/>
+                            </a:rPr>
+                            <m:t>, </m:t>
+                          </m:r>
+                          <m:r>
+                            <a:rPr lang="en-US" altLang="ko-KR" b="0" i="1" smtClean="0">
+                              <a:latin typeface="Cambria Math" panose="02040503050406030204" pitchFamily="18" charset="0"/>
+                            </a:rPr>
+                            <m:t>𝜃</m:t>
+                          </m:r>
+                          <m:r>
+                            <a:rPr lang="en-US" altLang="ko-KR" b="0" i="1" smtClean="0">
+                              <a:latin typeface="Cambria Math" panose="02040503050406030204" pitchFamily="18" charset="0"/>
+                            </a:rPr>
+                            <m:t>, </m:t>
+                          </m:r>
+                          <m:r>
+                            <a:rPr lang="en-US" altLang="ko-KR" b="0" i="1" smtClean="0">
+                              <a:latin typeface="Cambria Math" panose="02040503050406030204" pitchFamily="18" charset="0"/>
+                            </a:rPr>
+                            <m:t>𝜙</m:t>
+                          </m:r>
+                          <m:r>
+                            <a:rPr lang="en-US" altLang="ko-KR" b="0" i="1" smtClean="0">
+                              <a:latin typeface="Cambria Math" panose="02040503050406030204" pitchFamily="18" charset="0"/>
+                            </a:rPr>
+                            <m:t>)</m:t>
+                          </m:r>
+                        </m:oMath>
+                      </m:oMathPara>
+                    </a14:m>
+                    <a:endParaRPr lang="ko-KR" altLang="en-US"/>
+                  </a:p>
+                </p:txBody>
+              </p:sp>
+            </mc:Choice>
+            <mc:Fallback>
+              <p:sp>
+                <p:nvSpPr>
+                  <p:cNvPr id="107" name="TextBox 106">
+                    <a:extLst>
+                      <a:ext uri="{FF2B5EF4-FFF2-40B4-BE49-F238E27FC236}">
+                        <a16:creationId xmlns:a16="http://schemas.microsoft.com/office/drawing/2014/main" id="{62E7DDFD-8365-54A5-64AF-A83AEA3D9068}"/>
+                      </a:ext>
+                    </a:extLst>
+                  </p:cNvPr>
+                  <p:cNvSpPr txBox="1">
+                    <a:spLocks noRot="1" noChangeAspect="1" noMove="1" noResize="1" noEditPoints="1" noAdjustHandles="1" noChangeArrowheads="1" noChangeShapeType="1" noTextEdit="1"/>
+                  </p:cNvSpPr>
+                  <p:nvPr/>
+                </p:nvSpPr>
+                <p:spPr>
+                  <a:xfrm>
+                    <a:off x="6251250" y="3822759"/>
+                    <a:ext cx="1008225" cy="276999"/>
+                  </a:xfrm>
+                  <a:prstGeom prst="rect">
+                    <a:avLst/>
+                  </a:prstGeom>
+                  <a:blipFill>
+                    <a:blip r:embed="rId9"/>
+                    <a:stretch>
+                      <a:fillRect l="-3636" r="-6667" b="-40000"/>
+                    </a:stretch>
+                  </a:blipFill>
+                </p:spPr>
+                <p:txBody>
+                  <a:bodyPr/>
+                  <a:lstStyle/>
+                  <a:p>
+                    <a:r>
+                      <a:rPr lang="ko-KR" altLang="en-US">
+                        <a:noFill/>
+                      </a:rPr>
+                      <a:t> </a:t>
+                    </a:r>
+                  </a:p>
+                </p:txBody>
+              </p:sp>
+            </mc:Fallback>
+          </mc:AlternateContent>
+        </p:grpSp>
+        <p:sp>
+          <p:nvSpPr>
+            <p:cNvPr id="96" name="화살표: 왼쪽/오른쪽 95">
+              <a:extLst>
+                <a:ext uri="{FF2B5EF4-FFF2-40B4-BE49-F238E27FC236}">
+                  <a16:creationId xmlns:a16="http://schemas.microsoft.com/office/drawing/2014/main" id="{6A6BDD68-9A2F-E8BE-1114-9FC3106651AA}"/>
+                </a:ext>
+              </a:extLst>
+            </p:cNvPr>
+            <p:cNvSpPr/>
+            <p:nvPr/>
+          </p:nvSpPr>
+          <p:spPr>
+            <a:xfrm>
+              <a:off x="3709018" y="4238258"/>
+              <a:ext cx="848659" cy="457466"/>
+            </a:xfrm>
+            <a:prstGeom prst="leftRightArrow">
+              <a:avLst/>
+            </a:prstGeom>
+            <a:solidFill>
+              <a:schemeClr val="accent4">
+                <a:alpha val="50000"/>
+              </a:schemeClr>
+            </a:solidFill>
+            <a:ln>
+              <a:noFill/>
+            </a:ln>
+          </p:spPr>
+          <p:style>
+            <a:lnRef idx="0">
+              <a:scrgbClr r="0" g="0" b="0"/>
+            </a:lnRef>
+            <a:fillRef idx="0">
+              <a:scrgbClr r="0" g="0" b="0"/>
+            </a:fillRef>
+            <a:effectRef idx="0">
+              <a:scrgbClr r="0" g="0" b="0"/>
+            </a:effectRef>
+            <a:fontRef idx="minor">
+              <a:schemeClr val="lt1"/>
+            </a:fontRef>
+          </p:style>
+          <p:txBody>
+            <a:bodyPr rtlCol="0" anchor="ctr"/>
+            <a:lstStyle/>
+            <a:p>
+              <a:pPr algn="ctr"/>
+              <a:endParaRPr lang="ko-KR" altLang="en-US"/>
+            </a:p>
+          </p:txBody>
+        </p:sp>
+        <p:sp>
+          <p:nvSpPr>
+            <p:cNvPr id="97" name="TextBox 96">
+              <a:extLst>
+                <a:ext uri="{FF2B5EF4-FFF2-40B4-BE49-F238E27FC236}">
+                  <a16:creationId xmlns:a16="http://schemas.microsoft.com/office/drawing/2014/main" id="{A322B3DA-391E-96BA-B093-07954A5FD6A6}"/>
+                </a:ext>
+              </a:extLst>
+            </p:cNvPr>
+            <p:cNvSpPr txBox="1"/>
+            <p:nvPr/>
+          </p:nvSpPr>
+          <p:spPr>
+            <a:xfrm>
+              <a:off x="1195271" y="2913045"/>
+              <a:ext cx="1261884" cy="369332"/>
+            </a:xfrm>
+            <a:prstGeom prst="rect">
+              <a:avLst/>
+            </a:prstGeom>
+            <a:noFill/>
+          </p:spPr>
+          <p:txBody>
+            <a:bodyPr wrap="none" rtlCol="0">
+              <a:spAutoFit/>
+            </a:bodyPr>
+            <a:lstStyle/>
+            <a:p>
+              <a:r>
+                <a:rPr lang="ko-KR" altLang="en-US">
+                  <a:latin typeface="나눔바른고딕" panose="020B0603020101020101" pitchFamily="50" charset="-127"/>
+                  <a:ea typeface="나눔바른고딕" panose="020B0603020101020101" pitchFamily="50" charset="-127"/>
+                </a:rPr>
+                <a:t>직교 좌표계</a:t>
+              </a:r>
+            </a:p>
+          </p:txBody>
+        </p:sp>
+        <p:sp>
+          <p:nvSpPr>
+            <p:cNvPr id="98" name="TextBox 97">
+              <a:extLst>
+                <a:ext uri="{FF2B5EF4-FFF2-40B4-BE49-F238E27FC236}">
+                  <a16:creationId xmlns:a16="http://schemas.microsoft.com/office/drawing/2014/main" id="{24048462-ADD4-5241-D4A7-61ABFEE07397}"/>
+                </a:ext>
+              </a:extLst>
+            </p:cNvPr>
+            <p:cNvSpPr txBox="1"/>
+            <p:nvPr/>
+          </p:nvSpPr>
+          <p:spPr>
+            <a:xfrm>
+              <a:off x="5494349" y="2913045"/>
+              <a:ext cx="1261884" cy="369332"/>
+            </a:xfrm>
+            <a:prstGeom prst="rect">
+              <a:avLst/>
+            </a:prstGeom>
+            <a:noFill/>
+          </p:spPr>
+          <p:txBody>
+            <a:bodyPr wrap="none" rtlCol="0">
+              <a:spAutoFit/>
+            </a:bodyPr>
+            <a:lstStyle/>
+            <a:p>
+              <a:r>
+                <a:rPr lang="ko-KR" altLang="en-US">
+                  <a:latin typeface="나눔바른고딕" panose="020B0603020101020101" pitchFamily="50" charset="-127"/>
+                  <a:ea typeface="나눔바른고딕" panose="020B0603020101020101" pitchFamily="50" charset="-127"/>
+                </a:rPr>
+                <a:t>구면 좌표계</a:t>
+              </a:r>
+            </a:p>
+          </p:txBody>
+        </p:sp>
+      </p:grpSp>
+    </p:spTree>
+    <p:extLst>
+      <p:ext uri="{BB962C8B-B14F-4D97-AF65-F5344CB8AC3E}">
+        <p14:creationId xmlns:p14="http://schemas.microsoft.com/office/powerpoint/2010/main" val="3272655180"/>
+      </p:ext>
+    </p:extLst>
+  </p:cSld>
+  <p:clrMapOvr>
+    <a:masterClrMapping/>
+  </p:clrMapOvr>
+</p:sld>
+</file>
+
+<file path=ppt/slides/slide6.xml><?xml version="1.0" encoding="utf-8"?>
 <p:sld xmlns:a="http://schemas.openxmlformats.org/drawingml/2006/main" xmlns:r="http://schemas.openxmlformats.org/officeDocument/2006/relationships" xmlns:p="http://schemas.openxmlformats.org/presentationml/2006/main">
   <p:cSld>
     <p:spTree>
